--- a/doc/论文中期报告-刘凤桐.pptx
+++ b/doc/论文中期报告-刘凤桐.pptx
@@ -5,7 +5,7 @@
     <p:sldMasterId id="2147483648" r:id="rId1"/>
   </p:sldMasterIdLst>
   <p:notesMasterIdLst>
-    <p:notesMasterId r:id="rId13"/>
+    <p:notesMasterId r:id="rId12"/>
   </p:notesMasterIdLst>
   <p:sldIdLst>
     <p:sldId id="256" r:id="rId2"/>
@@ -15,10 +15,9 @@
     <p:sldId id="272" r:id="rId6"/>
     <p:sldId id="271" r:id="rId7"/>
     <p:sldId id="259" r:id="rId8"/>
-    <p:sldId id="260" r:id="rId9"/>
-    <p:sldId id="261" r:id="rId10"/>
-    <p:sldId id="262" r:id="rId11"/>
-    <p:sldId id="269" r:id="rId12"/>
+    <p:sldId id="261" r:id="rId9"/>
+    <p:sldId id="262" r:id="rId10"/>
+    <p:sldId id="269" r:id="rId11"/>
   </p:sldIdLst>
   <p:sldSz cx="9144000" cy="6858000" type="screen4x3"/>
   <p:notesSz cx="6858000" cy="9144000"/>
@@ -120,6 +119,3290 @@
 </p:presentation>
 </file>
 
+<file path=ppt/diagrams/colors1.xml><?xml version="1.0" encoding="utf-8"?>
+<dgm:colorsDef xmlns:dgm="http://schemas.openxmlformats.org/drawingml/2006/diagram" xmlns:a="http://schemas.openxmlformats.org/drawingml/2006/main" uniqueId="urn:microsoft.com/office/officeart/2005/8/colors/accent1_2">
+  <dgm:title val=""/>
+  <dgm:desc val=""/>
+  <dgm:catLst>
+    <dgm:cat type="accent1" pri="11200"/>
+  </dgm:catLst>
+  <dgm:styleLbl name="node0">
+    <dgm:fillClrLst meth="repeat">
+      <a:schemeClr val="accent1"/>
+    </dgm:fillClrLst>
+    <dgm:linClrLst meth="repeat">
+      <a:schemeClr val="lt1"/>
+    </dgm:linClrLst>
+    <dgm:effectClrLst/>
+    <dgm:txLinClrLst/>
+    <dgm:txFillClrLst/>
+    <dgm:txEffectClrLst/>
+  </dgm:styleLbl>
+  <dgm:styleLbl name="alignNode1">
+    <dgm:fillClrLst meth="repeat">
+      <a:schemeClr val="accent1"/>
+    </dgm:fillClrLst>
+    <dgm:linClrLst meth="repeat">
+      <a:schemeClr val="accent1"/>
+    </dgm:linClrLst>
+    <dgm:effectClrLst/>
+    <dgm:txLinClrLst/>
+    <dgm:txFillClrLst/>
+    <dgm:txEffectClrLst/>
+  </dgm:styleLbl>
+  <dgm:styleLbl name="node1">
+    <dgm:fillClrLst meth="repeat">
+      <a:schemeClr val="accent1"/>
+    </dgm:fillClrLst>
+    <dgm:linClrLst meth="repeat">
+      <a:schemeClr val="lt1"/>
+    </dgm:linClrLst>
+    <dgm:effectClrLst/>
+    <dgm:txLinClrLst/>
+    <dgm:txFillClrLst/>
+    <dgm:txEffectClrLst/>
+  </dgm:styleLbl>
+  <dgm:styleLbl name="lnNode1">
+    <dgm:fillClrLst meth="repeat">
+      <a:schemeClr val="accent1"/>
+    </dgm:fillClrLst>
+    <dgm:linClrLst meth="repeat">
+      <a:schemeClr val="lt1"/>
+    </dgm:linClrLst>
+    <dgm:effectClrLst/>
+    <dgm:txLinClrLst/>
+    <dgm:txFillClrLst/>
+    <dgm:txEffectClrLst/>
+  </dgm:styleLbl>
+  <dgm:styleLbl name="vennNode1">
+    <dgm:fillClrLst meth="repeat">
+      <a:schemeClr val="accent1">
+        <a:alpha val="50000"/>
+      </a:schemeClr>
+    </dgm:fillClrLst>
+    <dgm:linClrLst meth="repeat">
+      <a:schemeClr val="lt1"/>
+    </dgm:linClrLst>
+    <dgm:effectClrLst/>
+    <dgm:txLinClrLst/>
+    <dgm:txFillClrLst/>
+    <dgm:txEffectClrLst/>
+  </dgm:styleLbl>
+  <dgm:styleLbl name="node2">
+    <dgm:fillClrLst meth="repeat">
+      <a:schemeClr val="accent1"/>
+    </dgm:fillClrLst>
+    <dgm:linClrLst meth="repeat">
+      <a:schemeClr val="lt1"/>
+    </dgm:linClrLst>
+    <dgm:effectClrLst/>
+    <dgm:txLinClrLst/>
+    <dgm:txFillClrLst/>
+    <dgm:txEffectClrLst/>
+  </dgm:styleLbl>
+  <dgm:styleLbl name="node3">
+    <dgm:fillClrLst meth="repeat">
+      <a:schemeClr val="accent1"/>
+    </dgm:fillClrLst>
+    <dgm:linClrLst meth="repeat">
+      <a:schemeClr val="lt1"/>
+    </dgm:linClrLst>
+    <dgm:effectClrLst/>
+    <dgm:txLinClrLst/>
+    <dgm:txFillClrLst/>
+    <dgm:txEffectClrLst/>
+  </dgm:styleLbl>
+  <dgm:styleLbl name="node4">
+    <dgm:fillClrLst meth="repeat">
+      <a:schemeClr val="accent1"/>
+    </dgm:fillClrLst>
+    <dgm:linClrLst meth="repeat">
+      <a:schemeClr val="lt1"/>
+    </dgm:linClrLst>
+    <dgm:effectClrLst/>
+    <dgm:txLinClrLst/>
+    <dgm:txFillClrLst/>
+    <dgm:txEffectClrLst/>
+  </dgm:styleLbl>
+  <dgm:styleLbl name="fgImgPlace1">
+    <dgm:fillClrLst meth="repeat">
+      <a:schemeClr val="accent1">
+        <a:tint val="50000"/>
+      </a:schemeClr>
+    </dgm:fillClrLst>
+    <dgm:linClrLst meth="repeat">
+      <a:schemeClr val="lt1"/>
+    </dgm:linClrLst>
+    <dgm:effectClrLst/>
+    <dgm:txLinClrLst/>
+    <dgm:txFillClrLst meth="repeat">
+      <a:schemeClr val="lt1"/>
+    </dgm:txFillClrLst>
+    <dgm:txEffectClrLst/>
+  </dgm:styleLbl>
+  <dgm:styleLbl name="alignImgPlace1">
+    <dgm:fillClrLst meth="repeat">
+      <a:schemeClr val="accent1">
+        <a:tint val="50000"/>
+      </a:schemeClr>
+    </dgm:fillClrLst>
+    <dgm:linClrLst meth="repeat">
+      <a:schemeClr val="lt1"/>
+    </dgm:linClrLst>
+    <dgm:effectClrLst/>
+    <dgm:txLinClrLst/>
+    <dgm:txFillClrLst meth="repeat">
+      <a:schemeClr val="lt1"/>
+    </dgm:txFillClrLst>
+    <dgm:txEffectClrLst/>
+  </dgm:styleLbl>
+  <dgm:styleLbl name="bgImgPlace1">
+    <dgm:fillClrLst meth="repeat">
+      <a:schemeClr val="accent1">
+        <a:tint val="50000"/>
+      </a:schemeClr>
+    </dgm:fillClrLst>
+    <dgm:linClrLst meth="repeat">
+      <a:schemeClr val="lt1"/>
+    </dgm:linClrLst>
+    <dgm:effectClrLst/>
+    <dgm:txLinClrLst/>
+    <dgm:txFillClrLst meth="repeat">
+      <a:schemeClr val="lt1"/>
+    </dgm:txFillClrLst>
+    <dgm:txEffectClrLst/>
+  </dgm:styleLbl>
+  <dgm:styleLbl name="sibTrans2D1">
+    <dgm:fillClrLst meth="repeat">
+      <a:schemeClr val="accent1">
+        <a:tint val="60000"/>
+      </a:schemeClr>
+    </dgm:fillClrLst>
+    <dgm:linClrLst meth="repeat">
+      <a:schemeClr val="accent1">
+        <a:tint val="60000"/>
+      </a:schemeClr>
+    </dgm:linClrLst>
+    <dgm:effectClrLst/>
+    <dgm:txLinClrLst/>
+    <dgm:txFillClrLst/>
+    <dgm:txEffectClrLst/>
+  </dgm:styleLbl>
+  <dgm:styleLbl name="fgSibTrans2D1">
+    <dgm:fillClrLst meth="repeat">
+      <a:schemeClr val="accent1">
+        <a:tint val="60000"/>
+      </a:schemeClr>
+    </dgm:fillClrLst>
+    <dgm:linClrLst meth="repeat">
+      <a:schemeClr val="accent1">
+        <a:tint val="60000"/>
+      </a:schemeClr>
+    </dgm:linClrLst>
+    <dgm:effectClrLst/>
+    <dgm:txLinClrLst/>
+    <dgm:txFillClrLst/>
+    <dgm:txEffectClrLst/>
+  </dgm:styleLbl>
+  <dgm:styleLbl name="bgSibTrans2D1">
+    <dgm:fillClrLst meth="repeat">
+      <a:schemeClr val="accent1">
+        <a:tint val="60000"/>
+      </a:schemeClr>
+    </dgm:fillClrLst>
+    <dgm:linClrLst meth="repeat">
+      <a:schemeClr val="accent1">
+        <a:tint val="60000"/>
+      </a:schemeClr>
+    </dgm:linClrLst>
+    <dgm:effectClrLst/>
+    <dgm:txLinClrLst/>
+    <dgm:txFillClrLst/>
+    <dgm:txEffectClrLst/>
+  </dgm:styleLbl>
+  <dgm:styleLbl name="sibTrans1D1">
+    <dgm:fillClrLst meth="repeat">
+      <a:schemeClr val="accent1"/>
+    </dgm:fillClrLst>
+    <dgm:linClrLst meth="repeat">
+      <a:schemeClr val="accent1"/>
+    </dgm:linClrLst>
+    <dgm:effectClrLst/>
+    <dgm:txLinClrLst/>
+    <dgm:txFillClrLst meth="repeat">
+      <a:schemeClr val="tx1"/>
+    </dgm:txFillClrLst>
+    <dgm:txEffectClrLst/>
+  </dgm:styleLbl>
+  <dgm:styleLbl name="callout">
+    <dgm:fillClrLst meth="repeat">
+      <a:schemeClr val="accent1"/>
+    </dgm:fillClrLst>
+    <dgm:linClrLst meth="repeat">
+      <a:schemeClr val="accent1">
+        <a:tint val="50000"/>
+      </a:schemeClr>
+    </dgm:linClrLst>
+    <dgm:effectClrLst/>
+    <dgm:txLinClrLst/>
+    <dgm:txFillClrLst meth="repeat">
+      <a:schemeClr val="tx1"/>
+    </dgm:txFillClrLst>
+    <dgm:txEffectClrLst/>
+  </dgm:styleLbl>
+  <dgm:styleLbl name="asst0">
+    <dgm:fillClrLst meth="repeat">
+      <a:schemeClr val="accent1"/>
+    </dgm:fillClrLst>
+    <dgm:linClrLst meth="repeat">
+      <a:schemeClr val="lt1"/>
+    </dgm:linClrLst>
+    <dgm:effectClrLst/>
+    <dgm:txLinClrLst/>
+    <dgm:txFillClrLst/>
+    <dgm:txEffectClrLst/>
+  </dgm:styleLbl>
+  <dgm:styleLbl name="asst1">
+    <dgm:fillClrLst meth="repeat">
+      <a:schemeClr val="accent1"/>
+    </dgm:fillClrLst>
+    <dgm:linClrLst meth="repeat">
+      <a:schemeClr val="lt1"/>
+    </dgm:linClrLst>
+    <dgm:effectClrLst/>
+    <dgm:txLinClrLst/>
+    <dgm:txFillClrLst/>
+    <dgm:txEffectClrLst/>
+  </dgm:styleLbl>
+  <dgm:styleLbl name="asst2">
+    <dgm:fillClrLst meth="repeat">
+      <a:schemeClr val="accent1"/>
+    </dgm:fillClrLst>
+    <dgm:linClrLst meth="repeat">
+      <a:schemeClr val="lt1"/>
+    </dgm:linClrLst>
+    <dgm:effectClrLst/>
+    <dgm:txLinClrLst/>
+    <dgm:txFillClrLst/>
+    <dgm:txEffectClrLst/>
+  </dgm:styleLbl>
+  <dgm:styleLbl name="asst3">
+    <dgm:fillClrLst meth="repeat">
+      <a:schemeClr val="accent1"/>
+    </dgm:fillClrLst>
+    <dgm:linClrLst meth="repeat">
+      <a:schemeClr val="lt1"/>
+    </dgm:linClrLst>
+    <dgm:effectClrLst/>
+    <dgm:txLinClrLst/>
+    <dgm:txFillClrLst/>
+    <dgm:txEffectClrLst/>
+  </dgm:styleLbl>
+  <dgm:styleLbl name="asst4">
+    <dgm:fillClrLst meth="repeat">
+      <a:schemeClr val="accent1"/>
+    </dgm:fillClrLst>
+    <dgm:linClrLst meth="repeat">
+      <a:schemeClr val="lt1"/>
+    </dgm:linClrLst>
+    <dgm:effectClrLst/>
+    <dgm:txLinClrLst/>
+    <dgm:txFillClrLst/>
+    <dgm:txEffectClrLst/>
+  </dgm:styleLbl>
+  <dgm:styleLbl name="parChTrans2D1">
+    <dgm:fillClrLst meth="repeat">
+      <a:schemeClr val="accent1">
+        <a:tint val="60000"/>
+      </a:schemeClr>
+    </dgm:fillClrLst>
+    <dgm:linClrLst meth="repeat">
+      <a:schemeClr val="accent1">
+        <a:tint val="60000"/>
+      </a:schemeClr>
+    </dgm:linClrLst>
+    <dgm:effectClrLst/>
+    <dgm:txLinClrLst/>
+    <dgm:txFillClrLst meth="repeat">
+      <a:schemeClr val="lt1"/>
+    </dgm:txFillClrLst>
+    <dgm:txEffectClrLst/>
+  </dgm:styleLbl>
+  <dgm:styleLbl name="parChTrans2D2">
+    <dgm:fillClrLst meth="repeat">
+      <a:schemeClr val="accent1"/>
+    </dgm:fillClrLst>
+    <dgm:linClrLst meth="repeat">
+      <a:schemeClr val="accent1"/>
+    </dgm:linClrLst>
+    <dgm:effectClrLst/>
+    <dgm:txLinClrLst/>
+    <dgm:txFillClrLst meth="repeat">
+      <a:schemeClr val="lt1"/>
+    </dgm:txFillClrLst>
+    <dgm:txEffectClrLst/>
+  </dgm:styleLbl>
+  <dgm:styleLbl name="parChTrans2D3">
+    <dgm:fillClrLst meth="repeat">
+      <a:schemeClr val="accent1"/>
+    </dgm:fillClrLst>
+    <dgm:linClrLst meth="repeat">
+      <a:schemeClr val="accent1"/>
+    </dgm:linClrLst>
+    <dgm:effectClrLst/>
+    <dgm:txLinClrLst/>
+    <dgm:txFillClrLst meth="repeat">
+      <a:schemeClr val="lt1"/>
+    </dgm:txFillClrLst>
+    <dgm:txEffectClrLst/>
+  </dgm:styleLbl>
+  <dgm:styleLbl name="parChTrans2D4">
+    <dgm:fillClrLst meth="repeat">
+      <a:schemeClr val="accent1"/>
+    </dgm:fillClrLst>
+    <dgm:linClrLst meth="repeat">
+      <a:schemeClr val="accent1"/>
+    </dgm:linClrLst>
+    <dgm:effectClrLst/>
+    <dgm:txLinClrLst/>
+    <dgm:txFillClrLst meth="repeat">
+      <a:schemeClr val="lt1"/>
+    </dgm:txFillClrLst>
+    <dgm:txEffectClrLst/>
+  </dgm:styleLbl>
+  <dgm:styleLbl name="parChTrans1D1">
+    <dgm:fillClrLst meth="repeat">
+      <a:schemeClr val="accent1"/>
+    </dgm:fillClrLst>
+    <dgm:linClrLst meth="repeat">
+      <a:schemeClr val="accent1">
+        <a:shade val="60000"/>
+      </a:schemeClr>
+    </dgm:linClrLst>
+    <dgm:effectClrLst/>
+    <dgm:txLinClrLst/>
+    <dgm:txFillClrLst meth="repeat">
+      <a:schemeClr val="tx1"/>
+    </dgm:txFillClrLst>
+    <dgm:txEffectClrLst/>
+  </dgm:styleLbl>
+  <dgm:styleLbl name="parChTrans1D2">
+    <dgm:fillClrLst meth="repeat">
+      <a:schemeClr val="accent1"/>
+    </dgm:fillClrLst>
+    <dgm:linClrLst meth="repeat">
+      <a:schemeClr val="accent1">
+        <a:shade val="60000"/>
+      </a:schemeClr>
+    </dgm:linClrLst>
+    <dgm:effectClrLst/>
+    <dgm:txLinClrLst/>
+    <dgm:txFillClrLst meth="repeat">
+      <a:schemeClr val="tx1"/>
+    </dgm:txFillClrLst>
+    <dgm:txEffectClrLst/>
+  </dgm:styleLbl>
+  <dgm:styleLbl name="parChTrans1D3">
+    <dgm:fillClrLst meth="repeat">
+      <a:schemeClr val="accent1"/>
+    </dgm:fillClrLst>
+    <dgm:linClrLst meth="repeat">
+      <a:schemeClr val="accent1">
+        <a:shade val="80000"/>
+      </a:schemeClr>
+    </dgm:linClrLst>
+    <dgm:effectClrLst/>
+    <dgm:txLinClrLst/>
+    <dgm:txFillClrLst meth="repeat">
+      <a:schemeClr val="tx1"/>
+    </dgm:txFillClrLst>
+    <dgm:txEffectClrLst/>
+  </dgm:styleLbl>
+  <dgm:styleLbl name="parChTrans1D4">
+    <dgm:fillClrLst meth="repeat">
+      <a:schemeClr val="accent1"/>
+    </dgm:fillClrLst>
+    <dgm:linClrLst meth="repeat">
+      <a:schemeClr val="accent1">
+        <a:shade val="80000"/>
+      </a:schemeClr>
+    </dgm:linClrLst>
+    <dgm:effectClrLst/>
+    <dgm:txLinClrLst/>
+    <dgm:txFillClrLst meth="repeat">
+      <a:schemeClr val="tx1"/>
+    </dgm:txFillClrLst>
+    <dgm:txEffectClrLst/>
+  </dgm:styleLbl>
+  <dgm:styleLbl name="fgAcc1">
+    <dgm:fillClrLst meth="repeat">
+      <a:schemeClr val="lt1">
+        <a:alpha val="90000"/>
+      </a:schemeClr>
+    </dgm:fillClrLst>
+    <dgm:linClrLst meth="repeat">
+      <a:schemeClr val="accent1"/>
+    </dgm:linClrLst>
+    <dgm:effectClrLst/>
+    <dgm:txLinClrLst/>
+    <dgm:txFillClrLst meth="repeat">
+      <a:schemeClr val="dk1"/>
+    </dgm:txFillClrLst>
+    <dgm:txEffectClrLst/>
+  </dgm:styleLbl>
+  <dgm:styleLbl name="conFgAcc1">
+    <dgm:fillClrLst meth="repeat">
+      <a:schemeClr val="lt1">
+        <a:alpha val="90000"/>
+      </a:schemeClr>
+    </dgm:fillClrLst>
+    <dgm:linClrLst meth="repeat">
+      <a:schemeClr val="accent1"/>
+    </dgm:linClrLst>
+    <dgm:effectClrLst/>
+    <dgm:txLinClrLst/>
+    <dgm:txFillClrLst meth="repeat">
+      <a:schemeClr val="dk1"/>
+    </dgm:txFillClrLst>
+    <dgm:txEffectClrLst/>
+  </dgm:styleLbl>
+  <dgm:styleLbl name="alignAcc1">
+    <dgm:fillClrLst meth="repeat">
+      <a:schemeClr val="lt1">
+        <a:alpha val="90000"/>
+      </a:schemeClr>
+    </dgm:fillClrLst>
+    <dgm:linClrLst meth="repeat">
+      <a:schemeClr val="accent1"/>
+    </dgm:linClrLst>
+    <dgm:effectClrLst/>
+    <dgm:txLinClrLst/>
+    <dgm:txFillClrLst meth="repeat">
+      <a:schemeClr val="dk1"/>
+    </dgm:txFillClrLst>
+    <dgm:txEffectClrLst/>
+  </dgm:styleLbl>
+  <dgm:styleLbl name="trAlignAcc1">
+    <dgm:fillClrLst meth="repeat">
+      <a:schemeClr val="lt1">
+        <a:alpha val="40000"/>
+      </a:schemeClr>
+    </dgm:fillClrLst>
+    <dgm:linClrLst meth="repeat">
+      <a:schemeClr val="accent1"/>
+    </dgm:linClrLst>
+    <dgm:effectClrLst/>
+    <dgm:txLinClrLst/>
+    <dgm:txFillClrLst meth="repeat">
+      <a:schemeClr val="dk1"/>
+    </dgm:txFillClrLst>
+    <dgm:txEffectClrLst/>
+  </dgm:styleLbl>
+  <dgm:styleLbl name="bgAcc1">
+    <dgm:fillClrLst meth="repeat">
+      <a:schemeClr val="lt1">
+        <a:alpha val="90000"/>
+      </a:schemeClr>
+    </dgm:fillClrLst>
+    <dgm:linClrLst meth="repeat">
+      <a:schemeClr val="accent1"/>
+    </dgm:linClrLst>
+    <dgm:effectClrLst/>
+    <dgm:txLinClrLst/>
+    <dgm:txFillClrLst meth="repeat">
+      <a:schemeClr val="dk1"/>
+    </dgm:txFillClrLst>
+    <dgm:txEffectClrLst/>
+  </dgm:styleLbl>
+  <dgm:styleLbl name="solidFgAcc1">
+    <dgm:fillClrLst meth="repeat">
+      <a:schemeClr val="lt1"/>
+    </dgm:fillClrLst>
+    <dgm:linClrLst meth="repeat">
+      <a:schemeClr val="accent1"/>
+    </dgm:linClrLst>
+    <dgm:effectClrLst/>
+    <dgm:txLinClrLst/>
+    <dgm:txFillClrLst meth="repeat">
+      <a:schemeClr val="dk1"/>
+    </dgm:txFillClrLst>
+    <dgm:txEffectClrLst/>
+  </dgm:styleLbl>
+  <dgm:styleLbl name="solidAlignAcc1">
+    <dgm:fillClrLst meth="repeat">
+      <a:schemeClr val="lt1"/>
+    </dgm:fillClrLst>
+    <dgm:linClrLst meth="repeat">
+      <a:schemeClr val="accent1"/>
+    </dgm:linClrLst>
+    <dgm:effectClrLst/>
+    <dgm:txLinClrLst/>
+    <dgm:txFillClrLst meth="repeat">
+      <a:schemeClr val="dk1"/>
+    </dgm:txFillClrLst>
+    <dgm:txEffectClrLst/>
+  </dgm:styleLbl>
+  <dgm:styleLbl name="solidBgAcc1">
+    <dgm:fillClrLst meth="repeat">
+      <a:schemeClr val="lt1"/>
+    </dgm:fillClrLst>
+    <dgm:linClrLst meth="repeat">
+      <a:schemeClr val="accent1"/>
+    </dgm:linClrLst>
+    <dgm:effectClrLst/>
+    <dgm:txLinClrLst/>
+    <dgm:txFillClrLst meth="repeat">
+      <a:schemeClr val="dk1"/>
+    </dgm:txFillClrLst>
+    <dgm:txEffectClrLst/>
+  </dgm:styleLbl>
+  <dgm:styleLbl name="fgAccFollowNode1">
+    <dgm:fillClrLst meth="repeat">
+      <a:schemeClr val="accent1">
+        <a:alpha val="90000"/>
+        <a:tint val="40000"/>
+      </a:schemeClr>
+    </dgm:fillClrLst>
+    <dgm:linClrLst meth="repeat">
+      <a:schemeClr val="accent1">
+        <a:alpha val="90000"/>
+        <a:tint val="40000"/>
+      </a:schemeClr>
+    </dgm:linClrLst>
+    <dgm:effectClrLst/>
+    <dgm:txLinClrLst/>
+    <dgm:txFillClrLst meth="repeat">
+      <a:schemeClr val="dk1"/>
+    </dgm:txFillClrLst>
+    <dgm:txEffectClrLst/>
+  </dgm:styleLbl>
+  <dgm:styleLbl name="alignAccFollowNode1">
+    <dgm:fillClrLst meth="repeat">
+      <a:schemeClr val="accent1">
+        <a:alpha val="90000"/>
+        <a:tint val="40000"/>
+      </a:schemeClr>
+    </dgm:fillClrLst>
+    <dgm:linClrLst meth="repeat">
+      <a:schemeClr val="accent1">
+        <a:alpha val="90000"/>
+        <a:tint val="40000"/>
+      </a:schemeClr>
+    </dgm:linClrLst>
+    <dgm:effectClrLst/>
+    <dgm:txLinClrLst/>
+    <dgm:txFillClrLst meth="repeat">
+      <a:schemeClr val="dk1"/>
+    </dgm:txFillClrLst>
+    <dgm:txEffectClrLst/>
+  </dgm:styleLbl>
+  <dgm:styleLbl name="bgAccFollowNode1">
+    <dgm:fillClrLst meth="repeat">
+      <a:schemeClr val="accent1">
+        <a:alpha val="90000"/>
+        <a:tint val="40000"/>
+      </a:schemeClr>
+    </dgm:fillClrLst>
+    <dgm:linClrLst meth="repeat">
+      <a:schemeClr val="accent1">
+        <a:alpha val="90000"/>
+        <a:tint val="40000"/>
+      </a:schemeClr>
+    </dgm:linClrLst>
+    <dgm:effectClrLst/>
+    <dgm:txLinClrLst/>
+    <dgm:txFillClrLst meth="repeat">
+      <a:schemeClr val="dk1"/>
+    </dgm:txFillClrLst>
+    <dgm:txEffectClrLst/>
+  </dgm:styleLbl>
+  <dgm:styleLbl name="fgAcc0">
+    <dgm:fillClrLst meth="repeat">
+      <a:schemeClr val="lt1">
+        <a:alpha val="90000"/>
+      </a:schemeClr>
+    </dgm:fillClrLst>
+    <dgm:linClrLst meth="repeat">
+      <a:schemeClr val="accent1"/>
+    </dgm:linClrLst>
+    <dgm:effectClrLst/>
+    <dgm:txLinClrLst/>
+    <dgm:txFillClrLst meth="repeat">
+      <a:schemeClr val="dk1"/>
+    </dgm:txFillClrLst>
+    <dgm:txEffectClrLst/>
+  </dgm:styleLbl>
+  <dgm:styleLbl name="fgAcc2">
+    <dgm:fillClrLst meth="repeat">
+      <a:schemeClr val="lt1">
+        <a:alpha val="90000"/>
+      </a:schemeClr>
+    </dgm:fillClrLst>
+    <dgm:linClrLst meth="repeat">
+      <a:schemeClr val="accent1"/>
+    </dgm:linClrLst>
+    <dgm:effectClrLst/>
+    <dgm:txLinClrLst/>
+    <dgm:txFillClrLst meth="repeat">
+      <a:schemeClr val="dk1"/>
+    </dgm:txFillClrLst>
+    <dgm:txEffectClrLst/>
+  </dgm:styleLbl>
+  <dgm:styleLbl name="fgAcc3">
+    <dgm:fillClrLst meth="repeat">
+      <a:schemeClr val="lt1">
+        <a:alpha val="90000"/>
+      </a:schemeClr>
+    </dgm:fillClrLst>
+    <dgm:linClrLst meth="repeat">
+      <a:schemeClr val="accent1"/>
+    </dgm:linClrLst>
+    <dgm:effectClrLst/>
+    <dgm:txLinClrLst/>
+    <dgm:txFillClrLst meth="repeat">
+      <a:schemeClr val="dk1"/>
+    </dgm:txFillClrLst>
+    <dgm:txEffectClrLst/>
+  </dgm:styleLbl>
+  <dgm:styleLbl name="fgAcc4">
+    <dgm:fillClrLst meth="repeat">
+      <a:schemeClr val="lt1">
+        <a:alpha val="90000"/>
+      </a:schemeClr>
+    </dgm:fillClrLst>
+    <dgm:linClrLst meth="repeat">
+      <a:schemeClr val="accent1"/>
+    </dgm:linClrLst>
+    <dgm:effectClrLst/>
+    <dgm:txLinClrLst/>
+    <dgm:txFillClrLst meth="repeat">
+      <a:schemeClr val="dk1"/>
+    </dgm:txFillClrLst>
+    <dgm:txEffectClrLst/>
+  </dgm:styleLbl>
+  <dgm:styleLbl name="bgShp">
+    <dgm:fillClrLst meth="repeat">
+      <a:schemeClr val="accent1">
+        <a:tint val="40000"/>
+      </a:schemeClr>
+    </dgm:fillClrLst>
+    <dgm:linClrLst meth="repeat">
+      <a:schemeClr val="accent1"/>
+    </dgm:linClrLst>
+    <dgm:effectClrLst/>
+    <dgm:txLinClrLst/>
+    <dgm:txFillClrLst meth="repeat">
+      <a:schemeClr val="dk1"/>
+    </dgm:txFillClrLst>
+    <dgm:txEffectClrLst/>
+  </dgm:styleLbl>
+  <dgm:styleLbl name="dkBgShp">
+    <dgm:fillClrLst meth="repeat">
+      <a:schemeClr val="accent1">
+        <a:shade val="80000"/>
+      </a:schemeClr>
+    </dgm:fillClrLst>
+    <dgm:linClrLst meth="repeat">
+      <a:schemeClr val="accent1"/>
+    </dgm:linClrLst>
+    <dgm:effectClrLst/>
+    <dgm:txLinClrLst/>
+    <dgm:txFillClrLst meth="repeat">
+      <a:schemeClr val="lt1"/>
+    </dgm:txFillClrLst>
+    <dgm:txEffectClrLst/>
+  </dgm:styleLbl>
+  <dgm:styleLbl name="trBgShp">
+    <dgm:fillClrLst meth="repeat">
+      <a:schemeClr val="accent1">
+        <a:tint val="50000"/>
+        <a:alpha val="40000"/>
+      </a:schemeClr>
+    </dgm:fillClrLst>
+    <dgm:linClrLst meth="repeat">
+      <a:schemeClr val="accent1"/>
+    </dgm:linClrLst>
+    <dgm:effectClrLst/>
+    <dgm:txLinClrLst/>
+    <dgm:txFillClrLst meth="repeat">
+      <a:schemeClr val="lt1"/>
+    </dgm:txFillClrLst>
+    <dgm:txEffectClrLst/>
+  </dgm:styleLbl>
+  <dgm:styleLbl name="fgShp">
+    <dgm:fillClrLst meth="repeat">
+      <a:schemeClr val="accent1">
+        <a:tint val="60000"/>
+      </a:schemeClr>
+    </dgm:fillClrLst>
+    <dgm:linClrLst meth="repeat">
+      <a:schemeClr val="lt1"/>
+    </dgm:linClrLst>
+    <dgm:effectClrLst/>
+    <dgm:txLinClrLst/>
+    <dgm:txFillClrLst meth="repeat">
+      <a:schemeClr val="dk1"/>
+    </dgm:txFillClrLst>
+    <dgm:txEffectClrLst/>
+  </dgm:styleLbl>
+  <dgm:styleLbl name="revTx">
+    <dgm:fillClrLst meth="repeat">
+      <a:schemeClr val="lt1">
+        <a:alpha val="0"/>
+      </a:schemeClr>
+    </dgm:fillClrLst>
+    <dgm:linClrLst meth="repeat">
+      <a:schemeClr val="dk1">
+        <a:alpha val="0"/>
+      </a:schemeClr>
+    </dgm:linClrLst>
+    <dgm:effectClrLst/>
+    <dgm:txLinClrLst/>
+    <dgm:txFillClrLst meth="repeat">
+      <a:schemeClr val="tx1"/>
+    </dgm:txFillClrLst>
+    <dgm:txEffectClrLst/>
+  </dgm:styleLbl>
+</dgm:colorsDef>
+</file>
+
+<file path=ppt/diagrams/data1.xml><?xml version="1.0" encoding="utf-8"?>
+<dgm:dataModel xmlns:dgm="http://schemas.openxmlformats.org/drawingml/2006/diagram" xmlns:a="http://schemas.openxmlformats.org/drawingml/2006/main">
+  <dgm:ptLst>
+    <dgm:pt modelId="{2B5E2123-8266-42FF-ADF7-0AC337EED2DE}" type="doc">
+      <dgm:prSet loTypeId="urn:microsoft.com/office/officeart/2005/8/layout/hProcess4" loCatId="process" qsTypeId="urn:microsoft.com/office/officeart/2005/8/quickstyle/simple1" qsCatId="simple" csTypeId="urn:microsoft.com/office/officeart/2005/8/colors/accent1_2" csCatId="accent1" phldr="1"/>
+      <dgm:spPr/>
+      <dgm:t>
+        <a:bodyPr/>
+        <a:lstStyle/>
+        <a:p>
+          <a:endParaRPr lang="zh-CN" altLang="en-US"/>
+        </a:p>
+      </dgm:t>
+    </dgm:pt>
+    <dgm:pt modelId="{74535B47-1BDF-453A-B466-8D2F0D03DBE6}">
+      <dgm:prSet phldrT="[文本]"/>
+      <dgm:spPr/>
+      <dgm:t>
+        <a:bodyPr/>
+        <a:lstStyle/>
+        <a:p>
+          <a:r>
+            <a:rPr lang="zh-CN" altLang="en-US" dirty="0" smtClean="0"/>
+            <a:t>已完成的研究工作</a:t>
+          </a:r>
+          <a:endParaRPr lang="zh-CN" altLang="en-US" dirty="0"/>
+        </a:p>
+      </dgm:t>
+    </dgm:pt>
+    <dgm:pt modelId="{395D679F-F774-44E1-80C0-D0EDF57CAA7A}" type="parTrans" cxnId="{42C35011-6594-40F2-A97E-740663B6106C}">
+      <dgm:prSet/>
+      <dgm:spPr/>
+      <dgm:t>
+        <a:bodyPr/>
+        <a:lstStyle/>
+        <a:p>
+          <a:endParaRPr lang="zh-CN" altLang="en-US"/>
+        </a:p>
+      </dgm:t>
+    </dgm:pt>
+    <dgm:pt modelId="{CBDFC84D-3499-45A8-AE62-8FAFA37AF36F}" type="sibTrans" cxnId="{42C35011-6594-40F2-A97E-740663B6106C}">
+      <dgm:prSet/>
+      <dgm:spPr/>
+      <dgm:t>
+        <a:bodyPr/>
+        <a:lstStyle/>
+        <a:p>
+          <a:endParaRPr lang="zh-CN" altLang="en-US"/>
+        </a:p>
+      </dgm:t>
+    </dgm:pt>
+    <dgm:pt modelId="{A1CB53EA-8939-4926-9D62-00240BE5CC95}">
+      <dgm:prSet phldrT="[文本]" custT="1"/>
+      <dgm:spPr/>
+      <dgm:t>
+        <a:bodyPr/>
+        <a:lstStyle/>
+        <a:p>
+          <a:r>
+            <a:rPr lang="zh-CN" altLang="en-US" sz="1600" dirty="0" smtClean="0"/>
+            <a:t>光流特征提取</a:t>
+          </a:r>
+          <a:endParaRPr lang="zh-CN" altLang="en-US" sz="1600" dirty="0"/>
+        </a:p>
+      </dgm:t>
+    </dgm:pt>
+    <dgm:pt modelId="{8E7F84BD-593E-46B6-807F-0030EABAE1D0}" type="parTrans" cxnId="{1DAC074F-705B-4BA5-B112-79E6AE83BC0E}">
+      <dgm:prSet/>
+      <dgm:spPr/>
+      <dgm:t>
+        <a:bodyPr/>
+        <a:lstStyle/>
+        <a:p>
+          <a:endParaRPr lang="zh-CN" altLang="en-US"/>
+        </a:p>
+      </dgm:t>
+    </dgm:pt>
+    <dgm:pt modelId="{4BEF583E-62F9-4CF7-BA18-F91ECA899567}" type="sibTrans" cxnId="{1DAC074F-705B-4BA5-B112-79E6AE83BC0E}">
+      <dgm:prSet/>
+      <dgm:spPr/>
+      <dgm:t>
+        <a:bodyPr/>
+        <a:lstStyle/>
+        <a:p>
+          <a:endParaRPr lang="zh-CN" altLang="en-US"/>
+        </a:p>
+      </dgm:t>
+    </dgm:pt>
+    <dgm:pt modelId="{DBE37EEE-11ED-4D5A-8840-6C7B2C3BDA31}">
+      <dgm:prSet phldrT="[文本]" custT="1"/>
+      <dgm:spPr/>
+      <dgm:t>
+        <a:bodyPr/>
+        <a:lstStyle/>
+        <a:p>
+          <a:r>
+            <a:rPr lang="en-US" altLang="zh-CN" sz="1600" dirty="0" smtClean="0"/>
+            <a:t>GMM</a:t>
+          </a:r>
+          <a:r>
+            <a:rPr lang="zh-CN" altLang="en-US" sz="1600" dirty="0" smtClean="0"/>
+            <a:t>运动区域检测</a:t>
+          </a:r>
+          <a:endParaRPr lang="zh-CN" altLang="en-US" sz="1600" dirty="0"/>
+        </a:p>
+      </dgm:t>
+    </dgm:pt>
+    <dgm:pt modelId="{12EFECA8-C0D6-4C67-AFB5-FD77FC485D75}" type="parTrans" cxnId="{C217DBD0-136C-41EB-9E21-57314C995393}">
+      <dgm:prSet/>
+      <dgm:spPr/>
+      <dgm:t>
+        <a:bodyPr/>
+        <a:lstStyle/>
+        <a:p>
+          <a:endParaRPr lang="zh-CN" altLang="en-US"/>
+        </a:p>
+      </dgm:t>
+    </dgm:pt>
+    <dgm:pt modelId="{1DD583A2-3F0E-4965-ABEB-391F3FB39369}" type="sibTrans" cxnId="{C217DBD0-136C-41EB-9E21-57314C995393}">
+      <dgm:prSet/>
+      <dgm:spPr/>
+      <dgm:t>
+        <a:bodyPr/>
+        <a:lstStyle/>
+        <a:p>
+          <a:endParaRPr lang="zh-CN" altLang="en-US"/>
+        </a:p>
+      </dgm:t>
+    </dgm:pt>
+    <dgm:pt modelId="{21902372-F2D7-4476-814B-3373C138E1D4}">
+      <dgm:prSet phldrT="[文本]"/>
+      <dgm:spPr/>
+      <dgm:t>
+        <a:bodyPr/>
+        <a:lstStyle/>
+        <a:p>
+          <a:r>
+            <a:rPr lang="zh-CN" altLang="en-US" dirty="0" smtClean="0"/>
+            <a:t>后期拟完成的研究工作</a:t>
+          </a:r>
+          <a:endParaRPr lang="zh-CN" altLang="en-US" dirty="0"/>
+        </a:p>
+      </dgm:t>
+    </dgm:pt>
+    <dgm:pt modelId="{9BA98BC9-0D3E-4E63-B093-268CCB5C8255}" type="parTrans" cxnId="{DC5C8ACD-D345-40B4-A6B5-6C362A3E3E60}">
+      <dgm:prSet/>
+      <dgm:spPr/>
+      <dgm:t>
+        <a:bodyPr/>
+        <a:lstStyle/>
+        <a:p>
+          <a:endParaRPr lang="zh-CN" altLang="en-US"/>
+        </a:p>
+      </dgm:t>
+    </dgm:pt>
+    <dgm:pt modelId="{5CC592AB-2881-46FA-A5B0-17E4923E0617}" type="sibTrans" cxnId="{DC5C8ACD-D345-40B4-A6B5-6C362A3E3E60}">
+      <dgm:prSet/>
+      <dgm:spPr/>
+      <dgm:t>
+        <a:bodyPr/>
+        <a:lstStyle/>
+        <a:p>
+          <a:endParaRPr lang="zh-CN" altLang="en-US"/>
+        </a:p>
+      </dgm:t>
+    </dgm:pt>
+    <dgm:pt modelId="{CE3B1E24-3B9F-4933-97AA-A2E2159EA847}">
+      <dgm:prSet phldrT="[文本]" custT="1"/>
+      <dgm:spPr/>
+      <dgm:t>
+        <a:bodyPr/>
+        <a:lstStyle/>
+        <a:p>
+          <a:r>
+            <a:rPr lang="zh-CN" altLang="en-US" sz="1600" dirty="0" smtClean="0"/>
+            <a:t>时空</a:t>
+          </a:r>
+          <a:r>
+            <a:rPr lang="en-US" altLang="zh-CN" sz="1600" dirty="0" smtClean="0"/>
+            <a:t>MRF</a:t>
+          </a:r>
+          <a:r>
+            <a:rPr lang="zh-CN" altLang="en-US" sz="1600" dirty="0" smtClean="0"/>
+            <a:t>模型的算法实现</a:t>
+          </a:r>
+          <a:endParaRPr lang="zh-CN" altLang="en-US" sz="1600" dirty="0"/>
+        </a:p>
+      </dgm:t>
+    </dgm:pt>
+    <dgm:pt modelId="{36778EDA-7A08-4554-8906-359D6B9CE7BA}" type="parTrans" cxnId="{8E680533-0987-4271-9897-A1C8ACDD9702}">
+      <dgm:prSet/>
+      <dgm:spPr/>
+      <dgm:t>
+        <a:bodyPr/>
+        <a:lstStyle/>
+        <a:p>
+          <a:endParaRPr lang="zh-CN" altLang="en-US"/>
+        </a:p>
+      </dgm:t>
+    </dgm:pt>
+    <dgm:pt modelId="{A1B78B97-1395-47CB-8DED-13CDAC7EC24C}" type="sibTrans" cxnId="{8E680533-0987-4271-9897-A1C8ACDD9702}">
+      <dgm:prSet/>
+      <dgm:spPr/>
+      <dgm:t>
+        <a:bodyPr/>
+        <a:lstStyle/>
+        <a:p>
+          <a:endParaRPr lang="zh-CN" altLang="en-US"/>
+        </a:p>
+      </dgm:t>
+    </dgm:pt>
+    <dgm:pt modelId="{05851BC4-466C-4B03-99DF-57C034B54873}">
+      <dgm:prSet phldrT="[文本]" custT="1"/>
+      <dgm:spPr/>
+      <dgm:t>
+        <a:bodyPr/>
+        <a:lstStyle/>
+        <a:p>
+          <a:r>
+            <a:rPr lang="zh-CN" altLang="en-US" sz="1600" dirty="0" smtClean="0"/>
+            <a:t>进行实验，检测与评价应用的模型</a:t>
+          </a:r>
+          <a:endParaRPr lang="zh-CN" altLang="en-US" sz="1600" dirty="0"/>
+        </a:p>
+      </dgm:t>
+    </dgm:pt>
+    <dgm:pt modelId="{F323C640-4942-4533-839A-36D16E3AAFD2}" type="parTrans" cxnId="{6B398C9F-5566-4CFE-B433-B42DA0067505}">
+      <dgm:prSet/>
+      <dgm:spPr/>
+      <dgm:t>
+        <a:bodyPr/>
+        <a:lstStyle/>
+        <a:p>
+          <a:endParaRPr lang="zh-CN" altLang="en-US"/>
+        </a:p>
+      </dgm:t>
+    </dgm:pt>
+    <dgm:pt modelId="{0DF448BD-A87F-45A8-9832-7D9EC5B894B2}" type="sibTrans" cxnId="{6B398C9F-5566-4CFE-B433-B42DA0067505}">
+      <dgm:prSet/>
+      <dgm:spPr/>
+      <dgm:t>
+        <a:bodyPr/>
+        <a:lstStyle/>
+        <a:p>
+          <a:endParaRPr lang="zh-CN" altLang="en-US"/>
+        </a:p>
+      </dgm:t>
+    </dgm:pt>
+    <dgm:pt modelId="{F1D95D31-3D53-4A08-B480-A4B97B7D4235}">
+      <dgm:prSet phldrT="[文本]" custT="1"/>
+      <dgm:spPr/>
+      <dgm:t>
+        <a:bodyPr/>
+        <a:lstStyle/>
+        <a:p>
+          <a:r>
+            <a:rPr lang="zh-CN" altLang="en-US" sz="1600" dirty="0" smtClean="0"/>
+            <a:t>结合运动区域检测</a:t>
+          </a:r>
+          <a:endParaRPr lang="zh-CN" altLang="en-US" sz="1600" dirty="0"/>
+        </a:p>
+      </dgm:t>
+    </dgm:pt>
+    <dgm:pt modelId="{ADD65DB9-A46A-4F66-8F33-652F9D778D9D}" type="parTrans" cxnId="{DEC7B7F9-B505-4C24-9980-98E0568DFC70}">
+      <dgm:prSet/>
+      <dgm:spPr/>
+      <dgm:t>
+        <a:bodyPr/>
+        <a:lstStyle/>
+        <a:p>
+          <a:endParaRPr lang="zh-CN" altLang="en-US"/>
+        </a:p>
+      </dgm:t>
+    </dgm:pt>
+    <dgm:pt modelId="{8F908112-DB55-48A7-8029-B79C03FF0C23}" type="sibTrans" cxnId="{DEC7B7F9-B505-4C24-9980-98E0568DFC70}">
+      <dgm:prSet/>
+      <dgm:spPr/>
+      <dgm:t>
+        <a:bodyPr/>
+        <a:lstStyle/>
+        <a:p>
+          <a:endParaRPr lang="zh-CN" altLang="en-US"/>
+        </a:p>
+      </dgm:t>
+    </dgm:pt>
+    <dgm:pt modelId="{44AC915E-680A-467D-B15B-B02F104C1067}">
+      <dgm:prSet phldrT="[文本]" custT="1"/>
+      <dgm:spPr/>
+      <dgm:t>
+        <a:bodyPr/>
+        <a:lstStyle/>
+        <a:p>
+          <a:endParaRPr lang="zh-CN" altLang="en-US" sz="1600" dirty="0"/>
+        </a:p>
+      </dgm:t>
+    </dgm:pt>
+    <dgm:pt modelId="{89399A13-B793-4FEB-B003-4DB2DC5A529B}" type="parTrans" cxnId="{A0871DED-E894-4B16-B503-BD48477BFAB9}">
+      <dgm:prSet/>
+      <dgm:spPr/>
+      <dgm:t>
+        <a:bodyPr/>
+        <a:lstStyle/>
+        <a:p>
+          <a:endParaRPr lang="zh-CN" altLang="en-US"/>
+        </a:p>
+      </dgm:t>
+    </dgm:pt>
+    <dgm:pt modelId="{FAC124CD-6336-4216-A265-6F8281C3FDEA}" type="sibTrans" cxnId="{A0871DED-E894-4B16-B503-BD48477BFAB9}">
+      <dgm:prSet/>
+      <dgm:spPr/>
+      <dgm:t>
+        <a:bodyPr/>
+        <a:lstStyle/>
+        <a:p>
+          <a:endParaRPr lang="zh-CN" altLang="en-US"/>
+        </a:p>
+      </dgm:t>
+    </dgm:pt>
+    <dgm:pt modelId="{C0445EBE-94E1-43CC-B7F3-C887FDBA3918}" type="pres">
+      <dgm:prSet presAssocID="{2B5E2123-8266-42FF-ADF7-0AC337EED2DE}" presName="Name0" presStyleCnt="0">
+        <dgm:presLayoutVars>
+          <dgm:dir/>
+          <dgm:animLvl val="lvl"/>
+          <dgm:resizeHandles val="exact"/>
+        </dgm:presLayoutVars>
+      </dgm:prSet>
+      <dgm:spPr/>
+    </dgm:pt>
+    <dgm:pt modelId="{1A4F4A87-B7D3-4652-A18E-4D4E68116E5C}" type="pres">
+      <dgm:prSet presAssocID="{2B5E2123-8266-42FF-ADF7-0AC337EED2DE}" presName="tSp" presStyleCnt="0"/>
+      <dgm:spPr/>
+    </dgm:pt>
+    <dgm:pt modelId="{332FC73A-A7F3-4169-B043-ECF4B01A7D7B}" type="pres">
+      <dgm:prSet presAssocID="{2B5E2123-8266-42FF-ADF7-0AC337EED2DE}" presName="bSp" presStyleCnt="0"/>
+      <dgm:spPr/>
+    </dgm:pt>
+    <dgm:pt modelId="{E45CBC6F-73E7-496F-B71A-D44FDC74AC82}" type="pres">
+      <dgm:prSet presAssocID="{2B5E2123-8266-42FF-ADF7-0AC337EED2DE}" presName="process" presStyleCnt="0"/>
+      <dgm:spPr/>
+    </dgm:pt>
+    <dgm:pt modelId="{ED4AEDF6-0B1F-4452-866F-BC4CB8616B86}" type="pres">
+      <dgm:prSet presAssocID="{74535B47-1BDF-453A-B466-8D2F0D03DBE6}" presName="composite1" presStyleCnt="0"/>
+      <dgm:spPr/>
+    </dgm:pt>
+    <dgm:pt modelId="{C8127887-343F-499E-A699-EC55633F8934}" type="pres">
+      <dgm:prSet presAssocID="{74535B47-1BDF-453A-B466-8D2F0D03DBE6}" presName="dummyNode1" presStyleLbl="node1" presStyleIdx="0" presStyleCnt="2"/>
+      <dgm:spPr/>
+    </dgm:pt>
+    <dgm:pt modelId="{8EBE0E45-03F8-4E3C-A9FD-60DF883DE7A4}" type="pres">
+      <dgm:prSet presAssocID="{74535B47-1BDF-453A-B466-8D2F0D03DBE6}" presName="childNode1" presStyleLbl="bgAcc1" presStyleIdx="0" presStyleCnt="2">
+        <dgm:presLayoutVars>
+          <dgm:bulletEnabled val="1"/>
+        </dgm:presLayoutVars>
+      </dgm:prSet>
+      <dgm:spPr/>
+      <dgm:t>
+        <a:bodyPr/>
+        <a:lstStyle/>
+        <a:p>
+          <a:endParaRPr lang="zh-CN" altLang="en-US"/>
+        </a:p>
+      </dgm:t>
+    </dgm:pt>
+    <dgm:pt modelId="{6E1ABBC1-4051-48EC-95E2-F571B7AF5E43}" type="pres">
+      <dgm:prSet presAssocID="{74535B47-1BDF-453A-B466-8D2F0D03DBE6}" presName="childNode1tx" presStyleLbl="bgAcc1" presStyleIdx="0" presStyleCnt="2">
+        <dgm:presLayoutVars>
+          <dgm:bulletEnabled val="1"/>
+        </dgm:presLayoutVars>
+      </dgm:prSet>
+      <dgm:spPr/>
+      <dgm:t>
+        <a:bodyPr/>
+        <a:lstStyle/>
+        <a:p>
+          <a:endParaRPr lang="zh-CN" altLang="en-US"/>
+        </a:p>
+      </dgm:t>
+    </dgm:pt>
+    <dgm:pt modelId="{9F82B20C-2DC9-4371-A079-2ADB254AD91A}" type="pres">
+      <dgm:prSet presAssocID="{74535B47-1BDF-453A-B466-8D2F0D03DBE6}" presName="parentNode1" presStyleLbl="node1" presStyleIdx="0" presStyleCnt="2">
+        <dgm:presLayoutVars>
+          <dgm:chMax val="1"/>
+          <dgm:bulletEnabled val="1"/>
+        </dgm:presLayoutVars>
+      </dgm:prSet>
+      <dgm:spPr/>
+    </dgm:pt>
+    <dgm:pt modelId="{93223487-A3AC-4C54-A09A-33B19699E64C}" type="pres">
+      <dgm:prSet presAssocID="{74535B47-1BDF-453A-B466-8D2F0D03DBE6}" presName="connSite1" presStyleCnt="0"/>
+      <dgm:spPr/>
+    </dgm:pt>
+    <dgm:pt modelId="{4BC0AC16-11AC-4E50-A170-998960F91E0A}" type="pres">
+      <dgm:prSet presAssocID="{CBDFC84D-3499-45A8-AE62-8FAFA37AF36F}" presName="Name9" presStyleLbl="sibTrans2D1" presStyleIdx="0" presStyleCnt="1"/>
+      <dgm:spPr/>
+    </dgm:pt>
+    <dgm:pt modelId="{B8B4E017-0E95-40F2-A7FB-DAE1D44328E7}" type="pres">
+      <dgm:prSet presAssocID="{21902372-F2D7-4476-814B-3373C138E1D4}" presName="composite2" presStyleCnt="0"/>
+      <dgm:spPr/>
+    </dgm:pt>
+    <dgm:pt modelId="{12530BC5-161A-46BC-AB04-C851514C124C}" type="pres">
+      <dgm:prSet presAssocID="{21902372-F2D7-4476-814B-3373C138E1D4}" presName="dummyNode2" presStyleLbl="node1" presStyleIdx="0" presStyleCnt="2"/>
+      <dgm:spPr/>
+    </dgm:pt>
+    <dgm:pt modelId="{DB5FA489-ADA4-47FA-8D3E-E2D003B9144B}" type="pres">
+      <dgm:prSet presAssocID="{21902372-F2D7-4476-814B-3373C138E1D4}" presName="childNode2" presStyleLbl="bgAcc1" presStyleIdx="1" presStyleCnt="2">
+        <dgm:presLayoutVars>
+          <dgm:bulletEnabled val="1"/>
+        </dgm:presLayoutVars>
+      </dgm:prSet>
+      <dgm:spPr/>
+      <dgm:t>
+        <a:bodyPr/>
+        <a:lstStyle/>
+        <a:p>
+          <a:endParaRPr lang="zh-CN" altLang="en-US"/>
+        </a:p>
+      </dgm:t>
+    </dgm:pt>
+    <dgm:pt modelId="{F2174E32-BD26-40E0-A60A-1EDC5255E4A4}" type="pres">
+      <dgm:prSet presAssocID="{21902372-F2D7-4476-814B-3373C138E1D4}" presName="childNode2tx" presStyleLbl="bgAcc1" presStyleIdx="1" presStyleCnt="2">
+        <dgm:presLayoutVars>
+          <dgm:bulletEnabled val="1"/>
+        </dgm:presLayoutVars>
+      </dgm:prSet>
+      <dgm:spPr/>
+      <dgm:t>
+        <a:bodyPr/>
+        <a:lstStyle/>
+        <a:p>
+          <a:endParaRPr lang="zh-CN" altLang="en-US"/>
+        </a:p>
+      </dgm:t>
+    </dgm:pt>
+    <dgm:pt modelId="{B2FFF303-4107-45E4-BC42-5D2498C954AB}" type="pres">
+      <dgm:prSet presAssocID="{21902372-F2D7-4476-814B-3373C138E1D4}" presName="parentNode2" presStyleLbl="node1" presStyleIdx="1" presStyleCnt="2">
+        <dgm:presLayoutVars>
+          <dgm:chMax val="0"/>
+          <dgm:bulletEnabled val="1"/>
+        </dgm:presLayoutVars>
+      </dgm:prSet>
+      <dgm:spPr/>
+    </dgm:pt>
+    <dgm:pt modelId="{09513CDF-A818-4D05-A5EC-11E0D8D646CC}" type="pres">
+      <dgm:prSet presAssocID="{21902372-F2D7-4476-814B-3373C138E1D4}" presName="connSite2" presStyleCnt="0"/>
+      <dgm:spPr/>
+    </dgm:pt>
+  </dgm:ptLst>
+  <dgm:cxnLst>
+    <dgm:cxn modelId="{AEA040ED-29EE-4999-838E-510E9F6B577F}" type="presOf" srcId="{CE3B1E24-3B9F-4933-97AA-A2E2159EA847}" destId="{DB5FA489-ADA4-47FA-8D3E-E2D003B9144B}" srcOrd="0" destOrd="0" presId="urn:microsoft.com/office/officeart/2005/8/layout/hProcess4"/>
+    <dgm:cxn modelId="{4EE44D01-7DB1-4FE7-85A0-55279F1BA127}" type="presOf" srcId="{DBE37EEE-11ED-4D5A-8840-6C7B2C3BDA31}" destId="{8EBE0E45-03F8-4E3C-A9FD-60DF883DE7A4}" srcOrd="0" destOrd="2" presId="urn:microsoft.com/office/officeart/2005/8/layout/hProcess4"/>
+    <dgm:cxn modelId="{C217DBD0-136C-41EB-9E21-57314C995393}" srcId="{74535B47-1BDF-453A-B466-8D2F0D03DBE6}" destId="{DBE37EEE-11ED-4D5A-8840-6C7B2C3BDA31}" srcOrd="2" destOrd="0" parTransId="{12EFECA8-C0D6-4C67-AFB5-FD77FC485D75}" sibTransId="{1DD583A2-3F0E-4965-ABEB-391F3FB39369}"/>
+    <dgm:cxn modelId="{DC5C8ACD-D345-40B4-A6B5-6C362A3E3E60}" srcId="{2B5E2123-8266-42FF-ADF7-0AC337EED2DE}" destId="{21902372-F2D7-4476-814B-3373C138E1D4}" srcOrd="1" destOrd="0" parTransId="{9BA98BC9-0D3E-4E63-B093-268CCB5C8255}" sibTransId="{5CC592AB-2881-46FA-A5B0-17E4923E0617}"/>
+    <dgm:cxn modelId="{A2897289-D578-4BA0-A541-91EF185C0B2E}" type="presOf" srcId="{F1D95D31-3D53-4A08-B480-A4B97B7D4235}" destId="{DB5FA489-ADA4-47FA-8D3E-E2D003B9144B}" srcOrd="0" destOrd="2" presId="urn:microsoft.com/office/officeart/2005/8/layout/hProcess4"/>
+    <dgm:cxn modelId="{DEC7B7F9-B505-4C24-9980-98E0568DFC70}" srcId="{21902372-F2D7-4476-814B-3373C138E1D4}" destId="{F1D95D31-3D53-4A08-B480-A4B97B7D4235}" srcOrd="2" destOrd="0" parTransId="{ADD65DB9-A46A-4F66-8F33-652F9D778D9D}" sibTransId="{8F908112-DB55-48A7-8029-B79C03FF0C23}"/>
+    <dgm:cxn modelId="{EB2148DF-871F-45E9-B357-62751FC8BCE8}" type="presOf" srcId="{2B5E2123-8266-42FF-ADF7-0AC337EED2DE}" destId="{C0445EBE-94E1-43CC-B7F3-C887FDBA3918}" srcOrd="0" destOrd="0" presId="urn:microsoft.com/office/officeart/2005/8/layout/hProcess4"/>
+    <dgm:cxn modelId="{E3CBE067-7046-4795-B3DC-8B93E820EA61}" type="presOf" srcId="{CBDFC84D-3499-45A8-AE62-8FAFA37AF36F}" destId="{4BC0AC16-11AC-4E50-A170-998960F91E0A}" srcOrd="0" destOrd="0" presId="urn:microsoft.com/office/officeart/2005/8/layout/hProcess4"/>
+    <dgm:cxn modelId="{8E680533-0987-4271-9897-A1C8ACDD9702}" srcId="{21902372-F2D7-4476-814B-3373C138E1D4}" destId="{CE3B1E24-3B9F-4933-97AA-A2E2159EA847}" srcOrd="0" destOrd="0" parTransId="{36778EDA-7A08-4554-8906-359D6B9CE7BA}" sibTransId="{A1B78B97-1395-47CB-8DED-13CDAC7EC24C}"/>
+    <dgm:cxn modelId="{C45BE452-9489-4375-8EB9-55640473F42A}" type="presOf" srcId="{21902372-F2D7-4476-814B-3373C138E1D4}" destId="{B2FFF303-4107-45E4-BC42-5D2498C954AB}" srcOrd="0" destOrd="0" presId="urn:microsoft.com/office/officeart/2005/8/layout/hProcess4"/>
+    <dgm:cxn modelId="{1DAC074F-705B-4BA5-B112-79E6AE83BC0E}" srcId="{74535B47-1BDF-453A-B466-8D2F0D03DBE6}" destId="{A1CB53EA-8939-4926-9D62-00240BE5CC95}" srcOrd="0" destOrd="0" parTransId="{8E7F84BD-593E-46B6-807F-0030EABAE1D0}" sibTransId="{4BEF583E-62F9-4CF7-BA18-F91ECA899567}"/>
+    <dgm:cxn modelId="{A0871DED-E894-4B16-B503-BD48477BFAB9}" srcId="{74535B47-1BDF-453A-B466-8D2F0D03DBE6}" destId="{44AC915E-680A-467D-B15B-B02F104C1067}" srcOrd="1" destOrd="0" parTransId="{89399A13-B793-4FEB-B003-4DB2DC5A529B}" sibTransId="{FAC124CD-6336-4216-A265-6F8281C3FDEA}"/>
+    <dgm:cxn modelId="{4612242C-3EF8-42B8-AA96-25FAA05155D5}" type="presOf" srcId="{CE3B1E24-3B9F-4933-97AA-A2E2159EA847}" destId="{F2174E32-BD26-40E0-A60A-1EDC5255E4A4}" srcOrd="1" destOrd="0" presId="urn:microsoft.com/office/officeart/2005/8/layout/hProcess4"/>
+    <dgm:cxn modelId="{F4E7FF42-9607-48B7-97BC-6D63D5F3305F}" type="presOf" srcId="{74535B47-1BDF-453A-B466-8D2F0D03DBE6}" destId="{9F82B20C-2DC9-4371-A079-2ADB254AD91A}" srcOrd="0" destOrd="0" presId="urn:microsoft.com/office/officeart/2005/8/layout/hProcess4"/>
+    <dgm:cxn modelId="{D6AF40F8-60FC-437B-BA43-4A7FE5EF1E55}" type="presOf" srcId="{05851BC4-466C-4B03-99DF-57C034B54873}" destId="{F2174E32-BD26-40E0-A60A-1EDC5255E4A4}" srcOrd="1" destOrd="1" presId="urn:microsoft.com/office/officeart/2005/8/layout/hProcess4"/>
+    <dgm:cxn modelId="{72428971-11C7-49A1-A7DF-27B862E30ADF}" type="presOf" srcId="{05851BC4-466C-4B03-99DF-57C034B54873}" destId="{DB5FA489-ADA4-47FA-8D3E-E2D003B9144B}" srcOrd="0" destOrd="1" presId="urn:microsoft.com/office/officeart/2005/8/layout/hProcess4"/>
+    <dgm:cxn modelId="{DC1317E2-9123-4062-A04D-448B7BB424E3}" type="presOf" srcId="{F1D95D31-3D53-4A08-B480-A4B97B7D4235}" destId="{F2174E32-BD26-40E0-A60A-1EDC5255E4A4}" srcOrd="1" destOrd="2" presId="urn:microsoft.com/office/officeart/2005/8/layout/hProcess4"/>
+    <dgm:cxn modelId="{A187EF37-52BC-4657-A95F-6A0FDC12D210}" type="presOf" srcId="{A1CB53EA-8939-4926-9D62-00240BE5CC95}" destId="{8EBE0E45-03F8-4E3C-A9FD-60DF883DE7A4}" srcOrd="0" destOrd="0" presId="urn:microsoft.com/office/officeart/2005/8/layout/hProcess4"/>
+    <dgm:cxn modelId="{B0E62CBA-2244-4C5B-BEE4-0570E71FEAD4}" type="presOf" srcId="{44AC915E-680A-467D-B15B-B02F104C1067}" destId="{6E1ABBC1-4051-48EC-95E2-F571B7AF5E43}" srcOrd="1" destOrd="1" presId="urn:microsoft.com/office/officeart/2005/8/layout/hProcess4"/>
+    <dgm:cxn modelId="{EE80CDC8-CCA0-4BCB-8ADE-D2444A0403FB}" type="presOf" srcId="{DBE37EEE-11ED-4D5A-8840-6C7B2C3BDA31}" destId="{6E1ABBC1-4051-48EC-95E2-F571B7AF5E43}" srcOrd="1" destOrd="2" presId="urn:microsoft.com/office/officeart/2005/8/layout/hProcess4"/>
+    <dgm:cxn modelId="{C9F0476A-8996-41CE-8093-BB0A90A187FC}" type="presOf" srcId="{44AC915E-680A-467D-B15B-B02F104C1067}" destId="{8EBE0E45-03F8-4E3C-A9FD-60DF883DE7A4}" srcOrd="0" destOrd="1" presId="urn:microsoft.com/office/officeart/2005/8/layout/hProcess4"/>
+    <dgm:cxn modelId="{42C35011-6594-40F2-A97E-740663B6106C}" srcId="{2B5E2123-8266-42FF-ADF7-0AC337EED2DE}" destId="{74535B47-1BDF-453A-B466-8D2F0D03DBE6}" srcOrd="0" destOrd="0" parTransId="{395D679F-F774-44E1-80C0-D0EDF57CAA7A}" sibTransId="{CBDFC84D-3499-45A8-AE62-8FAFA37AF36F}"/>
+    <dgm:cxn modelId="{6B398C9F-5566-4CFE-B433-B42DA0067505}" srcId="{21902372-F2D7-4476-814B-3373C138E1D4}" destId="{05851BC4-466C-4B03-99DF-57C034B54873}" srcOrd="1" destOrd="0" parTransId="{F323C640-4942-4533-839A-36D16E3AAFD2}" sibTransId="{0DF448BD-A87F-45A8-9832-7D9EC5B894B2}"/>
+    <dgm:cxn modelId="{4BF6F276-3088-44E4-8760-A76A27DE17C9}" type="presOf" srcId="{A1CB53EA-8939-4926-9D62-00240BE5CC95}" destId="{6E1ABBC1-4051-48EC-95E2-F571B7AF5E43}" srcOrd="1" destOrd="0" presId="urn:microsoft.com/office/officeart/2005/8/layout/hProcess4"/>
+    <dgm:cxn modelId="{05E65BE0-A4D3-4555-B06C-7403DDE2D795}" type="presParOf" srcId="{C0445EBE-94E1-43CC-B7F3-C887FDBA3918}" destId="{1A4F4A87-B7D3-4652-A18E-4D4E68116E5C}" srcOrd="0" destOrd="0" presId="urn:microsoft.com/office/officeart/2005/8/layout/hProcess4"/>
+    <dgm:cxn modelId="{9355B4C8-6547-417D-A54A-334872997737}" type="presParOf" srcId="{C0445EBE-94E1-43CC-B7F3-C887FDBA3918}" destId="{332FC73A-A7F3-4169-B043-ECF4B01A7D7B}" srcOrd="1" destOrd="0" presId="urn:microsoft.com/office/officeart/2005/8/layout/hProcess4"/>
+    <dgm:cxn modelId="{B7395967-C18E-4996-A8C3-F9FF9DEF7514}" type="presParOf" srcId="{C0445EBE-94E1-43CC-B7F3-C887FDBA3918}" destId="{E45CBC6F-73E7-496F-B71A-D44FDC74AC82}" srcOrd="2" destOrd="0" presId="urn:microsoft.com/office/officeart/2005/8/layout/hProcess4"/>
+    <dgm:cxn modelId="{A9443A63-3395-42FA-A672-19584F28AB2A}" type="presParOf" srcId="{E45CBC6F-73E7-496F-B71A-D44FDC74AC82}" destId="{ED4AEDF6-0B1F-4452-866F-BC4CB8616B86}" srcOrd="0" destOrd="0" presId="urn:microsoft.com/office/officeart/2005/8/layout/hProcess4"/>
+    <dgm:cxn modelId="{5EFA6875-042E-44F0-8882-1D6B90612573}" type="presParOf" srcId="{ED4AEDF6-0B1F-4452-866F-BC4CB8616B86}" destId="{C8127887-343F-499E-A699-EC55633F8934}" srcOrd="0" destOrd="0" presId="urn:microsoft.com/office/officeart/2005/8/layout/hProcess4"/>
+    <dgm:cxn modelId="{8A7F13AB-FCB2-4FAD-937E-0B4DC269C0A6}" type="presParOf" srcId="{ED4AEDF6-0B1F-4452-866F-BC4CB8616B86}" destId="{8EBE0E45-03F8-4E3C-A9FD-60DF883DE7A4}" srcOrd="1" destOrd="0" presId="urn:microsoft.com/office/officeart/2005/8/layout/hProcess4"/>
+    <dgm:cxn modelId="{4E7A697B-2570-4B7D-85FF-B05C0A409125}" type="presParOf" srcId="{ED4AEDF6-0B1F-4452-866F-BC4CB8616B86}" destId="{6E1ABBC1-4051-48EC-95E2-F571B7AF5E43}" srcOrd="2" destOrd="0" presId="urn:microsoft.com/office/officeart/2005/8/layout/hProcess4"/>
+    <dgm:cxn modelId="{8AE18DAF-B8EB-482B-BE94-9CE4E95F28DA}" type="presParOf" srcId="{ED4AEDF6-0B1F-4452-866F-BC4CB8616B86}" destId="{9F82B20C-2DC9-4371-A079-2ADB254AD91A}" srcOrd="3" destOrd="0" presId="urn:microsoft.com/office/officeart/2005/8/layout/hProcess4"/>
+    <dgm:cxn modelId="{CBB8194C-241E-45F3-8626-02FA9D96CDFF}" type="presParOf" srcId="{ED4AEDF6-0B1F-4452-866F-BC4CB8616B86}" destId="{93223487-A3AC-4C54-A09A-33B19699E64C}" srcOrd="4" destOrd="0" presId="urn:microsoft.com/office/officeart/2005/8/layout/hProcess4"/>
+    <dgm:cxn modelId="{932D7B5B-A392-46BC-953B-6C6FFEB7DCAB}" type="presParOf" srcId="{E45CBC6F-73E7-496F-B71A-D44FDC74AC82}" destId="{4BC0AC16-11AC-4E50-A170-998960F91E0A}" srcOrd="1" destOrd="0" presId="urn:microsoft.com/office/officeart/2005/8/layout/hProcess4"/>
+    <dgm:cxn modelId="{18A221A7-C79E-41B2-A548-A754A29A7910}" type="presParOf" srcId="{E45CBC6F-73E7-496F-B71A-D44FDC74AC82}" destId="{B8B4E017-0E95-40F2-A7FB-DAE1D44328E7}" srcOrd="2" destOrd="0" presId="urn:microsoft.com/office/officeart/2005/8/layout/hProcess4"/>
+    <dgm:cxn modelId="{A2419A8E-FE96-4934-A3D8-1730BDAC955E}" type="presParOf" srcId="{B8B4E017-0E95-40F2-A7FB-DAE1D44328E7}" destId="{12530BC5-161A-46BC-AB04-C851514C124C}" srcOrd="0" destOrd="0" presId="urn:microsoft.com/office/officeart/2005/8/layout/hProcess4"/>
+    <dgm:cxn modelId="{03562C1D-CE44-42EE-A416-BD9D72861076}" type="presParOf" srcId="{B8B4E017-0E95-40F2-A7FB-DAE1D44328E7}" destId="{DB5FA489-ADA4-47FA-8D3E-E2D003B9144B}" srcOrd="1" destOrd="0" presId="urn:microsoft.com/office/officeart/2005/8/layout/hProcess4"/>
+    <dgm:cxn modelId="{51B3AB54-E62E-49AF-9D9A-F83241A2AC76}" type="presParOf" srcId="{B8B4E017-0E95-40F2-A7FB-DAE1D44328E7}" destId="{F2174E32-BD26-40E0-A60A-1EDC5255E4A4}" srcOrd="2" destOrd="0" presId="urn:microsoft.com/office/officeart/2005/8/layout/hProcess4"/>
+    <dgm:cxn modelId="{302ACC8A-D0CA-4450-9231-7AE3CCACAF5C}" type="presParOf" srcId="{B8B4E017-0E95-40F2-A7FB-DAE1D44328E7}" destId="{B2FFF303-4107-45E4-BC42-5D2498C954AB}" srcOrd="3" destOrd="0" presId="urn:microsoft.com/office/officeart/2005/8/layout/hProcess4"/>
+    <dgm:cxn modelId="{02B52C7A-D256-4E18-B4AF-E0A2DF5262EC}" type="presParOf" srcId="{B8B4E017-0E95-40F2-A7FB-DAE1D44328E7}" destId="{09513CDF-A818-4D05-A5EC-11E0D8D646CC}" srcOrd="4" destOrd="0" presId="urn:microsoft.com/office/officeart/2005/8/layout/hProcess4"/>
+  </dgm:cxnLst>
+  <dgm:bg/>
+  <dgm:whole/>
+  <dgm:extLst>
+    <a:ext uri="http://schemas.microsoft.com/office/drawing/2008/diagram">
+      <dsp:dataModelExt xmlns:dsp="http://schemas.microsoft.com/office/drawing/2008/diagram" relId="rId6" minVer="http://schemas.openxmlformats.org/drawingml/2006/diagram"/>
+    </a:ext>
+  </dgm:extLst>
+</dgm:dataModel>
+</file>
+
+<file path=ppt/diagrams/drawing1.xml><?xml version="1.0" encoding="utf-8"?>
+<dsp:drawing xmlns:dgm="http://schemas.openxmlformats.org/drawingml/2006/diagram" xmlns:dsp="http://schemas.microsoft.com/office/drawing/2008/diagram" xmlns:a="http://schemas.openxmlformats.org/drawingml/2006/main">
+  <dsp:spTree>
+    <dsp:nvGrpSpPr>
+      <dsp:cNvPr id="0" name=""/>
+      <dsp:cNvGrpSpPr/>
+    </dsp:nvGrpSpPr>
+    <dsp:grpSpPr/>
+    <dsp:sp modelId="{8EBE0E45-03F8-4E3C-A9FD-60DF883DE7A4}">
+      <dsp:nvSpPr>
+        <dsp:cNvPr id="0" name=""/>
+        <dsp:cNvSpPr/>
+      </dsp:nvSpPr>
+      <dsp:spPr>
+        <a:xfrm>
+          <a:off x="212953" y="1036319"/>
+          <a:ext cx="2414381" cy="1991360"/>
+        </a:xfrm>
+        <a:prstGeom prst="roundRect">
+          <a:avLst>
+            <a:gd name="adj" fmla="val 10000"/>
+          </a:avLst>
+        </a:prstGeom>
+        <a:solidFill>
+          <a:schemeClr val="lt1">
+            <a:alpha val="90000"/>
+            <a:hueOff val="0"/>
+            <a:satOff val="0"/>
+            <a:lumOff val="0"/>
+            <a:alphaOff val="0"/>
+          </a:schemeClr>
+        </a:solidFill>
+        <a:ln w="25400" cap="flat" cmpd="sng" algn="ctr">
+          <a:solidFill>
+            <a:schemeClr val="accent1">
+              <a:hueOff val="0"/>
+              <a:satOff val="0"/>
+              <a:lumOff val="0"/>
+              <a:alphaOff val="0"/>
+            </a:schemeClr>
+          </a:solidFill>
+          <a:prstDash val="solid"/>
+        </a:ln>
+        <a:effectLst/>
+      </dsp:spPr>
+      <dsp:style>
+        <a:lnRef idx="2">
+          <a:scrgbClr r="0" g="0" b="0"/>
+        </a:lnRef>
+        <a:fillRef idx="1">
+          <a:scrgbClr r="0" g="0" b="0"/>
+        </a:fillRef>
+        <a:effectRef idx="0">
+          <a:scrgbClr r="0" g="0" b="0"/>
+        </a:effectRef>
+        <a:fontRef idx="minor"/>
+      </dsp:style>
+      <dsp:txBody>
+        <a:bodyPr spcFirstLastPara="0" vert="horz" wrap="square" lIns="123825" tIns="123825" rIns="123825" bIns="123825" numCol="1" spcCol="1270" anchor="t" anchorCtr="0">
+          <a:noAutofit/>
+        </a:bodyPr>
+        <a:lstStyle/>
+        <a:p>
+          <a:pPr marL="171450" lvl="1" indent="-171450" algn="l" defTabSz="711200">
+            <a:lnSpc>
+              <a:spcPct val="90000"/>
+            </a:lnSpc>
+            <a:spcBef>
+              <a:spcPct val="0"/>
+            </a:spcBef>
+            <a:spcAft>
+              <a:spcPct val="15000"/>
+            </a:spcAft>
+            <a:buChar char="••"/>
+          </a:pPr>
+          <a:r>
+            <a:rPr lang="zh-CN" altLang="en-US" sz="1600" kern="1200" dirty="0" smtClean="0"/>
+            <a:t>光流特征提取</a:t>
+          </a:r>
+          <a:endParaRPr lang="zh-CN" altLang="en-US" sz="1600" kern="1200" dirty="0"/>
+        </a:p>
+        <a:p>
+          <a:pPr marL="171450" lvl="1" indent="-171450" algn="l" defTabSz="711200">
+            <a:lnSpc>
+              <a:spcPct val="90000"/>
+            </a:lnSpc>
+            <a:spcBef>
+              <a:spcPct val="0"/>
+            </a:spcBef>
+            <a:spcAft>
+              <a:spcPct val="15000"/>
+            </a:spcAft>
+            <a:buChar char="••"/>
+          </a:pPr>
+          <a:endParaRPr lang="zh-CN" altLang="en-US" sz="1600" kern="1200" dirty="0"/>
+        </a:p>
+        <a:p>
+          <a:pPr marL="171450" lvl="1" indent="-171450" algn="l" defTabSz="711200">
+            <a:lnSpc>
+              <a:spcPct val="90000"/>
+            </a:lnSpc>
+            <a:spcBef>
+              <a:spcPct val="0"/>
+            </a:spcBef>
+            <a:spcAft>
+              <a:spcPct val="15000"/>
+            </a:spcAft>
+            <a:buChar char="••"/>
+          </a:pPr>
+          <a:r>
+            <a:rPr lang="en-US" altLang="zh-CN" sz="1600" kern="1200" dirty="0" smtClean="0"/>
+            <a:t>GMM</a:t>
+          </a:r>
+          <a:r>
+            <a:rPr lang="zh-CN" altLang="en-US" sz="1600" kern="1200" dirty="0" smtClean="0"/>
+            <a:t>运动区域检测</a:t>
+          </a:r>
+          <a:endParaRPr lang="zh-CN" altLang="en-US" sz="1600" kern="1200" dirty="0"/>
+        </a:p>
+      </dsp:txBody>
+      <dsp:txXfrm>
+        <a:off x="258780" y="1082146"/>
+        <a:ext cx="2322727" cy="1472986"/>
+      </dsp:txXfrm>
+    </dsp:sp>
+    <dsp:sp modelId="{4BC0AC16-11AC-4E50-A170-998960F91E0A}">
+      <dsp:nvSpPr>
+        <dsp:cNvPr id="0" name=""/>
+        <dsp:cNvSpPr/>
+      </dsp:nvSpPr>
+      <dsp:spPr>
+        <a:xfrm>
+          <a:off x="1598554" y="1613969"/>
+          <a:ext cx="2509907" cy="2509907"/>
+        </a:xfrm>
+        <a:prstGeom prst="leftCircularArrow">
+          <a:avLst>
+            <a:gd name="adj1" fmla="val 2550"/>
+            <a:gd name="adj2" fmla="val 309429"/>
+            <a:gd name="adj3" fmla="val 2084940"/>
+            <a:gd name="adj4" fmla="val 9024489"/>
+            <a:gd name="adj5" fmla="val 2975"/>
+          </a:avLst>
+        </a:prstGeom>
+        <a:solidFill>
+          <a:schemeClr val="accent1">
+            <a:tint val="60000"/>
+            <a:hueOff val="0"/>
+            <a:satOff val="0"/>
+            <a:lumOff val="0"/>
+            <a:alphaOff val="0"/>
+          </a:schemeClr>
+        </a:solidFill>
+        <a:ln>
+          <a:noFill/>
+        </a:ln>
+        <a:effectLst/>
+      </dsp:spPr>
+      <dsp:style>
+        <a:lnRef idx="0">
+          <a:scrgbClr r="0" g="0" b="0"/>
+        </a:lnRef>
+        <a:fillRef idx="1">
+          <a:scrgbClr r="0" g="0" b="0"/>
+        </a:fillRef>
+        <a:effectRef idx="0">
+          <a:scrgbClr r="0" g="0" b="0"/>
+        </a:effectRef>
+        <a:fontRef idx="minor">
+          <a:schemeClr val="lt1"/>
+        </a:fontRef>
+      </dsp:style>
+    </dsp:sp>
+    <dsp:sp modelId="{9F82B20C-2DC9-4371-A079-2ADB254AD91A}">
+      <dsp:nvSpPr>
+        <dsp:cNvPr id="0" name=""/>
+        <dsp:cNvSpPr/>
+      </dsp:nvSpPr>
+      <dsp:spPr>
+        <a:xfrm>
+          <a:off x="749482" y="2600960"/>
+          <a:ext cx="2146117" cy="853440"/>
+        </a:xfrm>
+        <a:prstGeom prst="roundRect">
+          <a:avLst>
+            <a:gd name="adj" fmla="val 10000"/>
+          </a:avLst>
+        </a:prstGeom>
+        <a:solidFill>
+          <a:schemeClr val="accent1">
+            <a:hueOff val="0"/>
+            <a:satOff val="0"/>
+            <a:lumOff val="0"/>
+            <a:alphaOff val="0"/>
+          </a:schemeClr>
+        </a:solidFill>
+        <a:ln w="25400" cap="flat" cmpd="sng" algn="ctr">
+          <a:solidFill>
+            <a:schemeClr val="lt1">
+              <a:hueOff val="0"/>
+              <a:satOff val="0"/>
+              <a:lumOff val="0"/>
+              <a:alphaOff val="0"/>
+            </a:schemeClr>
+          </a:solidFill>
+          <a:prstDash val="solid"/>
+        </a:ln>
+        <a:effectLst/>
+      </dsp:spPr>
+      <dsp:style>
+        <a:lnRef idx="2">
+          <a:scrgbClr r="0" g="0" b="0"/>
+        </a:lnRef>
+        <a:fillRef idx="1">
+          <a:scrgbClr r="0" g="0" b="0"/>
+        </a:fillRef>
+        <a:effectRef idx="0">
+          <a:scrgbClr r="0" g="0" b="0"/>
+        </a:effectRef>
+        <a:fontRef idx="minor">
+          <a:schemeClr val="lt1"/>
+        </a:fontRef>
+      </dsp:style>
+      <dsp:txBody>
+        <a:bodyPr spcFirstLastPara="0" vert="horz" wrap="square" lIns="45720" tIns="30480" rIns="45720" bIns="30480" numCol="1" spcCol="1270" anchor="ctr" anchorCtr="0">
+          <a:noAutofit/>
+        </a:bodyPr>
+        <a:lstStyle/>
+        <a:p>
+          <a:pPr lvl="0" algn="ctr" defTabSz="1066800">
+            <a:lnSpc>
+              <a:spcPct val="90000"/>
+            </a:lnSpc>
+            <a:spcBef>
+              <a:spcPct val="0"/>
+            </a:spcBef>
+            <a:spcAft>
+              <a:spcPct val="35000"/>
+            </a:spcAft>
+          </a:pPr>
+          <a:r>
+            <a:rPr lang="zh-CN" altLang="en-US" sz="2400" kern="1200" dirty="0" smtClean="0"/>
+            <a:t>已完成的研究工作</a:t>
+          </a:r>
+          <a:endParaRPr lang="zh-CN" altLang="en-US" sz="2400" kern="1200" dirty="0"/>
+        </a:p>
+      </dsp:txBody>
+      <dsp:txXfrm>
+        <a:off x="774478" y="2625956"/>
+        <a:ext cx="2096125" cy="803448"/>
+      </dsp:txXfrm>
+    </dsp:sp>
+    <dsp:sp modelId="{DB5FA489-ADA4-47FA-8D3E-E2D003B9144B}">
+      <dsp:nvSpPr>
+        <dsp:cNvPr id="0" name=""/>
+        <dsp:cNvSpPr/>
+      </dsp:nvSpPr>
+      <dsp:spPr>
+        <a:xfrm>
+          <a:off x="3200400" y="1036320"/>
+          <a:ext cx="2414381" cy="1991360"/>
+        </a:xfrm>
+        <a:prstGeom prst="roundRect">
+          <a:avLst>
+            <a:gd name="adj" fmla="val 10000"/>
+          </a:avLst>
+        </a:prstGeom>
+        <a:solidFill>
+          <a:schemeClr val="lt1">
+            <a:alpha val="90000"/>
+            <a:hueOff val="0"/>
+            <a:satOff val="0"/>
+            <a:lumOff val="0"/>
+            <a:alphaOff val="0"/>
+          </a:schemeClr>
+        </a:solidFill>
+        <a:ln w="25400" cap="flat" cmpd="sng" algn="ctr">
+          <a:solidFill>
+            <a:schemeClr val="accent1">
+              <a:hueOff val="0"/>
+              <a:satOff val="0"/>
+              <a:lumOff val="0"/>
+              <a:alphaOff val="0"/>
+            </a:schemeClr>
+          </a:solidFill>
+          <a:prstDash val="solid"/>
+        </a:ln>
+        <a:effectLst/>
+      </dsp:spPr>
+      <dsp:style>
+        <a:lnRef idx="2">
+          <a:scrgbClr r="0" g="0" b="0"/>
+        </a:lnRef>
+        <a:fillRef idx="1">
+          <a:scrgbClr r="0" g="0" b="0"/>
+        </a:fillRef>
+        <a:effectRef idx="0">
+          <a:scrgbClr r="0" g="0" b="0"/>
+        </a:effectRef>
+        <a:fontRef idx="minor"/>
+      </dsp:style>
+      <dsp:txBody>
+        <a:bodyPr spcFirstLastPara="0" vert="horz" wrap="square" lIns="123825" tIns="123825" rIns="123825" bIns="123825" numCol="1" spcCol="1270" anchor="t" anchorCtr="0">
+          <a:noAutofit/>
+        </a:bodyPr>
+        <a:lstStyle/>
+        <a:p>
+          <a:pPr marL="171450" lvl="1" indent="-171450" algn="l" defTabSz="711200">
+            <a:lnSpc>
+              <a:spcPct val="90000"/>
+            </a:lnSpc>
+            <a:spcBef>
+              <a:spcPct val="0"/>
+            </a:spcBef>
+            <a:spcAft>
+              <a:spcPct val="15000"/>
+            </a:spcAft>
+            <a:buChar char="••"/>
+          </a:pPr>
+          <a:r>
+            <a:rPr lang="zh-CN" altLang="en-US" sz="1600" kern="1200" dirty="0" smtClean="0"/>
+            <a:t>时空</a:t>
+          </a:r>
+          <a:r>
+            <a:rPr lang="en-US" altLang="zh-CN" sz="1600" kern="1200" dirty="0" smtClean="0"/>
+            <a:t>MRF</a:t>
+          </a:r>
+          <a:r>
+            <a:rPr lang="zh-CN" altLang="en-US" sz="1600" kern="1200" dirty="0" smtClean="0"/>
+            <a:t>模型的算法实现</a:t>
+          </a:r>
+          <a:endParaRPr lang="zh-CN" altLang="en-US" sz="1600" kern="1200" dirty="0"/>
+        </a:p>
+        <a:p>
+          <a:pPr marL="171450" lvl="1" indent="-171450" algn="l" defTabSz="711200">
+            <a:lnSpc>
+              <a:spcPct val="90000"/>
+            </a:lnSpc>
+            <a:spcBef>
+              <a:spcPct val="0"/>
+            </a:spcBef>
+            <a:spcAft>
+              <a:spcPct val="15000"/>
+            </a:spcAft>
+            <a:buChar char="••"/>
+          </a:pPr>
+          <a:r>
+            <a:rPr lang="zh-CN" altLang="en-US" sz="1600" kern="1200" dirty="0" smtClean="0"/>
+            <a:t>进行实验，检测与评价应用的模型</a:t>
+          </a:r>
+          <a:endParaRPr lang="zh-CN" altLang="en-US" sz="1600" kern="1200" dirty="0"/>
+        </a:p>
+        <a:p>
+          <a:pPr marL="171450" lvl="1" indent="-171450" algn="l" defTabSz="711200">
+            <a:lnSpc>
+              <a:spcPct val="90000"/>
+            </a:lnSpc>
+            <a:spcBef>
+              <a:spcPct val="0"/>
+            </a:spcBef>
+            <a:spcAft>
+              <a:spcPct val="15000"/>
+            </a:spcAft>
+            <a:buChar char="••"/>
+          </a:pPr>
+          <a:r>
+            <a:rPr lang="zh-CN" altLang="en-US" sz="1600" kern="1200" dirty="0" smtClean="0"/>
+            <a:t>结合运动区域检测</a:t>
+          </a:r>
+          <a:endParaRPr lang="zh-CN" altLang="en-US" sz="1600" kern="1200" dirty="0"/>
+        </a:p>
+      </dsp:txBody>
+      <dsp:txXfrm>
+        <a:off x="3246227" y="1508867"/>
+        <a:ext cx="2322727" cy="1472986"/>
+      </dsp:txXfrm>
+    </dsp:sp>
+    <dsp:sp modelId="{B2FFF303-4107-45E4-BC42-5D2498C954AB}">
+      <dsp:nvSpPr>
+        <dsp:cNvPr id="0" name=""/>
+        <dsp:cNvSpPr/>
+      </dsp:nvSpPr>
+      <dsp:spPr>
+        <a:xfrm>
+          <a:off x="3736929" y="609600"/>
+          <a:ext cx="2146117" cy="853440"/>
+        </a:xfrm>
+        <a:prstGeom prst="roundRect">
+          <a:avLst>
+            <a:gd name="adj" fmla="val 10000"/>
+          </a:avLst>
+        </a:prstGeom>
+        <a:solidFill>
+          <a:schemeClr val="accent1">
+            <a:hueOff val="0"/>
+            <a:satOff val="0"/>
+            <a:lumOff val="0"/>
+            <a:alphaOff val="0"/>
+          </a:schemeClr>
+        </a:solidFill>
+        <a:ln w="25400" cap="flat" cmpd="sng" algn="ctr">
+          <a:solidFill>
+            <a:schemeClr val="lt1">
+              <a:hueOff val="0"/>
+              <a:satOff val="0"/>
+              <a:lumOff val="0"/>
+              <a:alphaOff val="0"/>
+            </a:schemeClr>
+          </a:solidFill>
+          <a:prstDash val="solid"/>
+        </a:ln>
+        <a:effectLst/>
+      </dsp:spPr>
+      <dsp:style>
+        <a:lnRef idx="2">
+          <a:scrgbClr r="0" g="0" b="0"/>
+        </a:lnRef>
+        <a:fillRef idx="1">
+          <a:scrgbClr r="0" g="0" b="0"/>
+        </a:fillRef>
+        <a:effectRef idx="0">
+          <a:scrgbClr r="0" g="0" b="0"/>
+        </a:effectRef>
+        <a:fontRef idx="minor">
+          <a:schemeClr val="lt1"/>
+        </a:fontRef>
+      </dsp:style>
+      <dsp:txBody>
+        <a:bodyPr spcFirstLastPara="0" vert="horz" wrap="square" lIns="45720" tIns="30480" rIns="45720" bIns="30480" numCol="1" spcCol="1270" anchor="ctr" anchorCtr="0">
+          <a:noAutofit/>
+        </a:bodyPr>
+        <a:lstStyle/>
+        <a:p>
+          <a:pPr lvl="0" algn="ctr" defTabSz="1066800">
+            <a:lnSpc>
+              <a:spcPct val="90000"/>
+            </a:lnSpc>
+            <a:spcBef>
+              <a:spcPct val="0"/>
+            </a:spcBef>
+            <a:spcAft>
+              <a:spcPct val="35000"/>
+            </a:spcAft>
+          </a:pPr>
+          <a:r>
+            <a:rPr lang="zh-CN" altLang="en-US" sz="2400" kern="1200" dirty="0" smtClean="0"/>
+            <a:t>后期拟完成的研究工作</a:t>
+          </a:r>
+          <a:endParaRPr lang="zh-CN" altLang="en-US" sz="2400" kern="1200" dirty="0"/>
+        </a:p>
+      </dsp:txBody>
+      <dsp:txXfrm>
+        <a:off x="3761925" y="634596"/>
+        <a:ext cx="2096125" cy="803448"/>
+      </dsp:txXfrm>
+    </dsp:sp>
+  </dsp:spTree>
+</dsp:drawing>
+</file>
+
+<file path=ppt/diagrams/layout1.xml><?xml version="1.0" encoding="utf-8"?>
+<dgm:layoutDef xmlns:dgm="http://schemas.openxmlformats.org/drawingml/2006/diagram" xmlns:a="http://schemas.openxmlformats.org/drawingml/2006/main" uniqueId="urn:microsoft.com/office/officeart/2005/8/layout/hProcess4">
+  <dgm:title val=""/>
+  <dgm:desc val=""/>
+  <dgm:catLst>
+    <dgm:cat type="process" pri="4000"/>
+  </dgm:catLst>
+  <dgm:sampData>
+    <dgm:dataModel>
+      <dgm:ptLst>
+        <dgm:pt modelId="0" type="doc"/>
+        <dgm:pt modelId="1">
+          <dgm:prSet phldr="1"/>
+        </dgm:pt>
+        <dgm:pt modelId="11">
+          <dgm:prSet phldr="1"/>
+        </dgm:pt>
+        <dgm:pt modelId="12">
+          <dgm:prSet phldr="1"/>
+        </dgm:pt>
+        <dgm:pt modelId="2">
+          <dgm:prSet phldr="1"/>
+        </dgm:pt>
+        <dgm:pt modelId="21">
+          <dgm:prSet phldr="1"/>
+        </dgm:pt>
+        <dgm:pt modelId="22">
+          <dgm:prSet phldr="1"/>
+        </dgm:pt>
+        <dgm:pt modelId="3">
+          <dgm:prSet phldr="1"/>
+        </dgm:pt>
+        <dgm:pt modelId="31">
+          <dgm:prSet phldr="1"/>
+        </dgm:pt>
+        <dgm:pt modelId="32">
+          <dgm:prSet phldr="1"/>
+        </dgm:pt>
+      </dgm:ptLst>
+      <dgm:cxnLst>
+        <dgm:cxn modelId="4" srcId="0" destId="1" srcOrd="0" destOrd="0"/>
+        <dgm:cxn modelId="5" srcId="0" destId="2" srcOrd="1" destOrd="0"/>
+        <dgm:cxn modelId="6" srcId="0" destId="3" srcOrd="2" destOrd="0"/>
+        <dgm:cxn modelId="13" srcId="1" destId="11" srcOrd="0" destOrd="0"/>
+        <dgm:cxn modelId="14" srcId="1" destId="12" srcOrd="1" destOrd="0"/>
+        <dgm:cxn modelId="23" srcId="2" destId="21" srcOrd="0" destOrd="0"/>
+        <dgm:cxn modelId="24" srcId="2" destId="22" srcOrd="1" destOrd="0"/>
+        <dgm:cxn modelId="33" srcId="3" destId="31" srcOrd="0" destOrd="0"/>
+        <dgm:cxn modelId="34" srcId="3" destId="32" srcOrd="1" destOrd="0"/>
+      </dgm:cxnLst>
+      <dgm:bg/>
+      <dgm:whole/>
+    </dgm:dataModel>
+  </dgm:sampData>
+  <dgm:styleData>
+    <dgm:dataModel>
+      <dgm:ptLst>
+        <dgm:pt modelId="0" type="doc"/>
+        <dgm:pt modelId="1"/>
+        <dgm:pt modelId="11"/>
+        <dgm:pt modelId="2"/>
+        <dgm:pt modelId="21"/>
+      </dgm:ptLst>
+      <dgm:cxnLst>
+        <dgm:cxn modelId="4" srcId="0" destId="1" srcOrd="0" destOrd="0"/>
+        <dgm:cxn modelId="5" srcId="0" destId="2" srcOrd="1" destOrd="0"/>
+        <dgm:cxn modelId="13" srcId="1" destId="11" srcOrd="0" destOrd="0"/>
+        <dgm:cxn modelId="23" srcId="2" destId="21" srcOrd="0" destOrd="0"/>
+      </dgm:cxnLst>
+      <dgm:bg/>
+      <dgm:whole/>
+    </dgm:dataModel>
+  </dgm:styleData>
+  <dgm:clrData>
+    <dgm:dataModel>
+      <dgm:ptLst>
+        <dgm:pt modelId="0" type="doc"/>
+        <dgm:pt modelId="1"/>
+        <dgm:pt modelId="11"/>
+        <dgm:pt modelId="2"/>
+        <dgm:pt modelId="21"/>
+        <dgm:pt modelId="3"/>
+        <dgm:pt modelId="31"/>
+        <dgm:pt modelId="4"/>
+        <dgm:pt modelId="41"/>
+      </dgm:ptLst>
+      <dgm:cxnLst>
+        <dgm:cxn modelId="5" srcId="0" destId="1" srcOrd="0" destOrd="0"/>
+        <dgm:cxn modelId="6" srcId="0" destId="2" srcOrd="1" destOrd="0"/>
+        <dgm:cxn modelId="7" srcId="0" destId="3" srcOrd="2" destOrd="0"/>
+        <dgm:cxn modelId="8" srcId="0" destId="4" srcOrd="3" destOrd="0"/>
+        <dgm:cxn modelId="13" srcId="1" destId="11" srcOrd="0" destOrd="0"/>
+        <dgm:cxn modelId="23" srcId="2" destId="21" srcOrd="0" destOrd="0"/>
+        <dgm:cxn modelId="33" srcId="3" destId="31" srcOrd="0" destOrd="0"/>
+        <dgm:cxn modelId="43" srcId="4" destId="41" srcOrd="0" destOrd="0"/>
+      </dgm:cxnLst>
+      <dgm:bg/>
+      <dgm:whole/>
+    </dgm:dataModel>
+  </dgm:clrData>
+  <dgm:layoutNode name="Name0">
+    <dgm:varLst>
+      <dgm:dir/>
+      <dgm:animLvl val="lvl"/>
+      <dgm:resizeHandles val="exact"/>
+    </dgm:varLst>
+    <dgm:alg type="composite"/>
+    <dgm:shape xmlns:r="http://schemas.openxmlformats.org/officeDocument/2006/relationships" r:blip="">
+      <dgm:adjLst/>
+    </dgm:shape>
+    <dgm:presOf/>
+    <dgm:constrLst>
+      <dgm:constr type="w" for="ch" forName="tSp" refType="w"/>
+      <dgm:constr type="h" for="ch" forName="tSp" refType="h" fact="0.15"/>
+      <dgm:constr type="l" for="ch" forName="tSp"/>
+      <dgm:constr type="t" for="ch" forName="tSp"/>
+      <dgm:constr type="w" for="ch" forName="bSp" refType="w"/>
+      <dgm:constr type="h" for="ch" forName="bSp" refType="h" fact="0.15"/>
+      <dgm:constr type="l" for="ch" forName="bSp"/>
+      <dgm:constr type="t" for="ch" forName="bSp" refType="h" fact="0.85"/>
+      <dgm:constr type="w" for="ch" forName="process" refType="w"/>
+      <dgm:constr type="h" for="ch" forName="process" refType="h" fact="0.7"/>
+      <dgm:constr type="l" for="ch" forName="process"/>
+      <dgm:constr type="t" for="ch" forName="process" refType="h" fact="0.15"/>
+    </dgm:constrLst>
+    <dgm:ruleLst/>
+    <dgm:layoutNode name="tSp">
+      <dgm:alg type="sp"/>
+      <dgm:shape xmlns:r="http://schemas.openxmlformats.org/officeDocument/2006/relationships" r:blip="">
+        <dgm:adjLst/>
+      </dgm:shape>
+      <dgm:presOf/>
+      <dgm:constrLst/>
+      <dgm:ruleLst/>
+    </dgm:layoutNode>
+    <dgm:layoutNode name="bSp">
+      <dgm:alg type="sp"/>
+      <dgm:shape xmlns:r="http://schemas.openxmlformats.org/officeDocument/2006/relationships" r:blip="">
+        <dgm:adjLst/>
+      </dgm:shape>
+      <dgm:presOf/>
+      <dgm:constrLst/>
+      <dgm:ruleLst/>
+    </dgm:layoutNode>
+    <dgm:layoutNode name="process">
+      <dgm:choose name="Name1">
+        <dgm:if name="Name2" func="var" arg="dir" op="equ" val="norm">
+          <dgm:alg type="lin">
+            <dgm:param type="linDir" val="fromL"/>
+          </dgm:alg>
+        </dgm:if>
+        <dgm:else name="Name3">
+          <dgm:alg type="lin">
+            <dgm:param type="linDir" val="fromR"/>
+          </dgm:alg>
+        </dgm:else>
+      </dgm:choose>
+      <dgm:shape xmlns:r="http://schemas.openxmlformats.org/officeDocument/2006/relationships" r:blip="">
+        <dgm:adjLst/>
+      </dgm:shape>
+      <dgm:presOf/>
+      <dgm:constrLst>
+        <dgm:constr type="w" for="ch" forName="composite1" refType="w"/>
+        <dgm:constr type="w" for="ch" forName="composite2" refType="w" refFor="ch" refForName="composite1" op="equ"/>
+        <dgm:constr type="h" for="ch" forName="composite1" refType="h"/>
+        <dgm:constr type="h" for="ch" forName="composite2" refType="h" refFor="ch" refForName="composite1" op="equ"/>
+        <dgm:constr type="primFontSz" for="des" forName="parentNode1" val="65"/>
+        <dgm:constr type="primFontSz" for="des" forName="parentNode2" refType="primFontSz" refFor="des" refForName="parentNode1" op="equ"/>
+        <dgm:constr type="secFontSz" for="des" forName="childNode1tx" val="65"/>
+        <dgm:constr type="secFontSz" for="des" forName="childNode2tx" refType="secFontSz" refFor="des" refForName="childNode1tx" op="equ"/>
+        <dgm:constr type="w" for="des" ptType="sibTrans" refType="w" refFor="ch" refForName="composite1" op="equ" fact="0.05"/>
+      </dgm:constrLst>
+      <dgm:ruleLst/>
+      <dgm:forEach name="Name4" axis="ch" ptType="node" step="2">
+        <dgm:layoutNode name="composite1">
+          <dgm:alg type="composite">
+            <dgm:param type="ar" val="0.943"/>
+          </dgm:alg>
+          <dgm:shape xmlns:r="http://schemas.openxmlformats.org/officeDocument/2006/relationships" r:blip="">
+            <dgm:adjLst/>
+          </dgm:shape>
+          <dgm:presOf/>
+          <dgm:choose name="Name5">
+            <dgm:if name="Name6" func="var" arg="dir" op="equ" val="norm">
+              <dgm:constrLst>
+                <dgm:constr type="h" refType="w" fact="1.06"/>
+                <dgm:constr type="w" for="ch" forName="dummyNode1" refType="w"/>
+                <dgm:constr type="h" for="ch" forName="dummyNode1" refType="h"/>
+                <dgm:constr type="t" for="ch" forName="dummyNode1"/>
+                <dgm:constr type="l" for="ch" forName="dummyNode1"/>
+                <dgm:constr type="w" for="ch" forName="childNode1" refType="w" fact="0.9"/>
+                <dgm:constr type="h" for="ch" forName="childNode1" refType="h" fact="0.7"/>
+                <dgm:constr type="t" for="ch" forName="childNode1" refType="h" fact="0.15"/>
+                <dgm:constr type="l" for="ch" forName="childNode1"/>
+                <dgm:constr type="w" for="ch" forName="childNode1tx" refType="w" fact="0.9"/>
+                <dgm:constr type="h" for="ch" forName="childNode1tx" refType="h" fact="0.55"/>
+                <dgm:constr type="t" for="ch" forName="childNode1tx" refType="h" fact="0.15"/>
+                <dgm:constr type="l" for="ch" forName="childNode1tx"/>
+                <dgm:constr type="w" for="ch" forName="parentNode1" refType="w" fact="0.8"/>
+                <dgm:constr type="h" for="ch" forName="parentNode1" refType="h" fact="0.3"/>
+                <dgm:constr type="t" for="ch" forName="parentNode1" refType="h" fact="0.7"/>
+                <dgm:constr type="l" for="ch" forName="parentNode1" refType="w" fact="0.2"/>
+                <dgm:constr type="w" for="ch" forName="connSite1" refType="w" fact="0.01"/>
+                <dgm:constr type="h" for="ch" forName="connSite1" refType="h" fact="0.01"/>
+                <dgm:constr type="t" for="ch" forName="connSite1"/>
+                <dgm:constr type="l" for="ch" forName="connSite1" refType="w" fact="0.35"/>
+              </dgm:constrLst>
+            </dgm:if>
+            <dgm:else name="Name7">
+              <dgm:constrLst>
+                <dgm:constr type="h" refType="w" fact="1.06"/>
+                <dgm:constr type="w" for="ch" forName="dummyNode1" refType="w"/>
+                <dgm:constr type="h" for="ch" forName="dummyNode1" refType="h"/>
+                <dgm:constr type="t" for="ch" forName="dummyNode1"/>
+                <dgm:constr type="l" for="ch" forName="dummyNode1"/>
+                <dgm:constr type="w" for="ch" forName="childNode1" refType="w" fact="0.9"/>
+                <dgm:constr type="h" for="ch" forName="childNode1" refType="h" fact="0.7"/>
+                <dgm:constr type="t" for="ch" forName="childNode1" refType="h" fact="0.15"/>
+                <dgm:constr type="l" for="ch" forName="childNode1" refType="w" fact="0.1"/>
+                <dgm:constr type="w" for="ch" forName="childNode1tx" refType="w" fact="0.9"/>
+                <dgm:constr type="h" for="ch" forName="childNode1tx" refType="h" fact="0.55"/>
+                <dgm:constr type="t" for="ch" forName="childNode1tx" refType="h" fact="0.15"/>
+                <dgm:constr type="l" for="ch" forName="childNode1tx" refType="w" fact="0.1"/>
+                <dgm:constr type="w" for="ch" forName="parentNode1" refType="w" fact="0.8"/>
+                <dgm:constr type="h" for="ch" forName="parentNode1" refType="h" fact="0.3"/>
+                <dgm:constr type="t" for="ch" forName="parentNode1" refType="h" fact="0.7"/>
+                <dgm:constr type="l" for="ch" forName="parentNode1"/>
+                <dgm:constr type="w" for="ch" forName="connSite1" refType="w" fact="0.01"/>
+                <dgm:constr type="h" for="ch" forName="connSite1" refType="h" fact="0.01"/>
+                <dgm:constr type="t" for="ch" forName="connSite1"/>
+                <dgm:constr type="l" for="ch" forName="connSite1" refType="w" fact="0.65"/>
+              </dgm:constrLst>
+            </dgm:else>
+          </dgm:choose>
+          <dgm:ruleLst/>
+          <dgm:layoutNode name="dummyNode1">
+            <dgm:alg type="sp"/>
+            <dgm:shape xmlns:r="http://schemas.openxmlformats.org/officeDocument/2006/relationships" type="rect" r:blip="" hideGeom="1">
+              <dgm:adjLst/>
+            </dgm:shape>
+            <dgm:presOf/>
+            <dgm:constrLst/>
+            <dgm:ruleLst/>
+          </dgm:layoutNode>
+          <dgm:layoutNode name="childNode1" styleLbl="bgAcc1">
+            <dgm:varLst>
+              <dgm:bulletEnabled val="1"/>
+            </dgm:varLst>
+            <dgm:alg type="sp"/>
+            <dgm:shape xmlns:r="http://schemas.openxmlformats.org/officeDocument/2006/relationships" type="roundRect" r:blip="">
+              <dgm:adjLst>
+                <dgm:adj idx="1" val="0.1"/>
+              </dgm:adjLst>
+            </dgm:shape>
+            <dgm:presOf axis="des" ptType="node"/>
+            <dgm:constrLst/>
+            <dgm:ruleLst/>
+          </dgm:layoutNode>
+          <dgm:layoutNode name="childNode1tx" styleLbl="bgAcc1">
+            <dgm:varLst>
+              <dgm:bulletEnabled val="1"/>
+            </dgm:varLst>
+            <dgm:alg type="tx">
+              <dgm:param type="stBulletLvl" val="1"/>
+            </dgm:alg>
+            <dgm:shape xmlns:r="http://schemas.openxmlformats.org/officeDocument/2006/relationships" type="roundRect" r:blip="" hideGeom="1">
+              <dgm:adjLst>
+                <dgm:adj idx="1" val="0.1"/>
+              </dgm:adjLst>
+            </dgm:shape>
+            <dgm:presOf axis="des" ptType="node"/>
+            <dgm:constrLst>
+              <dgm:constr type="secFontSz" val="65"/>
+              <dgm:constr type="primFontSz" refType="secFontSz"/>
+              <dgm:constr type="tMarg" refType="secFontSz" fact="0.15"/>
+              <dgm:constr type="bMarg" refType="secFontSz" fact="0.15"/>
+              <dgm:constr type="lMarg" refType="secFontSz" fact="0.15"/>
+              <dgm:constr type="rMarg" refType="secFontSz" fact="0.15"/>
+            </dgm:constrLst>
+            <dgm:ruleLst>
+              <dgm:rule type="secFontSz" val="5" fact="NaN" max="NaN"/>
+            </dgm:ruleLst>
+          </dgm:layoutNode>
+          <dgm:layoutNode name="parentNode1" styleLbl="node1">
+            <dgm:varLst>
+              <dgm:chMax val="1"/>
+              <dgm:bulletEnabled val="1"/>
+            </dgm:varLst>
+            <dgm:alg type="tx"/>
+            <dgm:shape xmlns:r="http://schemas.openxmlformats.org/officeDocument/2006/relationships" type="roundRect" r:blip="">
+              <dgm:adjLst>
+                <dgm:adj idx="1" val="0.1"/>
+              </dgm:adjLst>
+            </dgm:shape>
+            <dgm:presOf axis="self"/>
+            <dgm:constrLst>
+              <dgm:constr type="tMarg" refType="primFontSz" fact="0.1"/>
+              <dgm:constr type="bMarg" refType="primFontSz" fact="0.1"/>
+              <dgm:constr type="lMarg" refType="primFontSz" fact="0.15"/>
+              <dgm:constr type="rMarg" refType="primFontSz" fact="0.15"/>
+            </dgm:constrLst>
+            <dgm:ruleLst>
+              <dgm:rule type="primFontSz" val="5" fact="NaN" max="NaN"/>
+            </dgm:ruleLst>
+          </dgm:layoutNode>
+          <dgm:layoutNode name="connSite1" moveWith="childNode1">
+            <dgm:alg type="sp"/>
+            <dgm:shape xmlns:r="http://schemas.openxmlformats.org/officeDocument/2006/relationships" r:blip="">
+              <dgm:adjLst/>
+            </dgm:shape>
+            <dgm:presOf/>
+            <dgm:constrLst/>
+            <dgm:ruleLst/>
+          </dgm:layoutNode>
+        </dgm:layoutNode>
+        <dgm:forEach name="Name8" axis="followSib" ptType="sibTrans" cnt="1">
+          <dgm:layoutNode name="Name9">
+            <dgm:alg type="conn">
+              <dgm:param type="connRout" val="curve"/>
+              <dgm:param type="srcNode" val="parentNode1"/>
+              <dgm:param type="dstNode" val="connSite2"/>
+              <dgm:param type="begPts" val="bCtr"/>
+              <dgm:param type="endPts" val="bCtr"/>
+            </dgm:alg>
+            <dgm:shape xmlns:r="http://schemas.openxmlformats.org/officeDocument/2006/relationships" type="conn" r:blip="" zOrderOff="-2">
+              <dgm:adjLst/>
+            </dgm:shape>
+            <dgm:presOf axis="self"/>
+            <dgm:choose name="Name10">
+              <dgm:if name="Name11" func="var" arg="dir" op="equ" val="norm">
+                <dgm:constrLst>
+                  <dgm:constr type="h" refType="w" fact="0.35"/>
+                  <dgm:constr type="wArH" refType="h"/>
+                  <dgm:constr type="hArH" refType="h"/>
+                  <dgm:constr type="connDist"/>
+                  <dgm:constr type="diam" refType="connDist" fact="-1.15"/>
+                  <dgm:constr type="begPad"/>
+                  <dgm:constr type="endPad"/>
+                </dgm:constrLst>
+              </dgm:if>
+              <dgm:else name="Name12">
+                <dgm:constrLst>
+                  <dgm:constr type="h" refType="w" fact="0.35"/>
+                  <dgm:constr type="wArH" refType="h"/>
+                  <dgm:constr type="hArH" refType="h"/>
+                  <dgm:constr type="connDist"/>
+                  <dgm:constr type="diam" refType="connDist" fact="1.15"/>
+                  <dgm:constr type="begPad"/>
+                  <dgm:constr type="endPad"/>
+                </dgm:constrLst>
+              </dgm:else>
+            </dgm:choose>
+            <dgm:ruleLst/>
+          </dgm:layoutNode>
+        </dgm:forEach>
+        <dgm:forEach name="Name13" axis="followSib" ptType="node" cnt="1">
+          <dgm:layoutNode name="composite2">
+            <dgm:alg type="composite">
+              <dgm:param type="ar" val="0.943"/>
+            </dgm:alg>
+            <dgm:shape xmlns:r="http://schemas.openxmlformats.org/officeDocument/2006/relationships" r:blip="">
+              <dgm:adjLst/>
+            </dgm:shape>
+            <dgm:presOf/>
+            <dgm:choose name="Name14">
+              <dgm:if name="Name15" func="var" arg="dir" op="equ" val="norm">
+                <dgm:constrLst>
+                  <dgm:constr type="h" refType="w" fact="1.06"/>
+                  <dgm:constr type="w" for="ch" forName="dummyNode2" refType="w"/>
+                  <dgm:constr type="h" for="ch" forName="dummyNode2" refType="h"/>
+                  <dgm:constr type="t" for="ch" forName="dummyNode2"/>
+                  <dgm:constr type="l" for="ch" forName="dummyNode2"/>
+                  <dgm:constr type="w" for="ch" forName="childNode2" refType="w" fact="0.9"/>
+                  <dgm:constr type="h" for="ch" forName="childNode2" refType="h" fact="0.7"/>
+                  <dgm:constr type="t" for="ch" forName="childNode2" refType="h" fact="0.15"/>
+                  <dgm:constr type="l" for="ch" forName="childNode2"/>
+                  <dgm:constr type="w" for="ch" forName="childNode2tx" refType="w" fact="0.9"/>
+                  <dgm:constr type="h" for="ch" forName="childNode2tx" refType="h" fact="0.55"/>
+                  <dgm:constr type="t" for="ch" forName="childNode2tx" refType="h" fact="0.3"/>
+                  <dgm:constr type="l" for="ch" forName="childNode2tx"/>
+                  <dgm:constr type="w" for="ch" forName="parentNode2" refType="w" fact="0.8"/>
+                  <dgm:constr type="h" for="ch" forName="parentNode2" refType="h" fact="0.3"/>
+                  <dgm:constr type="t" for="ch" forName="parentNode2"/>
+                  <dgm:constr type="l" for="ch" forName="parentNode2" refType="w" fact="0.2"/>
+                  <dgm:constr type="w" for="ch" forName="connSite2" refType="w" fact="0.01"/>
+                  <dgm:constr type="h" for="ch" forName="connSite2" refType="h" fact="0.01"/>
+                  <dgm:constr type="t" for="ch" forName="connSite2" refType="h" fact="0.99"/>
+                  <dgm:constr type="l" for="ch" forName="connSite2" refType="w" fact="0.25"/>
+                </dgm:constrLst>
+              </dgm:if>
+              <dgm:else name="Name16">
+                <dgm:constrLst>
+                  <dgm:constr type="h" refType="w" fact="1.06"/>
+                  <dgm:constr type="w" for="ch" forName="dummyNode2" refType="w"/>
+                  <dgm:constr type="h" for="ch" forName="dummyNode2" refType="h"/>
+                  <dgm:constr type="t" for="ch" forName="dummyNode2"/>
+                  <dgm:constr type="l" for="ch" forName="dummyNode2"/>
+                  <dgm:constr type="w" for="ch" forName="childNode2" refType="w" fact="0.9"/>
+                  <dgm:constr type="h" for="ch" forName="childNode2" refType="h" fact="0.7"/>
+                  <dgm:constr type="t" for="ch" forName="childNode2" refType="h" fact="0.15"/>
+                  <dgm:constr type="l" for="ch" forName="childNode2" refType="w" fact="0.1"/>
+                  <dgm:constr type="w" for="ch" forName="childNode2tx" refType="w" fact="0.9"/>
+                  <dgm:constr type="h" for="ch" forName="childNode2tx" refType="h" fact="0.55"/>
+                  <dgm:constr type="t" for="ch" forName="childNode2tx" refType="h" fact="0.3"/>
+                  <dgm:constr type="l" for="ch" forName="childNode2tx" refType="w" fact="0.1"/>
+                  <dgm:constr type="w" for="ch" forName="parentNode2" refType="w" fact="0.8"/>
+                  <dgm:constr type="h" for="ch" forName="parentNode2" refType="h" fact="0.3"/>
+                  <dgm:constr type="t" for="ch" forName="parentNode2"/>
+                  <dgm:constr type="l" for="ch" forName="parentNode2"/>
+                  <dgm:constr type="w" for="ch" forName="connSite2" refType="w" fact="0.01"/>
+                  <dgm:constr type="h" for="ch" forName="connSite2" refType="h" fact="0.01"/>
+                  <dgm:constr type="t" for="ch" forName="connSite2" refType="h" fact="0.99"/>
+                  <dgm:constr type="l" for="ch" forName="connSite2" refType="w" fact="0.85"/>
+                </dgm:constrLst>
+              </dgm:else>
+            </dgm:choose>
+            <dgm:ruleLst/>
+            <dgm:layoutNode name="dummyNode2">
+              <dgm:alg type="sp"/>
+              <dgm:shape xmlns:r="http://schemas.openxmlformats.org/officeDocument/2006/relationships" type="rect" r:blip="" hideGeom="1">
+                <dgm:adjLst/>
+              </dgm:shape>
+              <dgm:presOf/>
+              <dgm:constrLst/>
+              <dgm:ruleLst/>
+            </dgm:layoutNode>
+            <dgm:layoutNode name="childNode2" styleLbl="bgAcc1">
+              <dgm:varLst>
+                <dgm:bulletEnabled val="1"/>
+              </dgm:varLst>
+              <dgm:alg type="sp"/>
+              <dgm:shape xmlns:r="http://schemas.openxmlformats.org/officeDocument/2006/relationships" type="roundRect" r:blip="">
+                <dgm:adjLst>
+                  <dgm:adj idx="1" val="0.1"/>
+                </dgm:adjLst>
+              </dgm:shape>
+              <dgm:presOf axis="des" ptType="node"/>
+              <dgm:constrLst/>
+              <dgm:ruleLst/>
+            </dgm:layoutNode>
+            <dgm:layoutNode name="childNode2tx" styleLbl="bgAcc1">
+              <dgm:varLst>
+                <dgm:bulletEnabled val="1"/>
+              </dgm:varLst>
+              <dgm:alg type="tx">
+                <dgm:param type="stBulletLvl" val="1"/>
+              </dgm:alg>
+              <dgm:shape xmlns:r="http://schemas.openxmlformats.org/officeDocument/2006/relationships" type="roundRect" r:blip="" hideGeom="1">
+                <dgm:adjLst>
+                  <dgm:adj idx="1" val="0.1"/>
+                </dgm:adjLst>
+              </dgm:shape>
+              <dgm:presOf axis="des" ptType="node"/>
+              <dgm:constrLst>
+                <dgm:constr type="secFontSz" val="65"/>
+                <dgm:constr type="primFontSz" refType="secFontSz"/>
+                <dgm:constr type="tMarg" refType="secFontSz" fact="0.15"/>
+                <dgm:constr type="bMarg" refType="secFontSz" fact="0.15"/>
+                <dgm:constr type="lMarg" refType="secFontSz" fact="0.15"/>
+                <dgm:constr type="rMarg" refType="secFontSz" fact="0.15"/>
+              </dgm:constrLst>
+              <dgm:ruleLst>
+                <dgm:rule type="secFontSz" val="5" fact="NaN" max="NaN"/>
+              </dgm:ruleLst>
+            </dgm:layoutNode>
+            <dgm:layoutNode name="parentNode2" styleLbl="node1">
+              <dgm:varLst>
+                <dgm:chMax val="0"/>
+                <dgm:bulletEnabled val="1"/>
+              </dgm:varLst>
+              <dgm:alg type="tx"/>
+              <dgm:shape xmlns:r="http://schemas.openxmlformats.org/officeDocument/2006/relationships" type="roundRect" r:blip="">
+                <dgm:adjLst>
+                  <dgm:adj idx="1" val="0.1"/>
+                </dgm:adjLst>
+              </dgm:shape>
+              <dgm:presOf axis="self"/>
+              <dgm:constrLst>
+                <dgm:constr type="tMarg" refType="primFontSz" fact="0.1"/>
+                <dgm:constr type="bMarg" refType="primFontSz" fact="0.1"/>
+                <dgm:constr type="lMarg" refType="primFontSz" fact="0.15"/>
+                <dgm:constr type="rMarg" refType="primFontSz" fact="0.15"/>
+              </dgm:constrLst>
+              <dgm:ruleLst>
+                <dgm:rule type="primFontSz" val="5" fact="NaN" max="NaN"/>
+              </dgm:ruleLst>
+            </dgm:layoutNode>
+            <dgm:layoutNode name="connSite2" moveWith="childNode2">
+              <dgm:alg type="sp"/>
+              <dgm:shape xmlns:r="http://schemas.openxmlformats.org/officeDocument/2006/relationships" r:blip="">
+                <dgm:adjLst/>
+              </dgm:shape>
+              <dgm:presOf/>
+              <dgm:constrLst/>
+              <dgm:ruleLst/>
+            </dgm:layoutNode>
+          </dgm:layoutNode>
+          <dgm:forEach name="Name17" axis="followSib" ptType="sibTrans" cnt="1">
+            <dgm:layoutNode name="Name18">
+              <dgm:alg type="conn">
+                <dgm:param type="connRout" val="curve"/>
+                <dgm:param type="srcNode" val="parentNode2"/>
+                <dgm:param type="dstNode" val="connSite1"/>
+                <dgm:param type="begPts" val="tCtr"/>
+                <dgm:param type="endPts" val="tCtr"/>
+              </dgm:alg>
+              <dgm:shape xmlns:r="http://schemas.openxmlformats.org/officeDocument/2006/relationships" type="conn" r:blip="" zOrderOff="-2">
+                <dgm:adjLst/>
+              </dgm:shape>
+              <dgm:presOf axis="self"/>
+              <dgm:choose name="Name19">
+                <dgm:if name="Name20" func="var" arg="dir" op="equ" val="norm">
+                  <dgm:constrLst>
+                    <dgm:constr type="h" refType="w" fact="0.35"/>
+                    <dgm:constr type="wArH" refType="h"/>
+                    <dgm:constr type="hArH" refType="h"/>
+                    <dgm:constr type="connDist"/>
+                    <dgm:constr type="diam" refType="connDist" fact="1.15"/>
+                    <dgm:constr type="begPad"/>
+                    <dgm:constr type="endPad"/>
+                  </dgm:constrLst>
+                </dgm:if>
+                <dgm:else name="Name21">
+                  <dgm:constrLst>
+                    <dgm:constr type="h" refType="w" fact="0.35"/>
+                    <dgm:constr type="wArH" refType="h"/>
+                    <dgm:constr type="hArH" refType="h"/>
+                    <dgm:constr type="connDist"/>
+                    <dgm:constr type="diam" refType="connDist" fact="-1.15"/>
+                    <dgm:constr type="begPad"/>
+                    <dgm:constr type="endPad"/>
+                  </dgm:constrLst>
+                </dgm:else>
+              </dgm:choose>
+              <dgm:ruleLst/>
+            </dgm:layoutNode>
+          </dgm:forEach>
+        </dgm:forEach>
+      </dgm:forEach>
+    </dgm:layoutNode>
+  </dgm:layoutNode>
+</dgm:layoutDef>
+</file>
+
+<file path=ppt/diagrams/quickStyle1.xml><?xml version="1.0" encoding="utf-8"?>
+<dgm:styleDef xmlns:dgm="http://schemas.openxmlformats.org/drawingml/2006/diagram" xmlns:a="http://schemas.openxmlformats.org/drawingml/2006/main" uniqueId="urn:microsoft.com/office/officeart/2005/8/quickstyle/simple1">
+  <dgm:title val=""/>
+  <dgm:desc val=""/>
+  <dgm:catLst>
+    <dgm:cat type="simple" pri="10100"/>
+  </dgm:catLst>
+  <dgm:scene3d>
+    <a:camera prst="orthographicFront"/>
+    <a:lightRig rig="threePt" dir="t"/>
+  </dgm:scene3d>
+  <dgm:styleLbl name="node0">
+    <dgm:scene3d>
+      <a:camera prst="orthographicFront"/>
+      <a:lightRig rig="threePt" dir="t"/>
+    </dgm:scene3d>
+    <dgm:sp3d/>
+    <dgm:txPr/>
+    <dgm:style>
+      <a:lnRef idx="2">
+        <a:scrgbClr r="0" g="0" b="0"/>
+      </a:lnRef>
+      <a:fillRef idx="1">
+        <a:scrgbClr r="0" g="0" b="0"/>
+      </a:fillRef>
+      <a:effectRef idx="0">
+        <a:scrgbClr r="0" g="0" b="0"/>
+      </a:effectRef>
+      <a:fontRef idx="minor">
+        <a:schemeClr val="lt1"/>
+      </a:fontRef>
+    </dgm:style>
+  </dgm:styleLbl>
+  <dgm:styleLbl name="lnNode1">
+    <dgm:scene3d>
+      <a:camera prst="orthographicFront"/>
+      <a:lightRig rig="threePt" dir="t"/>
+    </dgm:scene3d>
+    <dgm:sp3d/>
+    <dgm:txPr/>
+    <dgm:style>
+      <a:lnRef idx="2">
+        <a:scrgbClr r="0" g="0" b="0"/>
+      </a:lnRef>
+      <a:fillRef idx="1">
+        <a:scrgbClr r="0" g="0" b="0"/>
+      </a:fillRef>
+      <a:effectRef idx="0">
+        <a:scrgbClr r="0" g="0" b="0"/>
+      </a:effectRef>
+      <a:fontRef idx="minor">
+        <a:schemeClr val="lt1"/>
+      </a:fontRef>
+    </dgm:style>
+  </dgm:styleLbl>
+  <dgm:styleLbl name="vennNode1">
+    <dgm:scene3d>
+      <a:camera prst="orthographicFront"/>
+      <a:lightRig rig="threePt" dir="t"/>
+    </dgm:scene3d>
+    <dgm:sp3d/>
+    <dgm:txPr/>
+    <dgm:style>
+      <a:lnRef idx="2">
+        <a:scrgbClr r="0" g="0" b="0"/>
+      </a:lnRef>
+      <a:fillRef idx="1">
+        <a:scrgbClr r="0" g="0" b="0"/>
+      </a:fillRef>
+      <a:effectRef idx="0">
+        <a:scrgbClr r="0" g="0" b="0"/>
+      </a:effectRef>
+      <a:fontRef idx="minor">
+        <a:schemeClr val="tx1"/>
+      </a:fontRef>
+    </dgm:style>
+  </dgm:styleLbl>
+  <dgm:styleLbl name="alignNode1">
+    <dgm:scene3d>
+      <a:camera prst="orthographicFront"/>
+      <a:lightRig rig="threePt" dir="t"/>
+    </dgm:scene3d>
+    <dgm:sp3d/>
+    <dgm:txPr/>
+    <dgm:style>
+      <a:lnRef idx="2">
+        <a:scrgbClr r="0" g="0" b="0"/>
+      </a:lnRef>
+      <a:fillRef idx="1">
+        <a:scrgbClr r="0" g="0" b="0"/>
+      </a:fillRef>
+      <a:effectRef idx="0">
+        <a:scrgbClr r="0" g="0" b="0"/>
+      </a:effectRef>
+      <a:fontRef idx="minor">
+        <a:schemeClr val="lt1"/>
+      </a:fontRef>
+    </dgm:style>
+  </dgm:styleLbl>
+  <dgm:styleLbl name="node1">
+    <dgm:scene3d>
+      <a:camera prst="orthographicFront"/>
+      <a:lightRig rig="threePt" dir="t"/>
+    </dgm:scene3d>
+    <dgm:sp3d/>
+    <dgm:txPr/>
+    <dgm:style>
+      <a:lnRef idx="2">
+        <a:scrgbClr r="0" g="0" b="0"/>
+      </a:lnRef>
+      <a:fillRef idx="1">
+        <a:scrgbClr r="0" g="0" b="0"/>
+      </a:fillRef>
+      <a:effectRef idx="0">
+        <a:scrgbClr r="0" g="0" b="0"/>
+      </a:effectRef>
+      <a:fontRef idx="minor">
+        <a:schemeClr val="lt1"/>
+      </a:fontRef>
+    </dgm:style>
+  </dgm:styleLbl>
+  <dgm:styleLbl name="node2">
+    <dgm:scene3d>
+      <a:camera prst="orthographicFront"/>
+      <a:lightRig rig="threePt" dir="t"/>
+    </dgm:scene3d>
+    <dgm:sp3d/>
+    <dgm:txPr/>
+    <dgm:style>
+      <a:lnRef idx="2">
+        <a:scrgbClr r="0" g="0" b="0"/>
+      </a:lnRef>
+      <a:fillRef idx="1">
+        <a:scrgbClr r="0" g="0" b="0"/>
+      </a:fillRef>
+      <a:effectRef idx="0">
+        <a:scrgbClr r="0" g="0" b="0"/>
+      </a:effectRef>
+      <a:fontRef idx="minor">
+        <a:schemeClr val="lt1"/>
+      </a:fontRef>
+    </dgm:style>
+  </dgm:styleLbl>
+  <dgm:styleLbl name="node3">
+    <dgm:scene3d>
+      <a:camera prst="orthographicFront"/>
+      <a:lightRig rig="threePt" dir="t"/>
+    </dgm:scene3d>
+    <dgm:sp3d/>
+    <dgm:txPr/>
+    <dgm:style>
+      <a:lnRef idx="2">
+        <a:scrgbClr r="0" g="0" b="0"/>
+      </a:lnRef>
+      <a:fillRef idx="1">
+        <a:scrgbClr r="0" g="0" b="0"/>
+      </a:fillRef>
+      <a:effectRef idx="0">
+        <a:scrgbClr r="0" g="0" b="0"/>
+      </a:effectRef>
+      <a:fontRef idx="minor">
+        <a:schemeClr val="lt1"/>
+      </a:fontRef>
+    </dgm:style>
+  </dgm:styleLbl>
+  <dgm:styleLbl name="node4">
+    <dgm:scene3d>
+      <a:camera prst="orthographicFront"/>
+      <a:lightRig rig="threePt" dir="t"/>
+    </dgm:scene3d>
+    <dgm:sp3d/>
+    <dgm:txPr/>
+    <dgm:style>
+      <a:lnRef idx="2">
+        <a:scrgbClr r="0" g="0" b="0"/>
+      </a:lnRef>
+      <a:fillRef idx="1">
+        <a:scrgbClr r="0" g="0" b="0"/>
+      </a:fillRef>
+      <a:effectRef idx="0">
+        <a:scrgbClr r="0" g="0" b="0"/>
+      </a:effectRef>
+      <a:fontRef idx="minor">
+        <a:schemeClr val="lt1"/>
+      </a:fontRef>
+    </dgm:style>
+  </dgm:styleLbl>
+  <dgm:styleLbl name="fgImgPlace1">
+    <dgm:scene3d>
+      <a:camera prst="orthographicFront"/>
+      <a:lightRig rig="threePt" dir="t"/>
+    </dgm:scene3d>
+    <dgm:sp3d/>
+    <dgm:txPr/>
+    <dgm:style>
+      <a:lnRef idx="2">
+        <a:scrgbClr r="0" g="0" b="0"/>
+      </a:lnRef>
+      <a:fillRef idx="1">
+        <a:scrgbClr r="0" g="0" b="0"/>
+      </a:fillRef>
+      <a:effectRef idx="0">
+        <a:scrgbClr r="0" g="0" b="0"/>
+      </a:effectRef>
+      <a:fontRef idx="minor"/>
+    </dgm:style>
+  </dgm:styleLbl>
+  <dgm:styleLbl name="alignImgPlace1">
+    <dgm:scene3d>
+      <a:camera prst="orthographicFront"/>
+      <a:lightRig rig="threePt" dir="t"/>
+    </dgm:scene3d>
+    <dgm:sp3d/>
+    <dgm:txPr/>
+    <dgm:style>
+      <a:lnRef idx="2">
+        <a:scrgbClr r="0" g="0" b="0"/>
+      </a:lnRef>
+      <a:fillRef idx="1">
+        <a:scrgbClr r="0" g="0" b="0"/>
+      </a:fillRef>
+      <a:effectRef idx="0">
+        <a:scrgbClr r="0" g="0" b="0"/>
+      </a:effectRef>
+      <a:fontRef idx="minor"/>
+    </dgm:style>
+  </dgm:styleLbl>
+  <dgm:styleLbl name="bgImgPlace1">
+    <dgm:scene3d>
+      <a:camera prst="orthographicFront"/>
+      <a:lightRig rig="threePt" dir="t"/>
+    </dgm:scene3d>
+    <dgm:sp3d/>
+    <dgm:txPr/>
+    <dgm:style>
+      <a:lnRef idx="2">
+        <a:scrgbClr r="0" g="0" b="0"/>
+      </a:lnRef>
+      <a:fillRef idx="1">
+        <a:scrgbClr r="0" g="0" b="0"/>
+      </a:fillRef>
+      <a:effectRef idx="0">
+        <a:scrgbClr r="0" g="0" b="0"/>
+      </a:effectRef>
+      <a:fontRef idx="minor"/>
+    </dgm:style>
+  </dgm:styleLbl>
+  <dgm:styleLbl name="sibTrans2D1">
+    <dgm:scene3d>
+      <a:camera prst="orthographicFront"/>
+      <a:lightRig rig="threePt" dir="t"/>
+    </dgm:scene3d>
+    <dgm:sp3d/>
+    <dgm:txPr/>
+    <dgm:style>
+      <a:lnRef idx="0">
+        <a:scrgbClr r="0" g="0" b="0"/>
+      </a:lnRef>
+      <a:fillRef idx="1">
+        <a:scrgbClr r="0" g="0" b="0"/>
+      </a:fillRef>
+      <a:effectRef idx="0">
+        <a:scrgbClr r="0" g="0" b="0"/>
+      </a:effectRef>
+      <a:fontRef idx="minor">
+        <a:schemeClr val="lt1"/>
+      </a:fontRef>
+    </dgm:style>
+  </dgm:styleLbl>
+  <dgm:styleLbl name="fgSibTrans2D1">
+    <dgm:scene3d>
+      <a:camera prst="orthographicFront"/>
+      <a:lightRig rig="threePt" dir="t"/>
+    </dgm:scene3d>
+    <dgm:sp3d/>
+    <dgm:txPr/>
+    <dgm:style>
+      <a:lnRef idx="0">
+        <a:scrgbClr r="0" g="0" b="0"/>
+      </a:lnRef>
+      <a:fillRef idx="1">
+        <a:scrgbClr r="0" g="0" b="0"/>
+      </a:fillRef>
+      <a:effectRef idx="0">
+        <a:scrgbClr r="0" g="0" b="0"/>
+      </a:effectRef>
+      <a:fontRef idx="minor">
+        <a:schemeClr val="lt1"/>
+      </a:fontRef>
+    </dgm:style>
+  </dgm:styleLbl>
+  <dgm:styleLbl name="bgSibTrans2D1">
+    <dgm:scene3d>
+      <a:camera prst="orthographicFront"/>
+      <a:lightRig rig="threePt" dir="t"/>
+    </dgm:scene3d>
+    <dgm:sp3d/>
+    <dgm:txPr/>
+    <dgm:style>
+      <a:lnRef idx="0">
+        <a:scrgbClr r="0" g="0" b="0"/>
+      </a:lnRef>
+      <a:fillRef idx="1">
+        <a:scrgbClr r="0" g="0" b="0"/>
+      </a:fillRef>
+      <a:effectRef idx="0">
+        <a:scrgbClr r="0" g="0" b="0"/>
+      </a:effectRef>
+      <a:fontRef idx="minor">
+        <a:schemeClr val="lt1"/>
+      </a:fontRef>
+    </dgm:style>
+  </dgm:styleLbl>
+  <dgm:styleLbl name="sibTrans1D1">
+    <dgm:scene3d>
+      <a:camera prst="orthographicFront"/>
+      <a:lightRig rig="threePt" dir="t"/>
+    </dgm:scene3d>
+    <dgm:sp3d/>
+    <dgm:txPr/>
+    <dgm:style>
+      <a:lnRef idx="1">
+        <a:scrgbClr r="0" g="0" b="0"/>
+      </a:lnRef>
+      <a:fillRef idx="0">
+        <a:scrgbClr r="0" g="0" b="0"/>
+      </a:fillRef>
+      <a:effectRef idx="0">
+        <a:scrgbClr r="0" g="0" b="0"/>
+      </a:effectRef>
+      <a:fontRef idx="minor"/>
+    </dgm:style>
+  </dgm:styleLbl>
+  <dgm:styleLbl name="callout">
+    <dgm:scene3d>
+      <a:camera prst="orthographicFront"/>
+      <a:lightRig rig="threePt" dir="t"/>
+    </dgm:scene3d>
+    <dgm:sp3d/>
+    <dgm:txPr/>
+    <dgm:style>
+      <a:lnRef idx="2">
+        <a:scrgbClr r="0" g="0" b="0"/>
+      </a:lnRef>
+      <a:fillRef idx="1">
+        <a:scrgbClr r="0" g="0" b="0"/>
+      </a:fillRef>
+      <a:effectRef idx="0">
+        <a:scrgbClr r="0" g="0" b="0"/>
+      </a:effectRef>
+      <a:fontRef idx="minor"/>
+    </dgm:style>
+  </dgm:styleLbl>
+  <dgm:styleLbl name="asst0">
+    <dgm:scene3d>
+      <a:camera prst="orthographicFront"/>
+      <a:lightRig rig="threePt" dir="t"/>
+    </dgm:scene3d>
+    <dgm:sp3d/>
+    <dgm:txPr/>
+    <dgm:style>
+      <a:lnRef idx="2">
+        <a:scrgbClr r="0" g="0" b="0"/>
+      </a:lnRef>
+      <a:fillRef idx="1">
+        <a:scrgbClr r="0" g="0" b="0"/>
+      </a:fillRef>
+      <a:effectRef idx="0">
+        <a:scrgbClr r="0" g="0" b="0"/>
+      </a:effectRef>
+      <a:fontRef idx="minor">
+        <a:schemeClr val="lt1"/>
+      </a:fontRef>
+    </dgm:style>
+  </dgm:styleLbl>
+  <dgm:styleLbl name="asst1">
+    <dgm:scene3d>
+      <a:camera prst="orthographicFront"/>
+      <a:lightRig rig="threePt" dir="t"/>
+    </dgm:scene3d>
+    <dgm:sp3d/>
+    <dgm:txPr/>
+    <dgm:style>
+      <a:lnRef idx="2">
+        <a:scrgbClr r="0" g="0" b="0"/>
+      </a:lnRef>
+      <a:fillRef idx="1">
+        <a:scrgbClr r="0" g="0" b="0"/>
+      </a:fillRef>
+      <a:effectRef idx="0">
+        <a:scrgbClr r="0" g="0" b="0"/>
+      </a:effectRef>
+      <a:fontRef idx="minor">
+        <a:schemeClr val="lt1"/>
+      </a:fontRef>
+    </dgm:style>
+  </dgm:styleLbl>
+  <dgm:styleLbl name="asst2">
+    <dgm:scene3d>
+      <a:camera prst="orthographicFront"/>
+      <a:lightRig rig="threePt" dir="t"/>
+    </dgm:scene3d>
+    <dgm:sp3d/>
+    <dgm:txPr/>
+    <dgm:style>
+      <a:lnRef idx="2">
+        <a:scrgbClr r="0" g="0" b="0"/>
+      </a:lnRef>
+      <a:fillRef idx="1">
+        <a:scrgbClr r="0" g="0" b="0"/>
+      </a:fillRef>
+      <a:effectRef idx="0">
+        <a:scrgbClr r="0" g="0" b="0"/>
+      </a:effectRef>
+      <a:fontRef idx="minor">
+        <a:schemeClr val="lt1"/>
+      </a:fontRef>
+    </dgm:style>
+  </dgm:styleLbl>
+  <dgm:styleLbl name="asst3">
+    <dgm:scene3d>
+      <a:camera prst="orthographicFront"/>
+      <a:lightRig rig="threePt" dir="t"/>
+    </dgm:scene3d>
+    <dgm:sp3d/>
+    <dgm:txPr/>
+    <dgm:style>
+      <a:lnRef idx="2">
+        <a:scrgbClr r="0" g="0" b="0"/>
+      </a:lnRef>
+      <a:fillRef idx="1">
+        <a:scrgbClr r="0" g="0" b="0"/>
+      </a:fillRef>
+      <a:effectRef idx="0">
+        <a:scrgbClr r="0" g="0" b="0"/>
+      </a:effectRef>
+      <a:fontRef idx="minor">
+        <a:schemeClr val="lt1"/>
+      </a:fontRef>
+    </dgm:style>
+  </dgm:styleLbl>
+  <dgm:styleLbl name="asst4">
+    <dgm:scene3d>
+      <a:camera prst="orthographicFront"/>
+      <a:lightRig rig="threePt" dir="t"/>
+    </dgm:scene3d>
+    <dgm:sp3d/>
+    <dgm:txPr/>
+    <dgm:style>
+      <a:lnRef idx="2">
+        <a:scrgbClr r="0" g="0" b="0"/>
+      </a:lnRef>
+      <a:fillRef idx="1">
+        <a:scrgbClr r="0" g="0" b="0"/>
+      </a:fillRef>
+      <a:effectRef idx="0">
+        <a:scrgbClr r="0" g="0" b="0"/>
+      </a:effectRef>
+      <a:fontRef idx="minor">
+        <a:schemeClr val="lt1"/>
+      </a:fontRef>
+    </dgm:style>
+  </dgm:styleLbl>
+  <dgm:styleLbl name="parChTrans2D1">
+    <dgm:scene3d>
+      <a:camera prst="orthographicFront"/>
+      <a:lightRig rig="threePt" dir="t"/>
+    </dgm:scene3d>
+    <dgm:sp3d/>
+    <dgm:txPr/>
+    <dgm:style>
+      <a:lnRef idx="2">
+        <a:scrgbClr r="0" g="0" b="0"/>
+      </a:lnRef>
+      <a:fillRef idx="1">
+        <a:scrgbClr r="0" g="0" b="0"/>
+      </a:fillRef>
+      <a:effectRef idx="0">
+        <a:scrgbClr r="0" g="0" b="0"/>
+      </a:effectRef>
+      <a:fontRef idx="minor">
+        <a:schemeClr val="lt1"/>
+      </a:fontRef>
+    </dgm:style>
+  </dgm:styleLbl>
+  <dgm:styleLbl name="parChTrans2D2">
+    <dgm:scene3d>
+      <a:camera prst="orthographicFront"/>
+      <a:lightRig rig="threePt" dir="t"/>
+    </dgm:scene3d>
+    <dgm:sp3d/>
+    <dgm:txPr/>
+    <dgm:style>
+      <a:lnRef idx="2">
+        <a:scrgbClr r="0" g="0" b="0"/>
+      </a:lnRef>
+      <a:fillRef idx="1">
+        <a:scrgbClr r="0" g="0" b="0"/>
+      </a:fillRef>
+      <a:effectRef idx="0">
+        <a:scrgbClr r="0" g="0" b="0"/>
+      </a:effectRef>
+      <a:fontRef idx="minor">
+        <a:schemeClr val="lt1"/>
+      </a:fontRef>
+    </dgm:style>
+  </dgm:styleLbl>
+  <dgm:styleLbl name="parChTrans2D3">
+    <dgm:scene3d>
+      <a:camera prst="orthographicFront"/>
+      <a:lightRig rig="threePt" dir="t"/>
+    </dgm:scene3d>
+    <dgm:sp3d/>
+    <dgm:txPr/>
+    <dgm:style>
+      <a:lnRef idx="2">
+        <a:scrgbClr r="0" g="0" b="0"/>
+      </a:lnRef>
+      <a:fillRef idx="1">
+        <a:scrgbClr r="0" g="0" b="0"/>
+      </a:fillRef>
+      <a:effectRef idx="0">
+        <a:scrgbClr r="0" g="0" b="0"/>
+      </a:effectRef>
+      <a:fontRef idx="minor">
+        <a:schemeClr val="lt1"/>
+      </a:fontRef>
+    </dgm:style>
+  </dgm:styleLbl>
+  <dgm:styleLbl name="parChTrans2D4">
+    <dgm:scene3d>
+      <a:camera prst="orthographicFront"/>
+      <a:lightRig rig="threePt" dir="t"/>
+    </dgm:scene3d>
+    <dgm:sp3d/>
+    <dgm:txPr/>
+    <dgm:style>
+      <a:lnRef idx="2">
+        <a:scrgbClr r="0" g="0" b="0"/>
+      </a:lnRef>
+      <a:fillRef idx="1">
+        <a:scrgbClr r="0" g="0" b="0"/>
+      </a:fillRef>
+      <a:effectRef idx="0">
+        <a:scrgbClr r="0" g="0" b="0"/>
+      </a:effectRef>
+      <a:fontRef idx="minor">
+        <a:schemeClr val="lt1"/>
+      </a:fontRef>
+    </dgm:style>
+  </dgm:styleLbl>
+  <dgm:styleLbl name="parChTrans1D1">
+    <dgm:scene3d>
+      <a:camera prst="orthographicFront"/>
+      <a:lightRig rig="threePt" dir="t"/>
+    </dgm:scene3d>
+    <dgm:sp3d/>
+    <dgm:txPr/>
+    <dgm:style>
+      <a:lnRef idx="2">
+        <a:scrgbClr r="0" g="0" b="0"/>
+      </a:lnRef>
+      <a:fillRef idx="0">
+        <a:scrgbClr r="0" g="0" b="0"/>
+      </a:fillRef>
+      <a:effectRef idx="0">
+        <a:scrgbClr r="0" g="0" b="0"/>
+      </a:effectRef>
+      <a:fontRef idx="minor"/>
+    </dgm:style>
+  </dgm:styleLbl>
+  <dgm:styleLbl name="parChTrans1D2">
+    <dgm:scene3d>
+      <a:camera prst="orthographicFront"/>
+      <a:lightRig rig="threePt" dir="t"/>
+    </dgm:scene3d>
+    <dgm:sp3d/>
+    <dgm:txPr/>
+    <dgm:style>
+      <a:lnRef idx="2">
+        <a:scrgbClr r="0" g="0" b="0"/>
+      </a:lnRef>
+      <a:fillRef idx="0">
+        <a:scrgbClr r="0" g="0" b="0"/>
+      </a:fillRef>
+      <a:effectRef idx="0">
+        <a:scrgbClr r="0" g="0" b="0"/>
+      </a:effectRef>
+      <a:fontRef idx="minor"/>
+    </dgm:style>
+  </dgm:styleLbl>
+  <dgm:styleLbl name="parChTrans1D3">
+    <dgm:scene3d>
+      <a:camera prst="orthographicFront"/>
+      <a:lightRig rig="threePt" dir="t"/>
+    </dgm:scene3d>
+    <dgm:sp3d/>
+    <dgm:txPr/>
+    <dgm:style>
+      <a:lnRef idx="2">
+        <a:scrgbClr r="0" g="0" b="0"/>
+      </a:lnRef>
+      <a:fillRef idx="0">
+        <a:scrgbClr r="0" g="0" b="0"/>
+      </a:fillRef>
+      <a:effectRef idx="0">
+        <a:scrgbClr r="0" g="0" b="0"/>
+      </a:effectRef>
+      <a:fontRef idx="minor"/>
+    </dgm:style>
+  </dgm:styleLbl>
+  <dgm:styleLbl name="parChTrans1D4">
+    <dgm:scene3d>
+      <a:camera prst="orthographicFront"/>
+      <a:lightRig rig="threePt" dir="t"/>
+    </dgm:scene3d>
+    <dgm:sp3d/>
+    <dgm:txPr/>
+    <dgm:style>
+      <a:lnRef idx="2">
+        <a:scrgbClr r="0" g="0" b="0"/>
+      </a:lnRef>
+      <a:fillRef idx="0">
+        <a:scrgbClr r="0" g="0" b="0"/>
+      </a:fillRef>
+      <a:effectRef idx="0">
+        <a:scrgbClr r="0" g="0" b="0"/>
+      </a:effectRef>
+      <a:fontRef idx="minor"/>
+    </dgm:style>
+  </dgm:styleLbl>
+  <dgm:styleLbl name="fgAcc1">
+    <dgm:scene3d>
+      <a:camera prst="orthographicFront"/>
+      <a:lightRig rig="threePt" dir="t"/>
+    </dgm:scene3d>
+    <dgm:sp3d/>
+    <dgm:txPr/>
+    <dgm:style>
+      <a:lnRef idx="2">
+        <a:scrgbClr r="0" g="0" b="0"/>
+      </a:lnRef>
+      <a:fillRef idx="1">
+        <a:scrgbClr r="0" g="0" b="0"/>
+      </a:fillRef>
+      <a:effectRef idx="0">
+        <a:scrgbClr r="0" g="0" b="0"/>
+      </a:effectRef>
+      <a:fontRef idx="minor"/>
+    </dgm:style>
+  </dgm:styleLbl>
+  <dgm:styleLbl name="conFgAcc1">
+    <dgm:scene3d>
+      <a:camera prst="orthographicFront"/>
+      <a:lightRig rig="threePt" dir="t"/>
+    </dgm:scene3d>
+    <dgm:sp3d/>
+    <dgm:txPr/>
+    <dgm:style>
+      <a:lnRef idx="2">
+        <a:scrgbClr r="0" g="0" b="0"/>
+      </a:lnRef>
+      <a:fillRef idx="1">
+        <a:scrgbClr r="0" g="0" b="0"/>
+      </a:fillRef>
+      <a:effectRef idx="0">
+        <a:scrgbClr r="0" g="0" b="0"/>
+      </a:effectRef>
+      <a:fontRef idx="minor"/>
+    </dgm:style>
+  </dgm:styleLbl>
+  <dgm:styleLbl name="alignAcc1">
+    <dgm:scene3d>
+      <a:camera prst="orthographicFront"/>
+      <a:lightRig rig="threePt" dir="t"/>
+    </dgm:scene3d>
+    <dgm:sp3d/>
+    <dgm:txPr/>
+    <dgm:style>
+      <a:lnRef idx="2">
+        <a:scrgbClr r="0" g="0" b="0"/>
+      </a:lnRef>
+      <a:fillRef idx="1">
+        <a:scrgbClr r="0" g="0" b="0"/>
+      </a:fillRef>
+      <a:effectRef idx="0">
+        <a:scrgbClr r="0" g="0" b="0"/>
+      </a:effectRef>
+      <a:fontRef idx="minor"/>
+    </dgm:style>
+  </dgm:styleLbl>
+  <dgm:styleLbl name="trAlignAcc1">
+    <dgm:scene3d>
+      <a:camera prst="orthographicFront"/>
+      <a:lightRig rig="threePt" dir="t"/>
+    </dgm:scene3d>
+    <dgm:sp3d/>
+    <dgm:txPr/>
+    <dgm:style>
+      <a:lnRef idx="1">
+        <a:scrgbClr r="0" g="0" b="0"/>
+      </a:lnRef>
+      <a:fillRef idx="1">
+        <a:scrgbClr r="0" g="0" b="0"/>
+      </a:fillRef>
+      <a:effectRef idx="0">
+        <a:scrgbClr r="0" g="0" b="0"/>
+      </a:effectRef>
+      <a:fontRef idx="minor"/>
+    </dgm:style>
+  </dgm:styleLbl>
+  <dgm:styleLbl name="bgAcc1">
+    <dgm:scene3d>
+      <a:camera prst="orthographicFront"/>
+      <a:lightRig rig="threePt" dir="t"/>
+    </dgm:scene3d>
+    <dgm:sp3d/>
+    <dgm:txPr/>
+    <dgm:style>
+      <a:lnRef idx="2">
+        <a:scrgbClr r="0" g="0" b="0"/>
+      </a:lnRef>
+      <a:fillRef idx="1">
+        <a:scrgbClr r="0" g="0" b="0"/>
+      </a:fillRef>
+      <a:effectRef idx="0">
+        <a:scrgbClr r="0" g="0" b="0"/>
+      </a:effectRef>
+      <a:fontRef idx="minor"/>
+    </dgm:style>
+  </dgm:styleLbl>
+  <dgm:styleLbl name="solidFgAcc1">
+    <dgm:scene3d>
+      <a:camera prst="orthographicFront"/>
+      <a:lightRig rig="threePt" dir="t"/>
+    </dgm:scene3d>
+    <dgm:sp3d/>
+    <dgm:txPr/>
+    <dgm:style>
+      <a:lnRef idx="2">
+        <a:scrgbClr r="0" g="0" b="0"/>
+      </a:lnRef>
+      <a:fillRef idx="1">
+        <a:scrgbClr r="0" g="0" b="0"/>
+      </a:fillRef>
+      <a:effectRef idx="0">
+        <a:scrgbClr r="0" g="0" b="0"/>
+      </a:effectRef>
+      <a:fontRef idx="minor"/>
+    </dgm:style>
+  </dgm:styleLbl>
+  <dgm:styleLbl name="solidAlignAcc1">
+    <dgm:scene3d>
+      <a:camera prst="orthographicFront"/>
+      <a:lightRig rig="threePt" dir="t"/>
+    </dgm:scene3d>
+    <dgm:sp3d/>
+    <dgm:txPr/>
+    <dgm:style>
+      <a:lnRef idx="2">
+        <a:scrgbClr r="0" g="0" b="0"/>
+      </a:lnRef>
+      <a:fillRef idx="1">
+        <a:scrgbClr r="0" g="0" b="0"/>
+      </a:fillRef>
+      <a:effectRef idx="0">
+        <a:scrgbClr r="0" g="0" b="0"/>
+      </a:effectRef>
+      <a:fontRef idx="minor"/>
+    </dgm:style>
+  </dgm:styleLbl>
+  <dgm:styleLbl name="solidBgAcc1">
+    <dgm:scene3d>
+      <a:camera prst="orthographicFront"/>
+      <a:lightRig rig="threePt" dir="t"/>
+    </dgm:scene3d>
+    <dgm:sp3d/>
+    <dgm:txPr/>
+    <dgm:style>
+      <a:lnRef idx="2">
+        <a:scrgbClr r="0" g="0" b="0"/>
+      </a:lnRef>
+      <a:fillRef idx="1">
+        <a:scrgbClr r="0" g="0" b="0"/>
+      </a:fillRef>
+      <a:effectRef idx="0">
+        <a:scrgbClr r="0" g="0" b="0"/>
+      </a:effectRef>
+      <a:fontRef idx="minor"/>
+    </dgm:style>
+  </dgm:styleLbl>
+  <dgm:styleLbl name="fgAccFollowNode1">
+    <dgm:scene3d>
+      <a:camera prst="orthographicFront"/>
+      <a:lightRig rig="threePt" dir="t"/>
+    </dgm:scene3d>
+    <dgm:sp3d/>
+    <dgm:txPr/>
+    <dgm:style>
+      <a:lnRef idx="2">
+        <a:scrgbClr r="0" g="0" b="0"/>
+      </a:lnRef>
+      <a:fillRef idx="1">
+        <a:scrgbClr r="0" g="0" b="0"/>
+      </a:fillRef>
+      <a:effectRef idx="0">
+        <a:scrgbClr r="0" g="0" b="0"/>
+      </a:effectRef>
+      <a:fontRef idx="minor"/>
+    </dgm:style>
+  </dgm:styleLbl>
+  <dgm:styleLbl name="alignAccFollowNode1">
+    <dgm:scene3d>
+      <a:camera prst="orthographicFront"/>
+      <a:lightRig rig="threePt" dir="t"/>
+    </dgm:scene3d>
+    <dgm:sp3d/>
+    <dgm:txPr/>
+    <dgm:style>
+      <a:lnRef idx="2">
+        <a:scrgbClr r="0" g="0" b="0"/>
+      </a:lnRef>
+      <a:fillRef idx="1">
+        <a:scrgbClr r="0" g="0" b="0"/>
+      </a:fillRef>
+      <a:effectRef idx="0">
+        <a:scrgbClr r="0" g="0" b="0"/>
+      </a:effectRef>
+      <a:fontRef idx="minor"/>
+    </dgm:style>
+  </dgm:styleLbl>
+  <dgm:styleLbl name="bgAccFollowNode1">
+    <dgm:scene3d>
+      <a:camera prst="orthographicFront"/>
+      <a:lightRig rig="threePt" dir="t"/>
+    </dgm:scene3d>
+    <dgm:sp3d/>
+    <dgm:txPr/>
+    <dgm:style>
+      <a:lnRef idx="2">
+        <a:scrgbClr r="0" g="0" b="0"/>
+      </a:lnRef>
+      <a:fillRef idx="1">
+        <a:scrgbClr r="0" g="0" b="0"/>
+      </a:fillRef>
+      <a:effectRef idx="0">
+        <a:scrgbClr r="0" g="0" b="0"/>
+      </a:effectRef>
+      <a:fontRef idx="minor"/>
+    </dgm:style>
+  </dgm:styleLbl>
+  <dgm:styleLbl name="fgAcc0">
+    <dgm:scene3d>
+      <a:camera prst="orthographicFront"/>
+      <a:lightRig rig="threePt" dir="t"/>
+    </dgm:scene3d>
+    <dgm:sp3d/>
+    <dgm:txPr/>
+    <dgm:style>
+      <a:lnRef idx="2">
+        <a:scrgbClr r="0" g="0" b="0"/>
+      </a:lnRef>
+      <a:fillRef idx="1">
+        <a:scrgbClr r="0" g="0" b="0"/>
+      </a:fillRef>
+      <a:effectRef idx="0">
+        <a:scrgbClr r="0" g="0" b="0"/>
+      </a:effectRef>
+      <a:fontRef idx="minor"/>
+    </dgm:style>
+  </dgm:styleLbl>
+  <dgm:styleLbl name="fgAcc2">
+    <dgm:scene3d>
+      <a:camera prst="orthographicFront"/>
+      <a:lightRig rig="threePt" dir="t"/>
+    </dgm:scene3d>
+    <dgm:sp3d/>
+    <dgm:txPr/>
+    <dgm:style>
+      <a:lnRef idx="2">
+        <a:scrgbClr r="0" g="0" b="0"/>
+      </a:lnRef>
+      <a:fillRef idx="1">
+        <a:scrgbClr r="0" g="0" b="0"/>
+      </a:fillRef>
+      <a:effectRef idx="0">
+        <a:scrgbClr r="0" g="0" b="0"/>
+      </a:effectRef>
+      <a:fontRef idx="minor"/>
+    </dgm:style>
+  </dgm:styleLbl>
+  <dgm:styleLbl name="fgAcc3">
+    <dgm:scene3d>
+      <a:camera prst="orthographicFront"/>
+      <a:lightRig rig="threePt" dir="t"/>
+    </dgm:scene3d>
+    <dgm:sp3d/>
+    <dgm:txPr/>
+    <dgm:style>
+      <a:lnRef idx="2">
+        <a:scrgbClr r="0" g="0" b="0"/>
+      </a:lnRef>
+      <a:fillRef idx="1">
+        <a:scrgbClr r="0" g="0" b="0"/>
+      </a:fillRef>
+      <a:effectRef idx="0">
+        <a:scrgbClr r="0" g="0" b="0"/>
+      </a:effectRef>
+      <a:fontRef idx="minor"/>
+    </dgm:style>
+  </dgm:styleLbl>
+  <dgm:styleLbl name="fgAcc4">
+    <dgm:scene3d>
+      <a:camera prst="orthographicFront"/>
+      <a:lightRig rig="threePt" dir="t"/>
+    </dgm:scene3d>
+    <dgm:sp3d/>
+    <dgm:txPr/>
+    <dgm:style>
+      <a:lnRef idx="2">
+        <a:scrgbClr r="0" g="0" b="0"/>
+      </a:lnRef>
+      <a:fillRef idx="1">
+        <a:scrgbClr r="0" g="0" b="0"/>
+      </a:fillRef>
+      <a:effectRef idx="0">
+        <a:scrgbClr r="0" g="0" b="0"/>
+      </a:effectRef>
+      <a:fontRef idx="minor"/>
+    </dgm:style>
+  </dgm:styleLbl>
+  <dgm:styleLbl name="bgShp">
+    <dgm:scene3d>
+      <a:camera prst="orthographicFront"/>
+      <a:lightRig rig="threePt" dir="t"/>
+    </dgm:scene3d>
+    <dgm:sp3d/>
+    <dgm:txPr/>
+    <dgm:style>
+      <a:lnRef idx="0">
+        <a:scrgbClr r="0" g="0" b="0"/>
+      </a:lnRef>
+      <a:fillRef idx="1">
+        <a:scrgbClr r="0" g="0" b="0"/>
+      </a:fillRef>
+      <a:effectRef idx="0">
+        <a:scrgbClr r="0" g="0" b="0"/>
+      </a:effectRef>
+      <a:fontRef idx="minor"/>
+    </dgm:style>
+  </dgm:styleLbl>
+  <dgm:styleLbl name="dkBgShp">
+    <dgm:scene3d>
+      <a:camera prst="orthographicFront"/>
+      <a:lightRig rig="threePt" dir="t"/>
+    </dgm:scene3d>
+    <dgm:sp3d/>
+    <dgm:txPr/>
+    <dgm:style>
+      <a:lnRef idx="0">
+        <a:scrgbClr r="0" g="0" b="0"/>
+      </a:lnRef>
+      <a:fillRef idx="1">
+        <a:scrgbClr r="0" g="0" b="0"/>
+      </a:fillRef>
+      <a:effectRef idx="0">
+        <a:scrgbClr r="0" g="0" b="0"/>
+      </a:effectRef>
+      <a:fontRef idx="minor"/>
+    </dgm:style>
+  </dgm:styleLbl>
+  <dgm:styleLbl name="trBgShp">
+    <dgm:scene3d>
+      <a:camera prst="orthographicFront"/>
+      <a:lightRig rig="threePt" dir="t"/>
+    </dgm:scene3d>
+    <dgm:sp3d/>
+    <dgm:txPr/>
+    <dgm:style>
+      <a:lnRef idx="0">
+        <a:scrgbClr r="0" g="0" b="0"/>
+      </a:lnRef>
+      <a:fillRef idx="1">
+        <a:scrgbClr r="0" g="0" b="0"/>
+      </a:fillRef>
+      <a:effectRef idx="0">
+        <a:scrgbClr r="0" g="0" b="0"/>
+      </a:effectRef>
+      <a:fontRef idx="minor"/>
+    </dgm:style>
+  </dgm:styleLbl>
+  <dgm:styleLbl name="fgShp">
+    <dgm:scene3d>
+      <a:camera prst="orthographicFront"/>
+      <a:lightRig rig="threePt" dir="t"/>
+    </dgm:scene3d>
+    <dgm:sp3d/>
+    <dgm:txPr/>
+    <dgm:style>
+      <a:lnRef idx="2">
+        <a:scrgbClr r="0" g="0" b="0"/>
+      </a:lnRef>
+      <a:fillRef idx="1">
+        <a:scrgbClr r="0" g="0" b="0"/>
+      </a:fillRef>
+      <a:effectRef idx="0">
+        <a:scrgbClr r="0" g="0" b="0"/>
+      </a:effectRef>
+      <a:fontRef idx="minor"/>
+    </dgm:style>
+  </dgm:styleLbl>
+  <dgm:styleLbl name="revTx">
+    <dgm:scene3d>
+      <a:camera prst="orthographicFront"/>
+      <a:lightRig rig="threePt" dir="t"/>
+    </dgm:scene3d>
+    <dgm:sp3d/>
+    <dgm:txPr/>
+    <dgm:style>
+      <a:lnRef idx="0">
+        <a:scrgbClr r="0" g="0" b="0"/>
+      </a:lnRef>
+      <a:fillRef idx="0">
+        <a:scrgbClr r="0" g="0" b="0"/>
+      </a:fillRef>
+      <a:effectRef idx="0">
+        <a:scrgbClr r="0" g="0" b="0"/>
+      </a:effectRef>
+      <a:fontRef idx="minor"/>
+    </dgm:style>
+  </dgm:styleLbl>
+</dgm:styleDef>
+</file>
+
 <file path=ppt/notesMasters/notesMaster1.xml><?xml version="1.0" encoding="utf-8"?>
 <p:notesMaster xmlns:a="http://schemas.openxmlformats.org/drawingml/2006/main" xmlns:r="http://schemas.openxmlformats.org/officeDocument/2006/relationships" xmlns:p="http://schemas.openxmlformats.org/presentationml/2006/main">
   <p:cSld>
@@ -202,7 +3485,7 @@
           <a:p>
             <a:fld id="{064A2DC2-C703-4379-AAD3-8CA7F4589573}" type="datetimeFigureOut">
               <a:rPr lang="zh-CN" altLang="en-US" smtClean="0"/>
-              <a:t>2013/3/21</a:t>
+              <a:t>2013/3/24</a:t>
             </a:fld>
             <a:endParaRPr lang="zh-CN" altLang="en-US"/>
           </a:p>
@@ -1906,6 +5189,1343 @@
         </p:nvSpPr>
         <p:spPr/>
       </p:sp>
+      <mc:AlternateContent xmlns:mc="http://schemas.openxmlformats.org/markup-compatibility/2006">
+        <mc:Choice xmlns:a14="http://schemas.microsoft.com/office/drawing/2010/main" Requires="a14">
+          <p:sp>
+            <p:nvSpPr>
+              <p:cNvPr id="3" name="备注占位符 2"/>
+              <p:cNvSpPr>
+                <a:spLocks noGrp="1"/>
+              </p:cNvSpPr>
+              <p:nvPr>
+                <p:ph type="body" idx="1"/>
+              </p:nvPr>
+            </p:nvSpPr>
+            <p:spPr/>
+            <p:txBody>
+              <a:bodyPr/>
+              <a:lstStyle/>
+              <a:p>
+                <a:r>
+                  <a:rPr lang="zh-CN" altLang="zh-CN" sz="1200" dirty="0" smtClean="0"/>
+                  <a:t>简单来说，就是给定一个观察序列（高维度），</a:t>
+                </a:r>
+                <a:r>
+                  <a:rPr lang="en-US" altLang="zh-CN" sz="1200" dirty="0" smtClean="0"/>
+                  <a:t>PPCA</a:t>
+                </a:r>
+                <a:r>
+                  <a:rPr lang="zh-CN" altLang="zh-CN" sz="1200" dirty="0" smtClean="0"/>
+                  <a:t>模型建立潜在的可变序列（低维度），同时根据最大似然估计准则找到最优的参数。它的优点是避免了带有丢失数据的</a:t>
+                </a:r>
+                <a:r>
+                  <a:rPr lang="en-US" altLang="zh-CN" sz="1200" dirty="0" smtClean="0"/>
+                  <a:t>PCA</a:t>
+                </a:r>
+                <a:r>
+                  <a:rPr lang="zh-CN" altLang="zh-CN" sz="1200" dirty="0" smtClean="0"/>
+                  <a:t>处理情况，也</a:t>
+                </a:r>
+                <a:r>
+                  <a:rPr lang="zh-CN" altLang="zh-CN" sz="1200" dirty="0" smtClean="0"/>
+                  <a:t>可以</a:t>
+                </a:r>
+                <a:endParaRPr lang="en-US" altLang="zh-CN" sz="1200" dirty="0" smtClean="0"/>
+              </a:p>
+              <a:p>
+                <a:pPr marL="0" marR="0" indent="0" algn="l" defTabSz="914400" rtl="0" eaLnBrk="1" fontAlgn="auto" latinLnBrk="0" hangingPunct="1">
+                  <a:lnSpc>
+                    <a:spcPct val="100000"/>
+                  </a:lnSpc>
+                  <a:spcBef>
+                    <a:spcPts val="0"/>
+                  </a:spcBef>
+                  <a:spcAft>
+                    <a:spcPts val="0"/>
+                  </a:spcAft>
+                  <a:buClrTx/>
+                  <a:buSzTx/>
+                  <a:buFontTx/>
+                  <a:buNone/>
+                  <a:tabLst/>
+                  <a:defRPr/>
+                </a:pPr>
+                <a:r>
+                  <a:rPr lang="zh-CN" altLang="zh-CN" sz="1200" kern="1200" dirty="0" smtClean="0">
+                    <a:solidFill>
+                      <a:schemeClr val="tx1"/>
+                    </a:solidFill>
+                    <a:effectLst/>
+                    <a:latin typeface="+mn-lt"/>
+                    <a:ea typeface="+mn-ea"/>
+                    <a:cs typeface="+mn-cs"/>
+                  </a:rPr>
+                  <a:t>其中，</a:t>
+                </a:r>
+                <a14:m>
+                  <m:oMath xmlns:m="http://schemas.openxmlformats.org/officeDocument/2006/math">
+                    <m:sSub>
+                      <m:sSubPr>
+                        <m:ctrlPr>
+                          <a:rPr lang="zh-CN" altLang="zh-CN" sz="1200" i="1" kern="1200">
+                            <a:solidFill>
+                              <a:schemeClr val="tx1"/>
+                            </a:solidFill>
+                            <a:effectLst/>
+                            <a:latin typeface="+mn-lt"/>
+                            <a:ea typeface="+mn-ea"/>
+                            <a:cs typeface="+mn-cs"/>
+                          </a:rPr>
+                        </m:ctrlPr>
+                      </m:sSubPr>
+                      <m:e>
+                        <m:r>
+                          <m:rPr>
+                            <m:sty m:val="p"/>
+                          </m:rPr>
+                          <a:rPr lang="en-US" altLang="zh-CN" sz="1200" kern="1200">
+                            <a:solidFill>
+                              <a:schemeClr val="tx1"/>
+                            </a:solidFill>
+                            <a:effectLst/>
+                            <a:latin typeface="+mn-lt"/>
+                            <a:ea typeface="+mn-ea"/>
+                            <a:cs typeface="+mn-cs"/>
+                          </a:rPr>
+                          <m:t>π</m:t>
+                        </m:r>
+                      </m:e>
+                      <m:sub>
+                        <m:r>
+                          <m:rPr>
+                            <m:sty m:val="p"/>
+                          </m:rPr>
+                          <a:rPr lang="en-US" altLang="zh-CN" sz="1200" kern="1200">
+                            <a:solidFill>
+                              <a:schemeClr val="tx1"/>
+                            </a:solidFill>
+                            <a:effectLst/>
+                            <a:latin typeface="+mn-lt"/>
+                            <a:ea typeface="+mn-ea"/>
+                            <a:cs typeface="+mn-cs"/>
+                          </a:rPr>
+                          <m:t>i</m:t>
+                        </m:r>
+                      </m:sub>
+                    </m:sSub>
+                  </m:oMath>
+                </a14:m>
+                <a:r>
+                  <a:rPr lang="zh-CN" altLang="zh-CN" sz="1200" kern="1200" dirty="0">
+                    <a:solidFill>
+                      <a:schemeClr val="tx1"/>
+                    </a:solidFill>
+                    <a:effectLst/>
+                    <a:latin typeface="+mn-lt"/>
+                    <a:ea typeface="+mn-ea"/>
+                    <a:cs typeface="+mn-cs"/>
+                  </a:rPr>
+                  <a:t>：第</a:t>
+                </a:r>
+                <a:r>
+                  <a:rPr lang="en-US" altLang="zh-CN" sz="1200" kern="1200" dirty="0" err="1">
+                    <a:solidFill>
+                      <a:schemeClr val="tx1"/>
+                    </a:solidFill>
+                    <a:effectLst/>
+                    <a:latin typeface="+mn-lt"/>
+                    <a:ea typeface="+mn-ea"/>
+                    <a:cs typeface="+mn-cs"/>
+                  </a:rPr>
+                  <a:t>i</a:t>
+                </a:r>
+                <a:r>
+                  <a:rPr lang="zh-CN" altLang="zh-CN" sz="1200" kern="1200" dirty="0">
+                    <a:solidFill>
+                      <a:schemeClr val="tx1"/>
+                    </a:solidFill>
+                    <a:effectLst/>
+                    <a:latin typeface="+mn-lt"/>
+                    <a:ea typeface="+mn-ea"/>
+                    <a:cs typeface="+mn-cs"/>
+                  </a:rPr>
+                  <a:t>个</a:t>
+                </a:r>
+                <a:r>
+                  <a:rPr lang="en-US" altLang="zh-CN" sz="1200" kern="1200" dirty="0">
+                    <a:solidFill>
+                      <a:schemeClr val="tx1"/>
+                    </a:solidFill>
+                    <a:effectLst/>
+                    <a:latin typeface="+mn-lt"/>
+                    <a:ea typeface="+mn-ea"/>
+                    <a:cs typeface="+mn-cs"/>
+                  </a:rPr>
+                  <a:t>PPCA</a:t>
+                </a:r>
+                <a:r>
+                  <a:rPr lang="zh-CN" altLang="zh-CN" sz="1200" kern="1200" dirty="0">
+                    <a:solidFill>
+                      <a:schemeClr val="tx1"/>
+                    </a:solidFill>
+                    <a:effectLst/>
+                    <a:latin typeface="+mn-lt"/>
+                    <a:ea typeface="+mn-ea"/>
+                    <a:cs typeface="+mn-cs"/>
+                  </a:rPr>
+                  <a:t>组件的系数；</a:t>
+                </a:r>
+                <a14:m>
+                  <m:oMath xmlns:m="http://schemas.openxmlformats.org/officeDocument/2006/math">
+                    <m:sSub>
+                      <m:sSubPr>
+                        <m:ctrlPr>
+                          <a:rPr lang="zh-CN" altLang="zh-CN" sz="1200" i="1" kern="1200">
+                            <a:solidFill>
+                              <a:schemeClr val="tx1"/>
+                            </a:solidFill>
+                            <a:effectLst/>
+                            <a:latin typeface="+mn-lt"/>
+                            <a:ea typeface="+mn-ea"/>
+                            <a:cs typeface="+mn-cs"/>
+                          </a:rPr>
+                        </m:ctrlPr>
+                      </m:sSubPr>
+                      <m:e>
+                        <m:r>
+                          <m:rPr>
+                            <m:sty m:val="p"/>
+                          </m:rPr>
+                          <a:rPr lang="en-US" altLang="zh-CN" sz="1200" kern="1200">
+                            <a:solidFill>
+                              <a:schemeClr val="tx1"/>
+                            </a:solidFill>
+                            <a:effectLst/>
+                            <a:latin typeface="+mn-lt"/>
+                            <a:ea typeface="+mn-ea"/>
+                            <a:cs typeface="+mn-cs"/>
+                          </a:rPr>
+                          <m:t>p</m:t>
+                        </m:r>
+                      </m:e>
+                      <m:sub>
+                        <m:r>
+                          <m:rPr>
+                            <m:sty m:val="p"/>
+                          </m:rPr>
+                          <a:rPr lang="en-US" altLang="zh-CN" sz="1200" kern="1200">
+                            <a:solidFill>
+                              <a:schemeClr val="tx1"/>
+                            </a:solidFill>
+                            <a:effectLst/>
+                            <a:latin typeface="+mn-lt"/>
+                            <a:ea typeface="+mn-ea"/>
+                            <a:cs typeface="+mn-cs"/>
+                          </a:rPr>
+                          <m:t>i</m:t>
+                        </m:r>
+                      </m:sub>
+                    </m:sSub>
+                    <m:d>
+                      <m:dPr>
+                        <m:ctrlPr>
+                          <a:rPr lang="zh-CN" altLang="zh-CN" sz="1200" i="1" kern="1200">
+                            <a:solidFill>
+                              <a:schemeClr val="tx1"/>
+                            </a:solidFill>
+                            <a:effectLst/>
+                            <a:latin typeface="+mn-lt"/>
+                            <a:ea typeface="+mn-ea"/>
+                            <a:cs typeface="+mn-cs"/>
+                          </a:rPr>
+                        </m:ctrlPr>
+                      </m:dPr>
+                      <m:e>
+                        <m:r>
+                          <m:rPr>
+                            <m:sty m:val="p"/>
+                          </m:rPr>
+                          <a:rPr lang="en-US" altLang="zh-CN" sz="1200" kern="1200">
+                            <a:solidFill>
+                              <a:schemeClr val="tx1"/>
+                            </a:solidFill>
+                            <a:effectLst/>
+                            <a:latin typeface="+mn-lt"/>
+                            <a:ea typeface="+mn-ea"/>
+                            <a:cs typeface="+mn-cs"/>
+                          </a:rPr>
+                          <m:t>t</m:t>
+                        </m:r>
+                      </m:e>
+                      <m:e>
+                        <m:sSub>
+                          <m:sSubPr>
+                            <m:ctrlPr>
+                              <a:rPr lang="zh-CN" altLang="zh-CN" sz="1200" i="1" kern="1200">
+                                <a:solidFill>
+                                  <a:schemeClr val="tx1"/>
+                                </a:solidFill>
+                                <a:effectLst/>
+                                <a:latin typeface="+mn-lt"/>
+                                <a:ea typeface="+mn-ea"/>
+                                <a:cs typeface="+mn-cs"/>
+                              </a:rPr>
+                            </m:ctrlPr>
+                          </m:sSubPr>
+                          <m:e>
+                            <m:r>
+                              <m:rPr>
+                                <m:sty m:val="p"/>
+                              </m:rPr>
+                              <a:rPr lang="en-US" altLang="zh-CN" sz="1200" kern="1200">
+                                <a:solidFill>
+                                  <a:schemeClr val="tx1"/>
+                                </a:solidFill>
+                                <a:effectLst/>
+                                <a:latin typeface="+mn-lt"/>
+                                <a:ea typeface="+mn-ea"/>
+                                <a:cs typeface="+mn-cs"/>
+                              </a:rPr>
+                              <m:t>C</m:t>
+                            </m:r>
+                          </m:e>
+                          <m:sub>
+                            <m:r>
+                              <m:rPr>
+                                <m:sty m:val="p"/>
+                              </m:rPr>
+                              <a:rPr lang="en-US" altLang="zh-CN" sz="1200" kern="1200">
+                                <a:solidFill>
+                                  <a:schemeClr val="tx1"/>
+                                </a:solidFill>
+                                <a:effectLst/>
+                                <a:latin typeface="+mn-lt"/>
+                                <a:ea typeface="+mn-ea"/>
+                                <a:cs typeface="+mn-cs"/>
+                              </a:rPr>
+                              <m:t>i</m:t>
+                            </m:r>
+                          </m:sub>
+                        </m:sSub>
+                        <m:r>
+                          <a:rPr lang="en-US" altLang="zh-CN" sz="1200" kern="1200">
+                            <a:solidFill>
+                              <a:schemeClr val="tx1"/>
+                            </a:solidFill>
+                            <a:effectLst/>
+                            <a:latin typeface="+mn-lt"/>
+                            <a:ea typeface="+mn-ea"/>
+                            <a:cs typeface="+mn-cs"/>
+                          </a:rPr>
+                          <m:t>,</m:t>
+                        </m:r>
+                        <m:sSub>
+                          <m:sSubPr>
+                            <m:ctrlPr>
+                              <a:rPr lang="zh-CN" altLang="zh-CN" sz="1200" i="1" kern="1200">
+                                <a:solidFill>
+                                  <a:schemeClr val="tx1"/>
+                                </a:solidFill>
+                                <a:effectLst/>
+                                <a:latin typeface="+mn-lt"/>
+                                <a:ea typeface="+mn-ea"/>
+                                <a:cs typeface="+mn-cs"/>
+                              </a:rPr>
+                            </m:ctrlPr>
+                          </m:sSubPr>
+                          <m:e>
+                            <m:r>
+                              <m:rPr>
+                                <m:sty m:val="p"/>
+                              </m:rPr>
+                              <a:rPr lang="en-US" altLang="zh-CN" sz="1200" kern="1200">
+                                <a:solidFill>
+                                  <a:schemeClr val="tx1"/>
+                                </a:solidFill>
+                                <a:effectLst/>
+                                <a:latin typeface="+mn-lt"/>
+                                <a:ea typeface="+mn-ea"/>
+                                <a:cs typeface="+mn-cs"/>
+                              </a:rPr>
+                              <m:t>μ</m:t>
+                            </m:r>
+                          </m:e>
+                          <m:sub>
+                            <m:r>
+                              <m:rPr>
+                                <m:sty m:val="p"/>
+                              </m:rPr>
+                              <a:rPr lang="en-US" altLang="zh-CN" sz="1200" kern="1200">
+                                <a:solidFill>
+                                  <a:schemeClr val="tx1"/>
+                                </a:solidFill>
+                                <a:effectLst/>
+                                <a:latin typeface="+mn-lt"/>
+                                <a:ea typeface="+mn-ea"/>
+                                <a:cs typeface="+mn-cs"/>
+                              </a:rPr>
+                              <m:t>i</m:t>
+                            </m:r>
+                          </m:sub>
+                        </m:sSub>
+                      </m:e>
+                    </m:d>
+                  </m:oMath>
+                </a14:m>
+                <a:r>
+                  <a:rPr lang="en-US" altLang="zh-CN" sz="1200" kern="1200" dirty="0">
+                    <a:solidFill>
+                      <a:schemeClr val="tx1"/>
+                    </a:solidFill>
+                    <a:effectLst/>
+                    <a:latin typeface="+mn-lt"/>
+                    <a:ea typeface="+mn-ea"/>
+                    <a:cs typeface="+mn-cs"/>
+                  </a:rPr>
+                  <a:t> </a:t>
+                </a:r>
+                <a:r>
+                  <a:rPr lang="zh-CN" altLang="zh-CN" sz="1200" kern="1200" dirty="0">
+                    <a:solidFill>
+                      <a:schemeClr val="tx1"/>
+                    </a:solidFill>
+                    <a:effectLst/>
+                    <a:latin typeface="+mn-lt"/>
+                    <a:ea typeface="+mn-ea"/>
+                    <a:cs typeface="+mn-cs"/>
+                  </a:rPr>
+                  <a:t>：第</a:t>
+                </a:r>
+                <a:r>
+                  <a:rPr lang="en-US" altLang="zh-CN" sz="1200" kern="1200" dirty="0" err="1">
+                    <a:solidFill>
+                      <a:schemeClr val="tx1"/>
+                    </a:solidFill>
+                    <a:effectLst/>
+                    <a:latin typeface="+mn-lt"/>
+                    <a:ea typeface="+mn-ea"/>
+                    <a:cs typeface="+mn-cs"/>
+                  </a:rPr>
+                  <a:t>i</a:t>
+                </a:r>
+                <a:r>
+                  <a:rPr lang="zh-CN" altLang="zh-CN" sz="1200" kern="1200" dirty="0">
+                    <a:solidFill>
+                      <a:schemeClr val="tx1"/>
+                    </a:solidFill>
+                    <a:effectLst/>
+                    <a:latin typeface="+mn-lt"/>
+                    <a:ea typeface="+mn-ea"/>
+                    <a:cs typeface="+mn-cs"/>
+                  </a:rPr>
+                  <a:t>个</a:t>
+                </a:r>
+                <a:r>
+                  <a:rPr lang="en-US" altLang="zh-CN" sz="1200" kern="1200" dirty="0">
+                    <a:solidFill>
+                      <a:schemeClr val="tx1"/>
+                    </a:solidFill>
+                    <a:effectLst/>
+                    <a:latin typeface="+mn-lt"/>
+                    <a:ea typeface="+mn-ea"/>
+                    <a:cs typeface="+mn-cs"/>
+                  </a:rPr>
+                  <a:t>PPCA</a:t>
+                </a:r>
+                <a:r>
+                  <a:rPr lang="zh-CN" altLang="zh-CN" sz="1200" kern="1200" dirty="0">
+                    <a:solidFill>
+                      <a:schemeClr val="tx1"/>
+                    </a:solidFill>
+                    <a:effectLst/>
+                    <a:latin typeface="+mn-lt"/>
+                    <a:ea typeface="+mn-ea"/>
+                    <a:cs typeface="+mn-cs"/>
+                  </a:rPr>
+                  <a:t>组件的概率密度函数；</a:t>
+                </a:r>
+                <a14:m>
+                  <m:oMath xmlns:m="http://schemas.openxmlformats.org/officeDocument/2006/math">
+                    <m:sSub>
+                      <m:sSubPr>
+                        <m:ctrlPr>
+                          <a:rPr lang="zh-CN" altLang="zh-CN" sz="1200" i="1" kern="1200">
+                            <a:solidFill>
+                              <a:schemeClr val="tx1"/>
+                            </a:solidFill>
+                            <a:effectLst/>
+                            <a:latin typeface="+mn-lt"/>
+                            <a:ea typeface="+mn-ea"/>
+                            <a:cs typeface="+mn-cs"/>
+                          </a:rPr>
+                        </m:ctrlPr>
+                      </m:sSubPr>
+                      <m:e>
+                        <m:r>
+                          <m:rPr>
+                            <m:sty m:val="p"/>
+                          </m:rPr>
+                          <a:rPr lang="en-US" altLang="zh-CN" sz="1200" kern="1200">
+                            <a:solidFill>
+                              <a:schemeClr val="tx1"/>
+                            </a:solidFill>
+                            <a:effectLst/>
+                            <a:latin typeface="+mn-lt"/>
+                            <a:ea typeface="+mn-ea"/>
+                            <a:cs typeface="+mn-cs"/>
+                          </a:rPr>
+                          <m:t>C</m:t>
+                        </m:r>
+                      </m:e>
+                      <m:sub>
+                        <m:r>
+                          <m:rPr>
+                            <m:sty m:val="p"/>
+                          </m:rPr>
+                          <a:rPr lang="en-US" altLang="zh-CN" sz="1200" kern="1200">
+                            <a:solidFill>
+                              <a:schemeClr val="tx1"/>
+                            </a:solidFill>
+                            <a:effectLst/>
+                            <a:latin typeface="+mn-lt"/>
+                            <a:ea typeface="+mn-ea"/>
+                            <a:cs typeface="+mn-cs"/>
+                          </a:rPr>
+                          <m:t>i</m:t>
+                        </m:r>
+                      </m:sub>
+                    </m:sSub>
+                  </m:oMath>
+                </a14:m>
+                <a:r>
+                  <a:rPr lang="zh-CN" altLang="zh-CN" sz="1200" kern="1200" dirty="0">
+                    <a:solidFill>
+                      <a:schemeClr val="tx1"/>
+                    </a:solidFill>
+                    <a:effectLst/>
+                    <a:latin typeface="+mn-lt"/>
+                    <a:ea typeface="+mn-ea"/>
+                    <a:cs typeface="+mn-cs"/>
+                  </a:rPr>
+                  <a:t>：第</a:t>
+                </a:r>
+                <a:r>
+                  <a:rPr lang="en-US" altLang="zh-CN" sz="1200" kern="1200" dirty="0" err="1">
+                    <a:solidFill>
+                      <a:schemeClr val="tx1"/>
+                    </a:solidFill>
+                    <a:effectLst/>
+                    <a:latin typeface="+mn-lt"/>
+                    <a:ea typeface="+mn-ea"/>
+                    <a:cs typeface="+mn-cs"/>
+                  </a:rPr>
+                  <a:t>i</a:t>
+                </a:r>
+                <a:r>
+                  <a:rPr lang="zh-CN" altLang="zh-CN" sz="1200" kern="1200" dirty="0">
+                    <a:solidFill>
+                      <a:schemeClr val="tx1"/>
+                    </a:solidFill>
+                    <a:effectLst/>
+                    <a:latin typeface="+mn-lt"/>
+                    <a:ea typeface="+mn-ea"/>
+                    <a:cs typeface="+mn-cs"/>
+                  </a:rPr>
+                  <a:t>个</a:t>
+                </a:r>
+                <a:r>
+                  <a:rPr lang="en-US" altLang="zh-CN" sz="1200" kern="1200" dirty="0">
+                    <a:solidFill>
+                      <a:schemeClr val="tx1"/>
+                    </a:solidFill>
+                    <a:effectLst/>
+                    <a:latin typeface="+mn-lt"/>
+                    <a:ea typeface="+mn-ea"/>
+                    <a:cs typeface="+mn-cs"/>
+                  </a:rPr>
+                  <a:t>PPCA</a:t>
+                </a:r>
+                <a:r>
+                  <a:rPr lang="zh-CN" altLang="zh-CN" sz="1200" kern="1200" dirty="0">
+                    <a:solidFill>
+                      <a:schemeClr val="tx1"/>
+                    </a:solidFill>
+                    <a:effectLst/>
+                    <a:latin typeface="+mn-lt"/>
+                    <a:ea typeface="+mn-ea"/>
+                    <a:cs typeface="+mn-cs"/>
+                  </a:rPr>
+                  <a:t>组件的协方差矩阵；</a:t>
+                </a:r>
+                <a14:m>
+                  <m:oMath xmlns:m="http://schemas.openxmlformats.org/officeDocument/2006/math">
+                    <m:sSub>
+                      <m:sSubPr>
+                        <m:ctrlPr>
+                          <a:rPr lang="zh-CN" altLang="zh-CN" sz="1200" i="1" kern="1200">
+                            <a:solidFill>
+                              <a:schemeClr val="tx1"/>
+                            </a:solidFill>
+                            <a:effectLst/>
+                            <a:latin typeface="+mn-lt"/>
+                            <a:ea typeface="+mn-ea"/>
+                            <a:cs typeface="+mn-cs"/>
+                          </a:rPr>
+                        </m:ctrlPr>
+                      </m:sSubPr>
+                      <m:e>
+                        <m:r>
+                          <m:rPr>
+                            <m:sty m:val="p"/>
+                          </m:rPr>
+                          <a:rPr lang="en-US" altLang="zh-CN" sz="1200" kern="1200">
+                            <a:solidFill>
+                              <a:schemeClr val="tx1"/>
+                            </a:solidFill>
+                            <a:effectLst/>
+                            <a:latin typeface="+mn-lt"/>
+                            <a:ea typeface="+mn-ea"/>
+                            <a:cs typeface="+mn-cs"/>
+                          </a:rPr>
+                          <m:t>μ</m:t>
+                        </m:r>
+                      </m:e>
+                      <m:sub>
+                        <m:r>
+                          <m:rPr>
+                            <m:sty m:val="p"/>
+                          </m:rPr>
+                          <a:rPr lang="en-US" altLang="zh-CN" sz="1200" kern="1200">
+                            <a:solidFill>
+                              <a:schemeClr val="tx1"/>
+                            </a:solidFill>
+                            <a:effectLst/>
+                            <a:latin typeface="+mn-lt"/>
+                            <a:ea typeface="+mn-ea"/>
+                            <a:cs typeface="+mn-cs"/>
+                          </a:rPr>
+                          <m:t>i</m:t>
+                        </m:r>
+                      </m:sub>
+                    </m:sSub>
+                  </m:oMath>
+                </a14:m>
+                <a:r>
+                  <a:rPr lang="zh-CN" altLang="zh-CN" sz="1200" kern="1200" dirty="0">
+                    <a:solidFill>
+                      <a:schemeClr val="tx1"/>
+                    </a:solidFill>
+                    <a:effectLst/>
+                    <a:latin typeface="+mn-lt"/>
+                    <a:ea typeface="+mn-ea"/>
+                    <a:cs typeface="+mn-cs"/>
+                  </a:rPr>
+                  <a:t>：第</a:t>
+                </a:r>
+                <a:r>
+                  <a:rPr lang="en-US" altLang="zh-CN" sz="1200" kern="1200" dirty="0" err="1">
+                    <a:solidFill>
+                      <a:schemeClr val="tx1"/>
+                    </a:solidFill>
+                    <a:effectLst/>
+                    <a:latin typeface="+mn-lt"/>
+                    <a:ea typeface="+mn-ea"/>
+                    <a:cs typeface="+mn-cs"/>
+                  </a:rPr>
+                  <a:t>i</a:t>
+                </a:r>
+                <a:r>
+                  <a:rPr lang="zh-CN" altLang="zh-CN" sz="1200" kern="1200" dirty="0">
+                    <a:solidFill>
+                      <a:schemeClr val="tx1"/>
+                    </a:solidFill>
+                    <a:effectLst/>
+                    <a:latin typeface="+mn-lt"/>
+                    <a:ea typeface="+mn-ea"/>
+                    <a:cs typeface="+mn-cs"/>
+                  </a:rPr>
+                  <a:t>个</a:t>
+                </a:r>
+                <a:r>
+                  <a:rPr lang="en-US" altLang="zh-CN" sz="1200" kern="1200" dirty="0">
+                    <a:solidFill>
+                      <a:schemeClr val="tx1"/>
+                    </a:solidFill>
+                    <a:effectLst/>
+                    <a:latin typeface="+mn-lt"/>
+                    <a:ea typeface="+mn-ea"/>
+                    <a:cs typeface="+mn-cs"/>
+                  </a:rPr>
+                  <a:t>PPCA</a:t>
+                </a:r>
+                <a:r>
+                  <a:rPr lang="zh-CN" altLang="zh-CN" sz="1200" kern="1200" dirty="0">
+                    <a:solidFill>
+                      <a:schemeClr val="tx1"/>
+                    </a:solidFill>
+                    <a:effectLst/>
+                    <a:latin typeface="+mn-lt"/>
+                    <a:ea typeface="+mn-ea"/>
+                    <a:cs typeface="+mn-cs"/>
+                  </a:rPr>
+                  <a:t>组件的均值向量。各参数使用期望最大化方法计算</a:t>
+                </a:r>
+                <a:r>
+                  <a:rPr lang="zh-CN" altLang="zh-CN" sz="1200" kern="1200" dirty="0" smtClean="0">
+                    <a:solidFill>
+                      <a:schemeClr val="tx1"/>
+                    </a:solidFill>
+                    <a:effectLst/>
+                    <a:latin typeface="+mn-lt"/>
+                    <a:ea typeface="+mn-ea"/>
+                    <a:cs typeface="+mn-cs"/>
+                  </a:rPr>
+                  <a:t>。</a:t>
+                </a:r>
+                <a:endParaRPr lang="zh-CN" altLang="zh-CN" sz="1200" kern="1200" dirty="0">
+                  <a:solidFill>
+                    <a:schemeClr val="tx1"/>
+                  </a:solidFill>
+                  <a:effectLst/>
+                  <a:latin typeface="+mn-lt"/>
+                  <a:ea typeface="+mn-ea"/>
+                  <a:cs typeface="+mn-cs"/>
+                </a:endParaRPr>
+              </a:p>
+            </p:txBody>
+          </p:sp>
+        </mc:Choice>
+        <mc:Fallback>
+          <p:sp>
+            <p:nvSpPr>
+              <p:cNvPr id="3" name="备注占位符 2"/>
+              <p:cNvSpPr>
+                <a:spLocks noGrp="1"/>
+              </p:cNvSpPr>
+              <p:nvPr>
+                <p:ph type="body" idx="1"/>
+              </p:nvPr>
+            </p:nvSpPr>
+            <p:spPr/>
+            <p:txBody>
+              <a:bodyPr/>
+              <a:lstStyle/>
+              <a:p>
+                <a:r>
+                  <a:rPr lang="zh-CN" altLang="zh-CN" sz="1200" dirty="0" smtClean="0"/>
+                  <a:t>简单来说，就是给定一个观察序列（高维度），</a:t>
+                </a:r>
+                <a:r>
+                  <a:rPr lang="en-US" altLang="zh-CN" sz="1200" dirty="0" smtClean="0"/>
+                  <a:t>PPCA</a:t>
+                </a:r>
+                <a:r>
+                  <a:rPr lang="zh-CN" altLang="zh-CN" sz="1200" dirty="0" smtClean="0"/>
+                  <a:t>模型建立潜在的可变序列（低维度），同时根据最大似然估计准则找到最优的参数。它的优点是避免了带有丢失数据的</a:t>
+                </a:r>
+                <a:r>
+                  <a:rPr lang="en-US" altLang="zh-CN" sz="1200" dirty="0" smtClean="0"/>
+                  <a:t>PCA</a:t>
+                </a:r>
+                <a:r>
+                  <a:rPr lang="zh-CN" altLang="zh-CN" sz="1200" dirty="0" smtClean="0"/>
+                  <a:t>处理情况，也</a:t>
+                </a:r>
+                <a:r>
+                  <a:rPr lang="zh-CN" altLang="zh-CN" sz="1200" dirty="0" smtClean="0"/>
+                  <a:t>可以</a:t>
+                </a:r>
+                <a:endParaRPr lang="en-US" altLang="zh-CN" sz="1200" dirty="0" smtClean="0"/>
+              </a:p>
+              <a:p>
+                <a:pPr marL="0" marR="0" indent="0" algn="l" defTabSz="914400" rtl="0" eaLnBrk="1" fontAlgn="auto" latinLnBrk="0" hangingPunct="1">
+                  <a:lnSpc>
+                    <a:spcPct val="100000"/>
+                  </a:lnSpc>
+                  <a:spcBef>
+                    <a:spcPts val="0"/>
+                  </a:spcBef>
+                  <a:spcAft>
+                    <a:spcPts val="0"/>
+                  </a:spcAft>
+                  <a:buClrTx/>
+                  <a:buSzTx/>
+                  <a:buFontTx/>
+                  <a:buNone/>
+                  <a:tabLst/>
+                  <a:defRPr/>
+                </a:pPr>
+                <a:r>
+                  <a:rPr lang="zh-CN" altLang="zh-CN" sz="1200" kern="1200" dirty="0" smtClean="0">
+                    <a:solidFill>
+                      <a:schemeClr val="tx1"/>
+                    </a:solidFill>
+                    <a:effectLst/>
+                    <a:latin typeface="+mn-lt"/>
+                    <a:ea typeface="+mn-ea"/>
+                    <a:cs typeface="+mn-cs"/>
+                  </a:rPr>
+                  <a:t>其中，</a:t>
+                </a:r>
+                <a:r>
+                  <a:rPr lang="en-US" altLang="zh-CN" sz="1200" i="0" kern="1200">
+                    <a:solidFill>
+                      <a:schemeClr val="tx1"/>
+                    </a:solidFill>
+                    <a:effectLst/>
+                    <a:latin typeface="+mn-lt"/>
+                    <a:ea typeface="+mn-ea"/>
+                    <a:cs typeface="+mn-cs"/>
+                  </a:rPr>
+                  <a:t>π</a:t>
+                </a:r>
+                <a:r>
+                  <a:rPr lang="zh-CN" altLang="zh-CN" sz="1200" i="0" kern="1200">
+                    <a:solidFill>
+                      <a:schemeClr val="tx1"/>
+                    </a:solidFill>
+                    <a:effectLst/>
+                    <a:latin typeface="+mn-lt"/>
+                    <a:ea typeface="+mn-ea"/>
+                    <a:cs typeface="+mn-cs"/>
+                  </a:rPr>
+                  <a:t>_</a:t>
+                </a:r>
+                <a:r>
+                  <a:rPr lang="en-US" altLang="zh-CN" sz="1200" i="0" kern="1200">
+                    <a:solidFill>
+                      <a:schemeClr val="tx1"/>
+                    </a:solidFill>
+                    <a:effectLst/>
+                    <a:latin typeface="+mn-lt"/>
+                    <a:ea typeface="+mn-ea"/>
+                    <a:cs typeface="+mn-cs"/>
+                  </a:rPr>
+                  <a:t>i</a:t>
+                </a:r>
+                <a:r>
+                  <a:rPr lang="zh-CN" altLang="zh-CN" sz="1200" kern="1200" dirty="0">
+                    <a:solidFill>
+                      <a:schemeClr val="tx1"/>
+                    </a:solidFill>
+                    <a:effectLst/>
+                    <a:latin typeface="+mn-lt"/>
+                    <a:ea typeface="+mn-ea"/>
+                    <a:cs typeface="+mn-cs"/>
+                  </a:rPr>
+                  <a:t>：第</a:t>
+                </a:r>
+                <a:r>
+                  <a:rPr lang="en-US" altLang="zh-CN" sz="1200" kern="1200" dirty="0" err="1">
+                    <a:solidFill>
+                      <a:schemeClr val="tx1"/>
+                    </a:solidFill>
+                    <a:effectLst/>
+                    <a:latin typeface="+mn-lt"/>
+                    <a:ea typeface="+mn-ea"/>
+                    <a:cs typeface="+mn-cs"/>
+                  </a:rPr>
+                  <a:t>i</a:t>
+                </a:r>
+                <a:r>
+                  <a:rPr lang="zh-CN" altLang="zh-CN" sz="1200" kern="1200" dirty="0">
+                    <a:solidFill>
+                      <a:schemeClr val="tx1"/>
+                    </a:solidFill>
+                    <a:effectLst/>
+                    <a:latin typeface="+mn-lt"/>
+                    <a:ea typeface="+mn-ea"/>
+                    <a:cs typeface="+mn-cs"/>
+                  </a:rPr>
+                  <a:t>个</a:t>
+                </a:r>
+                <a:r>
+                  <a:rPr lang="en-US" altLang="zh-CN" sz="1200" kern="1200" dirty="0">
+                    <a:solidFill>
+                      <a:schemeClr val="tx1"/>
+                    </a:solidFill>
+                    <a:effectLst/>
+                    <a:latin typeface="+mn-lt"/>
+                    <a:ea typeface="+mn-ea"/>
+                    <a:cs typeface="+mn-cs"/>
+                  </a:rPr>
+                  <a:t>PPCA</a:t>
+                </a:r>
+                <a:r>
+                  <a:rPr lang="zh-CN" altLang="zh-CN" sz="1200" kern="1200" dirty="0">
+                    <a:solidFill>
+                      <a:schemeClr val="tx1"/>
+                    </a:solidFill>
+                    <a:effectLst/>
+                    <a:latin typeface="+mn-lt"/>
+                    <a:ea typeface="+mn-ea"/>
+                    <a:cs typeface="+mn-cs"/>
+                  </a:rPr>
+                  <a:t>组件的系数；</a:t>
+                </a:r>
+                <a:r>
+                  <a:rPr lang="en-US" altLang="zh-CN" sz="1200" i="0" kern="1200">
+                    <a:solidFill>
+                      <a:schemeClr val="tx1"/>
+                    </a:solidFill>
+                    <a:effectLst/>
+                    <a:latin typeface="+mn-lt"/>
+                    <a:ea typeface="+mn-ea"/>
+                    <a:cs typeface="+mn-cs"/>
+                  </a:rPr>
+                  <a:t>p</a:t>
+                </a:r>
+                <a:r>
+                  <a:rPr lang="zh-CN" altLang="zh-CN" sz="1200" i="0" kern="1200">
+                    <a:solidFill>
+                      <a:schemeClr val="tx1"/>
+                    </a:solidFill>
+                    <a:effectLst/>
+                    <a:latin typeface="+mn-lt"/>
+                    <a:ea typeface="+mn-ea"/>
+                    <a:cs typeface="+mn-cs"/>
+                  </a:rPr>
+                  <a:t>_</a:t>
+                </a:r>
+                <a:r>
+                  <a:rPr lang="en-US" altLang="zh-CN" sz="1200" i="0" kern="1200">
+                    <a:solidFill>
+                      <a:schemeClr val="tx1"/>
+                    </a:solidFill>
+                    <a:effectLst/>
+                    <a:latin typeface="+mn-lt"/>
+                    <a:ea typeface="+mn-ea"/>
+                    <a:cs typeface="+mn-cs"/>
+                  </a:rPr>
+                  <a:t>i</a:t>
+                </a:r>
+                <a:r>
+                  <a:rPr lang="zh-CN" altLang="zh-CN" sz="1200" i="0" kern="1200">
+                    <a:solidFill>
+                      <a:schemeClr val="tx1"/>
+                    </a:solidFill>
+                    <a:effectLst/>
+                    <a:latin typeface="+mn-lt"/>
+                    <a:ea typeface="+mn-ea"/>
+                    <a:cs typeface="+mn-cs"/>
+                  </a:rPr>
+                  <a:t> (</a:t>
+                </a:r>
+                <a:r>
+                  <a:rPr lang="en-US" altLang="zh-CN" sz="1200" i="0" kern="1200">
+                    <a:solidFill>
+                      <a:schemeClr val="tx1"/>
+                    </a:solidFill>
+                    <a:effectLst/>
+                    <a:latin typeface="+mn-lt"/>
+                    <a:ea typeface="+mn-ea"/>
+                    <a:cs typeface="+mn-cs"/>
+                  </a:rPr>
+                  <a:t>t│C</a:t>
+                </a:r>
+                <a:r>
+                  <a:rPr lang="zh-CN" altLang="zh-CN" sz="1200" i="0" kern="1200">
+                    <a:solidFill>
+                      <a:schemeClr val="tx1"/>
+                    </a:solidFill>
+                    <a:effectLst/>
+                    <a:latin typeface="+mn-lt"/>
+                    <a:ea typeface="+mn-ea"/>
+                    <a:cs typeface="+mn-cs"/>
+                  </a:rPr>
+                  <a:t>_</a:t>
+                </a:r>
+                <a:r>
+                  <a:rPr lang="en-US" altLang="zh-CN" sz="1200" i="0" kern="1200">
+                    <a:solidFill>
+                      <a:schemeClr val="tx1"/>
+                    </a:solidFill>
+                    <a:effectLst/>
+                    <a:latin typeface="+mn-lt"/>
+                    <a:ea typeface="+mn-ea"/>
+                    <a:cs typeface="+mn-cs"/>
+                  </a:rPr>
+                  <a:t>i,μ</a:t>
+                </a:r>
+                <a:r>
+                  <a:rPr lang="zh-CN" altLang="zh-CN" sz="1200" i="0" kern="1200">
+                    <a:solidFill>
+                      <a:schemeClr val="tx1"/>
+                    </a:solidFill>
+                    <a:effectLst/>
+                    <a:latin typeface="+mn-lt"/>
+                    <a:ea typeface="+mn-ea"/>
+                    <a:cs typeface="+mn-cs"/>
+                  </a:rPr>
+                  <a:t>_</a:t>
+                </a:r>
+                <a:r>
+                  <a:rPr lang="en-US" altLang="zh-CN" sz="1200" i="0" kern="1200">
+                    <a:solidFill>
+                      <a:schemeClr val="tx1"/>
+                    </a:solidFill>
+                    <a:effectLst/>
+                    <a:latin typeface="+mn-lt"/>
+                    <a:ea typeface="+mn-ea"/>
+                    <a:cs typeface="+mn-cs"/>
+                  </a:rPr>
+                  <a:t>i )</a:t>
+                </a:r>
+                <a:r>
+                  <a:rPr lang="en-US" altLang="zh-CN" sz="1200" kern="1200" dirty="0">
+                    <a:solidFill>
+                      <a:schemeClr val="tx1"/>
+                    </a:solidFill>
+                    <a:effectLst/>
+                    <a:latin typeface="+mn-lt"/>
+                    <a:ea typeface="+mn-ea"/>
+                    <a:cs typeface="+mn-cs"/>
+                  </a:rPr>
+                  <a:t> </a:t>
+                </a:r>
+                <a:r>
+                  <a:rPr lang="zh-CN" altLang="zh-CN" sz="1200" kern="1200" dirty="0">
+                    <a:solidFill>
+                      <a:schemeClr val="tx1"/>
+                    </a:solidFill>
+                    <a:effectLst/>
+                    <a:latin typeface="+mn-lt"/>
+                    <a:ea typeface="+mn-ea"/>
+                    <a:cs typeface="+mn-cs"/>
+                  </a:rPr>
+                  <a:t>：第</a:t>
+                </a:r>
+                <a:r>
+                  <a:rPr lang="en-US" altLang="zh-CN" sz="1200" kern="1200" dirty="0" err="1">
+                    <a:solidFill>
+                      <a:schemeClr val="tx1"/>
+                    </a:solidFill>
+                    <a:effectLst/>
+                    <a:latin typeface="+mn-lt"/>
+                    <a:ea typeface="+mn-ea"/>
+                    <a:cs typeface="+mn-cs"/>
+                  </a:rPr>
+                  <a:t>i</a:t>
+                </a:r>
+                <a:r>
+                  <a:rPr lang="zh-CN" altLang="zh-CN" sz="1200" kern="1200" dirty="0">
+                    <a:solidFill>
+                      <a:schemeClr val="tx1"/>
+                    </a:solidFill>
+                    <a:effectLst/>
+                    <a:latin typeface="+mn-lt"/>
+                    <a:ea typeface="+mn-ea"/>
+                    <a:cs typeface="+mn-cs"/>
+                  </a:rPr>
+                  <a:t>个</a:t>
+                </a:r>
+                <a:r>
+                  <a:rPr lang="en-US" altLang="zh-CN" sz="1200" kern="1200" dirty="0">
+                    <a:solidFill>
+                      <a:schemeClr val="tx1"/>
+                    </a:solidFill>
+                    <a:effectLst/>
+                    <a:latin typeface="+mn-lt"/>
+                    <a:ea typeface="+mn-ea"/>
+                    <a:cs typeface="+mn-cs"/>
+                  </a:rPr>
+                  <a:t>PPCA</a:t>
+                </a:r>
+                <a:r>
+                  <a:rPr lang="zh-CN" altLang="zh-CN" sz="1200" kern="1200" dirty="0">
+                    <a:solidFill>
+                      <a:schemeClr val="tx1"/>
+                    </a:solidFill>
+                    <a:effectLst/>
+                    <a:latin typeface="+mn-lt"/>
+                    <a:ea typeface="+mn-ea"/>
+                    <a:cs typeface="+mn-cs"/>
+                  </a:rPr>
+                  <a:t>组件的概率密度函数；</a:t>
+                </a:r>
+                <a:r>
+                  <a:rPr lang="en-US" altLang="zh-CN" sz="1200" i="0" kern="1200">
+                    <a:solidFill>
+                      <a:schemeClr val="tx1"/>
+                    </a:solidFill>
+                    <a:effectLst/>
+                    <a:latin typeface="+mn-lt"/>
+                    <a:ea typeface="+mn-ea"/>
+                    <a:cs typeface="+mn-cs"/>
+                  </a:rPr>
+                  <a:t>C</a:t>
+                </a:r>
+                <a:r>
+                  <a:rPr lang="zh-CN" altLang="zh-CN" sz="1200" i="0" kern="1200">
+                    <a:solidFill>
+                      <a:schemeClr val="tx1"/>
+                    </a:solidFill>
+                    <a:effectLst/>
+                    <a:latin typeface="+mn-lt"/>
+                    <a:ea typeface="+mn-ea"/>
+                    <a:cs typeface="+mn-cs"/>
+                  </a:rPr>
+                  <a:t>_</a:t>
+                </a:r>
+                <a:r>
+                  <a:rPr lang="en-US" altLang="zh-CN" sz="1200" i="0" kern="1200">
+                    <a:solidFill>
+                      <a:schemeClr val="tx1"/>
+                    </a:solidFill>
+                    <a:effectLst/>
+                    <a:latin typeface="+mn-lt"/>
+                    <a:ea typeface="+mn-ea"/>
+                    <a:cs typeface="+mn-cs"/>
+                  </a:rPr>
+                  <a:t>i</a:t>
+                </a:r>
+                <a:r>
+                  <a:rPr lang="zh-CN" altLang="zh-CN" sz="1200" kern="1200" dirty="0">
+                    <a:solidFill>
+                      <a:schemeClr val="tx1"/>
+                    </a:solidFill>
+                    <a:effectLst/>
+                    <a:latin typeface="+mn-lt"/>
+                    <a:ea typeface="+mn-ea"/>
+                    <a:cs typeface="+mn-cs"/>
+                  </a:rPr>
+                  <a:t>：第</a:t>
+                </a:r>
+                <a:r>
+                  <a:rPr lang="en-US" altLang="zh-CN" sz="1200" kern="1200" dirty="0" err="1">
+                    <a:solidFill>
+                      <a:schemeClr val="tx1"/>
+                    </a:solidFill>
+                    <a:effectLst/>
+                    <a:latin typeface="+mn-lt"/>
+                    <a:ea typeface="+mn-ea"/>
+                    <a:cs typeface="+mn-cs"/>
+                  </a:rPr>
+                  <a:t>i</a:t>
+                </a:r>
+                <a:r>
+                  <a:rPr lang="zh-CN" altLang="zh-CN" sz="1200" kern="1200" dirty="0">
+                    <a:solidFill>
+                      <a:schemeClr val="tx1"/>
+                    </a:solidFill>
+                    <a:effectLst/>
+                    <a:latin typeface="+mn-lt"/>
+                    <a:ea typeface="+mn-ea"/>
+                    <a:cs typeface="+mn-cs"/>
+                  </a:rPr>
+                  <a:t>个</a:t>
+                </a:r>
+                <a:r>
+                  <a:rPr lang="en-US" altLang="zh-CN" sz="1200" kern="1200" dirty="0">
+                    <a:solidFill>
+                      <a:schemeClr val="tx1"/>
+                    </a:solidFill>
+                    <a:effectLst/>
+                    <a:latin typeface="+mn-lt"/>
+                    <a:ea typeface="+mn-ea"/>
+                    <a:cs typeface="+mn-cs"/>
+                  </a:rPr>
+                  <a:t>PPCA</a:t>
+                </a:r>
+                <a:r>
+                  <a:rPr lang="zh-CN" altLang="zh-CN" sz="1200" kern="1200" dirty="0">
+                    <a:solidFill>
+                      <a:schemeClr val="tx1"/>
+                    </a:solidFill>
+                    <a:effectLst/>
+                    <a:latin typeface="+mn-lt"/>
+                    <a:ea typeface="+mn-ea"/>
+                    <a:cs typeface="+mn-cs"/>
+                  </a:rPr>
+                  <a:t>组件的协方差矩阵；</a:t>
+                </a:r>
+                <a:r>
+                  <a:rPr lang="en-US" altLang="zh-CN" sz="1200" i="0" kern="1200">
+                    <a:solidFill>
+                      <a:schemeClr val="tx1"/>
+                    </a:solidFill>
+                    <a:effectLst/>
+                    <a:latin typeface="+mn-lt"/>
+                    <a:ea typeface="+mn-ea"/>
+                    <a:cs typeface="+mn-cs"/>
+                  </a:rPr>
+                  <a:t>μ</a:t>
+                </a:r>
+                <a:r>
+                  <a:rPr lang="zh-CN" altLang="zh-CN" sz="1200" i="0" kern="1200">
+                    <a:solidFill>
+                      <a:schemeClr val="tx1"/>
+                    </a:solidFill>
+                    <a:effectLst/>
+                    <a:latin typeface="+mn-lt"/>
+                    <a:ea typeface="+mn-ea"/>
+                    <a:cs typeface="+mn-cs"/>
+                  </a:rPr>
+                  <a:t>_</a:t>
+                </a:r>
+                <a:r>
+                  <a:rPr lang="en-US" altLang="zh-CN" sz="1200" i="0" kern="1200">
+                    <a:solidFill>
+                      <a:schemeClr val="tx1"/>
+                    </a:solidFill>
+                    <a:effectLst/>
+                    <a:latin typeface="+mn-lt"/>
+                    <a:ea typeface="+mn-ea"/>
+                    <a:cs typeface="+mn-cs"/>
+                  </a:rPr>
+                  <a:t>i</a:t>
+                </a:r>
+                <a:r>
+                  <a:rPr lang="zh-CN" altLang="zh-CN" sz="1200" kern="1200" dirty="0">
+                    <a:solidFill>
+                      <a:schemeClr val="tx1"/>
+                    </a:solidFill>
+                    <a:effectLst/>
+                    <a:latin typeface="+mn-lt"/>
+                    <a:ea typeface="+mn-ea"/>
+                    <a:cs typeface="+mn-cs"/>
+                  </a:rPr>
+                  <a:t>：第</a:t>
+                </a:r>
+                <a:r>
+                  <a:rPr lang="en-US" altLang="zh-CN" sz="1200" kern="1200" dirty="0" err="1">
+                    <a:solidFill>
+                      <a:schemeClr val="tx1"/>
+                    </a:solidFill>
+                    <a:effectLst/>
+                    <a:latin typeface="+mn-lt"/>
+                    <a:ea typeface="+mn-ea"/>
+                    <a:cs typeface="+mn-cs"/>
+                  </a:rPr>
+                  <a:t>i</a:t>
+                </a:r>
+                <a:r>
+                  <a:rPr lang="zh-CN" altLang="zh-CN" sz="1200" kern="1200" dirty="0">
+                    <a:solidFill>
+                      <a:schemeClr val="tx1"/>
+                    </a:solidFill>
+                    <a:effectLst/>
+                    <a:latin typeface="+mn-lt"/>
+                    <a:ea typeface="+mn-ea"/>
+                    <a:cs typeface="+mn-cs"/>
+                  </a:rPr>
+                  <a:t>个</a:t>
+                </a:r>
+                <a:r>
+                  <a:rPr lang="en-US" altLang="zh-CN" sz="1200" kern="1200" dirty="0">
+                    <a:solidFill>
+                      <a:schemeClr val="tx1"/>
+                    </a:solidFill>
+                    <a:effectLst/>
+                    <a:latin typeface="+mn-lt"/>
+                    <a:ea typeface="+mn-ea"/>
+                    <a:cs typeface="+mn-cs"/>
+                  </a:rPr>
+                  <a:t>PPCA</a:t>
+                </a:r>
+                <a:r>
+                  <a:rPr lang="zh-CN" altLang="zh-CN" sz="1200" kern="1200" dirty="0">
+                    <a:solidFill>
+                      <a:schemeClr val="tx1"/>
+                    </a:solidFill>
+                    <a:effectLst/>
+                    <a:latin typeface="+mn-lt"/>
+                    <a:ea typeface="+mn-ea"/>
+                    <a:cs typeface="+mn-cs"/>
+                  </a:rPr>
+                  <a:t>组件的均值向量。各参数使用期望最大化方法计算</a:t>
+                </a:r>
+                <a:r>
+                  <a:rPr lang="zh-CN" altLang="zh-CN" sz="1200" kern="1200" dirty="0" smtClean="0">
+                    <a:solidFill>
+                      <a:schemeClr val="tx1"/>
+                    </a:solidFill>
+                    <a:effectLst/>
+                    <a:latin typeface="+mn-lt"/>
+                    <a:ea typeface="+mn-ea"/>
+                    <a:cs typeface="+mn-cs"/>
+                  </a:rPr>
+                  <a:t>。</a:t>
+                </a:r>
+                <a:endParaRPr lang="zh-CN" altLang="zh-CN" sz="1200" kern="1200" dirty="0">
+                  <a:solidFill>
+                    <a:schemeClr val="tx1"/>
+                  </a:solidFill>
+                  <a:effectLst/>
+                  <a:latin typeface="+mn-lt"/>
+                  <a:ea typeface="+mn-ea"/>
+                  <a:cs typeface="+mn-cs"/>
+                </a:endParaRPr>
+              </a:p>
+            </p:txBody>
+          </p:sp>
+        </mc:Fallback>
+      </mc:AlternateContent>
+      <p:sp>
+        <p:nvSpPr>
+          <p:cNvPr id="4" name="灯片编号占位符 3"/>
+          <p:cNvSpPr>
+            <a:spLocks noGrp="1"/>
+          </p:cNvSpPr>
+          <p:nvPr>
+            <p:ph type="sldNum" sz="quarter" idx="10"/>
+          </p:nvPr>
+        </p:nvSpPr>
+        <p:spPr/>
+        <p:txBody>
+          <a:bodyPr/>
+          <a:lstStyle/>
+          <a:p>
+            <a:fld id="{60CFF018-B1E1-49B8-A957-C24601D9EAAF}" type="slidenum">
+              <a:rPr lang="zh-CN" altLang="en-US" smtClean="0"/>
+              <a:t>5</a:t>
+            </a:fld>
+            <a:endParaRPr lang="zh-CN" altLang="en-US"/>
+          </a:p>
+        </p:txBody>
+      </p:sp>
+    </p:spTree>
+    <p:extLst>
+      <p:ext uri="{BB962C8B-B14F-4D97-AF65-F5344CB8AC3E}">
+        <p14:creationId xmlns:p14="http://schemas.microsoft.com/office/powerpoint/2010/main" val="3689988921"/>
+      </p:ext>
+    </p:extLst>
+  </p:cSld>
+  <p:clrMapOvr>
+    <a:masterClrMapping/>
+  </p:clrMapOvr>
+</p:notes>
+</file>
+
+<file path=ppt/notesSlides/notesSlide5.xml><?xml version="1.0" encoding="utf-8"?>
+<p:notes xmlns:a="http://schemas.openxmlformats.org/drawingml/2006/main" xmlns:r="http://schemas.openxmlformats.org/officeDocument/2006/relationships" xmlns:p="http://schemas.openxmlformats.org/presentationml/2006/main">
+  <p:cSld>
+    <p:spTree>
+      <p:nvGrpSpPr>
+        <p:cNvPr id="1" name=""/>
+        <p:cNvGrpSpPr/>
+        <p:nvPr/>
+      </p:nvGrpSpPr>
+      <p:grpSpPr>
+        <a:xfrm>
+          <a:off x="0" y="0"/>
+          <a:ext cx="0" cy="0"/>
+          <a:chOff x="0" y="0"/>
+          <a:chExt cx="0" cy="0"/>
+        </a:xfrm>
+      </p:grpSpPr>
+      <p:sp>
+        <p:nvSpPr>
+          <p:cNvPr id="2" name="幻灯片图像占位符 1"/>
+          <p:cNvSpPr>
+            <a:spLocks noGrp="1" noRot="1" noChangeAspect="1"/>
+          </p:cNvSpPr>
+          <p:nvPr>
+            <p:ph type="sldImg"/>
+          </p:nvPr>
+        </p:nvSpPr>
+        <p:spPr/>
+      </p:sp>
       <p:sp>
         <p:nvSpPr>
           <p:cNvPr id="3" name="备注占位符 2"/>
@@ -1921,26 +6541,6 @@
           <a:bodyPr/>
           <a:lstStyle/>
           <a:p>
-            <a:r>
-              <a:rPr lang="zh-CN" altLang="zh-CN" sz="1200" dirty="0" smtClean="0"/>
-              <a:t>简单来说，就是给定一个观察序列（高维度），</a:t>
-            </a:r>
-            <a:r>
-              <a:rPr lang="en-US" altLang="zh-CN" sz="1200" dirty="0" smtClean="0"/>
-              <a:t>PPCA</a:t>
-            </a:r>
-            <a:r>
-              <a:rPr lang="zh-CN" altLang="zh-CN" sz="1200" dirty="0" smtClean="0"/>
-              <a:t>模型建立潜在的可变序列（低维度），同时根据最大似然估计准则找到最优的参数。它的优点是避免了带有丢失数据的</a:t>
-            </a:r>
-            <a:r>
-              <a:rPr lang="en-US" altLang="zh-CN" sz="1200" dirty="0" smtClean="0"/>
-              <a:t>PCA</a:t>
-            </a:r>
-            <a:r>
-              <a:rPr lang="zh-CN" altLang="zh-CN" sz="1200" dirty="0" smtClean="0"/>
-              <a:t>处理情况，也可以</a:t>
-            </a:r>
             <a:endParaRPr lang="zh-CN" altLang="en-US" dirty="0"/>
           </a:p>
         </p:txBody>
@@ -1962,7 +6562,7 @@
           <a:p>
             <a:fld id="{60CFF018-B1E1-49B8-A957-C24601D9EAAF}" type="slidenum">
               <a:rPr lang="zh-CN" altLang="en-US" smtClean="0"/>
-              <a:t>5</a:t>
+              <a:t>6</a:t>
             </a:fld>
             <a:endParaRPr lang="zh-CN" altLang="en-US"/>
           </a:p>
@@ -1971,7 +6571,7 @@
     </p:spTree>
     <p:extLst>
       <p:ext uri="{BB962C8B-B14F-4D97-AF65-F5344CB8AC3E}">
-        <p14:creationId xmlns:p14="http://schemas.microsoft.com/office/powerpoint/2010/main" val="3689988921"/>
+        <p14:creationId xmlns:p14="http://schemas.microsoft.com/office/powerpoint/2010/main" val="430129487"/>
       </p:ext>
     </p:extLst>
   </p:cSld>
@@ -2176,7 +6776,7 @@
           <a:p>
             <a:fld id="{530820CF-B880-4189-942D-D702A7CBA730}" type="datetimeFigureOut">
               <a:rPr lang="zh-CN" altLang="en-US" smtClean="0"/>
-              <a:t>2013/3/21</a:t>
+              <a:t>2013/3/24</a:t>
             </a:fld>
             <a:endParaRPr lang="zh-CN" altLang="en-US"/>
           </a:p>
@@ -2388,7 +6988,7 @@
           <a:p>
             <a:fld id="{530820CF-B880-4189-942D-D702A7CBA730}" type="datetimeFigureOut">
               <a:rPr lang="zh-CN" altLang="en-US" smtClean="0"/>
-              <a:t>2013/3/21</a:t>
+              <a:t>2013/3/24</a:t>
             </a:fld>
             <a:endParaRPr lang="zh-CN" altLang="en-US"/>
           </a:p>
@@ -2593,7 +7193,7 @@
           <a:p>
             <a:fld id="{530820CF-B880-4189-942D-D702A7CBA730}" type="datetimeFigureOut">
               <a:rPr lang="zh-CN" altLang="en-US" smtClean="0"/>
-              <a:t>2013/3/21</a:t>
+              <a:t>2013/3/24</a:t>
             </a:fld>
             <a:endParaRPr lang="zh-CN" altLang="en-US"/>
           </a:p>
@@ -2798,7 +7398,7 @@
           <a:p>
             <a:fld id="{530820CF-B880-4189-942D-D702A7CBA730}" type="datetimeFigureOut">
               <a:rPr lang="zh-CN" altLang="en-US" smtClean="0"/>
-              <a:t>2013/3/21</a:t>
+              <a:t>2013/3/24</a:t>
             </a:fld>
             <a:endParaRPr lang="zh-CN" altLang="en-US"/>
           </a:p>
@@ -3069,7 +7669,7 @@
           <a:p>
             <a:fld id="{530820CF-B880-4189-942D-D702A7CBA730}" type="datetimeFigureOut">
               <a:rPr lang="zh-CN" altLang="en-US" smtClean="0"/>
-              <a:t>2013/3/21</a:t>
+              <a:t>2013/3/24</a:t>
             </a:fld>
             <a:endParaRPr lang="zh-CN" altLang="en-US"/>
           </a:p>
@@ -3390,7 +7990,7 @@
           <a:p>
             <a:fld id="{530820CF-B880-4189-942D-D702A7CBA730}" type="datetimeFigureOut">
               <a:rPr lang="zh-CN" altLang="en-US" smtClean="0"/>
-              <a:t>2013/3/21</a:t>
+              <a:t>2013/3/24</a:t>
             </a:fld>
             <a:endParaRPr lang="zh-CN" altLang="en-US"/>
           </a:p>
@@ -3851,7 +8451,7 @@
           <a:p>
             <a:fld id="{530820CF-B880-4189-942D-D702A7CBA730}" type="datetimeFigureOut">
               <a:rPr lang="zh-CN" altLang="en-US" smtClean="0"/>
-              <a:t>2013/3/21</a:t>
+              <a:t>2013/3/24</a:t>
             </a:fld>
             <a:endParaRPr lang="zh-CN" altLang="en-US"/>
           </a:p>
@@ -3996,7 +8596,7 @@
           <a:p>
             <a:fld id="{530820CF-B880-4189-942D-D702A7CBA730}" type="datetimeFigureOut">
               <a:rPr lang="zh-CN" altLang="en-US" smtClean="0"/>
-              <a:t>2013/3/21</a:t>
+              <a:t>2013/3/24</a:t>
             </a:fld>
             <a:endParaRPr lang="zh-CN" altLang="en-US"/>
           </a:p>
@@ -4110,7 +8710,7 @@
           <a:p>
             <a:fld id="{530820CF-B880-4189-942D-D702A7CBA730}" type="datetimeFigureOut">
               <a:rPr lang="zh-CN" altLang="en-US" smtClean="0"/>
-              <a:t>2013/3/21</a:t>
+              <a:t>2013/3/24</a:t>
             </a:fld>
             <a:endParaRPr lang="zh-CN" altLang="en-US"/>
           </a:p>
@@ -4415,7 +9015,7 @@
           <a:p>
             <a:fld id="{530820CF-B880-4189-942D-D702A7CBA730}" type="datetimeFigureOut">
               <a:rPr lang="zh-CN" altLang="en-US" smtClean="0"/>
-              <a:t>2013/3/21</a:t>
+              <a:t>2013/3/24</a:t>
             </a:fld>
             <a:endParaRPr lang="zh-CN" altLang="en-US"/>
           </a:p>
@@ -4696,7 +9296,7 @@
           <a:p>
             <a:fld id="{530820CF-B880-4189-942D-D702A7CBA730}" type="datetimeFigureOut">
               <a:rPr lang="zh-CN" altLang="en-US" smtClean="0"/>
-              <a:t>2013/3/21</a:t>
+              <a:t>2013/3/24</a:t>
             </a:fld>
             <a:endParaRPr lang="zh-CN" altLang="en-US"/>
           </a:p>
@@ -5221,11 +9821,7 @@
           <a:p>
             <a:r>
               <a:rPr lang="zh-CN" altLang="en-US" dirty="0" smtClean="0"/>
-              <a:t>导师     王</a:t>
-            </a:r>
-            <a:r>
-              <a:rPr lang="zh-CN" altLang="en-US" dirty="0" smtClean="0"/>
-              <a:t>轩</a:t>
+              <a:t>导师     王轩</a:t>
             </a:r>
             <a:endParaRPr lang="zh-CN" altLang="en-US" dirty="0"/>
           </a:p>
@@ -5252,148 +9848,6 @@
 </file>
 
 <file path=ppt/slides/slide10.xml><?xml version="1.0" encoding="utf-8"?>
-<p:sld xmlns:a="http://schemas.openxmlformats.org/drawingml/2006/main" xmlns:r="http://schemas.openxmlformats.org/officeDocument/2006/relationships" xmlns:p="http://schemas.openxmlformats.org/presentationml/2006/main">
-  <p:cSld>
-    <p:spTree>
-      <p:nvGrpSpPr>
-        <p:cNvPr id="1" name=""/>
-        <p:cNvGrpSpPr/>
-        <p:nvPr/>
-      </p:nvGrpSpPr>
-      <p:grpSpPr>
-        <a:xfrm>
-          <a:off x="0" y="0"/>
-          <a:ext cx="0" cy="0"/>
-          <a:chOff x="0" y="0"/>
-          <a:chExt cx="0" cy="0"/>
-        </a:xfrm>
-      </p:grpSpPr>
-      <p:sp>
-        <p:nvSpPr>
-          <p:cNvPr id="2" name="标题 1"/>
-          <p:cNvSpPr>
-            <a:spLocks noGrp="1"/>
-          </p:cNvSpPr>
-          <p:nvPr>
-            <p:ph type="title"/>
-          </p:nvPr>
-        </p:nvSpPr>
-        <p:spPr/>
-        <p:txBody>
-          <a:bodyPr/>
-          <a:lstStyle/>
-          <a:p>
-            <a:r>
-              <a:rPr lang="zh-CN" altLang="en-US" dirty="0" smtClean="0"/>
-              <a:t>存在的困难与问题</a:t>
-            </a:r>
-            <a:endParaRPr lang="zh-CN" altLang="en-US" dirty="0"/>
-          </a:p>
-        </p:txBody>
-      </p:sp>
-      <p:sp>
-        <p:nvSpPr>
-          <p:cNvPr id="3" name="内容占位符 2"/>
-          <p:cNvSpPr>
-            <a:spLocks noGrp="1"/>
-          </p:cNvSpPr>
-          <p:nvPr>
-            <p:ph idx="1"/>
-          </p:nvPr>
-        </p:nvSpPr>
-        <p:spPr/>
-        <p:txBody>
-          <a:bodyPr/>
-          <a:lstStyle/>
-          <a:p>
-            <a:pPr lvl="0"/>
-            <a:r>
-              <a:rPr lang="zh-CN" altLang="zh-CN" dirty="0"/>
-              <a:t>目前实行</a:t>
-            </a:r>
-            <a:r>
-              <a:rPr lang="en-US" altLang="zh-CN" dirty="0"/>
-              <a:t>GMM</a:t>
-            </a:r>
-            <a:r>
-              <a:rPr lang="zh-CN" altLang="zh-CN" dirty="0"/>
-              <a:t>背景建模不能很好的处理阴影问题；</a:t>
-            </a:r>
-          </a:p>
-          <a:p>
-            <a:pPr lvl="0"/>
-            <a:r>
-              <a:rPr lang="zh-CN" altLang="zh-CN" dirty="0"/>
-              <a:t>时空</a:t>
-            </a:r>
-            <a:r>
-              <a:rPr lang="en-US" altLang="zh-CN" dirty="0"/>
-              <a:t>MRF</a:t>
-            </a:r>
-            <a:r>
-              <a:rPr lang="zh-CN" altLang="zh-CN" dirty="0"/>
-              <a:t>模型的算法实现将是实现的难点；</a:t>
-            </a:r>
-          </a:p>
-          <a:p>
-            <a:pPr lvl="0"/>
-            <a:r>
-              <a:rPr lang="zh-CN" altLang="zh-CN" dirty="0"/>
-              <a:t>模型的检测效果有待于实验的检验与评价；</a:t>
-            </a:r>
-          </a:p>
-          <a:p>
-            <a:pPr lvl="0"/>
-            <a:r>
-              <a:rPr lang="zh-CN" altLang="zh-CN" dirty="0"/>
-              <a:t>如何有效结合</a:t>
-            </a:r>
-            <a:r>
-              <a:rPr lang="en-US" altLang="zh-CN" dirty="0"/>
-              <a:t>GMM</a:t>
-            </a:r>
-            <a:r>
-              <a:rPr lang="zh-CN" altLang="zh-CN" dirty="0"/>
-              <a:t>的运动区域检测与时空</a:t>
-            </a:r>
-            <a:r>
-              <a:rPr lang="en-US" altLang="zh-CN" dirty="0"/>
-              <a:t>MRF</a:t>
-            </a:r>
-            <a:r>
-              <a:rPr lang="zh-CN" altLang="zh-CN" dirty="0"/>
-              <a:t>上的异常检测。</a:t>
-            </a:r>
-          </a:p>
-          <a:p>
-            <a:pPr marL="0" indent="0">
-              <a:buNone/>
-            </a:pPr>
-            <a:endParaRPr lang="zh-CN" altLang="en-US" sz="2400" dirty="0"/>
-          </a:p>
-        </p:txBody>
-      </p:sp>
-    </p:spTree>
-    <p:extLst>
-      <p:ext uri="{BB962C8B-B14F-4D97-AF65-F5344CB8AC3E}">
-        <p14:creationId xmlns:p14="http://schemas.microsoft.com/office/powerpoint/2010/main" val="1172144806"/>
-      </p:ext>
-    </p:extLst>
-  </p:cSld>
-  <p:clrMapOvr>
-    <a:masterClrMapping/>
-  </p:clrMapOvr>
-  <p:timing>
-    <p:tnLst>
-      <p:par>
-        <p:cTn id="1" dur="indefinite" restart="never" nodeType="tmRoot"/>
-      </p:par>
-    </p:tnLst>
-  </p:timing>
-</p:sld>
-</file>
-
-<file path=ppt/slides/slide11.xml><?xml version="1.0" encoding="utf-8"?>
 <p:sld xmlns:a="http://schemas.openxmlformats.org/drawingml/2006/main" xmlns:r="http://schemas.openxmlformats.org/officeDocument/2006/relationships" xmlns:p="http://schemas.openxmlformats.org/presentationml/2006/main">
   <p:cSld>
     <p:spTree>
@@ -5695,14 +10149,7 @@
                 <a:latin typeface="Times New Roman" pitchFamily="18" charset="0"/>
                 <a:cs typeface="Times New Roman" pitchFamily="18" charset="0"/>
               </a:rPr>
-              <a:t>Framework of the </a:t>
-            </a:r>
-            <a:r>
-              <a:rPr lang="en-US" altLang="zh-CN" sz="2800" dirty="0" smtClean="0">
-                <a:latin typeface="Times New Roman" pitchFamily="18" charset="0"/>
-                <a:cs typeface="Times New Roman" pitchFamily="18" charset="0"/>
-              </a:rPr>
-              <a:t>MRF Model</a:t>
+              <a:t>Framework of the MRF Model</a:t>
             </a:r>
             <a:endParaRPr lang="zh-CN" altLang="en-US" sz="2800" dirty="0">
               <a:latin typeface="Times New Roman" pitchFamily="18" charset="0"/>
@@ -5803,6 +10250,664 @@
           </a:p>
         </p:txBody>
       </p:sp>
+      <p:grpSp>
+        <p:nvGrpSpPr>
+          <p:cNvPr id="38" name="组合 37"/>
+          <p:cNvGrpSpPr/>
+          <p:nvPr/>
+        </p:nvGrpSpPr>
+        <p:grpSpPr>
+          <a:xfrm>
+            <a:off x="824455" y="3017809"/>
+            <a:ext cx="7272808" cy="1818522"/>
+            <a:chOff x="323528" y="2831725"/>
+            <a:chExt cx="7272808" cy="1818522"/>
+          </a:xfrm>
+        </p:grpSpPr>
+        <p:pic>
+          <p:nvPicPr>
+            <p:cNvPr id="1026" name="Picture 2" descr="C:\Users\tong\Desktop\of_small.png"/>
+            <p:cNvPicPr>
+              <a:picLocks noChangeAspect="1" noChangeArrowheads="1"/>
+            </p:cNvPicPr>
+            <p:nvPr/>
+          </p:nvPicPr>
+          <p:blipFill>
+            <a:blip r:embed="rId3">
+              <a:extLst>
+                <a:ext uri="{28A0092B-C50C-407E-A947-70E740481C1C}">
+                  <a14:useLocalDpi xmlns:a14="http://schemas.microsoft.com/office/drawing/2010/main" val="0"/>
+                </a:ext>
+              </a:extLst>
+            </a:blip>
+            <a:srcRect/>
+            <a:stretch>
+              <a:fillRect/>
+            </a:stretch>
+          </p:blipFill>
+          <p:spPr bwMode="auto">
+            <a:xfrm>
+              <a:off x="323528" y="3013446"/>
+              <a:ext cx="1390650" cy="1209675"/>
+            </a:xfrm>
+            <a:prstGeom prst="rect">
+              <a:avLst/>
+            </a:prstGeom>
+            <a:noFill/>
+            <a:extLst>
+              <a:ext uri="{909E8E84-426E-40DD-AFC4-6F175D3DCCD1}">
+                <a14:hiddenFill xmlns:a14="http://schemas.microsoft.com/office/drawing/2010/main">
+                  <a:solidFill>
+                    <a:srgbClr val="FFFFFF"/>
+                  </a:solidFill>
+                </a14:hiddenFill>
+              </a:ext>
+            </a:extLst>
+          </p:spPr>
+        </p:pic>
+        <p:grpSp>
+          <p:nvGrpSpPr>
+            <p:cNvPr id="28" name="组合 27"/>
+            <p:cNvGrpSpPr/>
+            <p:nvPr/>
+          </p:nvGrpSpPr>
+          <p:grpSpPr>
+            <a:xfrm>
+              <a:off x="3420112" y="2902310"/>
+              <a:ext cx="1440000" cy="1440160"/>
+              <a:chOff x="4139952" y="2996952"/>
+              <a:chExt cx="1440000" cy="1440160"/>
+            </a:xfrm>
+          </p:grpSpPr>
+          <p:grpSp>
+            <p:nvGrpSpPr>
+              <p:cNvPr id="27" name="组合 26"/>
+              <p:cNvGrpSpPr/>
+              <p:nvPr/>
+            </p:nvGrpSpPr>
+            <p:grpSpPr>
+              <a:xfrm>
+                <a:off x="4139952" y="2996952"/>
+                <a:ext cx="1440000" cy="1440160"/>
+                <a:chOff x="4139952" y="2996952"/>
+                <a:chExt cx="1440000" cy="1440160"/>
+              </a:xfrm>
+            </p:grpSpPr>
+            <p:cxnSp>
+              <p:nvCxnSpPr>
+                <p:cNvPr id="5" name="直接连接符 4"/>
+                <p:cNvCxnSpPr/>
+                <p:nvPr/>
+              </p:nvCxnSpPr>
+              <p:spPr>
+                <a:xfrm>
+                  <a:off x="4139952" y="3717032"/>
+                  <a:ext cx="1440000" cy="0"/>
+                </a:xfrm>
+                <a:prstGeom prst="line">
+                  <a:avLst/>
+                </a:prstGeom>
+              </p:spPr>
+              <p:style>
+                <a:lnRef idx="1">
+                  <a:schemeClr val="accent1"/>
+                </a:lnRef>
+                <a:fillRef idx="0">
+                  <a:schemeClr val="accent1"/>
+                </a:fillRef>
+                <a:effectRef idx="0">
+                  <a:schemeClr val="accent1"/>
+                </a:effectRef>
+                <a:fontRef idx="minor">
+                  <a:schemeClr val="tx1"/>
+                </a:fontRef>
+              </p:style>
+            </p:cxnSp>
+            <p:cxnSp>
+              <p:nvCxnSpPr>
+                <p:cNvPr id="7" name="直接连接符 6"/>
+                <p:cNvCxnSpPr/>
+                <p:nvPr/>
+              </p:nvCxnSpPr>
+              <p:spPr>
+                <a:xfrm>
+                  <a:off x="4859952" y="2996952"/>
+                  <a:ext cx="0" cy="1440160"/>
+                </a:xfrm>
+                <a:prstGeom prst="line">
+                  <a:avLst/>
+                </a:prstGeom>
+              </p:spPr>
+              <p:style>
+                <a:lnRef idx="1">
+                  <a:schemeClr val="accent1"/>
+                </a:lnRef>
+                <a:fillRef idx="0">
+                  <a:schemeClr val="accent1"/>
+                </a:fillRef>
+                <a:effectRef idx="0">
+                  <a:schemeClr val="accent1"/>
+                </a:effectRef>
+                <a:fontRef idx="minor">
+                  <a:schemeClr val="tx1"/>
+                </a:fontRef>
+              </p:style>
+            </p:cxnSp>
+            <p:cxnSp>
+              <p:nvCxnSpPr>
+                <p:cNvPr id="9" name="直接连接符 8"/>
+                <p:cNvCxnSpPr/>
+                <p:nvPr/>
+              </p:nvCxnSpPr>
+              <p:spPr>
+                <a:xfrm flipV="1">
+                  <a:off x="4355976" y="3212976"/>
+                  <a:ext cx="1008112" cy="1008112"/>
+                </a:xfrm>
+                <a:prstGeom prst="line">
+                  <a:avLst/>
+                </a:prstGeom>
+              </p:spPr>
+              <p:style>
+                <a:lnRef idx="1">
+                  <a:schemeClr val="accent1"/>
+                </a:lnRef>
+                <a:fillRef idx="0">
+                  <a:schemeClr val="accent1"/>
+                </a:fillRef>
+                <a:effectRef idx="0">
+                  <a:schemeClr val="accent1"/>
+                </a:effectRef>
+                <a:fontRef idx="minor">
+                  <a:schemeClr val="tx1"/>
+                </a:fontRef>
+              </p:style>
+            </p:cxnSp>
+            <p:cxnSp>
+              <p:nvCxnSpPr>
+                <p:cNvPr id="13" name="直接连接符 12"/>
+                <p:cNvCxnSpPr/>
+                <p:nvPr/>
+              </p:nvCxnSpPr>
+              <p:spPr>
+                <a:xfrm>
+                  <a:off x="4355976" y="3212976"/>
+                  <a:ext cx="1008112" cy="1008112"/>
+                </a:xfrm>
+                <a:prstGeom prst="line">
+                  <a:avLst/>
+                </a:prstGeom>
+              </p:spPr>
+              <p:style>
+                <a:lnRef idx="1">
+                  <a:schemeClr val="accent1"/>
+                </a:lnRef>
+                <a:fillRef idx="0">
+                  <a:schemeClr val="accent1"/>
+                </a:fillRef>
+                <a:effectRef idx="0">
+                  <a:schemeClr val="accent1"/>
+                </a:effectRef>
+                <a:fontRef idx="minor">
+                  <a:schemeClr val="tx1"/>
+                </a:fontRef>
+              </p:style>
+            </p:cxnSp>
+            <p:cxnSp>
+              <p:nvCxnSpPr>
+                <p:cNvPr id="19" name="直接箭头连接符 18"/>
+                <p:cNvCxnSpPr/>
+                <p:nvPr/>
+              </p:nvCxnSpPr>
+              <p:spPr>
+                <a:xfrm flipV="1">
+                  <a:off x="5148064" y="3356992"/>
+                  <a:ext cx="288032" cy="141170"/>
+                </a:xfrm>
+                <a:prstGeom prst="straightConnector1">
+                  <a:avLst/>
+                </a:prstGeom>
+                <a:ln>
+                  <a:tailEnd type="arrow"/>
+                </a:ln>
+              </p:spPr>
+              <p:style>
+                <a:lnRef idx="1">
+                  <a:schemeClr val="accent1"/>
+                </a:lnRef>
+                <a:fillRef idx="0">
+                  <a:schemeClr val="accent1"/>
+                </a:fillRef>
+                <a:effectRef idx="0">
+                  <a:schemeClr val="accent1"/>
+                </a:effectRef>
+                <a:fontRef idx="minor">
+                  <a:schemeClr val="tx1"/>
+                </a:fontRef>
+              </p:style>
+            </p:cxnSp>
+          </p:grpSp>
+          <p:cxnSp>
+            <p:nvCxnSpPr>
+              <p:cNvPr id="21" name="直接箭头连接符 20"/>
+              <p:cNvCxnSpPr/>
+              <p:nvPr/>
+            </p:nvCxnSpPr>
+            <p:spPr>
+              <a:xfrm>
+                <a:off x="5220072" y="3645024"/>
+                <a:ext cx="288032" cy="0"/>
+              </a:xfrm>
+              <a:prstGeom prst="straightConnector1">
+                <a:avLst/>
+              </a:prstGeom>
+              <a:ln>
+                <a:tailEnd type="arrow"/>
+              </a:ln>
+            </p:spPr>
+            <p:style>
+              <a:lnRef idx="1">
+                <a:schemeClr val="accent1"/>
+              </a:lnRef>
+              <a:fillRef idx="0">
+                <a:schemeClr val="accent1"/>
+              </a:fillRef>
+              <a:effectRef idx="0">
+                <a:schemeClr val="accent1"/>
+              </a:effectRef>
+              <a:fontRef idx="minor">
+                <a:schemeClr val="tx1"/>
+              </a:fontRef>
+            </p:style>
+          </p:cxnSp>
+        </p:grpSp>
+        <p:grpSp>
+          <p:nvGrpSpPr>
+            <p:cNvPr id="29" name="组合 28"/>
+            <p:cNvGrpSpPr/>
+            <p:nvPr/>
+          </p:nvGrpSpPr>
+          <p:grpSpPr>
+            <a:xfrm>
+              <a:off x="4899571" y="2831725"/>
+              <a:ext cx="517704" cy="141170"/>
+              <a:chOff x="6228184" y="3212976"/>
+              <a:chExt cx="517704" cy="141170"/>
+            </a:xfrm>
+          </p:grpSpPr>
+          <p:cxnSp>
+            <p:nvCxnSpPr>
+              <p:cNvPr id="23" name="直接箭头连接符 22"/>
+              <p:cNvCxnSpPr/>
+              <p:nvPr/>
+            </p:nvCxnSpPr>
+            <p:spPr>
+              <a:xfrm flipV="1">
+                <a:off x="6228184" y="3212976"/>
+                <a:ext cx="288032" cy="141170"/>
+              </a:xfrm>
+              <a:prstGeom prst="straightConnector1">
+                <a:avLst/>
+              </a:prstGeom>
+              <a:ln>
+                <a:tailEnd type="arrow"/>
+              </a:ln>
+            </p:spPr>
+            <p:style>
+              <a:lnRef idx="1">
+                <a:schemeClr val="accent1"/>
+              </a:lnRef>
+              <a:fillRef idx="0">
+                <a:schemeClr val="accent1"/>
+              </a:fillRef>
+              <a:effectRef idx="0">
+                <a:schemeClr val="accent1"/>
+              </a:effectRef>
+              <a:fontRef idx="minor">
+                <a:schemeClr val="tx1"/>
+              </a:fontRef>
+            </p:style>
+          </p:cxnSp>
+          <p:grpSp>
+            <p:nvGrpSpPr>
+              <p:cNvPr id="26" name="组合 25"/>
+              <p:cNvGrpSpPr/>
+              <p:nvPr/>
+            </p:nvGrpSpPr>
+            <p:grpSpPr>
+              <a:xfrm>
+                <a:off x="6228184" y="3226624"/>
+                <a:ext cx="517704" cy="127522"/>
+                <a:chOff x="6228184" y="3226624"/>
+                <a:chExt cx="517704" cy="127522"/>
+              </a:xfrm>
+            </p:grpSpPr>
+            <p:cxnSp>
+              <p:nvCxnSpPr>
+                <p:cNvPr id="24" name="直接箭头连接符 23"/>
+                <p:cNvCxnSpPr/>
+                <p:nvPr/>
+              </p:nvCxnSpPr>
+              <p:spPr>
+                <a:xfrm>
+                  <a:off x="6457856" y="3226624"/>
+                  <a:ext cx="288032" cy="0"/>
+                </a:xfrm>
+                <a:prstGeom prst="straightConnector1">
+                  <a:avLst/>
+                </a:prstGeom>
+                <a:ln>
+                  <a:tailEnd type="arrow"/>
+                </a:ln>
+              </p:spPr>
+              <p:style>
+                <a:lnRef idx="1">
+                  <a:schemeClr val="accent1"/>
+                </a:lnRef>
+                <a:fillRef idx="0">
+                  <a:schemeClr val="accent1"/>
+                </a:fillRef>
+                <a:effectRef idx="0">
+                  <a:schemeClr val="accent1"/>
+                </a:effectRef>
+                <a:fontRef idx="minor">
+                  <a:schemeClr val="tx1"/>
+                </a:fontRef>
+              </p:style>
+            </p:cxnSp>
+            <p:cxnSp>
+              <p:nvCxnSpPr>
+                <p:cNvPr id="25" name="直接箭头连接符 24"/>
+                <p:cNvCxnSpPr/>
+                <p:nvPr/>
+              </p:nvCxnSpPr>
+              <p:spPr>
+                <a:xfrm flipV="1">
+                  <a:off x="6228184" y="3226624"/>
+                  <a:ext cx="517704" cy="127522"/>
+                </a:xfrm>
+                <a:prstGeom prst="straightConnector1">
+                  <a:avLst/>
+                </a:prstGeom>
+                <a:ln>
+                  <a:solidFill>
+                    <a:srgbClr val="FF0000"/>
+                  </a:solidFill>
+                  <a:tailEnd type="arrow"/>
+                </a:ln>
+              </p:spPr>
+              <p:style>
+                <a:lnRef idx="1">
+                  <a:schemeClr val="accent1"/>
+                </a:lnRef>
+                <a:fillRef idx="0">
+                  <a:schemeClr val="accent1"/>
+                </a:fillRef>
+                <a:effectRef idx="0">
+                  <a:schemeClr val="accent1"/>
+                </a:effectRef>
+                <a:fontRef idx="minor">
+                  <a:schemeClr val="tx1"/>
+                </a:fontRef>
+              </p:style>
+            </p:cxnSp>
+          </p:grpSp>
+        </p:grpSp>
+        <p:sp>
+          <p:nvSpPr>
+            <p:cNvPr id="30" name="TextBox 29"/>
+            <p:cNvSpPr txBox="1"/>
+            <p:nvPr/>
+          </p:nvSpPr>
+          <p:spPr>
+            <a:xfrm>
+              <a:off x="3776623" y="4342470"/>
+              <a:ext cx="1008112" cy="307777"/>
+            </a:xfrm>
+            <a:prstGeom prst="rect">
+              <a:avLst/>
+            </a:prstGeom>
+            <a:noFill/>
+          </p:spPr>
+          <p:txBody>
+            <a:bodyPr wrap="square" rtlCol="0">
+              <a:spAutoFit/>
+            </a:bodyPr>
+            <a:lstStyle/>
+            <a:p>
+              <a:r>
+                <a:rPr lang="en-US" altLang="zh-CN" sz="1400" dirty="0" smtClean="0">
+                  <a:latin typeface="+mn-ea"/>
+                </a:rPr>
+                <a:t>8</a:t>
+              </a:r>
+              <a:r>
+                <a:rPr lang="zh-CN" altLang="en-US" sz="1400" dirty="0" smtClean="0"/>
+                <a:t>个方向</a:t>
+              </a:r>
+              <a:endParaRPr lang="zh-CN" altLang="en-US" sz="1400" dirty="0"/>
+            </a:p>
+          </p:txBody>
+        </p:sp>
+        <p:sp>
+          <p:nvSpPr>
+            <p:cNvPr id="31" name="TextBox 30"/>
+            <p:cNvSpPr txBox="1"/>
+            <p:nvPr/>
+          </p:nvSpPr>
+          <p:spPr>
+            <a:xfrm>
+              <a:off x="6156176" y="3501008"/>
+              <a:ext cx="1440160" cy="307777"/>
+            </a:xfrm>
+            <a:prstGeom prst="rect">
+              <a:avLst/>
+            </a:prstGeom>
+            <a:noFill/>
+          </p:spPr>
+          <p:txBody>
+            <a:bodyPr wrap="square" rtlCol="0">
+              <a:spAutoFit/>
+            </a:bodyPr>
+            <a:lstStyle/>
+            <a:p>
+              <a:r>
+                <a:rPr lang="en-US" altLang="zh-CN" sz="1400" dirty="0" smtClean="0">
+                  <a:latin typeface="+mn-ea"/>
+                </a:rPr>
+                <a:t>1</a:t>
+              </a:r>
+              <a:r>
+                <a:rPr lang="zh-CN" altLang="en-US" sz="1400" dirty="0" smtClean="0">
+                  <a:latin typeface="+mn-ea"/>
+                </a:rPr>
+                <a:t>个速度（求和）</a:t>
+              </a:r>
+              <a:endParaRPr lang="zh-CN" altLang="en-US" sz="1400" dirty="0">
+                <a:latin typeface="+mn-ea"/>
+              </a:endParaRPr>
+            </a:p>
+          </p:txBody>
+        </p:sp>
+        <p:sp>
+          <p:nvSpPr>
+            <p:cNvPr id="34" name="右箭头 33"/>
+            <p:cNvSpPr/>
+            <p:nvPr/>
+          </p:nvSpPr>
+          <p:spPr>
+            <a:xfrm>
+              <a:off x="1835696" y="3527749"/>
+              <a:ext cx="1440160" cy="189283"/>
+            </a:xfrm>
+            <a:prstGeom prst="rightArrow">
+              <a:avLst/>
+            </a:prstGeom>
+            <a:noFill/>
+            <a:ln w="12700">
+              <a:solidFill>
+                <a:srgbClr val="00B050"/>
+              </a:solidFill>
+            </a:ln>
+          </p:spPr>
+          <p:style>
+            <a:lnRef idx="2">
+              <a:schemeClr val="accent1">
+                <a:shade val="50000"/>
+              </a:schemeClr>
+            </a:lnRef>
+            <a:fillRef idx="1">
+              <a:schemeClr val="accent1"/>
+            </a:fillRef>
+            <a:effectRef idx="0">
+              <a:schemeClr val="accent1"/>
+            </a:effectRef>
+            <a:fontRef idx="minor">
+              <a:schemeClr val="lt1"/>
+            </a:fontRef>
+          </p:style>
+          <p:txBody>
+            <a:bodyPr rtlCol="0" anchor="ctr"/>
+            <a:lstStyle/>
+            <a:p>
+              <a:pPr algn="ctr"/>
+              <a:endParaRPr lang="zh-CN" altLang="en-US"/>
+            </a:p>
+          </p:txBody>
+        </p:sp>
+        <p:sp>
+          <p:nvSpPr>
+            <p:cNvPr id="35" name="加号 34"/>
+            <p:cNvSpPr/>
+            <p:nvPr/>
+          </p:nvSpPr>
+          <p:spPr>
+            <a:xfrm>
+              <a:off x="5436096" y="3403520"/>
+              <a:ext cx="447580" cy="514302"/>
+            </a:xfrm>
+            <a:prstGeom prst="mathPlus">
+              <a:avLst/>
+            </a:prstGeom>
+            <a:noFill/>
+            <a:ln w="12700">
+              <a:solidFill>
+                <a:srgbClr val="00B050"/>
+              </a:solidFill>
+            </a:ln>
+          </p:spPr>
+          <p:style>
+            <a:lnRef idx="2">
+              <a:schemeClr val="accent1">
+                <a:shade val="50000"/>
+              </a:schemeClr>
+            </a:lnRef>
+            <a:fillRef idx="1">
+              <a:schemeClr val="accent1"/>
+            </a:fillRef>
+            <a:effectRef idx="0">
+              <a:schemeClr val="accent1"/>
+            </a:effectRef>
+            <a:fontRef idx="minor">
+              <a:schemeClr val="lt1"/>
+            </a:fontRef>
+          </p:style>
+          <p:txBody>
+            <a:bodyPr rtlCol="0" anchor="ctr"/>
+            <a:lstStyle/>
+            <a:p>
+              <a:pPr algn="ctr"/>
+              <a:endParaRPr lang="zh-CN" altLang="en-US"/>
+            </a:p>
+          </p:txBody>
+        </p:sp>
+        <p:sp>
+          <p:nvSpPr>
+            <p:cNvPr id="36" name="TextBox 35"/>
+            <p:cNvSpPr txBox="1"/>
+            <p:nvPr/>
+          </p:nvSpPr>
+          <p:spPr>
+            <a:xfrm>
+              <a:off x="1907704" y="3193231"/>
+              <a:ext cx="1173719" cy="307777"/>
+            </a:xfrm>
+            <a:prstGeom prst="rect">
+              <a:avLst/>
+            </a:prstGeom>
+            <a:noFill/>
+          </p:spPr>
+          <p:txBody>
+            <a:bodyPr wrap="none" rtlCol="0">
+              <a:spAutoFit/>
+            </a:bodyPr>
+            <a:lstStyle/>
+            <a:p>
+              <a:r>
+                <a:rPr lang="en-US" altLang="zh-CN" sz="1400" dirty="0" smtClean="0">
+                  <a:latin typeface="+mn-ea"/>
+                </a:rPr>
+                <a:t>9</a:t>
+              </a:r>
+              <a:r>
+                <a:rPr lang="zh-CN" altLang="en-US" sz="1400" dirty="0" smtClean="0">
+                  <a:latin typeface="+mn-ea"/>
+                </a:rPr>
+                <a:t>维光流特征</a:t>
+              </a:r>
+              <a:endParaRPr lang="zh-CN" altLang="en-US" sz="1400" dirty="0">
+                <a:latin typeface="+mn-ea"/>
+              </a:endParaRPr>
+            </a:p>
+          </p:txBody>
+        </p:sp>
+        <p:sp>
+          <p:nvSpPr>
+            <p:cNvPr id="37" name="直角上箭头 36"/>
+            <p:cNvSpPr/>
+            <p:nvPr/>
+          </p:nvSpPr>
+          <p:spPr>
+            <a:xfrm>
+              <a:off x="4795827" y="3052061"/>
+              <a:ext cx="440840" cy="295058"/>
+            </a:xfrm>
+            <a:prstGeom prst="bentUpArrow">
+              <a:avLst/>
+            </a:prstGeom>
+            <a:noFill/>
+            <a:ln w="12700">
+              <a:solidFill>
+                <a:srgbClr val="00B050"/>
+              </a:solidFill>
+            </a:ln>
+          </p:spPr>
+          <p:style>
+            <a:lnRef idx="2">
+              <a:schemeClr val="accent1">
+                <a:shade val="50000"/>
+              </a:schemeClr>
+            </a:lnRef>
+            <a:fillRef idx="1">
+              <a:schemeClr val="accent1"/>
+            </a:fillRef>
+            <a:effectRef idx="0">
+              <a:schemeClr val="accent1"/>
+            </a:effectRef>
+            <a:fontRef idx="minor">
+              <a:schemeClr val="lt1"/>
+            </a:fontRef>
+          </p:style>
+          <p:txBody>
+            <a:bodyPr rtlCol="0" anchor="ctr"/>
+            <a:lstStyle/>
+            <a:p>
+              <a:pPr algn="ctr"/>
+              <a:endParaRPr lang="zh-CN" altLang="en-US"/>
+            </a:p>
+          </p:txBody>
+        </p:sp>
+      </p:grpSp>
     </p:spTree>
     <p:extLst>
       <p:ext uri="{BB962C8B-B14F-4D97-AF65-F5344CB8AC3E}">
@@ -5863,174 +10968,351 @@
           </a:p>
         </p:txBody>
       </p:sp>
-      <p:sp>
-        <p:nvSpPr>
-          <p:cNvPr id="6" name="内容占位符 5"/>
-          <p:cNvSpPr>
-            <a:spLocks noGrp="1"/>
-          </p:cNvSpPr>
-          <p:nvPr>
-            <p:ph idx="1"/>
-          </p:nvPr>
-        </p:nvSpPr>
-        <p:spPr/>
-        <p:txBody>
-          <a:bodyPr/>
-          <a:lstStyle/>
-          <a:p>
-            <a:pPr marL="0" indent="0">
-              <a:buNone/>
-            </a:pPr>
-            <a:r>
-              <a:rPr lang="en-US" altLang="zh-CN" sz="2400" dirty="0" smtClean="0">
-                <a:latin typeface="Times New Roman" pitchFamily="18" charset="0"/>
-                <a:cs typeface="Times New Roman" pitchFamily="18" charset="0"/>
-              </a:rPr>
-              <a:t>MPPCA(Mixture Probabilistic Principal Component Analysis)</a:t>
-            </a:r>
-          </a:p>
-          <a:p>
-            <a:pPr marL="0" indent="0" algn="ctr">
-              <a:buNone/>
-            </a:pPr>
-            <a:r>
-              <a:rPr lang="en-US" altLang="zh-CN" sz="2400" dirty="0" smtClean="0">
-                <a:latin typeface="Times New Roman" pitchFamily="18" charset="0"/>
-                <a:cs typeface="Times New Roman" pitchFamily="18" charset="0"/>
-              </a:rPr>
-              <a:t>PCA</a:t>
-            </a:r>
-          </a:p>
-          <a:p>
-            <a:pPr marL="0" indent="0">
-              <a:buNone/>
-            </a:pPr>
-            <a:endParaRPr lang="en-US" altLang="zh-CN" sz="2400" dirty="0">
-              <a:latin typeface="Times New Roman" pitchFamily="18" charset="0"/>
-              <a:cs typeface="Times New Roman" pitchFamily="18" charset="0"/>
-            </a:endParaRPr>
-          </a:p>
-          <a:p>
-            <a:pPr marL="0" indent="0">
-              <a:buNone/>
-            </a:pPr>
-            <a:endParaRPr lang="en-US" altLang="zh-CN" sz="2400" dirty="0" smtClean="0">
-              <a:latin typeface="Times New Roman" pitchFamily="18" charset="0"/>
-              <a:cs typeface="Times New Roman" pitchFamily="18" charset="0"/>
-            </a:endParaRPr>
-          </a:p>
-          <a:p>
-            <a:pPr marL="0" indent="0">
-              <a:buNone/>
-            </a:pPr>
-            <a:endParaRPr lang="en-US" altLang="zh-CN" sz="2400" dirty="0">
-              <a:latin typeface="Times New Roman" pitchFamily="18" charset="0"/>
-              <a:cs typeface="Times New Roman" pitchFamily="18" charset="0"/>
-            </a:endParaRPr>
-          </a:p>
-          <a:p>
-            <a:pPr marL="0" indent="0">
-              <a:buNone/>
-            </a:pPr>
-            <a:endParaRPr lang="en-US" altLang="zh-CN" sz="2400" dirty="0" smtClean="0">
-              <a:latin typeface="Times New Roman" pitchFamily="18" charset="0"/>
-              <a:cs typeface="Times New Roman" pitchFamily="18" charset="0"/>
-            </a:endParaRPr>
-          </a:p>
-          <a:p>
-            <a:pPr marL="0" indent="0">
-              <a:buNone/>
-            </a:pPr>
-            <a:endParaRPr lang="en-US" altLang="zh-CN" sz="2400" dirty="0">
-              <a:latin typeface="Times New Roman" pitchFamily="18" charset="0"/>
-              <a:cs typeface="Times New Roman" pitchFamily="18" charset="0"/>
-            </a:endParaRPr>
-          </a:p>
-          <a:p>
-            <a:pPr marL="0" indent="0">
-              <a:buNone/>
-            </a:pPr>
-            <a:endParaRPr lang="en-US" altLang="zh-CN" sz="2400" dirty="0" smtClean="0"/>
-          </a:p>
-          <a:p>
-            <a:pPr marL="0" indent="0">
-              <a:buNone/>
-            </a:pPr>
-            <a:r>
-              <a:rPr lang="en-US" altLang="zh-CN" sz="2400" dirty="0" smtClean="0"/>
-              <a:t>PPCA</a:t>
-            </a:r>
-            <a:r>
-              <a:rPr lang="zh-CN" altLang="zh-CN" sz="2400" dirty="0" smtClean="0"/>
-              <a:t>是</a:t>
-            </a:r>
-            <a:r>
-              <a:rPr lang="zh-CN" altLang="zh-CN" sz="2400" dirty="0"/>
-              <a:t>将</a:t>
-            </a:r>
-            <a:r>
-              <a:rPr lang="en-US" altLang="zh-CN" sz="2400" dirty="0"/>
-              <a:t>PCA</a:t>
-            </a:r>
-            <a:r>
-              <a:rPr lang="zh-CN" altLang="zh-CN" sz="2400" dirty="0"/>
-              <a:t>用概率的方式表示</a:t>
-            </a:r>
-            <a:r>
-              <a:rPr lang="zh-CN" altLang="zh-CN" sz="2400" dirty="0" smtClean="0"/>
-              <a:t>。混合</a:t>
-            </a:r>
-            <a:r>
-              <a:rPr lang="zh-CN" altLang="zh-CN" sz="2400" dirty="0"/>
-              <a:t>多组</a:t>
-            </a:r>
-            <a:r>
-              <a:rPr lang="en-US" altLang="zh-CN" sz="2400" dirty="0"/>
-              <a:t>PPCA</a:t>
-            </a:r>
-            <a:r>
-              <a:rPr lang="zh-CN" altLang="zh-CN" sz="2400" dirty="0"/>
-              <a:t>来表示更复杂的情况，即</a:t>
-            </a:r>
-            <a:r>
-              <a:rPr lang="en-US" altLang="zh-CN" sz="2400" dirty="0" smtClean="0"/>
-              <a:t>MPPCA</a:t>
-            </a:r>
-            <a:r>
-              <a:rPr lang="zh-CN" altLang="zh-CN" sz="2400" dirty="0" smtClean="0"/>
-              <a:t>。</a:t>
-            </a:r>
-            <a:endParaRPr lang="zh-CN" altLang="zh-CN" sz="2400" dirty="0"/>
-          </a:p>
-          <a:p>
-            <a:pPr marL="0" indent="0">
-              <a:buNone/>
-            </a:pPr>
-            <a:endParaRPr lang="en-US" altLang="zh-CN" sz="2400" dirty="0" smtClean="0">
-              <a:latin typeface="Times New Roman" pitchFamily="18" charset="0"/>
-              <a:cs typeface="Times New Roman" pitchFamily="18" charset="0"/>
-            </a:endParaRPr>
-          </a:p>
-          <a:p>
-            <a:pPr marL="0" indent="0">
-              <a:buNone/>
-            </a:pPr>
-            <a:endParaRPr lang="en-US" altLang="zh-CN" sz="2400" dirty="0">
-              <a:latin typeface="Times New Roman" pitchFamily="18" charset="0"/>
-              <a:cs typeface="Times New Roman" pitchFamily="18" charset="0"/>
-            </a:endParaRPr>
-          </a:p>
-          <a:p>
-            <a:pPr marL="0" indent="0">
-              <a:buNone/>
-            </a:pPr>
-            <a:endParaRPr lang="zh-CN" altLang="en-US" sz="2400" dirty="0">
-              <a:latin typeface="Times New Roman" pitchFamily="18" charset="0"/>
-              <a:cs typeface="Times New Roman" pitchFamily="18" charset="0"/>
-            </a:endParaRPr>
-          </a:p>
-        </p:txBody>
-      </p:sp>
+      <mc:AlternateContent xmlns:mc="http://schemas.openxmlformats.org/markup-compatibility/2006">
+        <mc:Choice xmlns:a14="http://schemas.microsoft.com/office/drawing/2010/main" Requires="a14">
+          <p:sp>
+            <p:nvSpPr>
+              <p:cNvPr id="6" name="内容占位符 5"/>
+              <p:cNvSpPr>
+                <a:spLocks noGrp="1"/>
+              </p:cNvSpPr>
+              <p:nvPr>
+                <p:ph idx="1"/>
+              </p:nvPr>
+            </p:nvSpPr>
+            <p:spPr/>
+            <p:txBody>
+              <a:bodyPr/>
+              <a:lstStyle/>
+              <a:p>
+                <a:pPr marL="0" indent="0">
+                  <a:buNone/>
+                </a:pPr>
+                <a:r>
+                  <a:rPr lang="en-US" altLang="zh-CN" sz="2400" dirty="0" smtClean="0">
+                    <a:latin typeface="Times New Roman" pitchFamily="18" charset="0"/>
+                    <a:cs typeface="Times New Roman" pitchFamily="18" charset="0"/>
+                  </a:rPr>
+                  <a:t>MPPCA(Mixture Probabilistic Principal Component Analysis)</a:t>
+                </a:r>
+              </a:p>
+              <a:p>
+                <a:pPr marL="0" indent="0">
+                  <a:buNone/>
+                </a:pPr>
+                <a:endParaRPr lang="en-US" altLang="zh-CN" sz="2400" dirty="0">
+                  <a:latin typeface="Times New Roman" pitchFamily="18" charset="0"/>
+                  <a:cs typeface="Times New Roman" pitchFamily="18" charset="0"/>
+                </a:endParaRPr>
+              </a:p>
+              <a:p>
+                <a:pPr marL="0" indent="0">
+                  <a:buNone/>
+                </a:pPr>
+                <a:endParaRPr lang="en-US" altLang="zh-CN" sz="2400" dirty="0" smtClean="0">
+                  <a:latin typeface="Times New Roman" pitchFamily="18" charset="0"/>
+                  <a:cs typeface="Times New Roman" pitchFamily="18" charset="0"/>
+                </a:endParaRPr>
+              </a:p>
+              <a:p>
+                <a:pPr marL="0" indent="0">
+                  <a:buNone/>
+                </a:pPr>
+                <a:endParaRPr lang="en-US" altLang="zh-CN" sz="2400" dirty="0">
+                  <a:latin typeface="Times New Roman" pitchFamily="18" charset="0"/>
+                  <a:cs typeface="Times New Roman" pitchFamily="18" charset="0"/>
+                </a:endParaRPr>
+              </a:p>
+              <a:p>
+                <a:pPr marL="0" indent="0">
+                  <a:buNone/>
+                </a:pPr>
+                <a:endParaRPr lang="en-US" altLang="zh-CN" sz="2400" dirty="0" smtClean="0">
+                  <a:latin typeface="Times New Roman" pitchFamily="18" charset="0"/>
+                  <a:cs typeface="Times New Roman" pitchFamily="18" charset="0"/>
+                </a:endParaRPr>
+              </a:p>
+              <a:p>
+                <a:pPr marL="0" indent="0">
+                  <a:buNone/>
+                </a:pPr>
+                <a:endParaRPr lang="en-US" altLang="zh-CN" sz="2400" dirty="0">
+                  <a:latin typeface="Times New Roman" pitchFamily="18" charset="0"/>
+                  <a:cs typeface="Times New Roman" pitchFamily="18" charset="0"/>
+                </a:endParaRPr>
+              </a:p>
+              <a:p>
+                <a:pPr marL="0" indent="0">
+                  <a:buNone/>
+                </a:pPr>
+                <a:endParaRPr lang="en-US" altLang="zh-CN" sz="2400" dirty="0" smtClean="0"/>
+              </a:p>
+              <a:p>
+                <a:pPr marL="0" indent="0">
+                  <a:buNone/>
+                </a:pPr>
+                <a:r>
+                  <a:rPr lang="en-US" altLang="zh-CN" sz="2400" dirty="0" smtClean="0"/>
+                  <a:t>PPCA</a:t>
+                </a:r>
+                <a:r>
+                  <a:rPr lang="zh-CN" altLang="zh-CN" sz="2400" dirty="0" smtClean="0"/>
+                  <a:t>是</a:t>
+                </a:r>
+                <a:r>
+                  <a:rPr lang="zh-CN" altLang="zh-CN" sz="2400" dirty="0"/>
+                  <a:t>将</a:t>
+                </a:r>
+                <a:r>
+                  <a:rPr lang="en-US" altLang="zh-CN" sz="2400" dirty="0"/>
+                  <a:t>PCA</a:t>
+                </a:r>
+                <a:r>
+                  <a:rPr lang="zh-CN" altLang="zh-CN" sz="2400" dirty="0"/>
+                  <a:t>用概率的方式表示</a:t>
+                </a:r>
+                <a:r>
+                  <a:rPr lang="zh-CN" altLang="zh-CN" sz="2400" dirty="0" smtClean="0"/>
+                  <a:t>。混合</a:t>
+                </a:r>
+                <a:r>
+                  <a:rPr lang="zh-CN" altLang="zh-CN" sz="2400" dirty="0"/>
+                  <a:t>多组</a:t>
+                </a:r>
+                <a:r>
+                  <a:rPr lang="en-US" altLang="zh-CN" sz="2400" dirty="0"/>
+                  <a:t>PPCA</a:t>
+                </a:r>
+                <a:r>
+                  <a:rPr lang="zh-CN" altLang="zh-CN" sz="2400" dirty="0"/>
+                  <a:t>来表示更复杂的情况，即</a:t>
+                </a:r>
+                <a:r>
+                  <a:rPr lang="en-US" altLang="zh-CN" sz="2400" dirty="0" smtClean="0"/>
+                  <a:t>MPPCA</a:t>
+                </a:r>
+                <a:r>
+                  <a:rPr lang="zh-CN" altLang="zh-CN" sz="2400" dirty="0" smtClean="0"/>
+                  <a:t>。</a:t>
+                </a:r>
+                <a:endParaRPr lang="en-US" altLang="zh-CN" sz="2400" dirty="0" smtClean="0"/>
+              </a:p>
+              <a:p>
+                <a:pPr marL="0" indent="0">
+                  <a:buNone/>
+                </a:pPr>
+                <a14:m>
+                  <m:oMathPara xmlns:m="http://schemas.openxmlformats.org/officeDocument/2006/math">
+                    <m:oMathParaPr>
+                      <m:jc m:val="centerGroup"/>
+                    </m:oMathParaPr>
+                    <m:oMath xmlns:m="http://schemas.openxmlformats.org/officeDocument/2006/math">
+                      <m:r>
+                        <a:rPr lang="en-US" altLang="zh-CN" sz="2400" i="1"/>
+                        <m:t>𝑝</m:t>
+                      </m:r>
+                      <m:d>
+                        <m:dPr>
+                          <m:ctrlPr>
+                            <a:rPr lang="zh-CN" altLang="zh-CN" sz="2400" i="1"/>
+                          </m:ctrlPr>
+                        </m:dPr>
+                        <m:e>
+                          <m:r>
+                            <a:rPr lang="en-US" altLang="zh-CN" sz="2400" i="1"/>
+                            <m:t>𝑡</m:t>
+                          </m:r>
+                        </m:e>
+                      </m:d>
+                      <m:r>
+                        <a:rPr lang="en-US" altLang="zh-CN" sz="2400"/>
+                        <m:t>=</m:t>
+                      </m:r>
+                      <m:nary>
+                        <m:naryPr>
+                          <m:chr m:val="∑"/>
+                          <m:limLoc m:val="undOvr"/>
+                          <m:supHide m:val="on"/>
+                          <m:ctrlPr>
+                            <a:rPr lang="zh-CN" altLang="zh-CN" sz="2400" i="1"/>
+                          </m:ctrlPr>
+                        </m:naryPr>
+                        <m:sub>
+                          <m:r>
+                            <a:rPr lang="en-US" altLang="zh-CN" sz="2400" i="1"/>
+                            <m:t>𝑖</m:t>
+                          </m:r>
+                        </m:sub>
+                        <m:sup/>
+                        <m:e>
+                          <m:sSub>
+                            <m:sSubPr>
+                              <m:ctrlPr>
+                                <a:rPr lang="zh-CN" altLang="zh-CN" sz="2400" i="1"/>
+                              </m:ctrlPr>
+                            </m:sSubPr>
+                            <m:e>
+                              <m:r>
+                                <a:rPr lang="en-US" altLang="zh-CN" sz="2400" i="1"/>
+                                <m:t>𝜋</m:t>
+                              </m:r>
+                            </m:e>
+                            <m:sub>
+                              <m:r>
+                                <a:rPr lang="en-US" altLang="zh-CN" sz="2400" i="1"/>
+                                <m:t>𝑖</m:t>
+                              </m:r>
+                            </m:sub>
+                          </m:sSub>
+                          <m:sSub>
+                            <m:sSubPr>
+                              <m:ctrlPr>
+                                <a:rPr lang="zh-CN" altLang="zh-CN" sz="2400" i="1"/>
+                              </m:ctrlPr>
+                            </m:sSubPr>
+                            <m:e>
+                              <m:r>
+                                <a:rPr lang="en-US" altLang="zh-CN" sz="2400" i="1"/>
+                                <m:t>𝑝</m:t>
+                              </m:r>
+                            </m:e>
+                            <m:sub>
+                              <m:r>
+                                <a:rPr lang="en-US" altLang="zh-CN" sz="2400" i="1"/>
+                                <m:t>𝑖</m:t>
+                              </m:r>
+                            </m:sub>
+                          </m:sSub>
+                          <m:d>
+                            <m:dPr>
+                              <m:ctrlPr>
+                                <a:rPr lang="zh-CN" altLang="zh-CN" sz="2400" i="1"/>
+                              </m:ctrlPr>
+                            </m:dPr>
+                            <m:e>
+                              <m:r>
+                                <a:rPr lang="en-US" altLang="zh-CN" sz="2400" i="1"/>
+                                <m:t>𝑡</m:t>
+                              </m:r>
+                              <m:r>
+                                <a:rPr lang="en-US" altLang="zh-CN" sz="2400"/>
+                                <m:t>|</m:t>
+                              </m:r>
+                              <m:sSub>
+                                <m:sSubPr>
+                                  <m:ctrlPr>
+                                    <a:rPr lang="zh-CN" altLang="zh-CN" sz="2400" i="1"/>
+                                  </m:ctrlPr>
+                                </m:sSubPr>
+                                <m:e>
+                                  <m:r>
+                                    <a:rPr lang="en-US" altLang="zh-CN" sz="2400" i="1"/>
+                                    <m:t>𝐶</m:t>
+                                  </m:r>
+                                </m:e>
+                                <m:sub>
+                                  <m:r>
+                                    <a:rPr lang="en-US" altLang="zh-CN" sz="2400" i="1"/>
+                                    <m:t>𝑖</m:t>
+                                  </m:r>
+                                </m:sub>
+                              </m:sSub>
+                              <m:r>
+                                <a:rPr lang="en-US" altLang="zh-CN" sz="2400"/>
+                                <m:t>,</m:t>
+                              </m:r>
+                              <m:sSub>
+                                <m:sSubPr>
+                                  <m:ctrlPr>
+                                    <a:rPr lang="zh-CN" altLang="zh-CN" sz="2400" i="1"/>
+                                  </m:ctrlPr>
+                                </m:sSubPr>
+                                <m:e>
+                                  <m:r>
+                                    <a:rPr lang="en-US" altLang="zh-CN" sz="2400" i="1"/>
+                                    <m:t>𝜇</m:t>
+                                  </m:r>
+                                </m:e>
+                                <m:sub>
+                                  <m:r>
+                                    <a:rPr lang="en-US" altLang="zh-CN" sz="2400" i="1"/>
+                                    <m:t>𝑖</m:t>
+                                  </m:r>
+                                </m:sub>
+                              </m:sSub>
+                            </m:e>
+                          </m:d>
+                        </m:e>
+                      </m:nary>
+                    </m:oMath>
+                  </m:oMathPara>
+                </a14:m>
+                <a:endParaRPr lang="zh-CN" altLang="zh-CN" sz="2400" dirty="0"/>
+              </a:p>
+              <a:p>
+                <a:pPr marL="0" indent="0">
+                  <a:buNone/>
+                </a:pPr>
+                <a:endParaRPr lang="en-US" altLang="zh-CN" sz="2400" dirty="0" smtClean="0">
+                  <a:latin typeface="Times New Roman" pitchFamily="18" charset="0"/>
+                  <a:cs typeface="Times New Roman" pitchFamily="18" charset="0"/>
+                </a:endParaRPr>
+              </a:p>
+              <a:p>
+                <a:pPr marL="0" indent="0">
+                  <a:buNone/>
+                </a:pPr>
+                <a:endParaRPr lang="en-US" altLang="zh-CN" sz="2400" dirty="0">
+                  <a:latin typeface="Times New Roman" pitchFamily="18" charset="0"/>
+                  <a:cs typeface="Times New Roman" pitchFamily="18" charset="0"/>
+                </a:endParaRPr>
+              </a:p>
+              <a:p>
+                <a:pPr marL="0" indent="0">
+                  <a:buNone/>
+                </a:pPr>
+                <a:endParaRPr lang="zh-CN" altLang="en-US" sz="2400" dirty="0">
+                  <a:latin typeface="Times New Roman" pitchFamily="18" charset="0"/>
+                  <a:cs typeface="Times New Roman" pitchFamily="18" charset="0"/>
+                </a:endParaRPr>
+              </a:p>
+            </p:txBody>
+          </p:sp>
+        </mc:Choice>
+        <mc:Fallback>
+          <p:sp>
+            <p:nvSpPr>
+              <p:cNvPr id="6" name="内容占位符 5"/>
+              <p:cNvSpPr>
+                <a:spLocks noGrp="1" noRot="1" noChangeAspect="1" noMove="1" noResize="1" noEditPoints="1" noAdjustHandles="1" noChangeArrowheads="1" noChangeShapeType="1" noTextEdit="1"/>
+              </p:cNvSpPr>
+              <p:nvPr>
+                <p:ph idx="1"/>
+              </p:nvPr>
+            </p:nvSpPr>
+            <p:spPr>
+              <a:blipFill rotWithShape="1">
+                <a:blip r:embed="rId3"/>
+                <a:stretch>
+                  <a:fillRect l="-1111" t="-1078" b="-4717"/>
+                </a:stretch>
+              </a:blipFill>
+            </p:spPr>
+            <p:txBody>
+              <a:bodyPr/>
+              <a:lstStyle/>
+              <a:p>
+                <a:r>
+                  <a:rPr lang="zh-CN" altLang="en-US">
+                    <a:noFill/>
+                  </a:rPr>
+                  <a:t> </a:t>
+                </a:r>
+              </a:p>
+            </p:txBody>
+          </p:sp>
+        </mc:Fallback>
+      </mc:AlternateContent>
       <p:pic>
         <p:nvPicPr>
           <p:cNvPr id="7" name="图片 6" descr="C:\Users\Administrator\Desktop\recent\pca.png"/>
@@ -6038,7 +11320,7 @@
           <p:nvPr/>
         </p:nvPicPr>
         <p:blipFill>
-          <a:blip r:embed="rId3">
+          <a:blip r:embed="rId4">
             <a:extLst>
               <a:ext uri="{28A0092B-C50C-407E-A947-70E740481C1C}">
                 <a14:useLocalDpi xmlns:a14="http://schemas.microsoft.com/office/drawing/2010/main" val="0"/>
@@ -6052,7 +11334,7 @@
         </p:blipFill>
         <p:spPr bwMode="auto">
           <a:xfrm>
-            <a:off x="3424237" y="2496294"/>
+            <a:off x="3068563" y="2064246"/>
             <a:ext cx="2295525" cy="2228850"/>
           </a:xfrm>
           <a:prstGeom prst="rect">
@@ -6064,6 +11346,35 @@
           </a:ln>
         </p:spPr>
       </p:pic>
+      <p:sp>
+        <p:nvSpPr>
+          <p:cNvPr id="3" name="TextBox 2"/>
+          <p:cNvSpPr txBox="1"/>
+          <p:nvPr/>
+        </p:nvSpPr>
+        <p:spPr>
+          <a:xfrm>
+            <a:off x="4012231" y="4139788"/>
+            <a:ext cx="559769" cy="369332"/>
+          </a:xfrm>
+          <a:prstGeom prst="rect">
+            <a:avLst/>
+          </a:prstGeom>
+          <a:noFill/>
+        </p:spPr>
+        <p:txBody>
+          <a:bodyPr wrap="none" rtlCol="0">
+            <a:spAutoFit/>
+          </a:bodyPr>
+          <a:lstStyle/>
+          <a:p>
+            <a:r>
+              <a:rPr lang="en-US" altLang="zh-CN" dirty="0" smtClean="0"/>
+              <a:t>PCA</a:t>
+            </a:r>
+          </a:p>
+        </p:txBody>
+      </p:sp>
     </p:spTree>
     <p:extLst>
       <p:ext uri="{BB962C8B-B14F-4D97-AF65-F5344CB8AC3E}">
@@ -6124,300 +11435,97 @@
           </a:p>
         </p:txBody>
       </p:sp>
-      <mc:AlternateContent xmlns:mc="http://schemas.openxmlformats.org/markup-compatibility/2006">
-        <mc:Choice xmlns:a14="http://schemas.microsoft.com/office/drawing/2010/main" Requires="a14">
-          <p:sp>
-            <p:nvSpPr>
-              <p:cNvPr id="3" name="内容占位符 2"/>
-              <p:cNvSpPr>
-                <a:spLocks noGrp="1"/>
-              </p:cNvSpPr>
-              <p:nvPr>
-                <p:ph idx="1"/>
-              </p:nvPr>
-            </p:nvSpPr>
-            <p:spPr/>
-            <p:txBody>
-              <a:bodyPr/>
-              <a:lstStyle/>
-              <a:p>
-                <a:pPr marL="0" indent="0">
-                  <a:buNone/>
-                </a:pPr>
-                <a:r>
-                  <a:rPr lang="en-US" altLang="zh-CN" dirty="0" smtClean="0"/>
-                  <a:t>GMM</a:t>
-                </a:r>
-                <a:r>
-                  <a:rPr lang="zh-CN" altLang="en-US" dirty="0" smtClean="0"/>
-                  <a:t>背景建模</a:t>
-                </a:r>
-                <a:r>
-                  <a:rPr lang="en-US" altLang="zh-CN" dirty="0" smtClean="0"/>
-                  <a:t>——</a:t>
-                </a:r>
-                <a:r>
-                  <a:rPr lang="zh-CN" altLang="en-US" dirty="0" smtClean="0"/>
-                  <a:t>检测运动</a:t>
-                </a:r>
-                <a:r>
-                  <a:rPr lang="zh-CN" altLang="en-US" dirty="0" smtClean="0"/>
-                  <a:t>区域</a:t>
-                </a:r>
-                <a:endParaRPr lang="en-US" altLang="zh-CN" dirty="0" smtClean="0"/>
-              </a:p>
-              <a:p>
-                <a:pPr marL="0" indent="0">
-                  <a:buNone/>
-                </a:pPr>
-                <a:endParaRPr lang="en-US" altLang="zh-CN" dirty="0"/>
-              </a:p>
-              <a:p>
-                <a:pPr marL="0" indent="0">
-                  <a:buNone/>
-                </a:pPr>
-                <a14:m>
-                  <m:oMathPara xmlns:m="http://schemas.openxmlformats.org/officeDocument/2006/math">
-                    <m:oMathParaPr>
-                      <m:jc m:val="centerGroup"/>
-                    </m:oMathParaPr>
-                    <m:oMath xmlns:m="http://schemas.openxmlformats.org/officeDocument/2006/math">
-                      <m:acc>
-                        <m:accPr>
-                          <m:chr m:val="̂"/>
-                          <m:ctrlPr>
-                            <a:rPr lang="zh-CN" altLang="zh-CN" i="1">
-                              <a:latin typeface="Cambria Math"/>
-                            </a:rPr>
-                          </m:ctrlPr>
-                        </m:accPr>
-                        <m:e>
-                          <m:r>
-                            <a:rPr lang="en-US" altLang="zh-CN" i="1">
-                              <a:latin typeface="Cambria Math"/>
-                            </a:rPr>
-                            <m:t>𝑝</m:t>
-                          </m:r>
-                        </m:e>
-                      </m:acc>
-                      <m:d>
-                        <m:dPr>
-                          <m:ctrlPr>
-                            <a:rPr lang="zh-CN" altLang="zh-CN" i="1">
-                              <a:latin typeface="Cambria Math"/>
-                            </a:rPr>
-                          </m:ctrlPr>
-                        </m:dPr>
-                        <m:e>
-                          <m:sSub>
-                            <m:sSubPr>
-                              <m:ctrlPr>
-                                <a:rPr lang="zh-CN" altLang="zh-CN" i="1">
-                                  <a:latin typeface="Cambria Math"/>
-                                </a:rPr>
-                              </m:ctrlPr>
-                            </m:sSubPr>
-                            <m:e>
-                              <m:r>
-                                <a:rPr lang="en-US" altLang="zh-CN" i="1">
-                                  <a:latin typeface="Cambria Math"/>
-                                </a:rPr>
-                                <m:t>𝑥</m:t>
-                              </m:r>
-                            </m:e>
-                            <m:sub>
-                              <m:r>
-                                <a:rPr lang="en-US" altLang="zh-CN" i="1">
-                                  <a:latin typeface="Cambria Math"/>
-                                </a:rPr>
-                                <m:t>𝑁</m:t>
-                              </m:r>
-                            </m:sub>
-                          </m:sSub>
-                        </m:e>
-                      </m:d>
-                      <m:r>
-                        <a:rPr lang="en-US" altLang="zh-CN">
-                          <a:latin typeface="Cambria Math"/>
-                        </a:rPr>
-                        <m:t>=</m:t>
-                      </m:r>
-                      <m:nary>
-                        <m:naryPr>
-                          <m:chr m:val="∑"/>
-                          <m:limLoc m:val="undOvr"/>
-                          <m:ctrlPr>
-                            <a:rPr lang="zh-CN" altLang="zh-CN" i="1">
-                              <a:latin typeface="Cambria Math"/>
-                            </a:rPr>
-                          </m:ctrlPr>
-                        </m:naryPr>
-                        <m:sub>
-                          <m:r>
-                            <a:rPr lang="en-US" altLang="zh-CN" i="1">
-                              <a:latin typeface="Cambria Math"/>
-                            </a:rPr>
-                            <m:t>𝑗</m:t>
-                          </m:r>
-                          <m:r>
-                            <a:rPr lang="en-US" altLang="zh-CN">
-                              <a:latin typeface="Cambria Math"/>
-                            </a:rPr>
-                            <m:t>=1</m:t>
-                          </m:r>
-                        </m:sub>
-                        <m:sup>
-                          <m:r>
-                            <a:rPr lang="en-US" altLang="zh-CN" i="1">
-                              <a:latin typeface="Cambria Math"/>
-                            </a:rPr>
-                            <m:t>𝐾</m:t>
-                          </m:r>
-                        </m:sup>
-                        <m:e>
-                          <m:sSub>
-                            <m:sSubPr>
-                              <m:ctrlPr>
-                                <a:rPr lang="zh-CN" altLang="zh-CN" i="1">
-                                  <a:latin typeface="Cambria Math"/>
-                                </a:rPr>
-                              </m:ctrlPr>
-                            </m:sSubPr>
-                            <m:e>
-                              <m:r>
-                                <a:rPr lang="en-US" altLang="zh-CN" i="1">
-                                  <a:latin typeface="Cambria Math"/>
-                                </a:rPr>
-                                <m:t>𝑤</m:t>
-                              </m:r>
-                            </m:e>
-                            <m:sub>
-                              <m:r>
-                                <a:rPr lang="en-US" altLang="zh-CN" i="1">
-                                  <a:latin typeface="Cambria Math"/>
-                                </a:rPr>
-                                <m:t>𝑗</m:t>
-                              </m:r>
-                            </m:sub>
-                          </m:sSub>
-                          <m:r>
-                            <a:rPr lang="en-US" altLang="zh-CN" i="1">
-                              <a:latin typeface="Cambria Math"/>
-                            </a:rPr>
-                            <m:t>𝜂</m:t>
-                          </m:r>
-                          <m:r>
-                            <a:rPr lang="en-US" altLang="zh-CN">
-                              <a:latin typeface="Cambria Math"/>
-                            </a:rPr>
-                            <m:t>(</m:t>
-                          </m:r>
-                          <m:sSub>
-                            <m:sSubPr>
-                              <m:ctrlPr>
-                                <a:rPr lang="zh-CN" altLang="zh-CN" i="1">
-                                  <a:latin typeface="Cambria Math"/>
-                                </a:rPr>
-                              </m:ctrlPr>
-                            </m:sSubPr>
-                            <m:e>
-                              <m:r>
-                                <a:rPr lang="en-US" altLang="zh-CN" i="1">
-                                  <a:latin typeface="Cambria Math"/>
-                                </a:rPr>
-                                <m:t>𝑥</m:t>
-                              </m:r>
-                            </m:e>
-                            <m:sub>
-                              <m:r>
-                                <a:rPr lang="en-US" altLang="zh-CN" i="1">
-                                  <a:latin typeface="Cambria Math"/>
-                                </a:rPr>
-                                <m:t>𝑁</m:t>
-                              </m:r>
-                            </m:sub>
-                          </m:sSub>
-                          <m:r>
-                            <a:rPr lang="en-US" altLang="zh-CN">
-                              <a:latin typeface="Cambria Math"/>
-                            </a:rPr>
-                            <m:t>;</m:t>
-                          </m:r>
-                          <m:sSub>
-                            <m:sSubPr>
-                              <m:ctrlPr>
-                                <a:rPr lang="zh-CN" altLang="zh-CN" i="1">
-                                  <a:latin typeface="Cambria Math"/>
-                                </a:rPr>
-                              </m:ctrlPr>
-                            </m:sSubPr>
-                            <m:e>
-                              <m:r>
-                                <a:rPr lang="en-US" altLang="zh-CN" i="1">
-                                  <a:latin typeface="Cambria Math"/>
-                                </a:rPr>
-                                <m:t>𝜃</m:t>
-                              </m:r>
-                            </m:e>
-                            <m:sub>
-                              <m:r>
-                                <a:rPr lang="en-US" altLang="zh-CN" i="1">
-                                  <a:latin typeface="Cambria Math"/>
-                                </a:rPr>
-                                <m:t>𝑗</m:t>
-                              </m:r>
-                            </m:sub>
-                          </m:sSub>
-                          <m:r>
-                            <a:rPr lang="en-US" altLang="zh-CN">
-                              <a:latin typeface="Cambria Math"/>
-                            </a:rPr>
-                            <m:t>)</m:t>
-                          </m:r>
-                        </m:e>
-                      </m:nary>
-                    </m:oMath>
-                  </m:oMathPara>
-                </a14:m>
-                <a:endParaRPr lang="zh-CN" altLang="en-US" dirty="0"/>
-              </a:p>
-            </p:txBody>
-          </p:sp>
-        </mc:Choice>
-        <mc:Fallback>
-          <p:sp>
-            <p:nvSpPr>
-              <p:cNvPr id="3" name="内容占位符 2"/>
-              <p:cNvSpPr>
-                <a:spLocks noGrp="1" noRot="1" noChangeAspect="1" noMove="1" noResize="1" noEditPoints="1" noAdjustHandles="1" noChangeArrowheads="1" noChangeShapeType="1" noTextEdit="1"/>
-              </p:cNvSpPr>
-              <p:nvPr>
-                <p:ph idx="1"/>
-              </p:nvPr>
-            </p:nvSpPr>
-            <p:spPr>
-              <a:blipFill rotWithShape="1">
-                <a:blip r:embed="rId2"/>
-                <a:stretch>
-                  <a:fillRect l="-1852" t="-2426"/>
-                </a:stretch>
-              </a:blipFill>
-            </p:spPr>
-            <p:txBody>
-              <a:bodyPr/>
-              <a:lstStyle/>
-              <a:p>
-                <a:r>
-                  <a:rPr lang="zh-CN" altLang="en-US">
-                    <a:noFill/>
-                  </a:rPr>
-                  <a:t> </a:t>
-                </a:r>
-              </a:p>
-            </p:txBody>
-          </p:sp>
-        </mc:Fallback>
-      </mc:AlternateContent>
+      <p:sp>
+        <p:nvSpPr>
+          <p:cNvPr id="3" name="内容占位符 2"/>
+          <p:cNvSpPr>
+            <a:spLocks noGrp="1"/>
+          </p:cNvSpPr>
+          <p:nvPr>
+            <p:ph idx="1"/>
+          </p:nvPr>
+        </p:nvSpPr>
+        <p:spPr/>
+        <p:txBody>
+          <a:bodyPr/>
+          <a:lstStyle/>
+          <a:p>
+            <a:pPr marL="0" indent="0">
+              <a:buNone/>
+            </a:pPr>
+            <a:r>
+              <a:rPr lang="en-US" altLang="zh-CN" dirty="0" smtClean="0"/>
+              <a:t>GMM</a:t>
+            </a:r>
+            <a:r>
+              <a:rPr lang="zh-CN" altLang="en-US" dirty="0" smtClean="0"/>
+              <a:t>背景建模</a:t>
+            </a:r>
+            <a:r>
+              <a:rPr lang="en-US" altLang="zh-CN" dirty="0" smtClean="0"/>
+              <a:t>——</a:t>
+            </a:r>
+            <a:r>
+              <a:rPr lang="zh-CN" altLang="en-US" dirty="0" smtClean="0"/>
+              <a:t>检测运动区域</a:t>
+            </a:r>
+            <a:endParaRPr lang="en-US" altLang="zh-CN" dirty="0" smtClean="0"/>
+          </a:p>
+          <a:p>
+            <a:pPr marL="0" indent="0">
+              <a:buNone/>
+            </a:pPr>
+            <a:endParaRPr lang="en-US" altLang="zh-CN" dirty="0"/>
+          </a:p>
+          <a:p>
+            <a:pPr marL="0" indent="0">
+              <a:buNone/>
+            </a:pPr>
+            <a:endParaRPr lang="zh-CN" altLang="en-US" dirty="0"/>
+          </a:p>
+        </p:txBody>
+      </p:sp>
+      <p:pic>
+        <p:nvPicPr>
+          <p:cNvPr id="2050" name="Picture 2" descr="C:\Users\tong\Desktop\gmm1.png"/>
+          <p:cNvPicPr>
+            <a:picLocks noChangeAspect="1" noChangeArrowheads="1"/>
+          </p:cNvPicPr>
+          <p:nvPr/>
+        </p:nvPicPr>
+        <p:blipFill>
+          <a:blip r:embed="rId3">
+            <a:extLst>
+              <a:ext uri="{28A0092B-C50C-407E-A947-70E740481C1C}">
+                <a14:useLocalDpi xmlns:a14="http://schemas.microsoft.com/office/drawing/2010/main" val="0"/>
+              </a:ext>
+            </a:extLst>
+          </a:blip>
+          <a:srcRect/>
+          <a:stretch>
+            <a:fillRect/>
+          </a:stretch>
+        </p:blipFill>
+        <p:spPr bwMode="auto">
+          <a:xfrm>
+            <a:off x="2051720" y="2996952"/>
+            <a:ext cx="4438650" cy="1657350"/>
+          </a:xfrm>
+          <a:prstGeom prst="rect">
+            <a:avLst/>
+          </a:prstGeom>
+          <a:noFill/>
+          <a:extLst>
+            <a:ext uri="{909E8E84-426E-40DD-AFC4-6F175D3DCCD1}">
+              <a14:hiddenFill xmlns:a14="http://schemas.microsoft.com/office/drawing/2010/main">
+                <a:solidFill>
+                  <a:srgbClr val="FFFFFF"/>
+                </a:solidFill>
+              </a14:hiddenFill>
+            </a:ext>
+          </a:extLst>
+        </p:spPr>
+      </p:pic>
     </p:spTree>
     <p:extLst>
       <p:ext uri="{BB962C8B-B14F-4D97-AF65-F5344CB8AC3E}">
@@ -6472,7 +11580,7 @@
           <a:p>
             <a:r>
               <a:rPr lang="zh-CN" altLang="en-US" dirty="0" smtClean="0"/>
-              <a:t>目前已完成的研究工作</a:t>
+              <a:t>研究工作进度</a:t>
             </a:r>
             <a:endParaRPr lang="zh-CN" altLang="en-US" dirty="0"/>
           </a:p>
@@ -6496,31 +11604,7 @@
             <a:pPr marL="0" indent="0">
               <a:buNone/>
             </a:pPr>
-            <a:r>
-              <a:rPr lang="zh-CN" altLang="en-US" dirty="0"/>
-              <a:t>光</a:t>
-            </a:r>
-            <a:r>
-              <a:rPr lang="zh-CN" altLang="en-US" dirty="0" smtClean="0"/>
-              <a:t>流特征提取</a:t>
-            </a:r>
             <a:endParaRPr lang="en-US" altLang="zh-CN" dirty="0" smtClean="0"/>
-          </a:p>
-          <a:p>
-            <a:pPr marL="0" indent="0">
-              <a:buNone/>
-            </a:pPr>
-            <a:endParaRPr lang="en-US" altLang="zh-CN" dirty="0"/>
-          </a:p>
-          <a:p>
-            <a:pPr marL="0" indent="0">
-              <a:buNone/>
-            </a:pPr>
-            <a:r>
-              <a:rPr lang="zh-CN" altLang="en-US" dirty="0" smtClean="0"/>
-              <a:t>高斯混合模型的运动区域检测</a:t>
-            </a:r>
-            <a:endParaRPr lang="en-US" altLang="zh-CN" dirty="0"/>
           </a:p>
           <a:p>
             <a:pPr marL="0" indent="0">
@@ -6538,16 +11622,32 @@
             <a:pPr marL="0" indent="0">
               <a:buNone/>
             </a:pPr>
-            <a:endParaRPr lang="en-US" altLang="zh-CN" dirty="0" smtClean="0"/>
-          </a:p>
-          <a:p>
-            <a:pPr marL="0" indent="0">
-              <a:buNone/>
-            </a:pPr>
             <a:endParaRPr lang="zh-CN" altLang="en-US" dirty="0"/>
           </a:p>
         </p:txBody>
       </p:sp>
+      <p:graphicFrame>
+        <p:nvGraphicFramePr>
+          <p:cNvPr id="4" name="图示 3"/>
+          <p:cNvGraphicFramePr/>
+          <p:nvPr>
+            <p:extLst>
+              <p:ext uri="{D42A27DB-BD31-4B8C-83A1-F6EECF244321}">
+                <p14:modId xmlns:p14="http://schemas.microsoft.com/office/powerpoint/2010/main" val="1976329774"/>
+              </p:ext>
+            </p:extLst>
+          </p:nvPr>
+        </p:nvGraphicFramePr>
+        <p:xfrm>
+          <a:off x="1259632" y="1556792"/>
+          <a:ext cx="6096000" cy="4064000"/>
+        </p:xfrm>
+        <a:graphic>
+          <a:graphicData uri="http://schemas.openxmlformats.org/drawingml/2006/diagram">
+            <dgm:relIds xmlns:dgm="http://schemas.openxmlformats.org/drawingml/2006/diagram" xmlns:r="http://schemas.openxmlformats.org/officeDocument/2006/relationships" r:dm="rId2" r:lo="rId3" r:qs="rId4" r:cs="rId5"/>
+          </a:graphicData>
+        </a:graphic>
+      </p:graphicFrame>
     </p:spTree>
     <p:extLst>
       <p:ext uri="{BB962C8B-B14F-4D97-AF65-F5344CB8AC3E}">
@@ -6610,7 +11710,7 @@
           <a:p>
             <a:r>
               <a:rPr lang="zh-CN" altLang="en-US" dirty="0" smtClean="0"/>
-              <a:t>后期拟完成的研究工作</a:t>
+              <a:t>后期的进度安排</a:t>
             </a:r>
             <a:endParaRPr lang="zh-CN" altLang="en-US" dirty="0"/>
           </a:p>
@@ -6631,61 +11731,81 @@
           <a:bodyPr/>
           <a:lstStyle/>
           <a:p>
-            <a:pPr marL="0" indent="0">
-              <a:buNone/>
-            </a:pPr>
-            <a:r>
-              <a:rPr lang="zh-CN" altLang="en-US" sz="2400" dirty="0" smtClean="0"/>
-              <a:t>时空</a:t>
-            </a:r>
-            <a:r>
-              <a:rPr lang="en-US" altLang="zh-CN" sz="2400" dirty="0" smtClean="0"/>
+            <a:r>
+              <a:rPr lang="en-US" altLang="zh-CN" dirty="0"/>
+              <a:t>4</a:t>
+            </a:r>
+            <a:r>
+              <a:rPr lang="zh-CN" altLang="zh-CN" dirty="0"/>
+              <a:t>月</a:t>
+            </a:r>
+            <a:r>
+              <a:rPr lang="en-US" altLang="zh-CN" dirty="0"/>
+              <a:t>-5</a:t>
+            </a:r>
+            <a:r>
+              <a:rPr lang="zh-CN" altLang="zh-CN" dirty="0"/>
+              <a:t>月 实现整个时空</a:t>
+            </a:r>
+            <a:r>
+              <a:rPr lang="en-US" altLang="zh-CN" dirty="0"/>
               <a:t>MRF</a:t>
             </a:r>
             <a:r>
-              <a:rPr lang="zh-CN" altLang="en-US" sz="2400" dirty="0" smtClean="0"/>
-              <a:t>模型的算法实现</a:t>
-            </a:r>
-            <a:endParaRPr lang="en-US" altLang="zh-CN" sz="2400" dirty="0" smtClean="0"/>
-          </a:p>
-          <a:p>
-            <a:pPr marL="0" indent="0">
-              <a:buNone/>
-            </a:pPr>
-            <a:endParaRPr lang="en-US" altLang="zh-CN" sz="2400" dirty="0"/>
-          </a:p>
-          <a:p>
-            <a:pPr marL="0" indent="0">
-              <a:buNone/>
-            </a:pPr>
-            <a:r>
-              <a:rPr lang="zh-CN" altLang="en-US" sz="2400" dirty="0" smtClean="0"/>
-              <a:t>实验检测与评价</a:t>
-            </a:r>
-            <a:endParaRPr lang="en-US" altLang="zh-CN" sz="2400" dirty="0" smtClean="0"/>
-          </a:p>
-          <a:p>
-            <a:pPr marL="0" indent="0">
-              <a:buNone/>
-            </a:pPr>
-            <a:endParaRPr lang="en-US" altLang="zh-CN" sz="2400" dirty="0"/>
-          </a:p>
-          <a:p>
-            <a:pPr marL="0" indent="0">
-              <a:buNone/>
-            </a:pPr>
-            <a:r>
-              <a:rPr lang="zh-CN" altLang="en-US" sz="2400" dirty="0" smtClean="0"/>
-              <a:t>结合运动区域检测</a:t>
-            </a:r>
-            <a:endParaRPr lang="zh-CN" altLang="en-US" sz="2400" dirty="0"/>
+              <a:rPr lang="zh-CN" altLang="zh-CN" dirty="0"/>
+              <a:t>模型的算法。</a:t>
+            </a:r>
+          </a:p>
+          <a:p>
+            <a:r>
+              <a:rPr lang="en-US" altLang="zh-CN" dirty="0"/>
+              <a:t>6</a:t>
+            </a:r>
+            <a:r>
+              <a:rPr lang="zh-CN" altLang="zh-CN" dirty="0"/>
+              <a:t>月</a:t>
+            </a:r>
+            <a:r>
+              <a:rPr lang="en-US" altLang="zh-CN" dirty="0"/>
+              <a:t>-7</a:t>
+            </a:r>
+            <a:r>
+              <a:rPr lang="zh-CN" altLang="zh-CN" dirty="0"/>
+              <a:t>月 通过实验检验并评价模型并进行相应改进。</a:t>
+            </a:r>
+          </a:p>
+          <a:p>
+            <a:r>
+              <a:rPr lang="en-US" altLang="zh-CN" dirty="0"/>
+              <a:t>8</a:t>
+            </a:r>
+            <a:r>
+              <a:rPr lang="zh-CN" altLang="zh-CN" dirty="0"/>
+              <a:t>月</a:t>
+            </a:r>
+            <a:r>
+              <a:rPr lang="en-US" altLang="zh-CN" dirty="0"/>
+              <a:t>-9</a:t>
+            </a:r>
+            <a:r>
+              <a:rPr lang="zh-CN" altLang="zh-CN" dirty="0"/>
+              <a:t>月 撰写论文</a:t>
+            </a:r>
+            <a:r>
+              <a:rPr lang="zh-CN" altLang="zh-CN" dirty="0" smtClean="0"/>
+              <a:t>。</a:t>
+            </a:r>
+            <a:endParaRPr lang="en-US" altLang="zh-CN" dirty="0" smtClean="0"/>
+          </a:p>
+          <a:p>
+            <a:endParaRPr lang="zh-CN" altLang="zh-CN" dirty="0"/>
           </a:p>
         </p:txBody>
       </p:sp>
     </p:spTree>
     <p:extLst>
       <p:ext uri="{BB962C8B-B14F-4D97-AF65-F5344CB8AC3E}">
-        <p14:creationId xmlns:p14="http://schemas.microsoft.com/office/powerpoint/2010/main" val="1906871543"/>
+        <p14:creationId xmlns:p14="http://schemas.microsoft.com/office/powerpoint/2010/main" val="734481045"/>
       </p:ext>
     </p:extLst>
   </p:cSld>
@@ -6736,7 +11856,7 @@
           <a:p>
             <a:r>
               <a:rPr lang="zh-CN" altLang="en-US" dirty="0" smtClean="0"/>
-              <a:t>后期的进度安排</a:t>
+              <a:t>存在的困难与问题</a:t>
             </a:r>
             <a:endParaRPr lang="zh-CN" altLang="en-US" dirty="0"/>
           </a:p>
@@ -6757,21 +11877,25 @@
           <a:bodyPr/>
           <a:lstStyle/>
           <a:p>
+            <a:pPr lvl="0"/>
+            <a:r>
+              <a:rPr lang="zh-CN" altLang="zh-CN" dirty="0"/>
+              <a:t>目前实行</a:t>
+            </a:r>
             <a:r>
               <a:rPr lang="en-US" altLang="zh-CN" dirty="0"/>
-              <a:t>4</a:t>
+              <a:t>GMM</a:t>
             </a:r>
             <a:r>
               <a:rPr lang="zh-CN" altLang="zh-CN" dirty="0"/>
-              <a:t>月</a:t>
-            </a:r>
-            <a:r>
-              <a:rPr lang="en-US" altLang="zh-CN" dirty="0"/>
-              <a:t>-5</a:t>
-            </a:r>
+              <a:t>背景建模不能很好的处理阴影问题；</a:t>
+            </a:r>
+          </a:p>
+          <a:p>
+            <a:pPr lvl="0"/>
             <a:r>
               <a:rPr lang="zh-CN" altLang="zh-CN" dirty="0"/>
-              <a:t>月 实现整个时空</a:t>
+              <a:t>时空</a:t>
             </a:r>
             <a:r>
               <a:rPr lang="en-US" altLang="zh-CN" dirty="0"/>
@@ -6779,59 +11903,51 @@
             </a:r>
             <a:r>
               <a:rPr lang="zh-CN" altLang="zh-CN" dirty="0"/>
-              <a:t>模型的算法。</a:t>
-            </a:r>
-          </a:p>
-          <a:p>
+              <a:t>模型的算法实现将是实现的难点；</a:t>
+            </a:r>
+          </a:p>
+          <a:p>
+            <a:pPr lvl="0"/>
+            <a:r>
+              <a:rPr lang="zh-CN" altLang="zh-CN" dirty="0"/>
+              <a:t>模型的检测效果有待于实验的检验与评价；</a:t>
+            </a:r>
+          </a:p>
+          <a:p>
+            <a:pPr lvl="0"/>
+            <a:r>
+              <a:rPr lang="zh-CN" altLang="zh-CN" dirty="0"/>
+              <a:t>如何有效结合</a:t>
+            </a:r>
             <a:r>
               <a:rPr lang="en-US" altLang="zh-CN" dirty="0"/>
-              <a:t>6</a:t>
+              <a:t>GMM</a:t>
             </a:r>
             <a:r>
               <a:rPr lang="zh-CN" altLang="zh-CN" dirty="0"/>
-              <a:t>月</a:t>
+              <a:t>的运动区域检测与时空</a:t>
             </a:r>
             <a:r>
               <a:rPr lang="en-US" altLang="zh-CN" dirty="0"/>
-              <a:t>-7</a:t>
+              <a:t>MRF</a:t>
             </a:r>
             <a:r>
               <a:rPr lang="zh-CN" altLang="zh-CN" dirty="0"/>
-              <a:t>月 通过实验检验并评价模型并进行相应改进。</a:t>
-            </a:r>
-          </a:p>
-          <a:p>
-            <a:r>
-              <a:rPr lang="en-US" altLang="zh-CN" dirty="0"/>
-              <a:t>8</a:t>
-            </a:r>
-            <a:r>
-              <a:rPr lang="zh-CN" altLang="zh-CN" dirty="0"/>
-              <a:t>月</a:t>
-            </a:r>
-            <a:r>
-              <a:rPr lang="en-US" altLang="zh-CN" dirty="0"/>
-              <a:t>-9</a:t>
-            </a:r>
-            <a:r>
-              <a:rPr lang="zh-CN" altLang="zh-CN" dirty="0"/>
-              <a:t>月 撰写论文</a:t>
-            </a:r>
-            <a:r>
-              <a:rPr lang="zh-CN" altLang="zh-CN" dirty="0" smtClean="0"/>
-              <a:t>。</a:t>
-            </a:r>
-            <a:endParaRPr lang="en-US" altLang="zh-CN" dirty="0" smtClean="0"/>
-          </a:p>
-          <a:p>
-            <a:endParaRPr lang="zh-CN" altLang="zh-CN" dirty="0"/>
+              <a:t>上的异常检测。</a:t>
+            </a:r>
+          </a:p>
+          <a:p>
+            <a:pPr marL="0" indent="0">
+              <a:buNone/>
+            </a:pPr>
+            <a:endParaRPr lang="zh-CN" altLang="en-US" sz="2400" dirty="0"/>
           </a:p>
         </p:txBody>
       </p:sp>
     </p:spTree>
     <p:extLst>
       <p:ext uri="{BB962C8B-B14F-4D97-AF65-F5344CB8AC3E}">
-        <p14:creationId xmlns:p14="http://schemas.microsoft.com/office/powerpoint/2010/main" val="734481045"/>
+        <p14:creationId xmlns:p14="http://schemas.microsoft.com/office/powerpoint/2010/main" val="1172144806"/>
       </p:ext>
     </p:extLst>
   </p:cSld>

--- a/doc/论文中期报告-刘凤桐.pptx
+++ b/doc/论文中期报告-刘凤桐.pptx
@@ -917,43 +917,6 @@
         </a:p>
       </dgm:t>
     </dgm:pt>
-    <dgm:pt modelId="{A1CB53EA-8939-4926-9D62-00240BE5CC95}">
-      <dgm:prSet phldrT="[文本]" custT="1"/>
-      <dgm:spPr/>
-      <dgm:t>
-        <a:bodyPr/>
-        <a:lstStyle/>
-        <a:p>
-          <a:r>
-            <a:rPr lang="zh-CN" altLang="en-US" sz="1600" dirty="0" smtClean="0"/>
-            <a:t>光流特征提取</a:t>
-          </a:r>
-          <a:endParaRPr lang="zh-CN" altLang="en-US" sz="1600" dirty="0"/>
-        </a:p>
-      </dgm:t>
-    </dgm:pt>
-    <dgm:pt modelId="{8E7F84BD-593E-46B6-807F-0030EABAE1D0}" type="parTrans" cxnId="{1DAC074F-705B-4BA5-B112-79E6AE83BC0E}">
-      <dgm:prSet/>
-      <dgm:spPr/>
-      <dgm:t>
-        <a:bodyPr/>
-        <a:lstStyle/>
-        <a:p>
-          <a:endParaRPr lang="zh-CN" altLang="en-US"/>
-        </a:p>
-      </dgm:t>
-    </dgm:pt>
-    <dgm:pt modelId="{4BEF583E-62F9-4CF7-BA18-F91ECA899567}" type="sibTrans" cxnId="{1DAC074F-705B-4BA5-B112-79E6AE83BC0E}">
-      <dgm:prSet/>
-      <dgm:spPr/>
-      <dgm:t>
-        <a:bodyPr/>
-        <a:lstStyle/>
-        <a:p>
-          <a:endParaRPr lang="zh-CN" altLang="en-US"/>
-        </a:p>
-      </dgm:t>
-    </dgm:pt>
     <dgm:pt modelId="{DBE37EEE-11ED-4D5A-8840-6C7B2C3BDA31}">
       <dgm:prSet phldrT="[文本]" custT="1"/>
       <dgm:spPr/>
@@ -1158,6 +1121,10 @@
         <a:bodyPr/>
         <a:lstStyle/>
         <a:p>
+          <a:r>
+            <a:rPr lang="zh-CN" altLang="en-US" sz="1600" smtClean="0"/>
+            <a:t>光流特征提取</a:t>
+          </a:r>
           <a:endParaRPr lang="zh-CN" altLang="en-US" sz="1600" dirty="0"/>
         </a:p>
       </dgm:t>
@@ -1184,6 +1151,43 @@
         </a:p>
       </dgm:t>
     </dgm:pt>
+    <dgm:pt modelId="{9FC02E1C-5911-4A2C-92CC-831AF2C4B899}">
+      <dgm:prSet phldrT="[文本]" custT="1"/>
+      <dgm:spPr/>
+      <dgm:t>
+        <a:bodyPr/>
+        <a:lstStyle/>
+        <a:p>
+          <a:r>
+            <a:rPr lang="zh-CN" altLang="en-US" sz="1600" dirty="0" smtClean="0"/>
+            <a:t>文献查阅与方法研究</a:t>
+          </a:r>
+          <a:endParaRPr lang="zh-CN" altLang="en-US" sz="1600" dirty="0"/>
+        </a:p>
+      </dgm:t>
+    </dgm:pt>
+    <dgm:pt modelId="{5C8A6B40-AEE8-4ADB-85FB-EE7E9D37B3E8}" type="parTrans" cxnId="{77B2CC26-7C0B-4268-AF8C-F68D190D9A0F}">
+      <dgm:prSet/>
+      <dgm:spPr/>
+      <dgm:t>
+        <a:bodyPr/>
+        <a:lstStyle/>
+        <a:p>
+          <a:endParaRPr lang="zh-CN" altLang="en-US"/>
+        </a:p>
+      </dgm:t>
+    </dgm:pt>
+    <dgm:pt modelId="{78CA42F9-E8AA-4507-85B6-9D21A91CCE90}" type="sibTrans" cxnId="{77B2CC26-7C0B-4268-AF8C-F68D190D9A0F}">
+      <dgm:prSet/>
+      <dgm:spPr/>
+      <dgm:t>
+        <a:bodyPr/>
+        <a:lstStyle/>
+        <a:p>
+          <a:endParaRPr lang="zh-CN" altLang="en-US"/>
+        </a:p>
+      </dgm:t>
+    </dgm:pt>
     <dgm:pt modelId="{C0445EBE-94E1-43CC-B7F3-C887FDBA3918}" type="pres">
       <dgm:prSet presAssocID="{2B5E2123-8266-42FF-ADF7-0AC337EED2DE}" presName="Name0" presStyleCnt="0">
         <dgm:presLayoutVars>
@@ -1193,6 +1197,13 @@
         </dgm:presLayoutVars>
       </dgm:prSet>
       <dgm:spPr/>
+      <dgm:t>
+        <a:bodyPr/>
+        <a:lstStyle/>
+        <a:p>
+          <a:endParaRPr lang="zh-CN" altLang="en-US"/>
+        </a:p>
+      </dgm:t>
     </dgm:pt>
     <dgm:pt modelId="{1A4F4A87-B7D3-4652-A18E-4D4E68116E5C}" type="pres">
       <dgm:prSet presAssocID="{2B5E2123-8266-42FF-ADF7-0AC337EED2DE}" presName="tSp" presStyleCnt="0"/>
@@ -1252,6 +1263,13 @@
         </dgm:presLayoutVars>
       </dgm:prSet>
       <dgm:spPr/>
+      <dgm:t>
+        <a:bodyPr/>
+        <a:lstStyle/>
+        <a:p>
+          <a:endParaRPr lang="zh-CN" altLang="en-US"/>
+        </a:p>
+      </dgm:t>
     </dgm:pt>
     <dgm:pt modelId="{93223487-A3AC-4C54-A09A-33B19699E64C}" type="pres">
       <dgm:prSet presAssocID="{74535B47-1BDF-453A-B466-8D2F0D03DBE6}" presName="connSite1" presStyleCnt="0"/>
@@ -1260,6 +1278,13 @@
     <dgm:pt modelId="{4BC0AC16-11AC-4E50-A170-998960F91E0A}" type="pres">
       <dgm:prSet presAssocID="{CBDFC84D-3499-45A8-AE62-8FAFA37AF36F}" presName="Name9" presStyleLbl="sibTrans2D1" presStyleIdx="0" presStyleCnt="1"/>
       <dgm:spPr/>
+      <dgm:t>
+        <a:bodyPr/>
+        <a:lstStyle/>
+        <a:p>
+          <a:endParaRPr lang="zh-CN" altLang="en-US"/>
+        </a:p>
+      </dgm:t>
     </dgm:pt>
     <dgm:pt modelId="{B8B4E017-0E95-40F2-A7FB-DAE1D44328E7}" type="pres">
       <dgm:prSet presAssocID="{21902372-F2D7-4476-814B-3373C138E1D4}" presName="composite2" presStyleCnt="0"/>
@@ -1307,6 +1332,13 @@
         </dgm:presLayoutVars>
       </dgm:prSet>
       <dgm:spPr/>
+      <dgm:t>
+        <a:bodyPr/>
+        <a:lstStyle/>
+        <a:p>
+          <a:endParaRPr lang="zh-CN" altLang="en-US"/>
+        </a:p>
+      </dgm:t>
     </dgm:pt>
     <dgm:pt modelId="{09513CDF-A818-4D05-A5EC-11E0D8D646CC}" type="pres">
       <dgm:prSet presAssocID="{21902372-F2D7-4476-814B-3373C138E1D4}" presName="connSite2" presStyleCnt="0"/>
@@ -1314,30 +1346,30 @@
     </dgm:pt>
   </dgm:ptLst>
   <dgm:cxnLst>
+    <dgm:cxn modelId="{4612242C-3EF8-42B8-AA96-25FAA05155D5}" type="presOf" srcId="{CE3B1E24-3B9F-4933-97AA-A2E2159EA847}" destId="{F2174E32-BD26-40E0-A60A-1EDC5255E4A4}" srcOrd="1" destOrd="0" presId="urn:microsoft.com/office/officeart/2005/8/layout/hProcess4"/>
+    <dgm:cxn modelId="{DC1317E2-9123-4062-A04D-448B7BB424E3}" type="presOf" srcId="{F1D95D31-3D53-4A08-B480-A4B97B7D4235}" destId="{F2174E32-BD26-40E0-A60A-1EDC5255E4A4}" srcOrd="1" destOrd="2" presId="urn:microsoft.com/office/officeart/2005/8/layout/hProcess4"/>
     <dgm:cxn modelId="{AEA040ED-29EE-4999-838E-510E9F6B577F}" type="presOf" srcId="{CE3B1E24-3B9F-4933-97AA-A2E2159EA847}" destId="{DB5FA489-ADA4-47FA-8D3E-E2D003B9144B}" srcOrd="0" destOrd="0" presId="urn:microsoft.com/office/officeart/2005/8/layout/hProcess4"/>
+    <dgm:cxn modelId="{C9F0476A-8996-41CE-8093-BB0A90A187FC}" type="presOf" srcId="{44AC915E-680A-467D-B15B-B02F104C1067}" destId="{8EBE0E45-03F8-4E3C-A9FD-60DF883DE7A4}" srcOrd="0" destOrd="1" presId="urn:microsoft.com/office/officeart/2005/8/layout/hProcess4"/>
     <dgm:cxn modelId="{4EE44D01-7DB1-4FE7-85A0-55279F1BA127}" type="presOf" srcId="{DBE37EEE-11ED-4D5A-8840-6C7B2C3BDA31}" destId="{8EBE0E45-03F8-4E3C-A9FD-60DF883DE7A4}" srcOrd="0" destOrd="2" presId="urn:microsoft.com/office/officeart/2005/8/layout/hProcess4"/>
-    <dgm:cxn modelId="{C217DBD0-136C-41EB-9E21-57314C995393}" srcId="{74535B47-1BDF-453A-B466-8D2F0D03DBE6}" destId="{DBE37EEE-11ED-4D5A-8840-6C7B2C3BDA31}" srcOrd="2" destOrd="0" parTransId="{12EFECA8-C0D6-4C67-AFB5-FD77FC485D75}" sibTransId="{1DD583A2-3F0E-4965-ABEB-391F3FB39369}"/>
-    <dgm:cxn modelId="{DC5C8ACD-D345-40B4-A6B5-6C362A3E3E60}" srcId="{2B5E2123-8266-42FF-ADF7-0AC337EED2DE}" destId="{21902372-F2D7-4476-814B-3373C138E1D4}" srcOrd="1" destOrd="0" parTransId="{9BA98BC9-0D3E-4E63-B093-268CCB5C8255}" sibTransId="{5CC592AB-2881-46FA-A5B0-17E4923E0617}"/>
+    <dgm:cxn modelId="{EB2148DF-871F-45E9-B357-62751FC8BCE8}" type="presOf" srcId="{2B5E2123-8266-42FF-ADF7-0AC337EED2DE}" destId="{C0445EBE-94E1-43CC-B7F3-C887FDBA3918}" srcOrd="0" destOrd="0" presId="urn:microsoft.com/office/officeart/2005/8/layout/hProcess4"/>
+    <dgm:cxn modelId="{72428971-11C7-49A1-A7DF-27B862E30ADF}" type="presOf" srcId="{05851BC4-466C-4B03-99DF-57C034B54873}" destId="{DB5FA489-ADA4-47FA-8D3E-E2D003B9144B}" srcOrd="0" destOrd="1" presId="urn:microsoft.com/office/officeart/2005/8/layout/hProcess4"/>
+    <dgm:cxn modelId="{8E680533-0987-4271-9897-A1C8ACDD9702}" srcId="{21902372-F2D7-4476-814B-3373C138E1D4}" destId="{CE3B1E24-3B9F-4933-97AA-A2E2159EA847}" srcOrd="0" destOrd="0" parTransId="{36778EDA-7A08-4554-8906-359D6B9CE7BA}" sibTransId="{A1B78B97-1395-47CB-8DED-13CDAC7EC24C}"/>
+    <dgm:cxn modelId="{D6AF40F8-60FC-437B-BA43-4A7FE5EF1E55}" type="presOf" srcId="{05851BC4-466C-4B03-99DF-57C034B54873}" destId="{F2174E32-BD26-40E0-A60A-1EDC5255E4A4}" srcOrd="1" destOrd="1" presId="urn:microsoft.com/office/officeart/2005/8/layout/hProcess4"/>
+    <dgm:cxn modelId="{D17A27F2-1A2A-4C88-9E15-8718E25E4EEC}" type="presOf" srcId="{9FC02E1C-5911-4A2C-92CC-831AF2C4B899}" destId="{6E1ABBC1-4051-48EC-95E2-F571B7AF5E43}" srcOrd="1" destOrd="0" presId="urn:microsoft.com/office/officeart/2005/8/layout/hProcess4"/>
+    <dgm:cxn modelId="{C45BE452-9489-4375-8EB9-55640473F42A}" type="presOf" srcId="{21902372-F2D7-4476-814B-3373C138E1D4}" destId="{B2FFF303-4107-45E4-BC42-5D2498C954AB}" srcOrd="0" destOrd="0" presId="urn:microsoft.com/office/officeart/2005/8/layout/hProcess4"/>
+    <dgm:cxn modelId="{DEC7B7F9-B505-4C24-9980-98E0568DFC70}" srcId="{21902372-F2D7-4476-814B-3373C138E1D4}" destId="{F1D95D31-3D53-4A08-B480-A4B97B7D4235}" srcOrd="2" destOrd="0" parTransId="{ADD65DB9-A46A-4F66-8F33-652F9D778D9D}" sibTransId="{8F908112-DB55-48A7-8029-B79C03FF0C23}"/>
     <dgm:cxn modelId="{A2897289-D578-4BA0-A541-91EF185C0B2E}" type="presOf" srcId="{F1D95D31-3D53-4A08-B480-A4B97B7D4235}" destId="{DB5FA489-ADA4-47FA-8D3E-E2D003B9144B}" srcOrd="0" destOrd="2" presId="urn:microsoft.com/office/officeart/2005/8/layout/hProcess4"/>
-    <dgm:cxn modelId="{DEC7B7F9-B505-4C24-9980-98E0568DFC70}" srcId="{21902372-F2D7-4476-814B-3373C138E1D4}" destId="{F1D95D31-3D53-4A08-B480-A4B97B7D4235}" srcOrd="2" destOrd="0" parTransId="{ADD65DB9-A46A-4F66-8F33-652F9D778D9D}" sibTransId="{8F908112-DB55-48A7-8029-B79C03FF0C23}"/>
-    <dgm:cxn modelId="{EB2148DF-871F-45E9-B357-62751FC8BCE8}" type="presOf" srcId="{2B5E2123-8266-42FF-ADF7-0AC337EED2DE}" destId="{C0445EBE-94E1-43CC-B7F3-C887FDBA3918}" srcOrd="0" destOrd="0" presId="urn:microsoft.com/office/officeart/2005/8/layout/hProcess4"/>
-    <dgm:cxn modelId="{E3CBE067-7046-4795-B3DC-8B93E820EA61}" type="presOf" srcId="{CBDFC84D-3499-45A8-AE62-8FAFA37AF36F}" destId="{4BC0AC16-11AC-4E50-A170-998960F91E0A}" srcOrd="0" destOrd="0" presId="urn:microsoft.com/office/officeart/2005/8/layout/hProcess4"/>
-    <dgm:cxn modelId="{8E680533-0987-4271-9897-A1C8ACDD9702}" srcId="{21902372-F2D7-4476-814B-3373C138E1D4}" destId="{CE3B1E24-3B9F-4933-97AA-A2E2159EA847}" srcOrd="0" destOrd="0" parTransId="{36778EDA-7A08-4554-8906-359D6B9CE7BA}" sibTransId="{A1B78B97-1395-47CB-8DED-13CDAC7EC24C}"/>
-    <dgm:cxn modelId="{C45BE452-9489-4375-8EB9-55640473F42A}" type="presOf" srcId="{21902372-F2D7-4476-814B-3373C138E1D4}" destId="{B2FFF303-4107-45E4-BC42-5D2498C954AB}" srcOrd="0" destOrd="0" presId="urn:microsoft.com/office/officeart/2005/8/layout/hProcess4"/>
-    <dgm:cxn modelId="{1DAC074F-705B-4BA5-B112-79E6AE83BC0E}" srcId="{74535B47-1BDF-453A-B466-8D2F0D03DBE6}" destId="{A1CB53EA-8939-4926-9D62-00240BE5CC95}" srcOrd="0" destOrd="0" parTransId="{8E7F84BD-593E-46B6-807F-0030EABAE1D0}" sibTransId="{4BEF583E-62F9-4CF7-BA18-F91ECA899567}"/>
-    <dgm:cxn modelId="{A0871DED-E894-4B16-B503-BD48477BFAB9}" srcId="{74535B47-1BDF-453A-B466-8D2F0D03DBE6}" destId="{44AC915E-680A-467D-B15B-B02F104C1067}" srcOrd="1" destOrd="0" parTransId="{89399A13-B793-4FEB-B003-4DB2DC5A529B}" sibTransId="{FAC124CD-6336-4216-A265-6F8281C3FDEA}"/>
-    <dgm:cxn modelId="{4612242C-3EF8-42B8-AA96-25FAA05155D5}" type="presOf" srcId="{CE3B1E24-3B9F-4933-97AA-A2E2159EA847}" destId="{F2174E32-BD26-40E0-A60A-1EDC5255E4A4}" srcOrd="1" destOrd="0" presId="urn:microsoft.com/office/officeart/2005/8/layout/hProcess4"/>
-    <dgm:cxn modelId="{F4E7FF42-9607-48B7-97BC-6D63D5F3305F}" type="presOf" srcId="{74535B47-1BDF-453A-B466-8D2F0D03DBE6}" destId="{9F82B20C-2DC9-4371-A079-2ADB254AD91A}" srcOrd="0" destOrd="0" presId="urn:microsoft.com/office/officeart/2005/8/layout/hProcess4"/>
-    <dgm:cxn modelId="{D6AF40F8-60FC-437B-BA43-4A7FE5EF1E55}" type="presOf" srcId="{05851BC4-466C-4B03-99DF-57C034B54873}" destId="{F2174E32-BD26-40E0-A60A-1EDC5255E4A4}" srcOrd="1" destOrd="1" presId="urn:microsoft.com/office/officeart/2005/8/layout/hProcess4"/>
-    <dgm:cxn modelId="{72428971-11C7-49A1-A7DF-27B862E30ADF}" type="presOf" srcId="{05851BC4-466C-4B03-99DF-57C034B54873}" destId="{DB5FA489-ADA4-47FA-8D3E-E2D003B9144B}" srcOrd="0" destOrd="1" presId="urn:microsoft.com/office/officeart/2005/8/layout/hProcess4"/>
-    <dgm:cxn modelId="{DC1317E2-9123-4062-A04D-448B7BB424E3}" type="presOf" srcId="{F1D95D31-3D53-4A08-B480-A4B97B7D4235}" destId="{F2174E32-BD26-40E0-A60A-1EDC5255E4A4}" srcOrd="1" destOrd="2" presId="urn:microsoft.com/office/officeart/2005/8/layout/hProcess4"/>
-    <dgm:cxn modelId="{A187EF37-52BC-4657-A95F-6A0FDC12D210}" type="presOf" srcId="{A1CB53EA-8939-4926-9D62-00240BE5CC95}" destId="{8EBE0E45-03F8-4E3C-A9FD-60DF883DE7A4}" srcOrd="0" destOrd="0" presId="urn:microsoft.com/office/officeart/2005/8/layout/hProcess4"/>
-    <dgm:cxn modelId="{B0E62CBA-2244-4C5B-BEE4-0570E71FEAD4}" type="presOf" srcId="{44AC915E-680A-467D-B15B-B02F104C1067}" destId="{6E1ABBC1-4051-48EC-95E2-F571B7AF5E43}" srcOrd="1" destOrd="1" presId="urn:microsoft.com/office/officeart/2005/8/layout/hProcess4"/>
-    <dgm:cxn modelId="{EE80CDC8-CCA0-4BCB-8ADE-D2444A0403FB}" type="presOf" srcId="{DBE37EEE-11ED-4D5A-8840-6C7B2C3BDA31}" destId="{6E1ABBC1-4051-48EC-95E2-F571B7AF5E43}" srcOrd="1" destOrd="2" presId="urn:microsoft.com/office/officeart/2005/8/layout/hProcess4"/>
-    <dgm:cxn modelId="{C9F0476A-8996-41CE-8093-BB0A90A187FC}" type="presOf" srcId="{44AC915E-680A-467D-B15B-B02F104C1067}" destId="{8EBE0E45-03F8-4E3C-A9FD-60DF883DE7A4}" srcOrd="0" destOrd="1" presId="urn:microsoft.com/office/officeart/2005/8/layout/hProcess4"/>
     <dgm:cxn modelId="{42C35011-6594-40F2-A97E-740663B6106C}" srcId="{2B5E2123-8266-42FF-ADF7-0AC337EED2DE}" destId="{74535B47-1BDF-453A-B466-8D2F0D03DBE6}" srcOrd="0" destOrd="0" parTransId="{395D679F-F774-44E1-80C0-D0EDF57CAA7A}" sibTransId="{CBDFC84D-3499-45A8-AE62-8FAFA37AF36F}"/>
     <dgm:cxn modelId="{6B398C9F-5566-4CFE-B433-B42DA0067505}" srcId="{21902372-F2D7-4476-814B-3373C138E1D4}" destId="{05851BC4-466C-4B03-99DF-57C034B54873}" srcOrd="1" destOrd="0" parTransId="{F323C640-4942-4533-839A-36D16E3AAFD2}" sibTransId="{0DF448BD-A87F-45A8-9832-7D9EC5B894B2}"/>
-    <dgm:cxn modelId="{4BF6F276-3088-44E4-8760-A76A27DE17C9}" type="presOf" srcId="{A1CB53EA-8939-4926-9D62-00240BE5CC95}" destId="{6E1ABBC1-4051-48EC-95E2-F571B7AF5E43}" srcOrd="1" destOrd="0" presId="urn:microsoft.com/office/officeart/2005/8/layout/hProcess4"/>
+    <dgm:cxn modelId="{E3CBE067-7046-4795-B3DC-8B93E820EA61}" type="presOf" srcId="{CBDFC84D-3499-45A8-AE62-8FAFA37AF36F}" destId="{4BC0AC16-11AC-4E50-A170-998960F91E0A}" srcOrd="0" destOrd="0" presId="urn:microsoft.com/office/officeart/2005/8/layout/hProcess4"/>
+    <dgm:cxn modelId="{C217DBD0-136C-41EB-9E21-57314C995393}" srcId="{74535B47-1BDF-453A-B466-8D2F0D03DBE6}" destId="{DBE37EEE-11ED-4D5A-8840-6C7B2C3BDA31}" srcOrd="2" destOrd="0" parTransId="{12EFECA8-C0D6-4C67-AFB5-FD77FC485D75}" sibTransId="{1DD583A2-3F0E-4965-ABEB-391F3FB39369}"/>
+    <dgm:cxn modelId="{EE80CDC8-CCA0-4BCB-8ADE-D2444A0403FB}" type="presOf" srcId="{DBE37EEE-11ED-4D5A-8840-6C7B2C3BDA31}" destId="{6E1ABBC1-4051-48EC-95E2-F571B7AF5E43}" srcOrd="1" destOrd="2" presId="urn:microsoft.com/office/officeart/2005/8/layout/hProcess4"/>
+    <dgm:cxn modelId="{F4E7FF42-9607-48B7-97BC-6D63D5F3305F}" type="presOf" srcId="{74535B47-1BDF-453A-B466-8D2F0D03DBE6}" destId="{9F82B20C-2DC9-4371-A079-2ADB254AD91A}" srcOrd="0" destOrd="0" presId="urn:microsoft.com/office/officeart/2005/8/layout/hProcess4"/>
+    <dgm:cxn modelId="{77B2CC26-7C0B-4268-AF8C-F68D190D9A0F}" srcId="{74535B47-1BDF-453A-B466-8D2F0D03DBE6}" destId="{9FC02E1C-5911-4A2C-92CC-831AF2C4B899}" srcOrd="0" destOrd="0" parTransId="{5C8A6B40-AEE8-4ADB-85FB-EE7E9D37B3E8}" sibTransId="{78CA42F9-E8AA-4507-85B6-9D21A91CCE90}"/>
+    <dgm:cxn modelId="{3DA43B76-D0F1-40FF-8857-A159D5983512}" type="presOf" srcId="{9FC02E1C-5911-4A2C-92CC-831AF2C4B899}" destId="{8EBE0E45-03F8-4E3C-A9FD-60DF883DE7A4}" srcOrd="0" destOrd="0" presId="urn:microsoft.com/office/officeart/2005/8/layout/hProcess4"/>
+    <dgm:cxn modelId="{B0E62CBA-2244-4C5B-BEE4-0570E71FEAD4}" type="presOf" srcId="{44AC915E-680A-467D-B15B-B02F104C1067}" destId="{6E1ABBC1-4051-48EC-95E2-F571B7AF5E43}" srcOrd="1" destOrd="1" presId="urn:microsoft.com/office/officeart/2005/8/layout/hProcess4"/>
+    <dgm:cxn modelId="{A0871DED-E894-4B16-B503-BD48477BFAB9}" srcId="{74535B47-1BDF-453A-B466-8D2F0D03DBE6}" destId="{44AC915E-680A-467D-B15B-B02F104C1067}" srcOrd="1" destOrd="0" parTransId="{89399A13-B793-4FEB-B003-4DB2DC5A529B}" sibTransId="{FAC124CD-6336-4216-A265-6F8281C3FDEA}"/>
+    <dgm:cxn modelId="{DC5C8ACD-D345-40B4-A6B5-6C362A3E3E60}" srcId="{2B5E2123-8266-42FF-ADF7-0AC337EED2DE}" destId="{21902372-F2D7-4476-814B-3373C138E1D4}" srcOrd="1" destOrd="0" parTransId="{9BA98BC9-0D3E-4E63-B093-268CCB5C8255}" sibTransId="{5CC592AB-2881-46FA-A5B0-17E4923E0617}"/>
     <dgm:cxn modelId="{05E65BE0-A4D3-4555-B06C-7403DDE2D795}" type="presParOf" srcId="{C0445EBE-94E1-43CC-B7F3-C887FDBA3918}" destId="{1A4F4A87-B7D3-4652-A18E-4D4E68116E5C}" srcOrd="0" destOrd="0" presId="urn:microsoft.com/office/officeart/2005/8/layout/hProcess4"/>
     <dgm:cxn modelId="{9355B4C8-6547-417D-A54A-334872997737}" type="presParOf" srcId="{C0445EBE-94E1-43CC-B7F3-C887FDBA3918}" destId="{332FC73A-A7F3-4169-B043-ECF4B01A7D7B}" srcOrd="1" destOrd="0" presId="urn:microsoft.com/office/officeart/2005/8/layout/hProcess4"/>
     <dgm:cxn modelId="{B7395967-C18E-4996-A8C3-F9FF9DEF7514}" type="presParOf" srcId="{C0445EBE-94E1-43CC-B7F3-C887FDBA3918}" destId="{E45CBC6F-73E7-496F-B71A-D44FDC74AC82}" srcOrd="2" destOrd="0" presId="urn:microsoft.com/office/officeart/2005/8/layout/hProcess4"/>
@@ -1442,7 +1474,7 @@
           </a:pPr>
           <a:r>
             <a:rPr lang="zh-CN" altLang="en-US" sz="1600" kern="1200" dirty="0" smtClean="0"/>
-            <a:t>光流特征提取</a:t>
+            <a:t>文献查阅与方法研究</a:t>
           </a:r>
           <a:endParaRPr lang="zh-CN" altLang="en-US" sz="1600" kern="1200" dirty="0"/>
         </a:p>
@@ -1459,6 +1491,10 @@
             </a:spcAft>
             <a:buChar char="••"/>
           </a:pPr>
+          <a:r>
+            <a:rPr lang="zh-CN" altLang="en-US" sz="1600" kern="1200" smtClean="0"/>
+            <a:t>光流特征提取</a:t>
+          </a:r>
           <a:endParaRPr lang="zh-CN" altLang="en-US" sz="1600" kern="1200" dirty="0"/>
         </a:p>
         <a:p>
@@ -3485,7 +3521,7 @@
           <a:p>
             <a:fld id="{064A2DC2-C703-4379-AAD3-8CA7F4589573}" type="datetimeFigureOut">
               <a:rPr lang="zh-CN" altLang="en-US" smtClean="0"/>
-              <a:t>2013/3/24</a:t>
+              <a:t>2013/3/25</a:t>
             </a:fld>
             <a:endParaRPr lang="zh-CN" altLang="en-US"/>
           </a:p>
@@ -5189,8 +5225,8 @@
         </p:nvSpPr>
         <p:spPr/>
       </p:sp>
-      <mc:AlternateContent xmlns:mc="http://schemas.openxmlformats.org/markup-compatibility/2006">
-        <mc:Choice xmlns:a14="http://schemas.microsoft.com/office/drawing/2010/main" Requires="a14">
+      <mc:AlternateContent xmlns:mc="http://schemas.openxmlformats.org/markup-compatibility/2006" xmlns:a14="http://schemas.microsoft.com/office/drawing/2010/main">
+        <mc:Choice Requires="a14">
           <p:sp>
             <p:nvSpPr>
               <p:cNvPr id="3" name="备注占位符 2"/>
@@ -5229,6 +5265,42 @@
                 <a:r>
                   <a:rPr lang="zh-CN" altLang="zh-CN" sz="1200" dirty="0" smtClean="0"/>
                   <a:t>可以</a:t>
+                </a:r>
+                <a:r>
+                  <a:rPr lang="zh-CN" altLang="zh-CN" sz="1200" kern="1200" dirty="0" smtClean="0">
+                    <a:solidFill>
+                      <a:schemeClr val="tx1"/>
+                    </a:solidFill>
+                    <a:effectLst/>
+                    <a:latin typeface="+mn-lt"/>
+                    <a:ea typeface="+mn-ea"/>
+                    <a:cs typeface="+mn-cs"/>
+                  </a:rPr>
+                  <a:t>混合多组</a:t>
+                </a:r>
+                <a:r>
+                  <a:rPr lang="en-US" altLang="zh-CN" sz="1200" kern="1200" dirty="0" smtClean="0">
+                    <a:solidFill>
+                      <a:schemeClr val="tx1"/>
+                    </a:solidFill>
+                    <a:effectLst/>
+                    <a:latin typeface="+mn-lt"/>
+                    <a:ea typeface="+mn-ea"/>
+                    <a:cs typeface="+mn-cs"/>
+                  </a:rPr>
+                  <a:t>PPCA</a:t>
+                </a:r>
+                <a:r>
+                  <a:rPr lang="zh-CN" altLang="zh-CN" sz="1200" kern="1200" dirty="0" smtClean="0">
+                    <a:solidFill>
+                      <a:schemeClr val="tx1"/>
+                    </a:solidFill>
+                    <a:effectLst/>
+                    <a:latin typeface="+mn-lt"/>
+                    <a:ea typeface="+mn-ea"/>
+                    <a:cs typeface="+mn-cs"/>
+                  </a:rPr>
+                  <a:t>来表示更复杂的情况</a:t>
                 </a:r>
                 <a:endParaRPr lang="en-US" altLang="zh-CN" sz="1200" dirty="0" smtClean="0"/>
               </a:p>
@@ -5272,7 +5344,7 @@
                               <a:schemeClr val="tx1"/>
                             </a:solidFill>
                             <a:effectLst/>
-                            <a:latin typeface="+mn-lt"/>
+                            <a:latin typeface="Cambria Math"/>
                             <a:ea typeface="+mn-ea"/>
                             <a:cs typeface="+mn-cs"/>
                           </a:rPr>
@@ -5288,7 +5360,7 @@
                               <a:schemeClr val="tx1"/>
                             </a:solidFill>
                             <a:effectLst/>
-                            <a:latin typeface="+mn-lt"/>
+                            <a:latin typeface="Cambria Math"/>
                             <a:ea typeface="+mn-ea"/>
                             <a:cs typeface="+mn-cs"/>
                           </a:rPr>
@@ -5305,7 +5377,7 @@
                               <a:schemeClr val="tx1"/>
                             </a:solidFill>
                             <a:effectLst/>
-                            <a:latin typeface="+mn-lt"/>
+                            <a:latin typeface="Cambria Math"/>
                             <a:ea typeface="+mn-ea"/>
                             <a:cs typeface="+mn-cs"/>
                           </a:rPr>
@@ -5385,7 +5457,7 @@
                               <a:schemeClr val="tx1"/>
                             </a:solidFill>
                             <a:effectLst/>
-                            <a:latin typeface="+mn-lt"/>
+                            <a:latin typeface="Cambria Math"/>
                             <a:ea typeface="+mn-ea"/>
                             <a:cs typeface="+mn-cs"/>
                           </a:rPr>
@@ -5401,7 +5473,7 @@
                               <a:schemeClr val="tx1"/>
                             </a:solidFill>
                             <a:effectLst/>
-                            <a:latin typeface="+mn-lt"/>
+                            <a:latin typeface="Cambria Math"/>
                             <a:ea typeface="+mn-ea"/>
                             <a:cs typeface="+mn-cs"/>
                           </a:rPr>
@@ -5418,7 +5490,7 @@
                               <a:schemeClr val="tx1"/>
                             </a:solidFill>
                             <a:effectLst/>
-                            <a:latin typeface="+mn-lt"/>
+                            <a:latin typeface="Cambria Math"/>
                             <a:ea typeface="+mn-ea"/>
                             <a:cs typeface="+mn-cs"/>
                           </a:rPr>
@@ -5434,7 +5506,7 @@
                               <a:schemeClr val="tx1"/>
                             </a:solidFill>
                             <a:effectLst/>
-                            <a:latin typeface="+mn-lt"/>
+                            <a:latin typeface="Cambria Math"/>
                             <a:ea typeface="+mn-ea"/>
                             <a:cs typeface="+mn-cs"/>
                           </a:rPr>
@@ -5450,7 +5522,7 @@
                               <a:schemeClr val="tx1"/>
                             </a:solidFill>
                             <a:effectLst/>
-                            <a:latin typeface="+mn-lt"/>
+                            <a:latin typeface="Cambria Math"/>
                             <a:ea typeface="+mn-ea"/>
                             <a:cs typeface="+mn-cs"/>
                           </a:rPr>
@@ -5466,7 +5538,7 @@
                                   <a:schemeClr val="tx1"/>
                                 </a:solidFill>
                                 <a:effectLst/>
-                                <a:latin typeface="+mn-lt"/>
+                                <a:latin typeface="Cambria Math"/>
                                 <a:ea typeface="+mn-ea"/>
                                 <a:cs typeface="+mn-cs"/>
                               </a:rPr>
@@ -5482,7 +5554,7 @@
                                   <a:schemeClr val="tx1"/>
                                 </a:solidFill>
                                 <a:effectLst/>
-                                <a:latin typeface="+mn-lt"/>
+                                <a:latin typeface="Cambria Math"/>
                                 <a:ea typeface="+mn-ea"/>
                                 <a:cs typeface="+mn-cs"/>
                               </a:rPr>
@@ -5499,7 +5571,7 @@
                                   <a:schemeClr val="tx1"/>
                                 </a:solidFill>
                                 <a:effectLst/>
-                                <a:latin typeface="+mn-lt"/>
+                                <a:latin typeface="Cambria Math"/>
                                 <a:ea typeface="+mn-ea"/>
                                 <a:cs typeface="+mn-cs"/>
                               </a:rPr>
@@ -5513,7 +5585,7 @@
                               <a:schemeClr val="tx1"/>
                             </a:solidFill>
                             <a:effectLst/>
-                            <a:latin typeface="+mn-lt"/>
+                            <a:latin typeface="Cambria Math"/>
                             <a:ea typeface="+mn-ea"/>
                             <a:cs typeface="+mn-cs"/>
                           </a:rPr>
@@ -5527,7 +5599,7 @@
                                   <a:schemeClr val="tx1"/>
                                 </a:solidFill>
                                 <a:effectLst/>
-                                <a:latin typeface="+mn-lt"/>
+                                <a:latin typeface="Cambria Math"/>
                                 <a:ea typeface="+mn-ea"/>
                                 <a:cs typeface="+mn-cs"/>
                               </a:rPr>
@@ -5543,7 +5615,7 @@
                                   <a:schemeClr val="tx1"/>
                                 </a:solidFill>
                                 <a:effectLst/>
-                                <a:latin typeface="+mn-lt"/>
+                                <a:latin typeface="Cambria Math"/>
                                 <a:ea typeface="+mn-ea"/>
                                 <a:cs typeface="+mn-cs"/>
                               </a:rPr>
@@ -5560,7 +5632,7 @@
                                   <a:schemeClr val="tx1"/>
                                 </a:solidFill>
                                 <a:effectLst/>
-                                <a:latin typeface="+mn-lt"/>
+                                <a:latin typeface="Cambria Math"/>
                                 <a:ea typeface="+mn-ea"/>
                                 <a:cs typeface="+mn-cs"/>
                               </a:rPr>
@@ -5654,7 +5726,7 @@
                               <a:schemeClr val="tx1"/>
                             </a:solidFill>
                             <a:effectLst/>
-                            <a:latin typeface="+mn-lt"/>
+                            <a:latin typeface="Cambria Math"/>
                             <a:ea typeface="+mn-ea"/>
                             <a:cs typeface="+mn-cs"/>
                           </a:rPr>
@@ -5670,7 +5742,7 @@
                               <a:schemeClr val="tx1"/>
                             </a:solidFill>
                             <a:effectLst/>
-                            <a:latin typeface="+mn-lt"/>
+                            <a:latin typeface="Cambria Math"/>
                             <a:ea typeface="+mn-ea"/>
                             <a:cs typeface="+mn-cs"/>
                           </a:rPr>
@@ -5687,7 +5759,7 @@
                               <a:schemeClr val="tx1"/>
                             </a:solidFill>
                             <a:effectLst/>
-                            <a:latin typeface="+mn-lt"/>
+                            <a:latin typeface="Cambria Math"/>
                             <a:ea typeface="+mn-ea"/>
                             <a:cs typeface="+mn-cs"/>
                           </a:rPr>
@@ -5767,7 +5839,7 @@
                               <a:schemeClr val="tx1"/>
                             </a:solidFill>
                             <a:effectLst/>
-                            <a:latin typeface="+mn-lt"/>
+                            <a:latin typeface="Cambria Math"/>
                             <a:ea typeface="+mn-ea"/>
                             <a:cs typeface="+mn-cs"/>
                           </a:rPr>
@@ -5783,7 +5855,7 @@
                               <a:schemeClr val="tx1"/>
                             </a:solidFill>
                             <a:effectLst/>
-                            <a:latin typeface="+mn-lt"/>
+                            <a:latin typeface="Cambria Math"/>
                             <a:ea typeface="+mn-ea"/>
                             <a:cs typeface="+mn-cs"/>
                           </a:rPr>
@@ -5800,7 +5872,7 @@
                               <a:schemeClr val="tx1"/>
                             </a:solidFill>
                             <a:effectLst/>
-                            <a:latin typeface="+mn-lt"/>
+                            <a:latin typeface="Cambria Math"/>
                             <a:ea typeface="+mn-ea"/>
                             <a:cs typeface="+mn-cs"/>
                           </a:rPr>
@@ -5895,7 +5967,7 @@
             </p:txBody>
           </p:sp>
         </mc:Choice>
-        <mc:Fallback>
+        <mc:Fallback xmlns="">
           <p:sp>
             <p:nvSpPr>
               <p:cNvPr id="3" name="备注占位符 2"/>
@@ -6776,7 +6848,7 @@
           <a:p>
             <a:fld id="{530820CF-B880-4189-942D-D702A7CBA730}" type="datetimeFigureOut">
               <a:rPr lang="zh-CN" altLang="en-US" smtClean="0"/>
-              <a:t>2013/3/24</a:t>
+              <a:t>2013/3/25</a:t>
             </a:fld>
             <a:endParaRPr lang="zh-CN" altLang="en-US"/>
           </a:p>
@@ -6988,7 +7060,7 @@
           <a:p>
             <a:fld id="{530820CF-B880-4189-942D-D702A7CBA730}" type="datetimeFigureOut">
               <a:rPr lang="zh-CN" altLang="en-US" smtClean="0"/>
-              <a:t>2013/3/24</a:t>
+              <a:t>2013/3/25</a:t>
             </a:fld>
             <a:endParaRPr lang="zh-CN" altLang="en-US"/>
           </a:p>
@@ -7193,7 +7265,7 @@
           <a:p>
             <a:fld id="{530820CF-B880-4189-942D-D702A7CBA730}" type="datetimeFigureOut">
               <a:rPr lang="zh-CN" altLang="en-US" smtClean="0"/>
-              <a:t>2013/3/24</a:t>
+              <a:t>2013/3/25</a:t>
             </a:fld>
             <a:endParaRPr lang="zh-CN" altLang="en-US"/>
           </a:p>
@@ -7398,7 +7470,7 @@
           <a:p>
             <a:fld id="{530820CF-B880-4189-942D-D702A7CBA730}" type="datetimeFigureOut">
               <a:rPr lang="zh-CN" altLang="en-US" smtClean="0"/>
-              <a:t>2013/3/24</a:t>
+              <a:t>2013/3/25</a:t>
             </a:fld>
             <a:endParaRPr lang="zh-CN" altLang="en-US"/>
           </a:p>
@@ -7669,7 +7741,7 @@
           <a:p>
             <a:fld id="{530820CF-B880-4189-942D-D702A7CBA730}" type="datetimeFigureOut">
               <a:rPr lang="zh-CN" altLang="en-US" smtClean="0"/>
-              <a:t>2013/3/24</a:t>
+              <a:t>2013/3/25</a:t>
             </a:fld>
             <a:endParaRPr lang="zh-CN" altLang="en-US"/>
           </a:p>
@@ -7990,7 +8062,7 @@
           <a:p>
             <a:fld id="{530820CF-B880-4189-942D-D702A7CBA730}" type="datetimeFigureOut">
               <a:rPr lang="zh-CN" altLang="en-US" smtClean="0"/>
-              <a:t>2013/3/24</a:t>
+              <a:t>2013/3/25</a:t>
             </a:fld>
             <a:endParaRPr lang="zh-CN" altLang="en-US"/>
           </a:p>
@@ -8451,7 +8523,7 @@
           <a:p>
             <a:fld id="{530820CF-B880-4189-942D-D702A7CBA730}" type="datetimeFigureOut">
               <a:rPr lang="zh-CN" altLang="en-US" smtClean="0"/>
-              <a:t>2013/3/24</a:t>
+              <a:t>2013/3/25</a:t>
             </a:fld>
             <a:endParaRPr lang="zh-CN" altLang="en-US"/>
           </a:p>
@@ -8596,7 +8668,7 @@
           <a:p>
             <a:fld id="{530820CF-B880-4189-942D-D702A7CBA730}" type="datetimeFigureOut">
               <a:rPr lang="zh-CN" altLang="en-US" smtClean="0"/>
-              <a:t>2013/3/24</a:t>
+              <a:t>2013/3/25</a:t>
             </a:fld>
             <a:endParaRPr lang="zh-CN" altLang="en-US"/>
           </a:p>
@@ -8710,7 +8782,7 @@
           <a:p>
             <a:fld id="{530820CF-B880-4189-942D-D702A7CBA730}" type="datetimeFigureOut">
               <a:rPr lang="zh-CN" altLang="en-US" smtClean="0"/>
-              <a:t>2013/3/24</a:t>
+              <a:t>2013/3/25</a:t>
             </a:fld>
             <a:endParaRPr lang="zh-CN" altLang="en-US"/>
           </a:p>
@@ -9015,7 +9087,7 @@
           <a:p>
             <a:fld id="{530820CF-B880-4189-942D-D702A7CBA730}" type="datetimeFigureOut">
               <a:rPr lang="zh-CN" altLang="en-US" smtClean="0"/>
-              <a:t>2013/3/24</a:t>
+              <a:t>2013/3/25</a:t>
             </a:fld>
             <a:endParaRPr lang="zh-CN" altLang="en-US"/>
           </a:p>
@@ -9296,7 +9368,7 @@
           <a:p>
             <a:fld id="{530820CF-B880-4189-942D-D702A7CBA730}" type="datetimeFigureOut">
               <a:rPr lang="zh-CN" altLang="en-US" smtClean="0"/>
-              <a:t>2013/3/24</a:t>
+              <a:t>2013/3/25</a:t>
             </a:fld>
             <a:endParaRPr lang="zh-CN" altLang="en-US"/>
           </a:p>
@@ -10117,7 +10189,7 @@
         </p:blipFill>
         <p:spPr>
           <a:xfrm>
-            <a:off x="323528" y="2564904"/>
+            <a:off x="251520" y="2030262"/>
             <a:ext cx="8229600" cy="3026663"/>
           </a:xfrm>
         </p:spPr>
@@ -10131,7 +10203,7 @@
         <p:spPr>
           <a:xfrm>
             <a:off x="539552" y="1484784"/>
-            <a:ext cx="4680520" cy="523220"/>
+            <a:ext cx="6480720" cy="523220"/>
           </a:xfrm>
           <a:prstGeom prst="rect">
             <a:avLst/>
@@ -10149,12 +10221,312 @@
                 <a:latin typeface="Times New Roman" pitchFamily="18" charset="0"/>
                 <a:cs typeface="Times New Roman" pitchFamily="18" charset="0"/>
               </a:rPr>
-              <a:t>Framework of the MRF Model</a:t>
+              <a:t>Framework of the </a:t>
+            </a:r>
+            <a:r>
+              <a:rPr lang="en-US" altLang="zh-CN" sz="2800" dirty="0" smtClean="0">
+                <a:latin typeface="Times New Roman" pitchFamily="18" charset="0"/>
+                <a:cs typeface="Times New Roman" pitchFamily="18" charset="0"/>
+              </a:rPr>
+              <a:t>Space-Time MRF </a:t>
+            </a:r>
+            <a:r>
+              <a:rPr lang="en-US" altLang="zh-CN" sz="2800" dirty="0" smtClean="0">
+                <a:latin typeface="Times New Roman" pitchFamily="18" charset="0"/>
+                <a:cs typeface="Times New Roman" pitchFamily="18" charset="0"/>
+              </a:rPr>
+              <a:t>Model</a:t>
             </a:r>
             <a:endParaRPr lang="zh-CN" altLang="en-US" sz="2800" dirty="0">
               <a:latin typeface="Times New Roman" pitchFamily="18" charset="0"/>
               <a:cs typeface="Times New Roman" pitchFamily="18" charset="0"/>
             </a:endParaRPr>
+          </a:p>
+        </p:txBody>
+      </p:sp>
+      <mc:AlternateContent xmlns:mc="http://schemas.openxmlformats.org/markup-compatibility/2006">
+        <mc:Choice xmlns:a14="http://schemas.microsoft.com/office/drawing/2010/main" Requires="a14">
+          <p:sp>
+            <p:nvSpPr>
+              <p:cNvPr id="3" name="矩形 2"/>
+              <p:cNvSpPr/>
+              <p:nvPr/>
+            </p:nvSpPr>
+            <p:spPr>
+              <a:xfrm>
+                <a:off x="2411760" y="5629890"/>
+                <a:ext cx="4062586" cy="799771"/>
+              </a:xfrm>
+              <a:prstGeom prst="rect">
+                <a:avLst/>
+              </a:prstGeom>
+            </p:spPr>
+            <p:txBody>
+              <a:bodyPr wrap="none">
+                <a:spAutoFit/>
+              </a:bodyPr>
+              <a:lstStyle/>
+              <a:p>
+                <a14:m>
+                  <m:oMathPara xmlns:m="http://schemas.openxmlformats.org/officeDocument/2006/math">
+                    <m:oMathParaPr>
+                      <m:jc m:val="centerGroup"/>
+                    </m:oMathParaPr>
+                    <m:oMath xmlns:m="http://schemas.openxmlformats.org/officeDocument/2006/math">
+                      <m:r>
+                        <a:rPr lang="en-US" altLang="zh-CN" i="1"/>
+                        <m:t>𝐸</m:t>
+                      </m:r>
+                      <m:d>
+                        <m:dPr>
+                          <m:ctrlPr>
+                            <a:rPr lang="zh-CN" altLang="zh-CN" i="1"/>
+                          </m:ctrlPr>
+                        </m:dPr>
+                        <m:e>
+                          <m:r>
+                            <a:rPr lang="en-US" altLang="zh-CN" i="1"/>
+                            <m:t>𝑥</m:t>
+                          </m:r>
+                        </m:e>
+                      </m:d>
+                      <m:r>
+                        <a:rPr lang="en-US" altLang="zh-CN"/>
+                        <m:t>=</m:t>
+                      </m:r>
+                      <m:r>
+                        <m:rPr>
+                          <m:sty m:val="p"/>
+                        </m:rPr>
+                        <a:rPr lang="en-US" altLang="zh-CN"/>
+                        <m:t>λ</m:t>
+                      </m:r>
+                      <m:nary>
+                        <m:naryPr>
+                          <m:chr m:val="∑"/>
+                          <m:limLoc m:val="undOvr"/>
+                          <m:supHide m:val="on"/>
+                          <m:ctrlPr>
+                            <a:rPr lang="zh-CN" altLang="zh-CN" i="1"/>
+                          </m:ctrlPr>
+                        </m:naryPr>
+                        <m:sub>
+                          <m:r>
+                            <a:rPr lang="en-US" altLang="zh-CN" i="1"/>
+                            <m:t>𝑖</m:t>
+                          </m:r>
+                        </m:sub>
+                        <m:sup/>
+                        <m:e>
+                          <m:r>
+                            <a:rPr lang="en-US" altLang="zh-CN" i="1"/>
+                            <m:t>𝑛</m:t>
+                          </m:r>
+                          <m:d>
+                            <m:dPr>
+                              <m:ctrlPr>
+                                <a:rPr lang="zh-CN" altLang="zh-CN" i="1"/>
+                              </m:ctrlPr>
+                            </m:dPr>
+                            <m:e>
+                              <m:sSub>
+                                <m:sSubPr>
+                                  <m:ctrlPr>
+                                    <a:rPr lang="zh-CN" altLang="zh-CN" i="1"/>
+                                  </m:ctrlPr>
+                                </m:sSubPr>
+                                <m:e>
+                                  <m:r>
+                                    <a:rPr lang="en-US" altLang="zh-CN" i="1"/>
+                                    <m:t>𝑥</m:t>
+                                  </m:r>
+                                </m:e>
+                                <m:sub>
+                                  <m:r>
+                                    <a:rPr lang="en-US" altLang="zh-CN" i="1"/>
+                                    <m:t>𝑖</m:t>
+                                  </m:r>
+                                </m:sub>
+                              </m:sSub>
+                            </m:e>
+                          </m:d>
+                        </m:e>
+                      </m:nary>
+                      <m:r>
+                        <a:rPr lang="en-US" altLang="zh-CN"/>
+                        <m:t>+</m:t>
+                      </m:r>
+                      <m:nary>
+                        <m:naryPr>
+                          <m:chr m:val="∑"/>
+                          <m:limLoc m:val="undOvr"/>
+                          <m:supHide m:val="on"/>
+                          <m:ctrlPr>
+                            <a:rPr lang="zh-CN" altLang="zh-CN" i="1"/>
+                          </m:ctrlPr>
+                        </m:naryPr>
+                        <m:sub>
+                          <m:r>
+                            <a:rPr lang="en-US" altLang="zh-CN" i="1"/>
+                            <m:t>𝑖</m:t>
+                          </m:r>
+                          <m:r>
+                            <a:rPr lang="en-US" altLang="zh-CN"/>
+                            <m:t>,</m:t>
+                          </m:r>
+                          <m:r>
+                            <a:rPr lang="en-US" altLang="zh-CN" i="1"/>
+                            <m:t>𝑗</m:t>
+                          </m:r>
+                          <m:r>
+                            <a:rPr lang="en-US" altLang="zh-CN"/>
+                            <m:t>∈</m:t>
+                          </m:r>
+                          <m:r>
+                            <a:rPr lang="en-US" altLang="zh-CN" i="1"/>
+                            <m:t>𝑛𝑒𝑖𝑔h𝑏𝑜𝑟</m:t>
+                          </m:r>
+                        </m:sub>
+                        <m:sup/>
+                        <m:e>
+                          <m:r>
+                            <a:rPr lang="en-US" altLang="zh-CN" i="1"/>
+                            <m:t>𝑝</m:t>
+                          </m:r>
+                          <m:d>
+                            <m:dPr>
+                              <m:ctrlPr>
+                                <a:rPr lang="zh-CN" altLang="zh-CN" i="1"/>
+                              </m:ctrlPr>
+                            </m:dPr>
+                            <m:e>
+                              <m:sSub>
+                                <m:sSubPr>
+                                  <m:ctrlPr>
+                                    <a:rPr lang="zh-CN" altLang="zh-CN" i="1"/>
+                                  </m:ctrlPr>
+                                </m:sSubPr>
+                                <m:e>
+                                  <m:r>
+                                    <a:rPr lang="en-US" altLang="zh-CN" i="1"/>
+                                    <m:t>𝑥</m:t>
+                                  </m:r>
+                                </m:e>
+                                <m:sub>
+                                  <m:r>
+                                    <a:rPr lang="en-US" altLang="zh-CN" i="1"/>
+                                    <m:t>𝑖</m:t>
+                                  </m:r>
+                                </m:sub>
+                              </m:sSub>
+                              <m:r>
+                                <a:rPr lang="en-US" altLang="zh-CN"/>
+                                <m:t>,</m:t>
+                              </m:r>
+                              <m:sSub>
+                                <m:sSubPr>
+                                  <m:ctrlPr>
+                                    <a:rPr lang="zh-CN" altLang="zh-CN" i="1"/>
+                                  </m:ctrlPr>
+                                </m:sSubPr>
+                                <m:e>
+                                  <m:r>
+                                    <a:rPr lang="en-US" altLang="zh-CN" i="1"/>
+                                    <m:t>𝑥</m:t>
+                                  </m:r>
+                                </m:e>
+                                <m:sub>
+                                  <m:r>
+                                    <a:rPr lang="en-US" altLang="zh-CN" i="1"/>
+                                    <m:t>𝑗</m:t>
+                                  </m:r>
+                                </m:sub>
+                              </m:sSub>
+                            </m:e>
+                          </m:d>
+                        </m:e>
+                      </m:nary>
+                    </m:oMath>
+                  </m:oMathPara>
+                </a14:m>
+                <a:endParaRPr lang="zh-CN" altLang="en-US" dirty="0"/>
+              </a:p>
+            </p:txBody>
+          </p:sp>
+        </mc:Choice>
+        <mc:Fallback>
+          <p:sp>
+            <p:nvSpPr>
+              <p:cNvPr id="3" name="矩形 2"/>
+              <p:cNvSpPr>
+                <a:spLocks noRot="1" noChangeAspect="1" noMove="1" noResize="1" noEditPoints="1" noAdjustHandles="1" noChangeArrowheads="1" noChangeShapeType="1" noTextEdit="1"/>
+              </p:cNvSpPr>
+              <p:nvPr/>
+            </p:nvSpPr>
+            <p:spPr>
+              <a:xfrm>
+                <a:off x="2411760" y="5629890"/>
+                <a:ext cx="4062586" cy="799771"/>
+              </a:xfrm>
+              <a:prstGeom prst="rect">
+                <a:avLst/>
+              </a:prstGeom>
+              <a:blipFill rotWithShape="1">
+                <a:blip r:embed="rId4"/>
+                <a:stretch>
+                  <a:fillRect/>
+                </a:stretch>
+              </a:blipFill>
+            </p:spPr>
+            <p:txBody>
+              <a:bodyPr/>
+              <a:lstStyle/>
+              <a:p>
+                <a:r>
+                  <a:rPr lang="zh-CN" altLang="en-US">
+                    <a:noFill/>
+                  </a:rPr>
+                  <a:t> </a:t>
+                </a:r>
+              </a:p>
+            </p:txBody>
+          </p:sp>
+        </mc:Fallback>
+      </mc:AlternateContent>
+      <p:sp>
+        <p:nvSpPr>
+          <p:cNvPr id="6" name="矩形 5"/>
+          <p:cNvSpPr/>
+          <p:nvPr/>
+        </p:nvSpPr>
+        <p:spPr>
+          <a:xfrm>
+            <a:off x="611560" y="5260558"/>
+            <a:ext cx="2228495" cy="369332"/>
+          </a:xfrm>
+          <a:prstGeom prst="rect">
+            <a:avLst/>
+          </a:prstGeom>
+        </p:spPr>
+        <p:txBody>
+          <a:bodyPr wrap="none">
+            <a:spAutoFit/>
+          </a:bodyPr>
+          <a:lstStyle/>
+          <a:p>
+            <a:r>
+              <a:rPr lang="zh-CN" altLang="zh-CN" dirty="0"/>
+              <a:t>时空</a:t>
+            </a:r>
+            <a:r>
+              <a:rPr lang="en-US" altLang="zh-CN" dirty="0"/>
+              <a:t>MRF</a:t>
+            </a:r>
+            <a:r>
+              <a:rPr lang="zh-CN" altLang="zh-CN" dirty="0"/>
+              <a:t>的能量函数</a:t>
+            </a:r>
+            <a:endParaRPr lang="zh-CN" altLang="en-US" dirty="0"/>
           </a:p>
         </p:txBody>
       </p:sp>
@@ -10968,8 +11340,8 @@
           </a:p>
         </p:txBody>
       </p:sp>
-      <mc:AlternateContent xmlns:mc="http://schemas.openxmlformats.org/markup-compatibility/2006">
-        <mc:Choice xmlns:a14="http://schemas.microsoft.com/office/drawing/2010/main" Requires="a14">
+      <mc:AlternateContent xmlns:mc="http://schemas.openxmlformats.org/markup-compatibility/2006" xmlns:a14="http://schemas.microsoft.com/office/drawing/2010/main">
+        <mc:Choice Requires="a14">
           <p:sp>
             <p:nvSpPr>
               <p:cNvPr id="6" name="内容占位符 5"/>
@@ -11108,24 +11480,32 @@
                     </m:oMathParaPr>
                     <m:oMath xmlns:m="http://schemas.openxmlformats.org/officeDocument/2006/math">
                       <m:r>
-                        <a:rPr lang="en-US" altLang="zh-CN" sz="2400" i="1"/>
+                        <a:rPr lang="en-US" altLang="zh-CN" sz="2400" i="1">
+                          <a:latin typeface="Cambria Math"/>
+                        </a:rPr>
                         <m:t>𝑝</m:t>
                       </m:r>
                       <m:d>
                         <m:dPr>
                           <m:ctrlPr>
-                            <a:rPr lang="zh-CN" altLang="zh-CN" sz="2400" i="1"/>
+                            <a:rPr lang="zh-CN" altLang="zh-CN" sz="2400" i="1">
+                              <a:latin typeface="Cambria Math"/>
+                            </a:rPr>
                           </m:ctrlPr>
                         </m:dPr>
                         <m:e>
                           <m:r>
-                            <a:rPr lang="en-US" altLang="zh-CN" sz="2400" i="1"/>
+                            <a:rPr lang="en-US" altLang="zh-CN" sz="2400" i="1">
+                              <a:latin typeface="Cambria Math"/>
+                            </a:rPr>
                             <m:t>𝑡</m:t>
                           </m:r>
                         </m:e>
                       </m:d>
                       <m:r>
-                        <a:rPr lang="en-US" altLang="zh-CN" sz="2400"/>
+                        <a:rPr lang="en-US" altLang="zh-CN" sz="2400">
+                          <a:latin typeface="Cambria Math"/>
+                        </a:rPr>
                         <m:t>=</m:t>
                       </m:r>
                       <m:nary>
@@ -11134,12 +11514,16 @@
                           <m:limLoc m:val="undOvr"/>
                           <m:supHide m:val="on"/>
                           <m:ctrlPr>
-                            <a:rPr lang="zh-CN" altLang="zh-CN" sz="2400" i="1"/>
+                            <a:rPr lang="zh-CN" altLang="zh-CN" sz="2400" i="1">
+                              <a:latin typeface="Cambria Math"/>
+                            </a:rPr>
                           </m:ctrlPr>
                         </m:naryPr>
                         <m:sub>
                           <m:r>
-                            <a:rPr lang="en-US" altLang="zh-CN" sz="2400" i="1"/>
+                            <a:rPr lang="en-US" altLang="zh-CN" sz="2400" i="1">
+                              <a:latin typeface="Cambria Math"/>
+                            </a:rPr>
                             <m:t>𝑖</m:t>
                           </m:r>
                         </m:sub>
@@ -11148,18 +11532,24 @@
                           <m:sSub>
                             <m:sSubPr>
                               <m:ctrlPr>
-                                <a:rPr lang="zh-CN" altLang="zh-CN" sz="2400" i="1"/>
+                                <a:rPr lang="zh-CN" altLang="zh-CN" sz="2400" i="1">
+                                  <a:latin typeface="Cambria Math"/>
+                                </a:rPr>
                               </m:ctrlPr>
                             </m:sSubPr>
                             <m:e>
                               <m:r>
-                                <a:rPr lang="en-US" altLang="zh-CN" sz="2400" i="1"/>
+                                <a:rPr lang="en-US" altLang="zh-CN" sz="2400" i="1">
+                                  <a:latin typeface="Cambria Math"/>
+                                </a:rPr>
                                 <m:t>𝜋</m:t>
                               </m:r>
                             </m:e>
                             <m:sub>
                               <m:r>
-                                <a:rPr lang="en-US" altLang="zh-CN" sz="2400" i="1"/>
+                                <a:rPr lang="en-US" altLang="zh-CN" sz="2400" i="1">
+                                  <a:latin typeface="Cambria Math"/>
+                                </a:rPr>
                                 <m:t>𝑖</m:t>
                               </m:r>
                             </m:sub>
@@ -11167,18 +11557,24 @@
                           <m:sSub>
                             <m:sSubPr>
                               <m:ctrlPr>
-                                <a:rPr lang="zh-CN" altLang="zh-CN" sz="2400" i="1"/>
+                                <a:rPr lang="zh-CN" altLang="zh-CN" sz="2400" i="1">
+                                  <a:latin typeface="Cambria Math"/>
+                                </a:rPr>
                               </m:ctrlPr>
                             </m:sSubPr>
                             <m:e>
                               <m:r>
-                                <a:rPr lang="en-US" altLang="zh-CN" sz="2400" i="1"/>
+                                <a:rPr lang="en-US" altLang="zh-CN" sz="2400" i="1">
+                                  <a:latin typeface="Cambria Math"/>
+                                </a:rPr>
                                 <m:t>𝑝</m:t>
                               </m:r>
                             </m:e>
                             <m:sub>
                               <m:r>
-                                <a:rPr lang="en-US" altLang="zh-CN" sz="2400" i="1"/>
+                                <a:rPr lang="en-US" altLang="zh-CN" sz="2400" i="1">
+                                  <a:latin typeface="Cambria Math"/>
+                                </a:rPr>
                                 <m:t>𝑖</m:t>
                               </m:r>
                             </m:sub>
@@ -11186,56 +11582,76 @@
                           <m:d>
                             <m:dPr>
                               <m:ctrlPr>
-                                <a:rPr lang="zh-CN" altLang="zh-CN" sz="2400" i="1"/>
+                                <a:rPr lang="zh-CN" altLang="zh-CN" sz="2400" i="1">
+                                  <a:latin typeface="Cambria Math"/>
+                                </a:rPr>
                               </m:ctrlPr>
                             </m:dPr>
                             <m:e>
                               <m:r>
-                                <a:rPr lang="en-US" altLang="zh-CN" sz="2400" i="1"/>
+                                <a:rPr lang="en-US" altLang="zh-CN" sz="2400" i="1">
+                                  <a:latin typeface="Cambria Math"/>
+                                </a:rPr>
                                 <m:t>𝑡</m:t>
                               </m:r>
                               <m:r>
-                                <a:rPr lang="en-US" altLang="zh-CN" sz="2400"/>
+                                <a:rPr lang="en-US" altLang="zh-CN" sz="2400">
+                                  <a:latin typeface="Cambria Math"/>
+                                </a:rPr>
                                 <m:t>|</m:t>
                               </m:r>
                               <m:sSub>
                                 <m:sSubPr>
                                   <m:ctrlPr>
-                                    <a:rPr lang="zh-CN" altLang="zh-CN" sz="2400" i="1"/>
+                                    <a:rPr lang="zh-CN" altLang="zh-CN" sz="2400" i="1">
+                                      <a:latin typeface="Cambria Math"/>
+                                    </a:rPr>
                                   </m:ctrlPr>
                                 </m:sSubPr>
                                 <m:e>
                                   <m:r>
-                                    <a:rPr lang="en-US" altLang="zh-CN" sz="2400" i="1"/>
+                                    <a:rPr lang="en-US" altLang="zh-CN" sz="2400" i="1">
+                                      <a:latin typeface="Cambria Math"/>
+                                    </a:rPr>
                                     <m:t>𝐶</m:t>
                                   </m:r>
                                 </m:e>
                                 <m:sub>
                                   <m:r>
-                                    <a:rPr lang="en-US" altLang="zh-CN" sz="2400" i="1"/>
+                                    <a:rPr lang="en-US" altLang="zh-CN" sz="2400" i="1">
+                                      <a:latin typeface="Cambria Math"/>
+                                    </a:rPr>
                                     <m:t>𝑖</m:t>
                                   </m:r>
                                 </m:sub>
                               </m:sSub>
                               <m:r>
-                                <a:rPr lang="en-US" altLang="zh-CN" sz="2400"/>
+                                <a:rPr lang="en-US" altLang="zh-CN" sz="2400">
+                                  <a:latin typeface="Cambria Math"/>
+                                </a:rPr>
                                 <m:t>,</m:t>
                               </m:r>
                               <m:sSub>
                                 <m:sSubPr>
                                   <m:ctrlPr>
-                                    <a:rPr lang="zh-CN" altLang="zh-CN" sz="2400" i="1"/>
+                                    <a:rPr lang="zh-CN" altLang="zh-CN" sz="2400" i="1">
+                                      <a:latin typeface="Cambria Math"/>
+                                    </a:rPr>
                                   </m:ctrlPr>
                                 </m:sSubPr>
                                 <m:e>
                                   <m:r>
-                                    <a:rPr lang="en-US" altLang="zh-CN" sz="2400" i="1"/>
+                                    <a:rPr lang="en-US" altLang="zh-CN" sz="2400" i="1">
+                                      <a:latin typeface="Cambria Math"/>
+                                    </a:rPr>
                                     <m:t>𝜇</m:t>
                                   </m:r>
                                 </m:e>
                                 <m:sub>
                                   <m:r>
-                                    <a:rPr lang="en-US" altLang="zh-CN" sz="2400" i="1"/>
+                                    <a:rPr lang="en-US" altLang="zh-CN" sz="2400" i="1">
+                                      <a:latin typeface="Cambria Math"/>
+                                    </a:rPr>
                                     <m:t>𝑖</m:t>
                                   </m:r>
                                 </m:sub>
@@ -11279,7 +11695,7 @@
             </p:txBody>
           </p:sp>
         </mc:Choice>
-        <mc:Fallback>
+        <mc:Fallback xmlns="">
           <p:sp>
             <p:nvSpPr>
               <p:cNvPr id="6" name="内容占位符 5"/>
@@ -11435,56 +11851,811 @@
           </a:p>
         </p:txBody>
       </p:sp>
-      <p:sp>
-        <p:nvSpPr>
-          <p:cNvPr id="3" name="内容占位符 2"/>
-          <p:cNvSpPr>
-            <a:spLocks noGrp="1"/>
-          </p:cNvSpPr>
-          <p:nvPr>
-            <p:ph idx="1"/>
-          </p:nvPr>
-        </p:nvSpPr>
-        <p:spPr/>
-        <p:txBody>
-          <a:bodyPr/>
-          <a:lstStyle/>
-          <a:p>
-            <a:pPr marL="0" indent="0">
-              <a:buNone/>
-            </a:pPr>
-            <a:r>
-              <a:rPr lang="en-US" altLang="zh-CN" dirty="0" smtClean="0"/>
-              <a:t>GMM</a:t>
-            </a:r>
-            <a:r>
-              <a:rPr lang="zh-CN" altLang="en-US" dirty="0" smtClean="0"/>
-              <a:t>背景建模</a:t>
-            </a:r>
-            <a:r>
-              <a:rPr lang="en-US" altLang="zh-CN" dirty="0" smtClean="0"/>
-              <a:t>——</a:t>
-            </a:r>
-            <a:r>
-              <a:rPr lang="zh-CN" altLang="en-US" dirty="0" smtClean="0"/>
-              <a:t>检测运动区域</a:t>
-            </a:r>
-            <a:endParaRPr lang="en-US" altLang="zh-CN" dirty="0" smtClean="0"/>
-          </a:p>
-          <a:p>
-            <a:pPr marL="0" indent="0">
-              <a:buNone/>
-            </a:pPr>
-            <a:endParaRPr lang="en-US" altLang="zh-CN" dirty="0"/>
-          </a:p>
-          <a:p>
-            <a:pPr marL="0" indent="0">
-              <a:buNone/>
-            </a:pPr>
-            <a:endParaRPr lang="zh-CN" altLang="en-US" dirty="0"/>
-          </a:p>
-        </p:txBody>
-      </p:sp>
+      <mc:AlternateContent xmlns:mc="http://schemas.openxmlformats.org/markup-compatibility/2006">
+        <mc:Choice xmlns:a14="http://schemas.microsoft.com/office/drawing/2010/main" Requires="a14">
+          <p:sp>
+            <p:nvSpPr>
+              <p:cNvPr id="3" name="内容占位符 2"/>
+              <p:cNvSpPr>
+                <a:spLocks noGrp="1"/>
+              </p:cNvSpPr>
+              <p:nvPr>
+                <p:ph idx="1"/>
+              </p:nvPr>
+            </p:nvSpPr>
+            <p:spPr/>
+            <p:txBody>
+              <a:bodyPr/>
+              <a:lstStyle/>
+              <a:p>
+                <a:pPr marL="0" indent="0">
+                  <a:buNone/>
+                </a:pPr>
+                <a:r>
+                  <a:rPr lang="en-US" altLang="zh-CN" sz="2800" dirty="0" smtClean="0"/>
+                  <a:t>GMM</a:t>
+                </a:r>
+                <a:r>
+                  <a:rPr lang="zh-CN" altLang="en-US" sz="2800" dirty="0" smtClean="0"/>
+                  <a:t>背景建模</a:t>
+                </a:r>
+                <a:r>
+                  <a:rPr lang="en-US" altLang="zh-CN" sz="2800" dirty="0" smtClean="0"/>
+                  <a:t>——</a:t>
+                </a:r>
+                <a:r>
+                  <a:rPr lang="zh-CN" altLang="en-US" sz="2800" dirty="0" smtClean="0"/>
+                  <a:t>检测运动区域</a:t>
+                </a:r>
+                <a:endParaRPr lang="en-US" altLang="zh-CN" sz="2800" dirty="0" smtClean="0"/>
+              </a:p>
+              <a:p>
+                <a:pPr marL="0" indent="0">
+                  <a:buNone/>
+                </a:pPr>
+                <a:r>
+                  <a:rPr lang="zh-CN" altLang="zh-CN" sz="1800" dirty="0"/>
+                  <a:t>场景中的每个像素符合混合</a:t>
+                </a:r>
+                <a:r>
+                  <a:rPr lang="en-US" altLang="zh-CN" sz="1800" dirty="0"/>
+                  <a:t>K</a:t>
+                </a:r>
+                <a:r>
+                  <a:rPr lang="zh-CN" altLang="zh-CN" sz="1800" dirty="0"/>
+                  <a:t>个组件的</a:t>
+                </a:r>
+                <a:r>
+                  <a:rPr lang="zh-CN" altLang="zh-CN" sz="1800" dirty="0" smtClean="0"/>
+                  <a:t>高斯分布：</a:t>
+                </a:r>
+                <a:endParaRPr lang="zh-CN" altLang="zh-CN" sz="1800" dirty="0"/>
+              </a:p>
+              <a:p>
+                <a:pPr marL="0" indent="0">
+                  <a:buNone/>
+                </a:pPr>
+                <a14:m>
+                  <m:oMathPara xmlns:m="http://schemas.openxmlformats.org/officeDocument/2006/math">
+                    <m:oMathParaPr>
+                      <m:jc m:val="centerGroup"/>
+                    </m:oMathParaPr>
+                    <m:oMath xmlns:m="http://schemas.openxmlformats.org/officeDocument/2006/math">
+                      <m:acc>
+                        <m:accPr>
+                          <m:chr m:val="̂"/>
+                          <m:ctrlPr>
+                            <a:rPr lang="zh-CN" altLang="zh-CN" sz="1800" i="1"/>
+                          </m:ctrlPr>
+                        </m:accPr>
+                        <m:e>
+                          <m:r>
+                            <a:rPr lang="en-US" altLang="zh-CN" sz="1800" i="1"/>
+                            <m:t>𝑝</m:t>
+                          </m:r>
+                        </m:e>
+                      </m:acc>
+                      <m:d>
+                        <m:dPr>
+                          <m:ctrlPr>
+                            <a:rPr lang="zh-CN" altLang="zh-CN" sz="1800" i="1"/>
+                          </m:ctrlPr>
+                        </m:dPr>
+                        <m:e>
+                          <m:sSub>
+                            <m:sSubPr>
+                              <m:ctrlPr>
+                                <a:rPr lang="zh-CN" altLang="zh-CN" sz="1800" i="1"/>
+                              </m:ctrlPr>
+                            </m:sSubPr>
+                            <m:e>
+                              <m:r>
+                                <a:rPr lang="en-US" altLang="zh-CN" sz="1800" i="1"/>
+                                <m:t>𝑥</m:t>
+                              </m:r>
+                            </m:e>
+                            <m:sub>
+                              <m:r>
+                                <a:rPr lang="en-US" altLang="zh-CN" sz="1800" i="1"/>
+                                <m:t>𝑁</m:t>
+                              </m:r>
+                            </m:sub>
+                          </m:sSub>
+                        </m:e>
+                      </m:d>
+                      <m:r>
+                        <a:rPr lang="en-US" altLang="zh-CN" sz="1800"/>
+                        <m:t>=</m:t>
+                      </m:r>
+                      <m:nary>
+                        <m:naryPr>
+                          <m:chr m:val="∑"/>
+                          <m:limLoc m:val="undOvr"/>
+                          <m:ctrlPr>
+                            <a:rPr lang="zh-CN" altLang="zh-CN" sz="1800" i="1"/>
+                          </m:ctrlPr>
+                        </m:naryPr>
+                        <m:sub>
+                          <m:r>
+                            <a:rPr lang="en-US" altLang="zh-CN" sz="1800" i="1"/>
+                            <m:t>𝑗</m:t>
+                          </m:r>
+                          <m:r>
+                            <a:rPr lang="en-US" altLang="zh-CN" sz="1800"/>
+                            <m:t>=1</m:t>
+                          </m:r>
+                        </m:sub>
+                        <m:sup>
+                          <m:r>
+                            <a:rPr lang="en-US" altLang="zh-CN" sz="1800" i="1"/>
+                            <m:t>𝐾</m:t>
+                          </m:r>
+                        </m:sup>
+                        <m:e>
+                          <m:sSub>
+                            <m:sSubPr>
+                              <m:ctrlPr>
+                                <a:rPr lang="zh-CN" altLang="zh-CN" sz="1800" i="1"/>
+                              </m:ctrlPr>
+                            </m:sSubPr>
+                            <m:e>
+                              <m:r>
+                                <a:rPr lang="en-US" altLang="zh-CN" sz="1800" i="1"/>
+                                <m:t>𝑤</m:t>
+                              </m:r>
+                            </m:e>
+                            <m:sub>
+                              <m:r>
+                                <a:rPr lang="en-US" altLang="zh-CN" sz="1800" i="1"/>
+                                <m:t>𝑗</m:t>
+                              </m:r>
+                            </m:sub>
+                          </m:sSub>
+                          <m:r>
+                            <a:rPr lang="en-US" altLang="zh-CN" sz="1800" i="1"/>
+                            <m:t>𝜂</m:t>
+                          </m:r>
+                          <m:r>
+                            <a:rPr lang="en-US" altLang="zh-CN" sz="1800"/>
+                            <m:t>(</m:t>
+                          </m:r>
+                          <m:sSub>
+                            <m:sSubPr>
+                              <m:ctrlPr>
+                                <a:rPr lang="zh-CN" altLang="zh-CN" sz="1800" i="1"/>
+                              </m:ctrlPr>
+                            </m:sSubPr>
+                            <m:e>
+                              <m:r>
+                                <a:rPr lang="en-US" altLang="zh-CN" sz="1800" i="1"/>
+                                <m:t>𝑥</m:t>
+                              </m:r>
+                            </m:e>
+                            <m:sub>
+                              <m:r>
+                                <a:rPr lang="en-US" altLang="zh-CN" sz="1800" i="1"/>
+                                <m:t>𝑁</m:t>
+                              </m:r>
+                            </m:sub>
+                          </m:sSub>
+                          <m:r>
+                            <a:rPr lang="en-US" altLang="zh-CN" sz="1800"/>
+                            <m:t>;</m:t>
+                          </m:r>
+                          <m:sSub>
+                            <m:sSubPr>
+                              <m:ctrlPr>
+                                <a:rPr lang="zh-CN" altLang="zh-CN" sz="1800" i="1"/>
+                              </m:ctrlPr>
+                            </m:sSubPr>
+                            <m:e>
+                              <m:r>
+                                <a:rPr lang="en-US" altLang="zh-CN" sz="1800" i="1"/>
+                                <m:t>𝜃</m:t>
+                              </m:r>
+                            </m:e>
+                            <m:sub>
+                              <m:r>
+                                <a:rPr lang="en-US" altLang="zh-CN" sz="1800" i="1"/>
+                                <m:t>𝑗</m:t>
+                              </m:r>
+                            </m:sub>
+                          </m:sSub>
+                          <m:r>
+                            <a:rPr lang="en-US" altLang="zh-CN" sz="1800"/>
+                            <m:t>)</m:t>
+                          </m:r>
+                        </m:e>
+                      </m:nary>
+                    </m:oMath>
+                  </m:oMathPara>
+                </a14:m>
+                <a:endParaRPr lang="zh-CN" altLang="zh-CN" sz="1800" dirty="0"/>
+              </a:p>
+              <a:p>
+                <a:pPr marL="0" indent="0">
+                  <a:buNone/>
+                </a:pPr>
+                <a14:m>
+                  <m:oMath xmlns:m="http://schemas.openxmlformats.org/officeDocument/2006/math">
+                    <m:sSub>
+                      <m:sSubPr>
+                        <m:ctrlPr>
+                          <a:rPr lang="zh-CN" altLang="zh-CN" sz="1800" i="1"/>
+                        </m:ctrlPr>
+                      </m:sSubPr>
+                      <m:e>
+                        <m:r>
+                          <a:rPr lang="en-US" altLang="zh-CN" sz="1800" i="1"/>
+                          <m:t>𝑤</m:t>
+                        </m:r>
+                      </m:e>
+                      <m:sub>
+                        <m:r>
+                          <a:rPr lang="en-US" altLang="zh-CN" sz="1800" i="1"/>
+                          <m:t>𝑗</m:t>
+                        </m:r>
+                      </m:sub>
+                    </m:sSub>
+                  </m:oMath>
+                </a14:m>
+                <a:r>
+                  <a:rPr lang="zh-CN" altLang="zh-CN" sz="1800" dirty="0"/>
+                  <a:t>是第</a:t>
+                </a:r>
+                <a:r>
+                  <a:rPr lang="en-US" altLang="zh-CN" sz="1800" dirty="0"/>
+                  <a:t>j</a:t>
+                </a:r>
+                <a:r>
+                  <a:rPr lang="zh-CN" altLang="zh-CN" sz="1800" dirty="0"/>
+                  <a:t>个高斯组件的权重参数，</a:t>
+                </a:r>
+                <a14:m>
+                  <m:oMath xmlns:m="http://schemas.openxmlformats.org/officeDocument/2006/math">
+                    <m:r>
+                      <a:rPr lang="en-US" altLang="zh-CN" sz="1800" i="1"/>
+                      <m:t>𝜂</m:t>
+                    </m:r>
+                    <m:r>
+                      <a:rPr lang="en-US" altLang="zh-CN" sz="1800"/>
+                      <m:t>(</m:t>
+                    </m:r>
+                    <m:sSub>
+                      <m:sSubPr>
+                        <m:ctrlPr>
+                          <a:rPr lang="zh-CN" altLang="zh-CN" sz="1800" i="1"/>
+                        </m:ctrlPr>
+                      </m:sSubPr>
+                      <m:e>
+                        <m:r>
+                          <a:rPr lang="en-US" altLang="zh-CN" sz="1800" i="1"/>
+                          <m:t>𝑥</m:t>
+                        </m:r>
+                      </m:e>
+                      <m:sub>
+                        <m:r>
+                          <a:rPr lang="en-US" altLang="zh-CN" sz="1800" i="1"/>
+                          <m:t>𝑁</m:t>
+                        </m:r>
+                      </m:sub>
+                    </m:sSub>
+                    <m:r>
+                      <a:rPr lang="en-US" altLang="zh-CN" sz="1800"/>
+                      <m:t>;</m:t>
+                    </m:r>
+                    <m:sSub>
+                      <m:sSubPr>
+                        <m:ctrlPr>
+                          <a:rPr lang="zh-CN" altLang="zh-CN" sz="1800" i="1"/>
+                        </m:ctrlPr>
+                      </m:sSubPr>
+                      <m:e>
+                        <m:r>
+                          <a:rPr lang="en-US" altLang="zh-CN" sz="1800" i="1"/>
+                          <m:t>𝜃</m:t>
+                        </m:r>
+                      </m:e>
+                      <m:sub>
+                        <m:r>
+                          <a:rPr lang="en-US" altLang="zh-CN" sz="1800" i="1"/>
+                          <m:t>𝑗</m:t>
+                        </m:r>
+                      </m:sub>
+                    </m:sSub>
+                    <m:r>
+                      <a:rPr lang="en-US" altLang="zh-CN" sz="1800"/>
+                      <m:t>)</m:t>
+                    </m:r>
+                  </m:oMath>
+                </a14:m>
+                <a:r>
+                  <a:rPr lang="zh-CN" altLang="zh-CN" sz="1800" dirty="0"/>
+                  <a:t>是第</a:t>
+                </a:r>
+                <a:r>
+                  <a:rPr lang="en-US" altLang="zh-CN" sz="1800" dirty="0"/>
+                  <a:t>j</a:t>
+                </a:r>
+                <a:r>
+                  <a:rPr lang="zh-CN" altLang="zh-CN" sz="1800" dirty="0"/>
+                  <a:t>个组件的标准</a:t>
+                </a:r>
+                <a:r>
+                  <a:rPr lang="zh-CN" altLang="zh-CN" sz="1800" dirty="0" smtClean="0"/>
+                  <a:t>分布如下：</a:t>
+                </a:r>
+                <a:endParaRPr lang="zh-CN" altLang="zh-CN" sz="1800" dirty="0"/>
+              </a:p>
+              <a:p>
+                <a:pPr marL="0" indent="0">
+                  <a:buNone/>
+                </a:pPr>
+                <a14:m>
+                  <m:oMathPara xmlns:m="http://schemas.openxmlformats.org/officeDocument/2006/math">
+                    <m:oMathParaPr>
+                      <m:jc m:val="centerGroup"/>
+                    </m:oMathParaPr>
+                    <m:oMath xmlns:m="http://schemas.openxmlformats.org/officeDocument/2006/math">
+                      <m:r>
+                        <m:rPr>
+                          <m:sty m:val="p"/>
+                        </m:rPr>
+                        <a:rPr lang="en-US" altLang="zh-CN" sz="1800"/>
+                        <m:t>η</m:t>
+                      </m:r>
+                      <m:d>
+                        <m:dPr>
+                          <m:ctrlPr>
+                            <a:rPr lang="zh-CN" altLang="zh-CN" sz="1800" i="1"/>
+                          </m:ctrlPr>
+                        </m:dPr>
+                        <m:e>
+                          <m:r>
+                            <m:rPr>
+                              <m:sty m:val="p"/>
+                            </m:rPr>
+                            <a:rPr lang="en-US" altLang="zh-CN" sz="1800"/>
+                            <m:t>x</m:t>
+                          </m:r>
+                          <m:r>
+                            <a:rPr lang="en-US" altLang="zh-CN" sz="1800"/>
+                            <m:t>;</m:t>
+                          </m:r>
+                          <m:sSub>
+                            <m:sSubPr>
+                              <m:ctrlPr>
+                                <a:rPr lang="zh-CN" altLang="zh-CN" sz="1800" i="1"/>
+                              </m:ctrlPr>
+                            </m:sSubPr>
+                            <m:e>
+                              <m:r>
+                                <a:rPr lang="en-US" altLang="zh-CN" sz="1800" i="1"/>
+                                <m:t>𝜃</m:t>
+                              </m:r>
+                            </m:e>
+                            <m:sub>
+                              <m:r>
+                                <a:rPr lang="en-US" altLang="zh-CN" sz="1800" i="1"/>
+                                <m:t>𝑗</m:t>
+                              </m:r>
+                            </m:sub>
+                          </m:sSub>
+                        </m:e>
+                      </m:d>
+                      <m:r>
+                        <a:rPr lang="en-US" altLang="zh-CN" sz="1800" i="1"/>
+                        <m:t>=</m:t>
+                      </m:r>
+                      <m:r>
+                        <a:rPr lang="en-US" altLang="zh-CN" sz="1800" i="1"/>
+                        <m:t>𝜂</m:t>
+                      </m:r>
+                      <m:d>
+                        <m:dPr>
+                          <m:ctrlPr>
+                            <a:rPr lang="zh-CN" altLang="zh-CN" sz="1800" i="1"/>
+                          </m:ctrlPr>
+                        </m:dPr>
+                        <m:e>
+                          <m:r>
+                            <a:rPr lang="en-US" altLang="zh-CN" sz="1800" i="1"/>
+                            <m:t>𝑥</m:t>
+                          </m:r>
+                          <m:r>
+                            <a:rPr lang="en-US" altLang="zh-CN" sz="1800" i="1"/>
+                            <m:t>;</m:t>
+                          </m:r>
+                          <m:sSub>
+                            <m:sSubPr>
+                              <m:ctrlPr>
+                                <a:rPr lang="zh-CN" altLang="zh-CN" sz="1800" i="1"/>
+                              </m:ctrlPr>
+                            </m:sSubPr>
+                            <m:e>
+                              <m:r>
+                                <a:rPr lang="en-US" altLang="zh-CN" sz="1800" i="1"/>
+                                <m:t>𝜇</m:t>
+                              </m:r>
+                            </m:e>
+                            <m:sub>
+                              <m:r>
+                                <a:rPr lang="en-US" altLang="zh-CN" sz="1800" i="1"/>
+                                <m:t>𝑘</m:t>
+                              </m:r>
+                            </m:sub>
+                          </m:sSub>
+                          <m:r>
+                            <a:rPr lang="en-US" altLang="zh-CN" sz="1800" i="1"/>
+                            <m:t>,</m:t>
+                          </m:r>
+                          <m:sSub>
+                            <m:sSubPr>
+                              <m:ctrlPr>
+                                <a:rPr lang="zh-CN" altLang="zh-CN" sz="1800" i="1"/>
+                              </m:ctrlPr>
+                            </m:sSubPr>
+                            <m:e>
+                              <m:r>
+                                <m:rPr>
+                                  <m:sty m:val="p"/>
+                                </m:rPr>
+                                <a:rPr lang="en-US" altLang="zh-CN" sz="1800"/>
+                                <m:t>Σ</m:t>
+                              </m:r>
+                            </m:e>
+                            <m:sub>
+                              <m:r>
+                                <a:rPr lang="en-US" altLang="zh-CN" sz="1800" i="1"/>
+                                <m:t>𝑘</m:t>
+                              </m:r>
+                            </m:sub>
+                          </m:sSub>
+                        </m:e>
+                      </m:d>
+                      <m:r>
+                        <a:rPr lang="en-US" altLang="zh-CN" sz="1800" i="1"/>
+                        <m:t>=</m:t>
+                      </m:r>
+                      <m:f>
+                        <m:fPr>
+                          <m:ctrlPr>
+                            <a:rPr lang="zh-CN" altLang="zh-CN" sz="1800" i="1"/>
+                          </m:ctrlPr>
+                        </m:fPr>
+                        <m:num>
+                          <m:r>
+                            <a:rPr lang="en-US" altLang="zh-CN" sz="1800" i="1"/>
+                            <m:t>1</m:t>
+                          </m:r>
+                        </m:num>
+                        <m:den>
+                          <m:sSup>
+                            <m:sSupPr>
+                              <m:ctrlPr>
+                                <a:rPr lang="zh-CN" altLang="zh-CN" sz="1800" i="1"/>
+                              </m:ctrlPr>
+                            </m:sSupPr>
+                            <m:e>
+                              <m:d>
+                                <m:dPr>
+                                  <m:ctrlPr>
+                                    <a:rPr lang="zh-CN" altLang="zh-CN" sz="1800" i="1"/>
+                                  </m:ctrlPr>
+                                </m:dPr>
+                                <m:e>
+                                  <m:r>
+                                    <a:rPr lang="en-US" altLang="zh-CN" sz="1800" i="1"/>
+                                    <m:t>2</m:t>
+                                  </m:r>
+                                  <m:r>
+                                    <a:rPr lang="en-US" altLang="zh-CN" sz="1800" i="1"/>
+                                    <m:t>𝜋</m:t>
+                                  </m:r>
+                                </m:e>
+                              </m:d>
+                            </m:e>
+                            <m:sup>
+                              <m:f>
+                                <m:fPr>
+                                  <m:ctrlPr>
+                                    <a:rPr lang="zh-CN" altLang="zh-CN" sz="1800" i="1"/>
+                                  </m:ctrlPr>
+                                </m:fPr>
+                                <m:num>
+                                  <m:r>
+                                    <a:rPr lang="en-US" altLang="zh-CN" sz="1800" i="1"/>
+                                    <m:t>𝐷</m:t>
+                                  </m:r>
+                                </m:num>
+                                <m:den>
+                                  <m:r>
+                                    <a:rPr lang="en-US" altLang="zh-CN" sz="1800" i="1"/>
+                                    <m:t>2</m:t>
+                                  </m:r>
+                                </m:den>
+                              </m:f>
+                            </m:sup>
+                          </m:sSup>
+                          <m:sSup>
+                            <m:sSupPr>
+                              <m:ctrlPr>
+                                <a:rPr lang="zh-CN" altLang="zh-CN" sz="1800" i="1"/>
+                              </m:ctrlPr>
+                            </m:sSupPr>
+                            <m:e>
+                              <m:d>
+                                <m:dPr>
+                                  <m:begChr m:val="|"/>
+                                  <m:endChr m:val="|"/>
+                                  <m:ctrlPr>
+                                    <a:rPr lang="zh-CN" altLang="zh-CN" sz="1800" i="1"/>
+                                  </m:ctrlPr>
+                                </m:dPr>
+                                <m:e>
+                                  <m:sSub>
+                                    <m:sSubPr>
+                                      <m:ctrlPr>
+                                        <a:rPr lang="zh-CN" altLang="zh-CN" sz="1800" i="1"/>
+                                      </m:ctrlPr>
+                                    </m:sSubPr>
+                                    <m:e>
+                                      <m:r>
+                                        <m:rPr>
+                                          <m:sty m:val="p"/>
+                                        </m:rPr>
+                                        <a:rPr lang="en-US" altLang="zh-CN" sz="1800"/>
+                                        <m:t>Σ</m:t>
+                                      </m:r>
+                                    </m:e>
+                                    <m:sub>
+                                      <m:r>
+                                        <m:rPr>
+                                          <m:sty m:val="p"/>
+                                        </m:rPr>
+                                        <a:rPr lang="en-US" altLang="zh-CN" sz="1800"/>
+                                        <m:t>k</m:t>
+                                      </m:r>
+                                    </m:sub>
+                                  </m:sSub>
+                                </m:e>
+                              </m:d>
+                            </m:e>
+                            <m:sup>
+                              <m:f>
+                                <m:fPr>
+                                  <m:ctrlPr>
+                                    <a:rPr lang="zh-CN" altLang="zh-CN" sz="1800" i="1"/>
+                                  </m:ctrlPr>
+                                </m:fPr>
+                                <m:num>
+                                  <m:r>
+                                    <a:rPr lang="en-US" altLang="zh-CN" sz="1800" i="1"/>
+                                    <m:t>1</m:t>
+                                  </m:r>
+                                </m:num>
+                                <m:den>
+                                  <m:r>
+                                    <a:rPr lang="en-US" altLang="zh-CN" sz="1800" i="1"/>
+                                    <m:t>2</m:t>
+                                  </m:r>
+                                </m:den>
+                              </m:f>
+                            </m:sup>
+                          </m:sSup>
+                        </m:den>
+                      </m:f>
+                      <m:sSup>
+                        <m:sSupPr>
+                          <m:ctrlPr>
+                            <a:rPr lang="zh-CN" altLang="zh-CN" sz="1800" i="1"/>
+                          </m:ctrlPr>
+                        </m:sSupPr>
+                        <m:e>
+                          <m:r>
+                            <a:rPr lang="en-US" altLang="zh-CN" sz="1800" i="1"/>
+                            <m:t>𝑒</m:t>
+                          </m:r>
+                        </m:e>
+                        <m:sup>
+                          <m:r>
+                            <a:rPr lang="en-US" altLang="zh-CN" sz="1800" i="1"/>
+                            <m:t>−</m:t>
+                          </m:r>
+                          <m:f>
+                            <m:fPr>
+                              <m:ctrlPr>
+                                <a:rPr lang="zh-CN" altLang="zh-CN" sz="1800" i="1"/>
+                              </m:ctrlPr>
+                            </m:fPr>
+                            <m:num>
+                              <m:r>
+                                <a:rPr lang="en-US" altLang="zh-CN" sz="1800" i="1"/>
+                                <m:t>1</m:t>
+                              </m:r>
+                            </m:num>
+                            <m:den>
+                              <m:r>
+                                <a:rPr lang="en-US" altLang="zh-CN" sz="1800" i="1"/>
+                                <m:t>2</m:t>
+                              </m:r>
+                            </m:den>
+                          </m:f>
+                          <m:sSup>
+                            <m:sSupPr>
+                              <m:ctrlPr>
+                                <a:rPr lang="zh-CN" altLang="zh-CN" sz="1800" i="1"/>
+                              </m:ctrlPr>
+                            </m:sSupPr>
+                            <m:e>
+                              <m:d>
+                                <m:dPr>
+                                  <m:ctrlPr>
+                                    <a:rPr lang="zh-CN" altLang="zh-CN" sz="1800" i="1"/>
+                                  </m:ctrlPr>
+                                </m:dPr>
+                                <m:e>
+                                  <m:r>
+                                    <a:rPr lang="en-US" altLang="zh-CN" sz="1800" i="1"/>
+                                    <m:t>𝑥</m:t>
+                                  </m:r>
+                                  <m:r>
+                                    <a:rPr lang="en-US" altLang="zh-CN" sz="1800" i="1"/>
+                                    <m:t>−</m:t>
+                                  </m:r>
+                                  <m:sSub>
+                                    <m:sSubPr>
+                                      <m:ctrlPr>
+                                        <a:rPr lang="zh-CN" altLang="zh-CN" sz="1800" i="1"/>
+                                      </m:ctrlPr>
+                                    </m:sSubPr>
+                                    <m:e>
+                                      <m:r>
+                                        <a:rPr lang="en-US" altLang="zh-CN" sz="1800" i="1"/>
+                                        <m:t>𝜇</m:t>
+                                      </m:r>
+                                    </m:e>
+                                    <m:sub>
+                                      <m:r>
+                                        <a:rPr lang="en-US" altLang="zh-CN" sz="1800" i="1"/>
+                                        <m:t>𝑘</m:t>
+                                      </m:r>
+                                    </m:sub>
+                                  </m:sSub>
+                                </m:e>
+                              </m:d>
+                            </m:e>
+                            <m:sup>
+                              <m:r>
+                                <a:rPr lang="en-US" altLang="zh-CN" sz="1800" i="1"/>
+                                <m:t>𝑇</m:t>
+                              </m:r>
+                            </m:sup>
+                          </m:sSup>
+                          <m:sSubSup>
+                            <m:sSubSupPr>
+                              <m:ctrlPr>
+                                <a:rPr lang="zh-CN" altLang="zh-CN" sz="1800" i="1"/>
+                              </m:ctrlPr>
+                            </m:sSubSupPr>
+                            <m:e>
+                              <m:r>
+                                <m:rPr>
+                                  <m:sty m:val="p"/>
+                                </m:rPr>
+                                <a:rPr lang="en-US" altLang="zh-CN" sz="1800"/>
+                                <m:t>Σ</m:t>
+                              </m:r>
+                            </m:e>
+                            <m:sub>
+                              <m:r>
+                                <a:rPr lang="en-US" altLang="zh-CN" sz="1800" i="1"/>
+                                <m:t>𝑘</m:t>
+                              </m:r>
+                            </m:sub>
+                            <m:sup>
+                              <m:r>
+                                <a:rPr lang="en-US" altLang="zh-CN" sz="1800" i="1"/>
+                                <m:t>−1</m:t>
+                              </m:r>
+                            </m:sup>
+                          </m:sSubSup>
+                          <m:d>
+                            <m:dPr>
+                              <m:ctrlPr>
+                                <a:rPr lang="zh-CN" altLang="zh-CN" sz="1800" i="1"/>
+                              </m:ctrlPr>
+                            </m:dPr>
+                            <m:e>
+                              <m:r>
+                                <a:rPr lang="en-US" altLang="zh-CN" sz="1800" i="1"/>
+                                <m:t>𝑥</m:t>
+                              </m:r>
+                              <m:r>
+                                <a:rPr lang="en-US" altLang="zh-CN" sz="1800" i="1"/>
+                                <m:t>−</m:t>
+                              </m:r>
+                              <m:sSub>
+                                <m:sSubPr>
+                                  <m:ctrlPr>
+                                    <a:rPr lang="zh-CN" altLang="zh-CN" sz="1800" i="1"/>
+                                  </m:ctrlPr>
+                                </m:sSubPr>
+                                <m:e>
+                                  <m:r>
+                                    <a:rPr lang="en-US" altLang="zh-CN" sz="1800" i="1"/>
+                                    <m:t>𝜇</m:t>
+                                  </m:r>
+                                </m:e>
+                                <m:sub>
+                                  <m:r>
+                                    <a:rPr lang="en-US" altLang="zh-CN" sz="1800" i="1"/>
+                                    <m:t>𝑘</m:t>
+                                  </m:r>
+                                </m:sub>
+                              </m:sSub>
+                            </m:e>
+                          </m:d>
+                        </m:sup>
+                      </m:sSup>
+                    </m:oMath>
+                  </m:oMathPara>
+                </a14:m>
+                <a:endParaRPr lang="en-US" altLang="zh-CN" sz="1800" dirty="0" smtClean="0"/>
+              </a:p>
+              <a:p>
+                <a:pPr marL="0" indent="0">
+                  <a:buNone/>
+                </a:pPr>
+                <a:r>
+                  <a:rPr lang="zh-CN" altLang="en-US" sz="1800" dirty="0" smtClean="0"/>
+                  <a:t>检测效果：</a:t>
+                </a:r>
+                <a:endParaRPr lang="zh-CN" altLang="zh-CN" sz="1800" dirty="0"/>
+              </a:p>
+              <a:p>
+                <a:pPr marL="0" indent="0">
+                  <a:buNone/>
+                </a:pPr>
+                <a:endParaRPr lang="zh-CN" altLang="en-US" dirty="0"/>
+              </a:p>
+            </p:txBody>
+          </p:sp>
+        </mc:Choice>
+        <mc:Fallback>
+          <p:sp>
+            <p:nvSpPr>
+              <p:cNvPr id="3" name="内容占位符 2"/>
+              <p:cNvSpPr>
+                <a:spLocks noGrp="1" noRot="1" noChangeAspect="1" noMove="1" noResize="1" noEditPoints="1" noAdjustHandles="1" noChangeArrowheads="1" noChangeShapeType="1" noTextEdit="1"/>
+              </p:cNvSpPr>
+              <p:nvPr>
+                <p:ph idx="1"/>
+              </p:nvPr>
+            </p:nvSpPr>
+            <p:spPr>
+              <a:blipFill rotWithShape="1">
+                <a:blip r:embed="rId3"/>
+                <a:stretch>
+                  <a:fillRect l="-1481" t="-1887"/>
+                </a:stretch>
+              </a:blipFill>
+            </p:spPr>
+            <p:txBody>
+              <a:bodyPr/>
+              <a:lstStyle/>
+              <a:p>
+                <a:r>
+                  <a:rPr lang="zh-CN" altLang="en-US">
+                    <a:noFill/>
+                  </a:rPr>
+                  <a:t> </a:t>
+                </a:r>
+              </a:p>
+            </p:txBody>
+          </p:sp>
+        </mc:Fallback>
+      </mc:AlternateContent>
       <p:pic>
         <p:nvPicPr>
           <p:cNvPr id="2050" name="Picture 2" descr="C:\Users\tong\Desktop\gmm1.png"/>
@@ -11494,7 +12665,7 @@
           <p:nvPr/>
         </p:nvPicPr>
         <p:blipFill>
-          <a:blip r:embed="rId3">
+          <a:blip r:embed="rId4">
             <a:extLst>
               <a:ext uri="{28A0092B-C50C-407E-A947-70E740481C1C}">
                 <a14:useLocalDpi xmlns:a14="http://schemas.microsoft.com/office/drawing/2010/main" val="0"/>
@@ -11508,7 +12679,7 @@
         </p:blipFill>
         <p:spPr bwMode="auto">
           <a:xfrm>
-            <a:off x="2051720" y="2996952"/>
+            <a:off x="2272424" y="4725144"/>
             <a:ext cx="4438650" cy="1657350"/>
           </a:xfrm>
           <a:prstGeom prst="rect">
@@ -11633,7 +12804,7 @@
           <p:nvPr>
             <p:extLst>
               <p:ext uri="{D42A27DB-BD31-4B8C-83A1-F6EECF244321}">
-                <p14:modId xmlns:p14="http://schemas.microsoft.com/office/powerpoint/2010/main" val="1976329774"/>
+                <p14:modId xmlns:p14="http://schemas.microsoft.com/office/powerpoint/2010/main" val="468857816"/>
               </p:ext>
             </p:extLst>
           </p:nvPr>
@@ -11732,70 +12903,86 @@
           <a:lstStyle/>
           <a:p>
             <a:r>
-              <a:rPr lang="en-US" altLang="zh-CN" dirty="0"/>
+              <a:rPr lang="en-US" altLang="zh-CN" sz="2800" dirty="0"/>
               <a:t>4</a:t>
             </a:r>
             <a:r>
-              <a:rPr lang="zh-CN" altLang="zh-CN" dirty="0"/>
+              <a:rPr lang="zh-CN" altLang="zh-CN" sz="2800" dirty="0"/>
               <a:t>月</a:t>
             </a:r>
             <a:r>
-              <a:rPr lang="en-US" altLang="zh-CN" dirty="0"/>
+              <a:rPr lang="en-US" altLang="zh-CN" sz="2800" dirty="0"/>
               <a:t>-5</a:t>
             </a:r>
             <a:r>
-              <a:rPr lang="zh-CN" altLang="zh-CN" dirty="0"/>
+              <a:rPr lang="zh-CN" altLang="zh-CN" sz="2800" dirty="0"/>
               <a:t>月 实现整个时空</a:t>
             </a:r>
             <a:r>
-              <a:rPr lang="en-US" altLang="zh-CN" dirty="0"/>
+              <a:rPr lang="en-US" altLang="zh-CN" sz="2800" dirty="0"/>
               <a:t>MRF</a:t>
             </a:r>
             <a:r>
-              <a:rPr lang="zh-CN" altLang="zh-CN" dirty="0"/>
-              <a:t>模型的算法。</a:t>
-            </a:r>
-          </a:p>
-          <a:p>
-            <a:r>
-              <a:rPr lang="en-US" altLang="zh-CN" dirty="0"/>
+              <a:rPr lang="zh-CN" altLang="zh-CN" sz="2800" dirty="0"/>
+              <a:t>模型的算法</a:t>
+            </a:r>
+            <a:r>
+              <a:rPr lang="zh-CN" altLang="zh-CN" sz="2800" dirty="0" smtClean="0"/>
+              <a:t>。</a:t>
+            </a:r>
+            <a:endParaRPr lang="en-US" altLang="zh-CN" sz="2800" dirty="0" smtClean="0"/>
+          </a:p>
+          <a:p>
+            <a:endParaRPr lang="zh-CN" altLang="zh-CN" sz="2800" dirty="0"/>
+          </a:p>
+          <a:p>
+            <a:r>
+              <a:rPr lang="en-US" altLang="zh-CN" sz="2800" dirty="0"/>
               <a:t>6</a:t>
             </a:r>
             <a:r>
-              <a:rPr lang="zh-CN" altLang="zh-CN" dirty="0"/>
+              <a:rPr lang="zh-CN" altLang="zh-CN" sz="2800" dirty="0"/>
               <a:t>月</a:t>
             </a:r>
             <a:r>
-              <a:rPr lang="en-US" altLang="zh-CN" dirty="0"/>
+              <a:rPr lang="en-US" altLang="zh-CN" sz="2800" dirty="0"/>
               <a:t>-7</a:t>
             </a:r>
             <a:r>
-              <a:rPr lang="zh-CN" altLang="zh-CN" dirty="0"/>
-              <a:t>月 通过实验检验并评价模型并进行相应改进。</a:t>
-            </a:r>
-          </a:p>
-          <a:p>
-            <a:r>
-              <a:rPr lang="en-US" altLang="zh-CN" dirty="0"/>
+              <a:rPr lang="zh-CN" altLang="zh-CN" sz="2800" dirty="0"/>
+              <a:t>月 通过实验检验并评价模型并进行相应改进</a:t>
+            </a:r>
+            <a:r>
+              <a:rPr lang="zh-CN" altLang="zh-CN" sz="2800" dirty="0" smtClean="0"/>
+              <a:t>。</a:t>
+            </a:r>
+            <a:endParaRPr lang="en-US" altLang="zh-CN" sz="2800" dirty="0" smtClean="0"/>
+          </a:p>
+          <a:p>
+            <a:endParaRPr lang="zh-CN" altLang="zh-CN" sz="2800" dirty="0"/>
+          </a:p>
+          <a:p>
+            <a:r>
+              <a:rPr lang="en-US" altLang="zh-CN" sz="2800" dirty="0"/>
               <a:t>8</a:t>
             </a:r>
             <a:r>
-              <a:rPr lang="zh-CN" altLang="zh-CN" dirty="0"/>
+              <a:rPr lang="zh-CN" altLang="zh-CN" sz="2800" dirty="0"/>
               <a:t>月</a:t>
             </a:r>
             <a:r>
-              <a:rPr lang="en-US" altLang="zh-CN" dirty="0"/>
+              <a:rPr lang="en-US" altLang="zh-CN" sz="2800" dirty="0"/>
               <a:t>-9</a:t>
             </a:r>
             <a:r>
-              <a:rPr lang="zh-CN" altLang="zh-CN" dirty="0"/>
+              <a:rPr lang="zh-CN" altLang="zh-CN" sz="2800" dirty="0"/>
               <a:t>月 撰写论文</a:t>
             </a:r>
             <a:r>
-              <a:rPr lang="zh-CN" altLang="zh-CN" dirty="0" smtClean="0"/>
+              <a:rPr lang="zh-CN" altLang="zh-CN" sz="2800" dirty="0" smtClean="0"/>
               <a:t>。</a:t>
             </a:r>
-            <a:endParaRPr lang="en-US" altLang="zh-CN" dirty="0" smtClean="0"/>
+            <a:endParaRPr lang="en-US" altLang="zh-CN" sz="2800" dirty="0" smtClean="0"/>
           </a:p>
           <a:p>
             <a:endParaRPr lang="zh-CN" altLang="zh-CN" dirty="0"/>
@@ -11879,60 +13066,87 @@
           <a:p>
             <a:pPr lvl="0"/>
             <a:r>
-              <a:rPr lang="zh-CN" altLang="zh-CN" dirty="0"/>
+              <a:rPr lang="zh-CN" altLang="zh-CN" sz="2800" dirty="0"/>
               <a:t>目前实行</a:t>
             </a:r>
             <a:r>
-              <a:rPr lang="en-US" altLang="zh-CN" dirty="0"/>
+              <a:rPr lang="en-US" altLang="zh-CN" sz="2800" dirty="0"/>
               <a:t>GMM</a:t>
             </a:r>
             <a:r>
-              <a:rPr lang="zh-CN" altLang="zh-CN" dirty="0"/>
-              <a:t>背景建模不能很好的处理阴影问题；</a:t>
-            </a:r>
+              <a:rPr lang="zh-CN" altLang="zh-CN" sz="2800" dirty="0"/>
+              <a:t>背景建模不能很好的处理阴影问题</a:t>
+            </a:r>
+            <a:r>
+              <a:rPr lang="zh-CN" altLang="zh-CN" sz="2800" dirty="0" smtClean="0"/>
+              <a:t>；</a:t>
+            </a:r>
+            <a:endParaRPr lang="en-US" altLang="zh-CN" sz="2800" dirty="0" smtClean="0"/>
           </a:p>
           <a:p>
             <a:pPr lvl="0"/>
-            <a:r>
-              <a:rPr lang="zh-CN" altLang="zh-CN" dirty="0"/>
+            <a:endParaRPr lang="zh-CN" altLang="zh-CN" sz="2800" dirty="0"/>
+          </a:p>
+          <a:p>
+            <a:pPr lvl="0"/>
+            <a:r>
+              <a:rPr lang="zh-CN" altLang="zh-CN" sz="2800" dirty="0"/>
               <a:t>时空</a:t>
             </a:r>
             <a:r>
-              <a:rPr lang="en-US" altLang="zh-CN" dirty="0"/>
+              <a:rPr lang="en-US" altLang="zh-CN" sz="2800" dirty="0"/>
               <a:t>MRF</a:t>
             </a:r>
             <a:r>
-              <a:rPr lang="zh-CN" altLang="zh-CN" dirty="0"/>
-              <a:t>模型的算法实现将是实现的难点；</a:t>
-            </a:r>
+              <a:rPr lang="zh-CN" altLang="zh-CN" sz="2800" dirty="0"/>
+              <a:t>模型的算法实现将是实现的难点</a:t>
+            </a:r>
+            <a:r>
+              <a:rPr lang="zh-CN" altLang="zh-CN" sz="2800" dirty="0" smtClean="0"/>
+              <a:t>；</a:t>
+            </a:r>
+            <a:endParaRPr lang="en-US" altLang="zh-CN" sz="2800" dirty="0" smtClean="0"/>
           </a:p>
           <a:p>
             <a:pPr lvl="0"/>
-            <a:r>
-              <a:rPr lang="zh-CN" altLang="zh-CN" dirty="0"/>
-              <a:t>模型的检测效果有待于实验的检验与评价；</a:t>
-            </a:r>
+            <a:endParaRPr lang="zh-CN" altLang="zh-CN" sz="2800" dirty="0"/>
           </a:p>
           <a:p>
             <a:pPr lvl="0"/>
             <a:r>
-              <a:rPr lang="zh-CN" altLang="zh-CN" dirty="0"/>
+              <a:rPr lang="zh-CN" altLang="zh-CN" sz="2800" dirty="0"/>
+              <a:t>模型的检测效果有待于实验的检验与评价</a:t>
+            </a:r>
+            <a:r>
+              <a:rPr lang="zh-CN" altLang="zh-CN" sz="2800" dirty="0" smtClean="0"/>
+              <a:t>；</a:t>
+            </a:r>
+            <a:endParaRPr lang="en-US" altLang="zh-CN" sz="2800" dirty="0" smtClean="0"/>
+          </a:p>
+          <a:p>
+            <a:pPr lvl="0"/>
+            <a:endParaRPr lang="zh-CN" altLang="zh-CN" sz="2800" dirty="0"/>
+          </a:p>
+          <a:p>
+            <a:pPr lvl="0"/>
+            <a:r>
+              <a:rPr lang="zh-CN" altLang="zh-CN" sz="2800" dirty="0"/>
               <a:t>如何有效结合</a:t>
             </a:r>
             <a:r>
-              <a:rPr lang="en-US" altLang="zh-CN" dirty="0"/>
+              <a:rPr lang="en-US" altLang="zh-CN" sz="2800" dirty="0"/>
               <a:t>GMM</a:t>
             </a:r>
             <a:r>
-              <a:rPr lang="zh-CN" altLang="zh-CN" dirty="0"/>
+              <a:rPr lang="zh-CN" altLang="zh-CN" sz="2800" dirty="0"/>
               <a:t>的运动区域检测与时空</a:t>
             </a:r>
             <a:r>
-              <a:rPr lang="en-US" altLang="zh-CN" dirty="0"/>
+              <a:rPr lang="en-US" altLang="zh-CN" sz="2800" dirty="0"/>
               <a:t>MRF</a:t>
             </a:r>
             <a:r>
-              <a:rPr lang="zh-CN" altLang="zh-CN" dirty="0"/>
+              <a:rPr lang="zh-CN" altLang="zh-CN" sz="2800" dirty="0"/>
               <a:t>上的异常检测。</a:t>
             </a:r>
           </a:p>
